--- a/presentations/project story.pptx
+++ b/presentations/project story.pptx
@@ -5,7 +5,7 @@
     <p:sldMasterId id="2147483648" r:id="rId1"/>
   </p:sldMasterIdLst>
   <p:notesMasterIdLst>
-    <p:notesMasterId r:id="rId40"/>
+    <p:notesMasterId r:id="rId33"/>
   </p:notesMasterIdLst>
   <p:sldIdLst>
     <p:sldId id="256" r:id="rId2"/>
@@ -21,31 +21,24 @@
     <p:sldId id="353" r:id="rId12"/>
     <p:sldId id="367" r:id="rId13"/>
     <p:sldId id="383" r:id="rId14"/>
-    <p:sldId id="344" r:id="rId15"/>
-    <p:sldId id="350" r:id="rId16"/>
-    <p:sldId id="381" r:id="rId17"/>
-    <p:sldId id="382" r:id="rId18"/>
-    <p:sldId id="368" r:id="rId19"/>
-    <p:sldId id="385" r:id="rId20"/>
-    <p:sldId id="388" r:id="rId21"/>
-    <p:sldId id="371" r:id="rId22"/>
-    <p:sldId id="348" r:id="rId23"/>
-    <p:sldId id="359" r:id="rId24"/>
-    <p:sldId id="386" r:id="rId25"/>
-    <p:sldId id="389" r:id="rId26"/>
-    <p:sldId id="373" r:id="rId27"/>
-    <p:sldId id="370" r:id="rId28"/>
-    <p:sldId id="387" r:id="rId29"/>
-    <p:sldId id="390" r:id="rId30"/>
-    <p:sldId id="376" r:id="rId31"/>
-    <p:sldId id="374" r:id="rId32"/>
-    <p:sldId id="375" r:id="rId33"/>
-    <p:sldId id="320" r:id="rId34"/>
-    <p:sldId id="310" r:id="rId35"/>
-    <p:sldId id="364" r:id="rId36"/>
-    <p:sldId id="272" r:id="rId37"/>
-    <p:sldId id="340" r:id="rId38"/>
-    <p:sldId id="343" r:id="rId39"/>
+    <p:sldId id="393" r:id="rId15"/>
+    <p:sldId id="344" r:id="rId16"/>
+    <p:sldId id="350" r:id="rId17"/>
+    <p:sldId id="381" r:id="rId18"/>
+    <p:sldId id="382" r:id="rId19"/>
+    <p:sldId id="368" r:id="rId20"/>
+    <p:sldId id="391" r:id="rId21"/>
+    <p:sldId id="392" r:id="rId22"/>
+    <p:sldId id="371" r:id="rId23"/>
+    <p:sldId id="348" r:id="rId24"/>
+    <p:sldId id="359" r:id="rId25"/>
+    <p:sldId id="373" r:id="rId26"/>
+    <p:sldId id="370" r:id="rId27"/>
+    <p:sldId id="320" r:id="rId28"/>
+    <p:sldId id="376" r:id="rId29"/>
+    <p:sldId id="374" r:id="rId30"/>
+    <p:sldId id="375" r:id="rId31"/>
+    <p:sldId id="364" r:id="rId32"/>
   </p:sldIdLst>
   <p:sldSz cx="12192000" cy="6858000"/>
   <p:notesSz cx="6858000" cy="9144000"/>
@@ -294,7 +287,7 @@
       </p15:sldGuideLst>
     </p:ext>
     <p:ext uri="http://customooxmlschemas.google.com/">
-      <go:slidesCustomData xmlns:go="http://customooxmlschemas.google.com/" xmlns:ahyp="http://schemas.microsoft.com/office/drawing/2018/hyperlinkcolor" xmlns:p15="http://schemas.microsoft.com/office/powerpoint/2012/main" xmlns:p14="http://schemas.microsoft.com/office/powerpoint/2010/main" xmlns:com="http://schemas.openxmlformats.org/drawingml/2006/compatibility" xmlns:pvml="urn:schemas-microsoft-com:office:powerpoint" xmlns:v="urn:schemas-microsoft-com:vml" xmlns:o="urn:schemas-microsoft-com:office:office" xmlns:dgm="http://schemas.openxmlformats.org/drawingml/2006/diagram" xmlns:c="http://schemas.openxmlformats.org/drawingml/2006/chart" xmlns:mv="urn:schemas-microsoft-com:mac:vml" xmlns:mc="http://schemas.openxmlformats.org/markup-compatibility/2006" xmlns="" r:id="rId67" roundtripDataSignature="AMtx7miWcMCwqWalZ5+4w3F/JiR3qZOS7w=="/>
+      <go:slidesCustomData xmlns="" xmlns:mc="http://schemas.openxmlformats.org/markup-compatibility/2006" xmlns:mv="urn:schemas-microsoft-com:mac:vml" xmlns:c="http://schemas.openxmlformats.org/drawingml/2006/chart" xmlns:dgm="http://schemas.openxmlformats.org/drawingml/2006/diagram" xmlns:o="urn:schemas-microsoft-com:office:office" xmlns:v="urn:schemas-microsoft-com:vml" xmlns:pvml="urn:schemas-microsoft-com:office:powerpoint" xmlns:com="http://schemas.openxmlformats.org/drawingml/2006/compatibility" xmlns:p14="http://schemas.microsoft.com/office/powerpoint/2010/main" xmlns:p15="http://schemas.microsoft.com/office/powerpoint/2012/main" xmlns:ahyp="http://schemas.microsoft.com/office/drawing/2018/hyperlinkcolor" xmlns:go="http://customooxmlschemas.google.com/" r:id="rId67" roundtripDataSignature="AMtx7miWcMCwqWalZ5+4w3F/JiR3qZOS7w=="/>
     </p:ext>
   </p:extLst>
 </p:presentation>
@@ -2085,7 +2078,13 @@
               </a:spcAft>
               <a:buNone/>
             </a:pPr>
-            <a:endParaRPr dirty="0"/>
+            <a:endParaRPr lang="en-US" b="0" i="0" dirty="0">
+              <a:solidFill>
+                <a:srgbClr val="374151"/>
+              </a:solidFill>
+              <a:effectLst/>
+              <a:latin typeface="Söhne"/>
+            </a:endParaRPr>
           </a:p>
         </p:txBody>
       </p:sp>
@@ -2138,7 +2137,7 @@
     </p:spTree>
     <p:extLst>
       <p:ext uri="{BB962C8B-B14F-4D97-AF65-F5344CB8AC3E}">
-        <p14:creationId xmlns:p14="http://schemas.microsoft.com/office/powerpoint/2010/main" val="2287095524"/>
+        <p14:creationId xmlns:p14="http://schemas.microsoft.com/office/powerpoint/2010/main" val="44866686"/>
       </p:ext>
     </p:extLst>
   </p:cSld>
@@ -2254,16 +2253,7 @@
               </a:spcAft>
               <a:buNone/>
             </a:pPr>
-            <a:r>
-              <a:rPr lang="en-US" b="0" i="0" dirty="0">
-                <a:solidFill>
-                  <a:srgbClr val="374151"/>
-                </a:solidFill>
-                <a:effectLst/>
-                <a:latin typeface="Söhne"/>
-              </a:rPr>
-              <a:t>I found that a few big modules encompass rats from multiple land uses while many small modules encompass rats from only one or two land uses. Also, each land use consists of multiple different modules.</a:t>
-            </a:r>
+            <a:endParaRPr dirty="0"/>
           </a:p>
         </p:txBody>
       </p:sp>
@@ -2316,7 +2306,7 @@
     </p:spTree>
     <p:extLst>
       <p:ext uri="{BB962C8B-B14F-4D97-AF65-F5344CB8AC3E}">
-        <p14:creationId xmlns:p14="http://schemas.microsoft.com/office/powerpoint/2010/main" val="152845533"/>
+        <p14:creationId xmlns:p14="http://schemas.microsoft.com/office/powerpoint/2010/main" val="2287095524"/>
       </p:ext>
     </p:extLst>
   </p:cSld>
@@ -2327,11 +2317,11 @@
 </file>
 
 <file path=ppt/notesSlides/notesSlide16.xml><?xml version="1.0" encoding="utf-8"?>
-<p:notes xmlns:a="http://schemas.openxmlformats.org/drawingml/2006/main" xmlns:r="http://schemas.openxmlformats.org/officeDocument/2006/relationships" xmlns:p="http://schemas.openxmlformats.org/presentationml/2006/main">
+<p:notes xmlns:a="http://schemas.openxmlformats.org/drawingml/2006/main" xmlns:r="http://schemas.openxmlformats.org/officeDocument/2006/relationships" xmlns:p="http://schemas.openxmlformats.org/presentationml/2006/main" showMasterSp="0" showMasterPhAnim="0">
   <p:cSld>
     <p:spTree>
       <p:nvGrpSpPr>
-        <p:cNvPr id="1" name=""/>
+        <p:cNvPr id="1" name="Shape 353"/>
         <p:cNvGrpSpPr/>
         <p:nvPr/>
       </p:nvGrpSpPr>
@@ -2345,71 +2335,153 @@
       </p:grpSpPr>
       <p:sp>
         <p:nvSpPr>
-          <p:cNvPr id="2" name="Slide Image Placeholder 1"/>
+          <p:cNvPr id="354" name="Google Shape;354;p17:notes"/>
           <p:cNvSpPr>
             <a:spLocks noGrp="1" noRot="1" noChangeAspect="1"/>
           </p:cNvSpPr>
           <p:nvPr>
-            <p:ph type="sldImg"/>
+            <p:ph type="sldImg" idx="2"/>
           </p:nvPr>
         </p:nvSpPr>
-        <p:spPr/>
+        <p:spPr>
+          <a:xfrm>
+            <a:off x="685800" y="1143000"/>
+            <a:ext cx="5486400" cy="3086100"/>
+          </a:xfrm>
+          <a:custGeom>
+            <a:avLst/>
+            <a:gdLst/>
+            <a:ahLst/>
+            <a:cxnLst/>
+            <a:rect l="l" t="t" r="r" b="b"/>
+            <a:pathLst>
+              <a:path w="120000" h="120000" extrusionOk="0">
+                <a:moveTo>
+                  <a:pt x="0" y="0"/>
+                </a:moveTo>
+                <a:lnTo>
+                  <a:pt x="120000" y="0"/>
+                </a:lnTo>
+                <a:lnTo>
+                  <a:pt x="120000" y="120000"/>
+                </a:lnTo>
+                <a:lnTo>
+                  <a:pt x="0" y="120000"/>
+                </a:lnTo>
+                <a:close/>
+              </a:path>
+            </a:pathLst>
+          </a:custGeom>
+          <a:noFill/>
+          <a:ln w="12700" cap="flat" cmpd="sng">
+            <a:solidFill>
+              <a:srgbClr val="000000"/>
+            </a:solidFill>
+            <a:prstDash val="solid"/>
+            <a:round/>
+            <a:headEnd type="none" w="sm" len="sm"/>
+            <a:tailEnd type="none" w="sm" len="sm"/>
+          </a:ln>
+        </p:spPr>
       </p:sp>
       <p:sp>
         <p:nvSpPr>
-          <p:cNvPr id="3" name="Notes Placeholder 2"/>
-          <p:cNvSpPr>
+          <p:cNvPr id="355" name="Google Shape;355;p17:notes"/>
+          <p:cNvSpPr txBox="1">
             <a:spLocks noGrp="1"/>
           </p:cNvSpPr>
           <p:nvPr>
             <p:ph type="body" idx="1"/>
           </p:nvPr>
         </p:nvSpPr>
-        <p:spPr/>
+        <p:spPr>
+          <a:xfrm>
+            <a:off x="685800" y="4400550"/>
+            <a:ext cx="5486400" cy="3600450"/>
+          </a:xfrm>
+          <a:prstGeom prst="rect">
+            <a:avLst/>
+          </a:prstGeom>
+          <a:noFill/>
+          <a:ln>
+            <a:noFill/>
+          </a:ln>
+        </p:spPr>
         <p:txBody>
-          <a:bodyPr/>
+          <a:bodyPr spcFirstLastPara="1" wrap="square" lIns="91425" tIns="45700" rIns="91425" bIns="45700" anchor="t" anchorCtr="0">
+            <a:noAutofit/>
+          </a:bodyPr>
           <a:lstStyle/>
           <a:p>
-            <a:r>
-              <a:rPr lang="en-US" b="0" i="0" dirty="0">
-                <a:solidFill>
-                  <a:srgbClr val="2E2F31"/>
-                </a:solidFill>
-                <a:effectLst/>
-                <a:latin typeface="Gotham A"/>
-              </a:rPr>
-              <a:t>To answer my question we need first to connect between the structure and the processes.</a:t>
-            </a:r>
+            <a:pPr marL="0" lvl="0" indent="0" algn="l" rtl="0">
+              <a:spcBef>
+                <a:spcPts val="0"/>
+              </a:spcBef>
+              <a:spcAft>
+                <a:spcPts val="0"/>
+              </a:spcAft>
+              <a:buNone/>
+            </a:pPr>
+            <a:endParaRPr lang="en-US" b="0" i="0" dirty="0">
+              <a:solidFill>
+                <a:srgbClr val="374151"/>
+              </a:solidFill>
+              <a:effectLst/>
+              <a:latin typeface="Söhne"/>
+            </a:endParaRPr>
           </a:p>
         </p:txBody>
       </p:sp>
       <p:sp>
         <p:nvSpPr>
-          <p:cNvPr id="4" name="Slide Number Placeholder 3"/>
-          <p:cNvSpPr>
+          <p:cNvPr id="356" name="Google Shape;356;p17:notes"/>
+          <p:cNvSpPr txBox="1">
             <a:spLocks noGrp="1"/>
           </p:cNvSpPr>
           <p:nvPr>
-            <p:ph type="sldNum" sz="quarter" idx="5"/>
+            <p:ph type="sldNum" idx="12"/>
           </p:nvPr>
         </p:nvSpPr>
-        <p:spPr/>
+        <p:spPr>
+          <a:xfrm>
+            <a:off x="3884613" y="8685213"/>
+            <a:ext cx="2971800" cy="458787"/>
+          </a:xfrm>
+          <a:prstGeom prst="rect">
+            <a:avLst/>
+          </a:prstGeom>
+          <a:noFill/>
+          <a:ln>
+            <a:noFill/>
+          </a:ln>
+        </p:spPr>
         <p:txBody>
-          <a:bodyPr/>
+          <a:bodyPr spcFirstLastPara="1" wrap="square" lIns="91425" tIns="45700" rIns="91425" bIns="45700" anchor="b" anchorCtr="0">
+            <a:noAutofit/>
+          </a:bodyPr>
           <a:lstStyle/>
           <a:p>
-            <a:fld id="{740EB326-2EE0-A545-B9C1-056C9CF3A65A}" type="slidenum">
-              <a:rPr lang="en-IL" smtClean="0"/>
+            <a:pPr marL="0" lvl="0" indent="0" algn="r" rtl="0">
+              <a:spcBef>
+                <a:spcPts val="0"/>
+              </a:spcBef>
+              <a:spcAft>
+                <a:spcPts val="0"/>
+              </a:spcAft>
+              <a:buNone/>
+            </a:pPr>
+            <a:fld id="{00000000-1234-1234-1234-123412341234}" type="slidenum">
+              <a:rPr lang="en-US"/>
               <a:t>16</a:t>
             </a:fld>
-            <a:endParaRPr lang="en-IL"/>
+            <a:endParaRPr/>
           </a:p>
         </p:txBody>
       </p:sp>
     </p:spTree>
     <p:extLst>
       <p:ext uri="{BB962C8B-B14F-4D97-AF65-F5344CB8AC3E}">
-        <p14:creationId xmlns:p14="http://schemas.microsoft.com/office/powerpoint/2010/main" val="2608807494"/>
+        <p14:creationId xmlns:p14="http://schemas.microsoft.com/office/powerpoint/2010/main" val="152845533"/>
       </p:ext>
     </p:extLst>
   </p:cSld>
@@ -2502,7 +2574,7 @@
     </p:spTree>
     <p:extLst>
       <p:ext uri="{BB962C8B-B14F-4D97-AF65-F5344CB8AC3E}">
-        <p14:creationId xmlns:p14="http://schemas.microsoft.com/office/powerpoint/2010/main" val="452242983"/>
+        <p14:creationId xmlns:p14="http://schemas.microsoft.com/office/powerpoint/2010/main" val="2608807494"/>
       </p:ext>
     </p:extLst>
   </p:cSld>
@@ -2556,13 +2628,16 @@
           <a:bodyPr/>
           <a:lstStyle/>
           <a:p>
-            <a:endParaRPr lang="en-US" b="0" i="0" dirty="0">
-              <a:solidFill>
-                <a:srgbClr val="2E2F31"/>
-              </a:solidFill>
-              <a:effectLst/>
-              <a:latin typeface="Gotham A"/>
-            </a:endParaRPr>
+            <a:r>
+              <a:rPr lang="en-US" b="0" i="0" dirty="0">
+                <a:solidFill>
+                  <a:srgbClr val="2E2F31"/>
+                </a:solidFill>
+                <a:effectLst/>
+                <a:latin typeface="Gotham A"/>
+              </a:rPr>
+              <a:t>To answer my question we need first to connect between the structure and the processes.</a:t>
+            </a:r>
           </a:p>
         </p:txBody>
       </p:sp>
@@ -2592,7 +2667,7 @@
     </p:spTree>
     <p:extLst>
       <p:ext uri="{BB962C8B-B14F-4D97-AF65-F5344CB8AC3E}">
-        <p14:creationId xmlns:p14="http://schemas.microsoft.com/office/powerpoint/2010/main" val="2315771217"/>
+        <p14:creationId xmlns:p14="http://schemas.microsoft.com/office/powerpoint/2010/main" val="452242983"/>
       </p:ext>
     </p:extLst>
   </p:cSld>
@@ -2682,7 +2757,7 @@
     </p:spTree>
     <p:extLst>
       <p:ext uri="{BB962C8B-B14F-4D97-AF65-F5344CB8AC3E}">
-        <p14:creationId xmlns:p14="http://schemas.microsoft.com/office/powerpoint/2010/main" val="2063492716"/>
+        <p14:creationId xmlns:p14="http://schemas.microsoft.com/office/powerpoint/2010/main" val="2315771217"/>
       </p:ext>
     </p:extLst>
   </p:cSld>
@@ -2935,7 +3010,7 @@
     </p:spTree>
     <p:extLst>
       <p:ext uri="{BB962C8B-B14F-4D97-AF65-F5344CB8AC3E}">
-        <p14:creationId xmlns:p14="http://schemas.microsoft.com/office/powerpoint/2010/main" val="4086881395"/>
+        <p14:creationId xmlns:p14="http://schemas.microsoft.com/office/powerpoint/2010/main" val="2136968928"/>
       </p:ext>
     </p:extLst>
   </p:cSld>
@@ -3025,6 +3100,96 @@
     </p:spTree>
     <p:extLst>
       <p:ext uri="{BB962C8B-B14F-4D97-AF65-F5344CB8AC3E}">
+        <p14:creationId xmlns:p14="http://schemas.microsoft.com/office/powerpoint/2010/main" val="1060269319"/>
+      </p:ext>
+    </p:extLst>
+  </p:cSld>
+  <p:clrMapOvr>
+    <a:masterClrMapping/>
+  </p:clrMapOvr>
+</p:notes>
+</file>
+
+<file path=ppt/notesSlides/notesSlide22.xml><?xml version="1.0" encoding="utf-8"?>
+<p:notes xmlns:a="http://schemas.openxmlformats.org/drawingml/2006/main" xmlns:r="http://schemas.openxmlformats.org/officeDocument/2006/relationships" xmlns:p="http://schemas.openxmlformats.org/presentationml/2006/main">
+  <p:cSld>
+    <p:spTree>
+      <p:nvGrpSpPr>
+        <p:cNvPr id="1" name=""/>
+        <p:cNvGrpSpPr/>
+        <p:nvPr/>
+      </p:nvGrpSpPr>
+      <p:grpSpPr>
+        <a:xfrm>
+          <a:off x="0" y="0"/>
+          <a:ext cx="0" cy="0"/>
+          <a:chOff x="0" y="0"/>
+          <a:chExt cx="0" cy="0"/>
+        </a:xfrm>
+      </p:grpSpPr>
+      <p:sp>
+        <p:nvSpPr>
+          <p:cNvPr id="2" name="Slide Image Placeholder 1"/>
+          <p:cNvSpPr>
+            <a:spLocks noGrp="1" noRot="1" noChangeAspect="1"/>
+          </p:cNvSpPr>
+          <p:nvPr>
+            <p:ph type="sldImg"/>
+          </p:nvPr>
+        </p:nvSpPr>
+        <p:spPr/>
+      </p:sp>
+      <p:sp>
+        <p:nvSpPr>
+          <p:cNvPr id="3" name="Notes Placeholder 2"/>
+          <p:cNvSpPr>
+            <a:spLocks noGrp="1"/>
+          </p:cNvSpPr>
+          <p:nvPr>
+            <p:ph type="body" idx="1"/>
+          </p:nvPr>
+        </p:nvSpPr>
+        <p:spPr/>
+        <p:txBody>
+          <a:bodyPr/>
+          <a:lstStyle/>
+          <a:p>
+            <a:endParaRPr lang="en-US" b="0" i="0" dirty="0">
+              <a:solidFill>
+                <a:srgbClr val="2E2F31"/>
+              </a:solidFill>
+              <a:effectLst/>
+              <a:latin typeface="Gotham A"/>
+            </a:endParaRPr>
+          </a:p>
+        </p:txBody>
+      </p:sp>
+      <p:sp>
+        <p:nvSpPr>
+          <p:cNvPr id="4" name="Slide Number Placeholder 3"/>
+          <p:cNvSpPr>
+            <a:spLocks noGrp="1"/>
+          </p:cNvSpPr>
+          <p:nvPr>
+            <p:ph type="sldNum" sz="quarter" idx="5"/>
+          </p:nvPr>
+        </p:nvSpPr>
+        <p:spPr/>
+        <p:txBody>
+          <a:bodyPr/>
+          <a:lstStyle/>
+          <a:p>
+            <a:fld id="{740EB326-2EE0-A545-B9C1-056C9CF3A65A}" type="slidenum">
+              <a:rPr lang="en-IL" smtClean="0"/>
+              <a:t>22</a:t>
+            </a:fld>
+            <a:endParaRPr lang="en-IL"/>
+          </a:p>
+        </p:txBody>
+      </p:sp>
+    </p:spTree>
+    <p:extLst>
+      <p:ext uri="{BB962C8B-B14F-4D97-AF65-F5344CB8AC3E}">
         <p14:creationId xmlns:p14="http://schemas.microsoft.com/office/powerpoint/2010/main" val="865306772"/>
       </p:ext>
     </p:extLst>
@@ -3035,7 +3200,7 @@
 </p:notes>
 </file>
 
-<file path=ppt/notesSlides/notesSlide22.xml><?xml version="1.0" encoding="utf-8"?>
+<file path=ppt/notesSlides/notesSlide23.xml><?xml version="1.0" encoding="utf-8"?>
 <p:notes xmlns:a="http://schemas.openxmlformats.org/drawingml/2006/main" xmlns:r="http://schemas.openxmlformats.org/officeDocument/2006/relationships" xmlns:p="http://schemas.openxmlformats.org/presentationml/2006/main" showMasterSp="0" showMasterPhAnim="0">
   <p:cSld>
     <p:spTree>
@@ -3192,7 +3357,7 @@
             </a:pPr>
             <a:fld id="{00000000-1234-1234-1234-123412341234}" type="slidenum">
               <a:rPr lang="en-US"/>
-              <a:t>22</a:t>
+              <a:t>23</a:t>
             </a:fld>
             <a:endParaRPr/>
           </a:p>
@@ -3202,96 +3367,6 @@
     <p:extLst>
       <p:ext uri="{BB962C8B-B14F-4D97-AF65-F5344CB8AC3E}">
         <p14:creationId xmlns:p14="http://schemas.microsoft.com/office/powerpoint/2010/main" val="3642458"/>
-      </p:ext>
-    </p:extLst>
-  </p:cSld>
-  <p:clrMapOvr>
-    <a:masterClrMapping/>
-  </p:clrMapOvr>
-</p:notes>
-</file>
-
-<file path=ppt/notesSlides/notesSlide23.xml><?xml version="1.0" encoding="utf-8"?>
-<p:notes xmlns:a="http://schemas.openxmlformats.org/drawingml/2006/main" xmlns:r="http://schemas.openxmlformats.org/officeDocument/2006/relationships" xmlns:p="http://schemas.openxmlformats.org/presentationml/2006/main">
-  <p:cSld>
-    <p:spTree>
-      <p:nvGrpSpPr>
-        <p:cNvPr id="1" name=""/>
-        <p:cNvGrpSpPr/>
-        <p:nvPr/>
-      </p:nvGrpSpPr>
-      <p:grpSpPr>
-        <a:xfrm>
-          <a:off x="0" y="0"/>
-          <a:ext cx="0" cy="0"/>
-          <a:chOff x="0" y="0"/>
-          <a:chExt cx="0" cy="0"/>
-        </a:xfrm>
-      </p:grpSpPr>
-      <p:sp>
-        <p:nvSpPr>
-          <p:cNvPr id="2" name="Slide Image Placeholder 1"/>
-          <p:cNvSpPr>
-            <a:spLocks noGrp="1" noRot="1" noChangeAspect="1"/>
-          </p:cNvSpPr>
-          <p:nvPr>
-            <p:ph type="sldImg"/>
-          </p:nvPr>
-        </p:nvSpPr>
-        <p:spPr/>
-      </p:sp>
-      <p:sp>
-        <p:nvSpPr>
-          <p:cNvPr id="3" name="Notes Placeholder 2"/>
-          <p:cNvSpPr>
-            <a:spLocks noGrp="1"/>
-          </p:cNvSpPr>
-          <p:nvPr>
-            <p:ph type="body" idx="1"/>
-          </p:nvPr>
-        </p:nvSpPr>
-        <p:spPr/>
-        <p:txBody>
-          <a:bodyPr/>
-          <a:lstStyle/>
-          <a:p>
-            <a:endParaRPr lang="en-US" b="0" i="0" dirty="0">
-              <a:solidFill>
-                <a:srgbClr val="2E2F31"/>
-              </a:solidFill>
-              <a:effectLst/>
-              <a:latin typeface="Gotham A"/>
-            </a:endParaRPr>
-          </a:p>
-        </p:txBody>
-      </p:sp>
-      <p:sp>
-        <p:nvSpPr>
-          <p:cNvPr id="4" name="Slide Number Placeholder 3"/>
-          <p:cNvSpPr>
-            <a:spLocks noGrp="1"/>
-          </p:cNvSpPr>
-          <p:nvPr>
-            <p:ph type="sldNum" sz="quarter" idx="5"/>
-          </p:nvPr>
-        </p:nvSpPr>
-        <p:spPr/>
-        <p:txBody>
-          <a:bodyPr/>
-          <a:lstStyle/>
-          <a:p>
-            <a:fld id="{740EB326-2EE0-A545-B9C1-056C9CF3A65A}" type="slidenum">
-              <a:rPr lang="en-IL" smtClean="0"/>
-              <a:t>26</a:t>
-            </a:fld>
-            <a:endParaRPr lang="en-IL"/>
-          </a:p>
-        </p:txBody>
-      </p:sp>
-    </p:spTree>
-    <p:extLst>
-      <p:ext uri="{BB962C8B-B14F-4D97-AF65-F5344CB8AC3E}">
-        <p14:creationId xmlns:p14="http://schemas.microsoft.com/office/powerpoint/2010/main" val="3608947690"/>
       </p:ext>
     </p:extLst>
   </p:cSld>
@@ -3372,7 +3447,7 @@
           <a:p>
             <a:fld id="{740EB326-2EE0-A545-B9C1-056C9CF3A65A}" type="slidenum">
               <a:rPr lang="en-IL" smtClean="0"/>
-              <a:t>30</a:t>
+              <a:t>25</a:t>
             </a:fld>
             <a:endParaRPr lang="en-IL"/>
           </a:p>
@@ -3381,7 +3456,7 @@
     </p:spTree>
     <p:extLst>
       <p:ext uri="{BB962C8B-B14F-4D97-AF65-F5344CB8AC3E}">
-        <p14:creationId xmlns:p14="http://schemas.microsoft.com/office/powerpoint/2010/main" val="3660745919"/>
+        <p14:creationId xmlns:p14="http://schemas.microsoft.com/office/powerpoint/2010/main" val="3608947690"/>
       </p:ext>
     </p:extLst>
   </p:cSld>
@@ -3541,7 +3616,7 @@
             </a:pPr>
             <a:fld id="{00000000-1234-1234-1234-123412341234}" type="slidenum">
               <a:rPr lang="en-US"/>
-              <a:t>33</a:t>
+              <a:t>27</a:t>
             </a:fld>
             <a:endParaRPr/>
           </a:p>
@@ -3561,11 +3636,11 @@
 </file>
 
 <file path=ppt/notesSlides/notesSlide26.xml><?xml version="1.0" encoding="utf-8"?>
-<p:notes xmlns:a="http://schemas.openxmlformats.org/drawingml/2006/main" xmlns:r="http://schemas.openxmlformats.org/officeDocument/2006/relationships" xmlns:p="http://schemas.openxmlformats.org/presentationml/2006/main" showMasterSp="0" showMasterPhAnim="0">
+<p:notes xmlns:a="http://schemas.openxmlformats.org/drawingml/2006/main" xmlns:r="http://schemas.openxmlformats.org/officeDocument/2006/relationships" xmlns:p="http://schemas.openxmlformats.org/presentationml/2006/main">
   <p:cSld>
     <p:spTree>
       <p:nvGrpSpPr>
-        <p:cNvPr id="1" name="Shape 353"/>
+        <p:cNvPr id="1" name=""/>
         <p:cNvGrpSpPr/>
         <p:nvPr/>
       </p:nvGrpSpPr>
@@ -3579,147 +3654,68 @@
       </p:grpSpPr>
       <p:sp>
         <p:nvSpPr>
-          <p:cNvPr id="354" name="Google Shape;354;p17:notes"/>
+          <p:cNvPr id="2" name="Slide Image Placeholder 1"/>
           <p:cNvSpPr>
             <a:spLocks noGrp="1" noRot="1" noChangeAspect="1"/>
           </p:cNvSpPr>
           <p:nvPr>
-            <p:ph type="sldImg" idx="2"/>
+            <p:ph type="sldImg"/>
           </p:nvPr>
         </p:nvSpPr>
-        <p:spPr>
-          <a:xfrm>
-            <a:off x="685800" y="1143000"/>
-            <a:ext cx="5486400" cy="3086100"/>
-          </a:xfrm>
-          <a:custGeom>
-            <a:avLst/>
-            <a:gdLst/>
-            <a:ahLst/>
-            <a:cxnLst/>
-            <a:rect l="l" t="t" r="r" b="b"/>
-            <a:pathLst>
-              <a:path w="120000" h="120000" extrusionOk="0">
-                <a:moveTo>
-                  <a:pt x="0" y="0"/>
-                </a:moveTo>
-                <a:lnTo>
-                  <a:pt x="120000" y="0"/>
-                </a:lnTo>
-                <a:lnTo>
-                  <a:pt x="120000" y="120000"/>
-                </a:lnTo>
-                <a:lnTo>
-                  <a:pt x="0" y="120000"/>
-                </a:lnTo>
-                <a:close/>
-              </a:path>
-            </a:pathLst>
-          </a:custGeom>
-          <a:noFill/>
-          <a:ln w="12700" cap="flat" cmpd="sng">
-            <a:solidFill>
-              <a:srgbClr val="000000"/>
-            </a:solidFill>
-            <a:prstDash val="solid"/>
-            <a:round/>
-            <a:headEnd type="none" w="sm" len="sm"/>
-            <a:tailEnd type="none" w="sm" len="sm"/>
-          </a:ln>
-        </p:spPr>
+        <p:spPr/>
       </p:sp>
       <p:sp>
         <p:nvSpPr>
-          <p:cNvPr id="355" name="Google Shape;355;p17:notes"/>
-          <p:cNvSpPr txBox="1">
+          <p:cNvPr id="3" name="Notes Placeholder 2"/>
+          <p:cNvSpPr>
             <a:spLocks noGrp="1"/>
           </p:cNvSpPr>
           <p:nvPr>
             <p:ph type="body" idx="1"/>
           </p:nvPr>
         </p:nvSpPr>
-        <p:spPr>
-          <a:xfrm>
-            <a:off x="685800" y="4400550"/>
-            <a:ext cx="5486400" cy="3600450"/>
-          </a:xfrm>
-          <a:prstGeom prst="rect">
-            <a:avLst/>
-          </a:prstGeom>
-          <a:noFill/>
-          <a:ln>
-            <a:noFill/>
-          </a:ln>
-        </p:spPr>
+        <p:spPr/>
         <p:txBody>
-          <a:bodyPr spcFirstLastPara="1" wrap="square" lIns="91425" tIns="45700" rIns="91425" bIns="45700" anchor="t" anchorCtr="0">
-            <a:noAutofit/>
-          </a:bodyPr>
+          <a:bodyPr/>
           <a:lstStyle/>
           <a:p>
-            <a:pPr marL="0" lvl="0" indent="0" algn="l" rtl="0">
-              <a:spcBef>
-                <a:spcPts val="0"/>
-              </a:spcBef>
-              <a:spcAft>
-                <a:spcPts val="0"/>
-              </a:spcAft>
-              <a:buNone/>
-            </a:pPr>
-            <a:endParaRPr dirty="0"/>
+            <a:endParaRPr lang="en-US" b="0" i="0" dirty="0">
+              <a:solidFill>
+                <a:srgbClr val="2E2F31"/>
+              </a:solidFill>
+              <a:effectLst/>
+              <a:latin typeface="Gotham A"/>
+            </a:endParaRPr>
           </a:p>
         </p:txBody>
       </p:sp>
       <p:sp>
         <p:nvSpPr>
-          <p:cNvPr id="356" name="Google Shape;356;p17:notes"/>
-          <p:cNvSpPr txBox="1">
+          <p:cNvPr id="4" name="Slide Number Placeholder 3"/>
+          <p:cNvSpPr>
             <a:spLocks noGrp="1"/>
           </p:cNvSpPr>
           <p:nvPr>
-            <p:ph type="sldNum" idx="12"/>
+            <p:ph type="sldNum" sz="quarter" idx="5"/>
           </p:nvPr>
         </p:nvSpPr>
-        <p:spPr>
-          <a:xfrm>
-            <a:off x="3884613" y="8685213"/>
-            <a:ext cx="2971800" cy="458787"/>
-          </a:xfrm>
-          <a:prstGeom prst="rect">
-            <a:avLst/>
-          </a:prstGeom>
-          <a:noFill/>
-          <a:ln>
-            <a:noFill/>
-          </a:ln>
-        </p:spPr>
+        <p:spPr/>
         <p:txBody>
-          <a:bodyPr spcFirstLastPara="1" wrap="square" lIns="91425" tIns="45700" rIns="91425" bIns="45700" anchor="b" anchorCtr="0">
-            <a:noAutofit/>
-          </a:bodyPr>
+          <a:bodyPr/>
           <a:lstStyle/>
           <a:p>
-            <a:pPr marL="0" lvl="0" indent="0" algn="r" rtl="0">
-              <a:spcBef>
-                <a:spcPts val="0"/>
-              </a:spcBef>
-              <a:spcAft>
-                <a:spcPts val="0"/>
-              </a:spcAft>
-              <a:buNone/>
-            </a:pPr>
-            <a:fld id="{00000000-1234-1234-1234-123412341234}" type="slidenum">
-              <a:rPr lang="en-US"/>
-              <a:t>34</a:t>
+            <a:fld id="{740EB326-2EE0-A545-B9C1-056C9CF3A65A}" type="slidenum">
+              <a:rPr lang="en-IL" smtClean="0"/>
+              <a:t>28</a:t>
             </a:fld>
-            <a:endParaRPr/>
+            <a:endParaRPr lang="en-IL"/>
           </a:p>
         </p:txBody>
       </p:sp>
     </p:spTree>
     <p:extLst>
       <p:ext uri="{BB962C8B-B14F-4D97-AF65-F5344CB8AC3E}">
-        <p14:creationId xmlns:p14="http://schemas.microsoft.com/office/powerpoint/2010/main" val="1693909120"/>
+        <p14:creationId xmlns:p14="http://schemas.microsoft.com/office/powerpoint/2010/main" val="3660745919"/>
       </p:ext>
     </p:extLst>
   </p:cSld>
@@ -3884,7 +3880,7 @@
             </a:pPr>
             <a:fld id="{00000000-1234-1234-1234-123412341234}" type="slidenum">
               <a:rPr lang="en-US"/>
-              <a:t>35</a:t>
+              <a:t>31</a:t>
             </a:fld>
             <a:endParaRPr/>
           </a:p>
@@ -3894,339 +3890,6 @@
     <p:extLst>
       <p:ext uri="{BB962C8B-B14F-4D97-AF65-F5344CB8AC3E}">
         <p14:creationId xmlns:p14="http://schemas.microsoft.com/office/powerpoint/2010/main" val="1094825401"/>
-      </p:ext>
-    </p:extLst>
-  </p:cSld>
-  <p:clrMapOvr>
-    <a:masterClrMapping/>
-  </p:clrMapOvr>
-</p:notes>
-</file>
-
-<file path=ppt/notesSlides/notesSlide28.xml><?xml version="1.0" encoding="utf-8"?>
-<p:notes xmlns:a="http://schemas.openxmlformats.org/drawingml/2006/main" xmlns:r="http://schemas.openxmlformats.org/officeDocument/2006/relationships" xmlns:p="http://schemas.openxmlformats.org/presentationml/2006/main" showMasterSp="0" showMasterPhAnim="0">
-  <p:cSld>
-    <p:spTree>
-      <p:nvGrpSpPr>
-        <p:cNvPr id="1" name="Shape 353"/>
-        <p:cNvGrpSpPr/>
-        <p:nvPr/>
-      </p:nvGrpSpPr>
-      <p:grpSpPr>
-        <a:xfrm>
-          <a:off x="0" y="0"/>
-          <a:ext cx="0" cy="0"/>
-          <a:chOff x="0" y="0"/>
-          <a:chExt cx="0" cy="0"/>
-        </a:xfrm>
-      </p:grpSpPr>
-      <p:sp>
-        <p:nvSpPr>
-          <p:cNvPr id="354" name="Google Shape;354;p17:notes"/>
-          <p:cNvSpPr>
-            <a:spLocks noGrp="1" noRot="1" noChangeAspect="1"/>
-          </p:cNvSpPr>
-          <p:nvPr>
-            <p:ph type="sldImg" idx="2"/>
-          </p:nvPr>
-        </p:nvSpPr>
-        <p:spPr>
-          <a:xfrm>
-            <a:off x="685800" y="1143000"/>
-            <a:ext cx="5486400" cy="3086100"/>
-          </a:xfrm>
-          <a:custGeom>
-            <a:avLst/>
-            <a:gdLst/>
-            <a:ahLst/>
-            <a:cxnLst/>
-            <a:rect l="l" t="t" r="r" b="b"/>
-            <a:pathLst>
-              <a:path w="120000" h="120000" extrusionOk="0">
-                <a:moveTo>
-                  <a:pt x="0" y="0"/>
-                </a:moveTo>
-                <a:lnTo>
-                  <a:pt x="120000" y="0"/>
-                </a:lnTo>
-                <a:lnTo>
-                  <a:pt x="120000" y="120000"/>
-                </a:lnTo>
-                <a:lnTo>
-                  <a:pt x="0" y="120000"/>
-                </a:lnTo>
-                <a:close/>
-              </a:path>
-            </a:pathLst>
-          </a:custGeom>
-          <a:noFill/>
-          <a:ln w="12700" cap="flat" cmpd="sng">
-            <a:solidFill>
-              <a:srgbClr val="000000"/>
-            </a:solidFill>
-            <a:prstDash val="solid"/>
-            <a:round/>
-            <a:headEnd type="none" w="sm" len="sm"/>
-            <a:tailEnd type="none" w="sm" len="sm"/>
-          </a:ln>
-        </p:spPr>
-      </p:sp>
-      <p:sp>
-        <p:nvSpPr>
-          <p:cNvPr id="355" name="Google Shape;355;p17:notes"/>
-          <p:cNvSpPr txBox="1">
-            <a:spLocks noGrp="1"/>
-          </p:cNvSpPr>
-          <p:nvPr>
-            <p:ph type="body" idx="1"/>
-          </p:nvPr>
-        </p:nvSpPr>
-        <p:spPr>
-          <a:xfrm>
-            <a:off x="685800" y="4400550"/>
-            <a:ext cx="5486400" cy="3600450"/>
-          </a:xfrm>
-          <a:prstGeom prst="rect">
-            <a:avLst/>
-          </a:prstGeom>
-          <a:noFill/>
-          <a:ln>
-            <a:noFill/>
-          </a:ln>
-        </p:spPr>
-        <p:txBody>
-          <a:bodyPr spcFirstLastPara="1" wrap="square" lIns="91425" tIns="45700" rIns="91425" bIns="45700" anchor="t" anchorCtr="0">
-            <a:noAutofit/>
-          </a:bodyPr>
-          <a:lstStyle/>
-          <a:p>
-            <a:pPr marL="0" lvl="0" indent="0" algn="l" rtl="0">
-              <a:spcBef>
-                <a:spcPts val="0"/>
-              </a:spcBef>
-              <a:spcAft>
-                <a:spcPts val="0"/>
-              </a:spcAft>
-              <a:buNone/>
-            </a:pPr>
-            <a:endParaRPr b="0" dirty="0"/>
-          </a:p>
-        </p:txBody>
-      </p:sp>
-      <p:sp>
-        <p:nvSpPr>
-          <p:cNvPr id="356" name="Google Shape;356;p17:notes"/>
-          <p:cNvSpPr txBox="1">
-            <a:spLocks noGrp="1"/>
-          </p:cNvSpPr>
-          <p:nvPr>
-            <p:ph type="sldNum" idx="12"/>
-          </p:nvPr>
-        </p:nvSpPr>
-        <p:spPr>
-          <a:xfrm>
-            <a:off x="3884613" y="8685213"/>
-            <a:ext cx="2971800" cy="458787"/>
-          </a:xfrm>
-          <a:prstGeom prst="rect">
-            <a:avLst/>
-          </a:prstGeom>
-          <a:noFill/>
-          <a:ln>
-            <a:noFill/>
-          </a:ln>
-        </p:spPr>
-        <p:txBody>
-          <a:bodyPr spcFirstLastPara="1" wrap="square" lIns="91425" tIns="45700" rIns="91425" bIns="45700" anchor="b" anchorCtr="0">
-            <a:noAutofit/>
-          </a:bodyPr>
-          <a:lstStyle/>
-          <a:p>
-            <a:pPr marL="0" lvl="0" indent="0" algn="r" rtl="0">
-              <a:spcBef>
-                <a:spcPts val="0"/>
-              </a:spcBef>
-              <a:spcAft>
-                <a:spcPts val="0"/>
-              </a:spcAft>
-              <a:buNone/>
-            </a:pPr>
-            <a:fld id="{00000000-1234-1234-1234-123412341234}" type="slidenum">
-              <a:rPr lang="en-US"/>
-              <a:t>36</a:t>
-            </a:fld>
-            <a:endParaRPr/>
-          </a:p>
-        </p:txBody>
-      </p:sp>
-    </p:spTree>
-  </p:cSld>
-  <p:clrMapOvr>
-    <a:masterClrMapping/>
-  </p:clrMapOvr>
-</p:notes>
-</file>
-
-<file path=ppt/notesSlides/notesSlide29.xml><?xml version="1.0" encoding="utf-8"?>
-<p:notes xmlns:a="http://schemas.openxmlformats.org/drawingml/2006/main" xmlns:r="http://schemas.openxmlformats.org/officeDocument/2006/relationships" xmlns:p="http://schemas.openxmlformats.org/presentationml/2006/main" showMasterSp="0" showMasterPhAnim="0">
-  <p:cSld>
-    <p:spTree>
-      <p:nvGrpSpPr>
-        <p:cNvPr id="1" name="Shape 353"/>
-        <p:cNvGrpSpPr/>
-        <p:nvPr/>
-      </p:nvGrpSpPr>
-      <p:grpSpPr>
-        <a:xfrm>
-          <a:off x="0" y="0"/>
-          <a:ext cx="0" cy="0"/>
-          <a:chOff x="0" y="0"/>
-          <a:chExt cx="0" cy="0"/>
-        </a:xfrm>
-      </p:grpSpPr>
-      <p:sp>
-        <p:nvSpPr>
-          <p:cNvPr id="354" name="Google Shape;354;p17:notes"/>
-          <p:cNvSpPr>
-            <a:spLocks noGrp="1" noRot="1" noChangeAspect="1"/>
-          </p:cNvSpPr>
-          <p:nvPr>
-            <p:ph type="sldImg" idx="2"/>
-          </p:nvPr>
-        </p:nvSpPr>
-        <p:spPr>
-          <a:xfrm>
-            <a:off x="685800" y="1143000"/>
-            <a:ext cx="5486400" cy="3086100"/>
-          </a:xfrm>
-          <a:custGeom>
-            <a:avLst/>
-            <a:gdLst/>
-            <a:ahLst/>
-            <a:cxnLst/>
-            <a:rect l="l" t="t" r="r" b="b"/>
-            <a:pathLst>
-              <a:path w="120000" h="120000" extrusionOk="0">
-                <a:moveTo>
-                  <a:pt x="0" y="0"/>
-                </a:moveTo>
-                <a:lnTo>
-                  <a:pt x="120000" y="0"/>
-                </a:lnTo>
-                <a:lnTo>
-                  <a:pt x="120000" y="120000"/>
-                </a:lnTo>
-                <a:lnTo>
-                  <a:pt x="0" y="120000"/>
-                </a:lnTo>
-                <a:close/>
-              </a:path>
-            </a:pathLst>
-          </a:custGeom>
-          <a:noFill/>
-          <a:ln w="12700" cap="flat" cmpd="sng">
-            <a:solidFill>
-              <a:srgbClr val="000000"/>
-            </a:solidFill>
-            <a:prstDash val="solid"/>
-            <a:round/>
-            <a:headEnd type="none" w="sm" len="sm"/>
-            <a:tailEnd type="none" w="sm" len="sm"/>
-          </a:ln>
-        </p:spPr>
-      </p:sp>
-      <p:sp>
-        <p:nvSpPr>
-          <p:cNvPr id="355" name="Google Shape;355;p17:notes"/>
-          <p:cNvSpPr txBox="1">
-            <a:spLocks noGrp="1"/>
-          </p:cNvSpPr>
-          <p:nvPr>
-            <p:ph type="body" idx="1"/>
-          </p:nvPr>
-        </p:nvSpPr>
-        <p:spPr>
-          <a:xfrm>
-            <a:off x="685800" y="4400550"/>
-            <a:ext cx="5486400" cy="3600450"/>
-          </a:xfrm>
-          <a:prstGeom prst="rect">
-            <a:avLst/>
-          </a:prstGeom>
-          <a:noFill/>
-          <a:ln>
-            <a:noFill/>
-          </a:ln>
-        </p:spPr>
-        <p:txBody>
-          <a:bodyPr spcFirstLastPara="1" wrap="square" lIns="91425" tIns="45700" rIns="91425" bIns="45700" anchor="t" anchorCtr="0">
-            <a:noAutofit/>
-          </a:bodyPr>
-          <a:lstStyle/>
-          <a:p>
-            <a:pPr marL="0" lvl="0" indent="0" algn="l" rtl="0">
-              <a:spcBef>
-                <a:spcPts val="0"/>
-              </a:spcBef>
-              <a:spcAft>
-                <a:spcPts val="0"/>
-              </a:spcAft>
-              <a:buNone/>
-            </a:pPr>
-            <a:endParaRPr dirty="0"/>
-          </a:p>
-        </p:txBody>
-      </p:sp>
-      <p:sp>
-        <p:nvSpPr>
-          <p:cNvPr id="356" name="Google Shape;356;p17:notes"/>
-          <p:cNvSpPr txBox="1">
-            <a:spLocks noGrp="1"/>
-          </p:cNvSpPr>
-          <p:nvPr>
-            <p:ph type="sldNum" idx="12"/>
-          </p:nvPr>
-        </p:nvSpPr>
-        <p:spPr>
-          <a:xfrm>
-            <a:off x="3884613" y="8685213"/>
-            <a:ext cx="2971800" cy="458787"/>
-          </a:xfrm>
-          <a:prstGeom prst="rect">
-            <a:avLst/>
-          </a:prstGeom>
-          <a:noFill/>
-          <a:ln>
-            <a:noFill/>
-          </a:ln>
-        </p:spPr>
-        <p:txBody>
-          <a:bodyPr spcFirstLastPara="1" wrap="square" lIns="91425" tIns="45700" rIns="91425" bIns="45700" anchor="b" anchorCtr="0">
-            <a:noAutofit/>
-          </a:bodyPr>
-          <a:lstStyle/>
-          <a:p>
-            <a:pPr marL="0" lvl="0" indent="0" algn="r" rtl="0">
-              <a:spcBef>
-                <a:spcPts val="0"/>
-              </a:spcBef>
-              <a:spcAft>
-                <a:spcPts val="0"/>
-              </a:spcAft>
-              <a:buNone/>
-            </a:pPr>
-            <a:fld id="{00000000-1234-1234-1234-123412341234}" type="slidenum">
-              <a:rPr lang="en-US"/>
-              <a:t>37</a:t>
-            </a:fld>
-            <a:endParaRPr/>
-          </a:p>
-        </p:txBody>
-      </p:sp>
-    </p:spTree>
-    <p:extLst>
-      <p:ext uri="{BB962C8B-B14F-4D97-AF65-F5344CB8AC3E}">
-        <p14:creationId xmlns:p14="http://schemas.microsoft.com/office/powerpoint/2010/main" val="3262495974"/>
       </p:ext>
     </p:extLst>
   </p:cSld>
@@ -4432,175 +4095,6 @@
     <p:extLst>
       <p:ext uri="{BB962C8B-B14F-4D97-AF65-F5344CB8AC3E}">
         <p14:creationId xmlns:p14="http://schemas.microsoft.com/office/powerpoint/2010/main" val="2899363021"/>
-      </p:ext>
-    </p:extLst>
-  </p:cSld>
-  <p:clrMapOvr>
-    <a:masterClrMapping/>
-  </p:clrMapOvr>
-</p:notes>
-</file>
-
-<file path=ppt/notesSlides/notesSlide30.xml><?xml version="1.0" encoding="utf-8"?>
-<p:notes xmlns:a="http://schemas.openxmlformats.org/drawingml/2006/main" xmlns:r="http://schemas.openxmlformats.org/officeDocument/2006/relationships" xmlns:p="http://schemas.openxmlformats.org/presentationml/2006/main" showMasterSp="0" showMasterPhAnim="0">
-  <p:cSld>
-    <p:spTree>
-      <p:nvGrpSpPr>
-        <p:cNvPr id="1" name="Shape 353"/>
-        <p:cNvGrpSpPr/>
-        <p:nvPr/>
-      </p:nvGrpSpPr>
-      <p:grpSpPr>
-        <a:xfrm>
-          <a:off x="0" y="0"/>
-          <a:ext cx="0" cy="0"/>
-          <a:chOff x="0" y="0"/>
-          <a:chExt cx="0" cy="0"/>
-        </a:xfrm>
-      </p:grpSpPr>
-      <p:sp>
-        <p:nvSpPr>
-          <p:cNvPr id="354" name="Google Shape;354;p17:notes"/>
-          <p:cNvSpPr>
-            <a:spLocks noGrp="1" noRot="1" noChangeAspect="1"/>
-          </p:cNvSpPr>
-          <p:nvPr>
-            <p:ph type="sldImg" idx="2"/>
-          </p:nvPr>
-        </p:nvSpPr>
-        <p:spPr>
-          <a:xfrm>
-            <a:off x="685800" y="1143000"/>
-            <a:ext cx="5486400" cy="3086100"/>
-          </a:xfrm>
-          <a:custGeom>
-            <a:avLst/>
-            <a:gdLst/>
-            <a:ahLst/>
-            <a:cxnLst/>
-            <a:rect l="l" t="t" r="r" b="b"/>
-            <a:pathLst>
-              <a:path w="120000" h="120000" extrusionOk="0">
-                <a:moveTo>
-                  <a:pt x="0" y="0"/>
-                </a:moveTo>
-                <a:lnTo>
-                  <a:pt x="120000" y="0"/>
-                </a:lnTo>
-                <a:lnTo>
-                  <a:pt x="120000" y="120000"/>
-                </a:lnTo>
-                <a:lnTo>
-                  <a:pt x="0" y="120000"/>
-                </a:lnTo>
-                <a:close/>
-              </a:path>
-            </a:pathLst>
-          </a:custGeom>
-          <a:noFill/>
-          <a:ln w="12700" cap="flat" cmpd="sng">
-            <a:solidFill>
-              <a:srgbClr val="000000"/>
-            </a:solidFill>
-            <a:prstDash val="solid"/>
-            <a:round/>
-            <a:headEnd type="none" w="sm" len="sm"/>
-            <a:tailEnd type="none" w="sm" len="sm"/>
-          </a:ln>
-        </p:spPr>
-      </p:sp>
-      <p:sp>
-        <p:nvSpPr>
-          <p:cNvPr id="355" name="Google Shape;355;p17:notes"/>
-          <p:cNvSpPr txBox="1">
-            <a:spLocks noGrp="1"/>
-          </p:cNvSpPr>
-          <p:nvPr>
-            <p:ph type="body" idx="1"/>
-          </p:nvPr>
-        </p:nvSpPr>
-        <p:spPr>
-          <a:xfrm>
-            <a:off x="685800" y="4400550"/>
-            <a:ext cx="5486400" cy="3600450"/>
-          </a:xfrm>
-          <a:prstGeom prst="rect">
-            <a:avLst/>
-          </a:prstGeom>
-          <a:noFill/>
-          <a:ln>
-            <a:noFill/>
-          </a:ln>
-        </p:spPr>
-        <p:txBody>
-          <a:bodyPr spcFirstLastPara="1" wrap="square" lIns="91425" tIns="45700" rIns="91425" bIns="45700" anchor="t" anchorCtr="0">
-            <a:noAutofit/>
-          </a:bodyPr>
-          <a:lstStyle/>
-          <a:p>
-            <a:pPr marL="0" lvl="0" indent="0" algn="l" rtl="0">
-              <a:spcBef>
-                <a:spcPts val="0"/>
-              </a:spcBef>
-              <a:spcAft>
-                <a:spcPts val="0"/>
-              </a:spcAft>
-              <a:buNone/>
-            </a:pPr>
-            <a:endParaRPr dirty="0"/>
-          </a:p>
-        </p:txBody>
-      </p:sp>
-      <p:sp>
-        <p:nvSpPr>
-          <p:cNvPr id="356" name="Google Shape;356;p17:notes"/>
-          <p:cNvSpPr txBox="1">
-            <a:spLocks noGrp="1"/>
-          </p:cNvSpPr>
-          <p:nvPr>
-            <p:ph type="sldNum" idx="12"/>
-          </p:nvPr>
-        </p:nvSpPr>
-        <p:spPr>
-          <a:xfrm>
-            <a:off x="3884613" y="8685213"/>
-            <a:ext cx="2971800" cy="458787"/>
-          </a:xfrm>
-          <a:prstGeom prst="rect">
-            <a:avLst/>
-          </a:prstGeom>
-          <a:noFill/>
-          <a:ln>
-            <a:noFill/>
-          </a:ln>
-        </p:spPr>
-        <p:txBody>
-          <a:bodyPr spcFirstLastPara="1" wrap="square" lIns="91425" tIns="45700" rIns="91425" bIns="45700" anchor="b" anchorCtr="0">
-            <a:noAutofit/>
-          </a:bodyPr>
-          <a:lstStyle/>
-          <a:p>
-            <a:pPr marL="0" lvl="0" indent="0" algn="r" rtl="0">
-              <a:spcBef>
-                <a:spcPts val="0"/>
-              </a:spcBef>
-              <a:spcAft>
-                <a:spcPts val="0"/>
-              </a:spcAft>
-              <a:buNone/>
-            </a:pPr>
-            <a:fld id="{00000000-1234-1234-1234-123412341234}" type="slidenum">
-              <a:rPr lang="en-US"/>
-              <a:t>38</a:t>
-            </a:fld>
-            <a:endParaRPr/>
-          </a:p>
-        </p:txBody>
-      </p:sp>
-    </p:spTree>
-    <p:extLst>
-      <p:ext uri="{BB962C8B-B14F-4D97-AF65-F5344CB8AC3E}">
-        <p14:creationId xmlns:p14="http://schemas.microsoft.com/office/powerpoint/2010/main" val="2535885884"/>
       </p:ext>
     </p:extLst>
   </p:cSld>
@@ -15193,7 +14687,7 @@
                 <a:latin typeface="Calibri" panose="020F0502020204030204" pitchFamily="34" charset="0"/>
                 <a:cs typeface="Calibri" panose="020F0502020204030204" pitchFamily="34" charset="0"/>
               </a:rPr>
-              <a:t>May 15, 2024</a:t>
+              <a:t>July 9, 2024</a:t>
             </a:r>
             <a:endParaRPr dirty="0">
               <a:latin typeface="Calibri" panose="020F0502020204030204" pitchFamily="34" charset="0"/>
@@ -16669,7 +16163,7 @@
                 <a:latin typeface="Calibri" panose="020F0502020204030204" pitchFamily="34" charset="0"/>
                 <a:cs typeface="Calibri" panose="020F0502020204030204" pitchFamily="34" charset="0"/>
               </a:rPr>
-              <a:t>Relative reads abundance &gt; 0.001 per sample</a:t>
+              <a:t>Relative reads abundance &gt; 0.1% per sample</a:t>
             </a:r>
           </a:p>
           <a:p>
@@ -16968,7 +16462,7 @@
                 <a:cs typeface="Calibri"/>
                 <a:sym typeface="Calibri"/>
               </a:rPr>
-              <a:t>Microbes prevalence</a:t>
+              <a:t>Microbes' prevalence</a:t>
             </a:r>
             <a:endParaRPr lang="en-US" sz="4000" dirty="0">
               <a:latin typeface="Calibri"/>
@@ -17207,7 +16701,7 @@
                 <a:latin typeface="Calibri" panose="020F0502020204030204" pitchFamily="34" charset="0"/>
                 <a:cs typeface="Calibri" panose="020F0502020204030204" pitchFamily="34" charset="0"/>
               </a:rPr>
-              <a:t>Middle [2%-20%]</a:t>
+              <a:t>Non-core [2%-20%]</a:t>
             </a:r>
           </a:p>
           <a:p>
@@ -17239,6 +16733,36 @@
           </a:p>
         </p:txBody>
       </p:sp>
+      <p:pic>
+        <p:nvPicPr>
+          <p:cNvPr id="2" name="Picture 1">
+            <a:extLst>
+              <a:ext uri="{FF2B5EF4-FFF2-40B4-BE49-F238E27FC236}">
+                <a16:creationId xmlns:a16="http://schemas.microsoft.com/office/drawing/2014/main" id="{4274752F-8F14-CAB3-5FF9-0DEB130CAB45}"/>
+              </a:ext>
+            </a:extLst>
+          </p:cNvPr>
+          <p:cNvPicPr>
+            <a:picLocks noChangeAspect="1"/>
+          </p:cNvPicPr>
+          <p:nvPr/>
+        </p:nvPicPr>
+        <p:blipFill>
+          <a:blip r:embed="rId3"/>
+          <a:stretch>
+            <a:fillRect/>
+          </a:stretch>
+        </p:blipFill>
+        <p:spPr>
+          <a:xfrm>
+            <a:off x="5314787" y="1105319"/>
+            <a:ext cx="6391589" cy="5322898"/>
+          </a:xfrm>
+          <a:prstGeom prst="rect">
+            <a:avLst/>
+          </a:prstGeom>
+        </p:spPr>
+      </p:pic>
     </p:spTree>
     <p:extLst>
       <p:ext uri="{BB962C8B-B14F-4D97-AF65-F5344CB8AC3E}">
@@ -17253,6 +16777,114 @@
 </file>
 
 <file path=ppt/slides/slide14.xml><?xml version="1.0" encoding="utf-8"?>
+<p:sld xmlns:a="http://schemas.openxmlformats.org/drawingml/2006/main" xmlns:r="http://schemas.openxmlformats.org/officeDocument/2006/relationships" xmlns:p="http://schemas.openxmlformats.org/presentationml/2006/main">
+  <p:cSld>
+    <p:spTree>
+      <p:nvGrpSpPr>
+        <p:cNvPr id="1" name="Shape 357"/>
+        <p:cNvGrpSpPr/>
+        <p:nvPr/>
+      </p:nvGrpSpPr>
+      <p:grpSpPr>
+        <a:xfrm>
+          <a:off x="0" y="0"/>
+          <a:ext cx="0" cy="0"/>
+          <a:chOff x="0" y="0"/>
+          <a:chExt cx="0" cy="0"/>
+        </a:xfrm>
+      </p:grpSpPr>
+      <p:sp>
+        <p:nvSpPr>
+          <p:cNvPr id="358" name="Google Shape;358;p17"/>
+          <p:cNvSpPr txBox="1">
+            <a:spLocks noGrp="1"/>
+          </p:cNvSpPr>
+          <p:nvPr>
+            <p:ph type="title"/>
+          </p:nvPr>
+        </p:nvSpPr>
+        <p:spPr>
+          <a:xfrm>
+            <a:off x="744584" y="315757"/>
+            <a:ext cx="10515600" cy="1108596"/>
+          </a:xfrm>
+          <a:prstGeom prst="rect">
+            <a:avLst/>
+          </a:prstGeom>
+          <a:noFill/>
+          <a:ln>
+            <a:noFill/>
+          </a:ln>
+        </p:spPr>
+        <p:txBody>
+          <a:bodyPr spcFirstLastPara="1" wrap="square" lIns="91425" tIns="45700" rIns="91425" bIns="45700" anchor="ctr" anchorCtr="0">
+            <a:normAutofit/>
+          </a:bodyPr>
+          <a:lstStyle/>
+          <a:p>
+            <a:pPr>
+              <a:buSzPts val="4400"/>
+            </a:pPr>
+            <a:r>
+              <a:rPr lang="en-US" sz="3200" dirty="0">
+                <a:latin typeface="Calibri" panose="020F0502020204030204" pitchFamily="34" charset="0"/>
+                <a:cs typeface="Calibri" panose="020F0502020204030204" pitchFamily="34" charset="0"/>
+                <a:sym typeface="Calibri"/>
+              </a:rPr>
+              <a:t>The groups represent different microbial genera (and potentially functions)</a:t>
+            </a:r>
+            <a:endParaRPr sz="3200" dirty="0">
+              <a:latin typeface="Calibri" panose="020F0502020204030204" pitchFamily="34" charset="0"/>
+              <a:cs typeface="Calibri" panose="020F0502020204030204" pitchFamily="34" charset="0"/>
+              <a:sym typeface="Calibri"/>
+            </a:endParaRPr>
+          </a:p>
+        </p:txBody>
+      </p:sp>
+      <p:pic>
+        <p:nvPicPr>
+          <p:cNvPr id="3" name="Picture 2" descr="A diagram of different colored dots&#10;&#10;Description automatically generated">
+            <a:extLst>
+              <a:ext uri="{FF2B5EF4-FFF2-40B4-BE49-F238E27FC236}">
+                <a16:creationId xmlns:a16="http://schemas.microsoft.com/office/drawing/2014/main" id="{BDBD69A3-4875-2CFD-579D-1E9F1D517D6E}"/>
+              </a:ext>
+            </a:extLst>
+          </p:cNvPr>
+          <p:cNvPicPr>
+            <a:picLocks noChangeAspect="1"/>
+          </p:cNvPicPr>
+          <p:nvPr/>
+        </p:nvPicPr>
+        <p:blipFill>
+          <a:blip r:embed="rId3"/>
+          <a:stretch>
+            <a:fillRect/>
+          </a:stretch>
+        </p:blipFill>
+        <p:spPr>
+          <a:xfrm>
+            <a:off x="2578408" y="1424353"/>
+            <a:ext cx="7560379" cy="5400270"/>
+          </a:xfrm>
+          <a:prstGeom prst="rect">
+            <a:avLst/>
+          </a:prstGeom>
+        </p:spPr>
+      </p:pic>
+    </p:spTree>
+    <p:extLst>
+      <p:ext uri="{BB962C8B-B14F-4D97-AF65-F5344CB8AC3E}">
+        <p14:creationId xmlns:p14="http://schemas.microsoft.com/office/powerpoint/2010/main" val="2668852770"/>
+      </p:ext>
+    </p:extLst>
+  </p:cSld>
+  <p:clrMapOvr>
+    <a:masterClrMapping/>
+  </p:clrMapOvr>
+</p:sld>
+</file>
+
+<file path=ppt/slides/slide15.xml><?xml version="1.0" encoding="utf-8"?>
 <p:sld xmlns:a="http://schemas.openxmlformats.org/drawingml/2006/main" xmlns:r="http://schemas.openxmlformats.org/officeDocument/2006/relationships" xmlns:p="http://schemas.openxmlformats.org/presentationml/2006/main">
   <p:cSld>
     <p:spTree>
@@ -17657,8 +17289,8 @@
         </p:nvSpPr>
         <p:spPr>
           <a:xfrm>
-            <a:off x="2682911" y="3272850"/>
-            <a:ext cx="1386672" cy="523220"/>
+            <a:off x="2682910" y="3272850"/>
+            <a:ext cx="1607735" cy="523220"/>
           </a:xfrm>
           <a:prstGeom prst="rect">
             <a:avLst/>
@@ -17676,7 +17308,7 @@
                 <a:latin typeface="Calibri" panose="020F0502020204030204" pitchFamily="34" charset="0"/>
                 <a:cs typeface="Calibri" panose="020F0502020204030204" pitchFamily="34" charset="0"/>
               </a:rPr>
-              <a:t>Middle</a:t>
+              <a:t>Non-core</a:t>
             </a:r>
             <a:endParaRPr lang="en-IL" dirty="0">
               <a:latin typeface="Calibri" panose="020F0502020204030204" pitchFamily="34" charset="0"/>
@@ -17798,8 +17430,8 @@
 </p:sld>
 </file>
 
-<file path=ppt/slides/slide15.xml><?xml version="1.0" encoding="utf-8"?>
-<p:sld xmlns:a="http://schemas.openxmlformats.org/drawingml/2006/main" xmlns:r="http://schemas.openxmlformats.org/officeDocument/2006/relationships" xmlns:p="http://schemas.openxmlformats.org/presentationml/2006/main" show="0">
+<file path=ppt/slides/slide16.xml><?xml version="1.0" encoding="utf-8"?>
+<p:sld xmlns:a="http://schemas.openxmlformats.org/drawingml/2006/main" xmlns:r="http://schemas.openxmlformats.org/officeDocument/2006/relationships" xmlns:p="http://schemas.openxmlformats.org/presentationml/2006/main">
   <p:cSld>
     <p:spTree>
       <p:nvGrpSpPr>
@@ -17827,7 +17459,7 @@
         </p:nvSpPr>
         <p:spPr>
           <a:xfrm>
-            <a:off x="744584" y="315757"/>
+            <a:off x="644435" y="31958"/>
             <a:ext cx="10515600" cy="1108596"/>
           </a:xfrm>
           <a:prstGeom prst="rect">
@@ -17853,7 +17485,7 @@
                 <a:cs typeface="Calibri" panose="020F0502020204030204" pitchFamily="34" charset="0"/>
                 <a:sym typeface="Calibri"/>
               </a:rPr>
-              <a:t>A few big modules encompass hosts from multiple land uses while many small modules encompass hosts from only one or two land uses</a:t>
+              <a:t>Different pattern for core and non-core networks</a:t>
             </a:r>
             <a:endParaRPr sz="2800" dirty="0">
               <a:latin typeface="Calibri" panose="020F0502020204030204" pitchFamily="34" charset="0"/>
@@ -17863,156 +17495,12 @@
           </a:p>
         </p:txBody>
       </p:sp>
-      <p:sp>
-        <p:nvSpPr>
-          <p:cNvPr id="2" name="Google Shape;359;p17">
+      <p:pic>
+        <p:nvPicPr>
+          <p:cNvPr id="5" name="Picture 4" descr="A graph of different colored lines&#10;&#10;Description automatically generated with medium confidence">
             <a:extLst>
               <a:ext uri="{FF2B5EF4-FFF2-40B4-BE49-F238E27FC236}">
-                <a16:creationId xmlns:a16="http://schemas.microsoft.com/office/drawing/2014/main" id="{21574AE3-C4D2-39B6-33C9-DAC2D379BD77}"/>
-              </a:ext>
-            </a:extLst>
-          </p:cNvPr>
-          <p:cNvSpPr txBox="1"/>
-          <p:nvPr/>
-        </p:nvSpPr>
-        <p:spPr>
-          <a:xfrm>
-            <a:off x="744584" y="1640392"/>
-            <a:ext cx="2153194" cy="647246"/>
-          </a:xfrm>
-          <a:prstGeom prst="rect">
-            <a:avLst/>
-          </a:prstGeom>
-          <a:noFill/>
-          <a:ln>
-            <a:noFill/>
-          </a:ln>
-        </p:spPr>
-        <p:txBody>
-          <a:bodyPr spcFirstLastPara="1" wrap="square" lIns="91425" tIns="45700" rIns="91425" bIns="45700" anchor="t" anchorCtr="0">
-            <a:normAutofit/>
-          </a:bodyPr>
-          <a:lstStyle/>
-          <a:p>
-            <a:pPr marR="0" lvl="0" algn="l" rtl="0">
-              <a:lnSpc>
-                <a:spcPct val="90000"/>
-              </a:lnSpc>
-              <a:spcBef>
-                <a:spcPts val="1000"/>
-              </a:spcBef>
-              <a:spcAft>
-                <a:spcPts val="0"/>
-              </a:spcAft>
-              <a:buClr>
-                <a:schemeClr val="dk1"/>
-              </a:buClr>
-              <a:buSzPts val="3200"/>
-            </a:pPr>
-            <a:r>
-              <a:rPr lang="en-US" sz="2800" dirty="0">
-                <a:solidFill>
-                  <a:schemeClr val="dk1"/>
-                </a:solidFill>
-                <a:latin typeface="Calibri" panose="020F0502020204030204" pitchFamily="34" charset="0"/>
-                <a:cs typeface="Calibri" panose="020F0502020204030204" pitchFamily="34" charset="0"/>
-                <a:sym typeface="Calibri"/>
-              </a:rPr>
-              <a:t>86 groups</a:t>
-            </a:r>
-          </a:p>
-          <a:p>
-            <a:pPr marL="0" marR="0" lvl="0" indent="0" algn="l" rtl="0">
-              <a:lnSpc>
-                <a:spcPct val="90000"/>
-              </a:lnSpc>
-              <a:spcBef>
-                <a:spcPts val="1000"/>
-              </a:spcBef>
-              <a:spcAft>
-                <a:spcPts val="0"/>
-              </a:spcAft>
-              <a:buClr>
-                <a:schemeClr val="dk1"/>
-              </a:buClr>
-              <a:buSzPts val="2800"/>
-              <a:buFont typeface="Arial"/>
-              <a:buNone/>
-            </a:pPr>
-            <a:endParaRPr sz="2800" dirty="0">
-              <a:solidFill>
-                <a:schemeClr val="dk1"/>
-              </a:solidFill>
-              <a:latin typeface="Calibri" panose="020F0502020204030204" pitchFamily="34" charset="0"/>
-              <a:ea typeface="Gill Sans"/>
-              <a:cs typeface="Calibri" panose="020F0502020204030204" pitchFamily="34" charset="0"/>
-              <a:sym typeface="Gill Sans"/>
-            </a:endParaRPr>
-          </a:p>
-          <a:p>
-            <a:pPr marL="0" marR="0" lvl="0" indent="0" algn="l" rtl="0">
-              <a:lnSpc>
-                <a:spcPct val="90000"/>
-              </a:lnSpc>
-              <a:spcBef>
-                <a:spcPts val="1000"/>
-              </a:spcBef>
-              <a:spcAft>
-                <a:spcPts val="0"/>
-              </a:spcAft>
-              <a:buClr>
-                <a:schemeClr val="dk1"/>
-              </a:buClr>
-              <a:buSzPts val="2800"/>
-              <a:buFont typeface="Arial"/>
-              <a:buNone/>
-            </a:pPr>
-            <a:endParaRPr sz="2800" dirty="0">
-              <a:solidFill>
-                <a:schemeClr val="dk1"/>
-              </a:solidFill>
-              <a:latin typeface="Calibri" panose="020F0502020204030204" pitchFamily="34" charset="0"/>
-              <a:ea typeface="Gill Sans"/>
-              <a:cs typeface="Calibri" panose="020F0502020204030204" pitchFamily="34" charset="0"/>
-              <a:sym typeface="Gill Sans"/>
-            </a:endParaRPr>
-          </a:p>
-          <a:p>
-            <a:pPr marL="0" marR="0" lvl="0" indent="0" algn="l" rtl="0">
-              <a:lnSpc>
-                <a:spcPct val="90000"/>
-              </a:lnSpc>
-              <a:spcBef>
-                <a:spcPts val="1000"/>
-              </a:spcBef>
-              <a:spcAft>
-                <a:spcPts val="0"/>
-              </a:spcAft>
-              <a:buClr>
-                <a:schemeClr val="dk1"/>
-              </a:buClr>
-              <a:buSzPts val="3200"/>
-              <a:buFont typeface="Arial"/>
-              <a:buNone/>
-            </a:pPr>
-            <a:endParaRPr sz="3200" dirty="0">
-              <a:solidFill>
-                <a:schemeClr val="dk1"/>
-              </a:solidFill>
-              <a:latin typeface="Calibri" panose="020F0502020204030204" pitchFamily="34" charset="0"/>
-              <a:ea typeface="Gill Sans"/>
-              <a:cs typeface="Calibri" panose="020F0502020204030204" pitchFamily="34" charset="0"/>
-              <a:sym typeface="Gill Sans"/>
-            </a:endParaRPr>
-          </a:p>
-        </p:txBody>
-      </p:sp>
-      <p:pic>
-        <p:nvPicPr>
-          <p:cNvPr id="14" name="Picture 13">
-            <a:extLst>
-              <a:ext uri="{FF2B5EF4-FFF2-40B4-BE49-F238E27FC236}">
-                <a16:creationId xmlns:a16="http://schemas.microsoft.com/office/drawing/2014/main" id="{BF3D3AC8-0102-22F1-1268-E4AAC4648472}"/>
+                <a16:creationId xmlns:a16="http://schemas.microsoft.com/office/drawing/2014/main" id="{0C11D039-913D-0C2F-71F4-297DB4D9F605}"/>
               </a:ext>
             </a:extLst>
           </p:cNvPr>
@@ -18023,13 +17511,14 @@
         </p:nvPicPr>
         <p:blipFill>
           <a:blip r:embed="rId3"/>
-          <a:srcRect/>
-          <a:stretch/>
+          <a:stretch>
+            <a:fillRect/>
+          </a:stretch>
         </p:blipFill>
         <p:spPr>
           <a:xfrm>
-            <a:off x="6233020" y="2287638"/>
-            <a:ext cx="5774515" cy="4124654"/>
+            <a:off x="1113527" y="1140554"/>
+            <a:ext cx="4335138" cy="3096527"/>
           </a:xfrm>
           <a:prstGeom prst="rect">
             <a:avLst/>
@@ -18038,10 +17527,10 @@
       </p:pic>
       <p:pic>
         <p:nvPicPr>
-          <p:cNvPr id="4" name="Picture 3">
+          <p:cNvPr id="7" name="Picture 6" descr="A graph with different colored squares&#10;&#10;Description automatically generated">
             <a:extLst>
               <a:ext uri="{FF2B5EF4-FFF2-40B4-BE49-F238E27FC236}">
-                <a16:creationId xmlns:a16="http://schemas.microsoft.com/office/drawing/2014/main" id="{9DC18C7E-6DA5-16E2-94CA-67E301184333}"/>
+                <a16:creationId xmlns:a16="http://schemas.microsoft.com/office/drawing/2014/main" id="{A74F6B6C-BE35-FFBA-AA51-3D59F35264C7}"/>
               </a:ext>
             </a:extLst>
           </p:cNvPr>
@@ -18052,13 +17541,44 @@
         </p:nvPicPr>
         <p:blipFill>
           <a:blip r:embed="rId4"/>
-          <a:srcRect/>
-          <a:stretch/>
+          <a:stretch>
+            <a:fillRect/>
+          </a:stretch>
         </p:blipFill>
         <p:spPr>
           <a:xfrm>
-            <a:off x="320160" y="2287638"/>
-            <a:ext cx="5775840" cy="4125600"/>
+            <a:off x="6824897" y="1257821"/>
+            <a:ext cx="4335138" cy="3096527"/>
+          </a:xfrm>
+          <a:prstGeom prst="rect">
+            <a:avLst/>
+          </a:prstGeom>
+        </p:spPr>
+      </p:pic>
+      <p:pic>
+        <p:nvPicPr>
+          <p:cNvPr id="9" name="Picture 8">
+            <a:extLst>
+              <a:ext uri="{FF2B5EF4-FFF2-40B4-BE49-F238E27FC236}">
+                <a16:creationId xmlns:a16="http://schemas.microsoft.com/office/drawing/2014/main" id="{48B0602F-FDFA-F6EB-5480-1BDAB884DEA9}"/>
+              </a:ext>
+            </a:extLst>
+          </p:cNvPr>
+          <p:cNvPicPr>
+            <a:picLocks noChangeAspect="1"/>
+          </p:cNvPicPr>
+          <p:nvPr/>
+        </p:nvPicPr>
+        <p:blipFill>
+          <a:blip r:embed="rId5"/>
+          <a:stretch>
+            <a:fillRect/>
+          </a:stretch>
+        </p:blipFill>
+        <p:spPr>
+          <a:xfrm>
+            <a:off x="4443884" y="4237081"/>
+            <a:ext cx="4087167" cy="2522366"/>
           </a:xfrm>
           <a:prstGeom prst="rect">
             <a:avLst/>
@@ -18078,7 +17598,7 @@
 </p:sld>
 </file>
 
-<file path=ppt/slides/slide16.xml><?xml version="1.0" encoding="utf-8"?>
+<file path=ppt/slides/slide17.xml><?xml version="1.0" encoding="utf-8"?>
 <p:sld xmlns:a="http://schemas.openxmlformats.org/drawingml/2006/main" xmlns:r="http://schemas.openxmlformats.org/officeDocument/2006/relationships" xmlns:p="http://schemas.openxmlformats.org/presentationml/2006/main">
   <p:cSld>
     <p:spTree>
@@ -18692,7 +18212,7 @@
 </p:sld>
 </file>
 
-<file path=ppt/slides/slide17.xml><?xml version="1.0" encoding="utf-8"?>
+<file path=ppt/slides/slide18.xml><?xml version="1.0" encoding="utf-8"?>
 <p:sld xmlns:a="http://schemas.openxmlformats.org/drawingml/2006/main" xmlns:r="http://schemas.openxmlformats.org/officeDocument/2006/relationships" xmlns:p="http://schemas.openxmlformats.org/presentationml/2006/main">
   <p:cSld>
     <p:spTree>
@@ -19055,7 +18575,7 @@
 </p:sld>
 </file>
 
-<file path=ppt/slides/slide18.xml><?xml version="1.0" encoding="utf-8"?>
+<file path=ppt/slides/slide19.xml><?xml version="1.0" encoding="utf-8"?>
 <p:sld xmlns:a="http://schemas.openxmlformats.org/drawingml/2006/main" xmlns:r="http://schemas.openxmlformats.org/officeDocument/2006/relationships" xmlns:p="http://schemas.openxmlformats.org/presentationml/2006/main">
   <p:cSld>
     <p:spTree>
@@ -19296,8 +18816,8 @@
         </p:nvSpPr>
         <p:spPr>
           <a:xfrm>
-            <a:off x="770700" y="1085223"/>
-            <a:ext cx="11421300" cy="1384995"/>
+            <a:off x="770700" y="1406770"/>
+            <a:ext cx="3950350" cy="3600986"/>
           </a:xfrm>
           <a:prstGeom prst="rect">
             <a:avLst/>
@@ -19352,10 +18872,10 @@
       </p:sp>
       <p:pic>
         <p:nvPicPr>
-          <p:cNvPr id="5" name="Picture 4">
+          <p:cNvPr id="3" name="Picture 2" descr="A graph of different colored bars&#10;&#10;Description automatically generated">
             <a:extLst>
               <a:ext uri="{FF2B5EF4-FFF2-40B4-BE49-F238E27FC236}">
-                <a16:creationId xmlns:a16="http://schemas.microsoft.com/office/drawing/2014/main" id="{B8D1BD1F-9E12-D872-3566-980DA3FE5832}"/>
+                <a16:creationId xmlns:a16="http://schemas.microsoft.com/office/drawing/2014/main" id="{54866D33-E6B3-D523-C935-E4BE03A3655C}"/>
               </a:ext>
             </a:extLst>
           </p:cNvPr>
@@ -19372,8 +18892,8 @@
         </p:blipFill>
         <p:spPr>
           <a:xfrm>
-            <a:off x="2789673" y="2777049"/>
-            <a:ext cx="6612653" cy="4080951"/>
+            <a:off x="4721050" y="1527350"/>
+            <a:ext cx="7333954" cy="5238538"/>
           </a:xfrm>
           <a:prstGeom prst="rect">
             <a:avLst/>
@@ -19384,344 +18904,6 @@
     <p:extLst>
       <p:ext uri="{BB962C8B-B14F-4D97-AF65-F5344CB8AC3E}">
         <p14:creationId xmlns:p14="http://schemas.microsoft.com/office/powerpoint/2010/main" val="3438632227"/>
-      </p:ext>
-    </p:extLst>
-  </p:cSld>
-  <p:clrMapOvr>
-    <a:masterClrMapping/>
-  </p:clrMapOvr>
-</p:sld>
-</file>
-
-<file path=ppt/slides/slide19.xml><?xml version="1.0" encoding="utf-8"?>
-<p:sld xmlns:a="http://schemas.openxmlformats.org/drawingml/2006/main" xmlns:r="http://schemas.openxmlformats.org/officeDocument/2006/relationships" xmlns:p="http://schemas.openxmlformats.org/presentationml/2006/main">
-  <p:cSld>
-    <p:spTree>
-      <p:nvGrpSpPr>
-        <p:cNvPr id="1" name=""/>
-        <p:cNvGrpSpPr/>
-        <p:nvPr/>
-      </p:nvGrpSpPr>
-      <p:grpSpPr>
-        <a:xfrm>
-          <a:off x="0" y="0"/>
-          <a:ext cx="0" cy="0"/>
-          <a:chOff x="0" y="0"/>
-          <a:chExt cx="0" cy="0"/>
-        </a:xfrm>
-      </p:grpSpPr>
-      <p:sp>
-        <p:nvSpPr>
-          <p:cNvPr id="10" name="Content Placeholder 2">
-            <a:extLst>
-              <a:ext uri="{FF2B5EF4-FFF2-40B4-BE49-F238E27FC236}">
-                <a16:creationId xmlns:a16="http://schemas.microsoft.com/office/drawing/2014/main" id="{6191D3B6-9391-DC61-9862-02F5953A2361}"/>
-              </a:ext>
-            </a:extLst>
-          </p:cNvPr>
-          <p:cNvSpPr txBox="1">
-            <a:spLocks/>
-          </p:cNvSpPr>
-          <p:nvPr/>
-        </p:nvSpPr>
-        <p:spPr>
-          <a:xfrm>
-            <a:off x="770700" y="350693"/>
-            <a:ext cx="10085148" cy="734530"/>
-          </a:xfrm>
-          <a:prstGeom prst="rect">
-            <a:avLst/>
-          </a:prstGeom>
-        </p:spPr>
-        <p:txBody>
-          <a:bodyPr vert="horz" lIns="91440" tIns="45720" rIns="91440" bIns="45720" rtlCol="0">
-            <a:normAutofit/>
-          </a:bodyPr>
-          <a:lstStyle>
-            <a:lvl1pPr marL="228600" indent="-228600" algn="l" defTabSz="914400" rtl="0" eaLnBrk="1" latinLnBrk="0" hangingPunct="1">
-              <a:lnSpc>
-                <a:spcPct val="90000"/>
-              </a:lnSpc>
-              <a:spcBef>
-                <a:spcPts val="1000"/>
-              </a:spcBef>
-              <a:buFont typeface="Arial" panose="020B0604020202020204" pitchFamily="34" charset="0"/>
-              <a:buChar char="•"/>
-              <a:defRPr sz="2800" kern="1200">
-                <a:solidFill>
-                  <a:schemeClr val="tx1"/>
-                </a:solidFill>
-                <a:latin typeface="+mn-lt"/>
-                <a:ea typeface="+mn-ea"/>
-                <a:cs typeface="+mn-cs"/>
-              </a:defRPr>
-            </a:lvl1pPr>
-            <a:lvl2pPr marL="685800" indent="-228600" algn="l" defTabSz="914400" rtl="0" eaLnBrk="1" latinLnBrk="0" hangingPunct="1">
-              <a:lnSpc>
-                <a:spcPct val="90000"/>
-              </a:lnSpc>
-              <a:spcBef>
-                <a:spcPts val="500"/>
-              </a:spcBef>
-              <a:buFont typeface="Arial" panose="020B0604020202020204" pitchFamily="34" charset="0"/>
-              <a:buChar char="•"/>
-              <a:defRPr sz="2400" kern="1200">
-                <a:solidFill>
-                  <a:schemeClr val="tx1"/>
-                </a:solidFill>
-                <a:latin typeface="+mn-lt"/>
-                <a:ea typeface="+mn-ea"/>
-                <a:cs typeface="+mn-cs"/>
-              </a:defRPr>
-            </a:lvl2pPr>
-            <a:lvl3pPr marL="1143000" indent="-228600" algn="l" defTabSz="914400" rtl="0" eaLnBrk="1" latinLnBrk="0" hangingPunct="1">
-              <a:lnSpc>
-                <a:spcPct val="90000"/>
-              </a:lnSpc>
-              <a:spcBef>
-                <a:spcPts val="500"/>
-              </a:spcBef>
-              <a:buFont typeface="Arial" panose="020B0604020202020204" pitchFamily="34" charset="0"/>
-              <a:buChar char="•"/>
-              <a:defRPr sz="2000" kern="1200">
-                <a:solidFill>
-                  <a:schemeClr val="tx1"/>
-                </a:solidFill>
-                <a:latin typeface="+mn-lt"/>
-                <a:ea typeface="+mn-ea"/>
-                <a:cs typeface="+mn-cs"/>
-              </a:defRPr>
-            </a:lvl3pPr>
-            <a:lvl4pPr marL="1600200" indent="-228600" algn="l" defTabSz="914400" rtl="0" eaLnBrk="1" latinLnBrk="0" hangingPunct="1">
-              <a:lnSpc>
-                <a:spcPct val="90000"/>
-              </a:lnSpc>
-              <a:spcBef>
-                <a:spcPts val="500"/>
-              </a:spcBef>
-              <a:buFont typeface="Arial" panose="020B0604020202020204" pitchFamily="34" charset="0"/>
-              <a:buChar char="•"/>
-              <a:defRPr sz="1800" kern="1200">
-                <a:solidFill>
-                  <a:schemeClr val="tx1"/>
-                </a:solidFill>
-                <a:latin typeface="+mn-lt"/>
-                <a:ea typeface="+mn-ea"/>
-                <a:cs typeface="+mn-cs"/>
-              </a:defRPr>
-            </a:lvl4pPr>
-            <a:lvl5pPr marL="2057400" indent="-228600" algn="l" defTabSz="914400" rtl="0" eaLnBrk="1" latinLnBrk="0" hangingPunct="1">
-              <a:lnSpc>
-                <a:spcPct val="90000"/>
-              </a:lnSpc>
-              <a:spcBef>
-                <a:spcPts val="500"/>
-              </a:spcBef>
-              <a:buFont typeface="Arial" panose="020B0604020202020204" pitchFamily="34" charset="0"/>
-              <a:buChar char="•"/>
-              <a:defRPr sz="1800" kern="1200">
-                <a:solidFill>
-                  <a:schemeClr val="tx1"/>
-                </a:solidFill>
-                <a:latin typeface="+mn-lt"/>
-                <a:ea typeface="+mn-ea"/>
-                <a:cs typeface="+mn-cs"/>
-              </a:defRPr>
-            </a:lvl5pPr>
-            <a:lvl6pPr marL="2514600" indent="-228600" algn="l" defTabSz="914400" rtl="0" eaLnBrk="1" latinLnBrk="0" hangingPunct="1">
-              <a:lnSpc>
-                <a:spcPct val="90000"/>
-              </a:lnSpc>
-              <a:spcBef>
-                <a:spcPts val="500"/>
-              </a:spcBef>
-              <a:buFont typeface="Arial" panose="020B0604020202020204" pitchFamily="34" charset="0"/>
-              <a:buChar char="•"/>
-              <a:defRPr sz="1800" kern="1200">
-                <a:solidFill>
-                  <a:schemeClr val="tx1"/>
-                </a:solidFill>
-                <a:latin typeface="+mn-lt"/>
-                <a:ea typeface="+mn-ea"/>
-                <a:cs typeface="+mn-cs"/>
-              </a:defRPr>
-            </a:lvl6pPr>
-            <a:lvl7pPr marL="2971800" indent="-228600" algn="l" defTabSz="914400" rtl="0" eaLnBrk="1" latinLnBrk="0" hangingPunct="1">
-              <a:lnSpc>
-                <a:spcPct val="90000"/>
-              </a:lnSpc>
-              <a:spcBef>
-                <a:spcPts val="500"/>
-              </a:spcBef>
-              <a:buFont typeface="Arial" panose="020B0604020202020204" pitchFamily="34" charset="0"/>
-              <a:buChar char="•"/>
-              <a:defRPr sz="1800" kern="1200">
-                <a:solidFill>
-                  <a:schemeClr val="tx1"/>
-                </a:solidFill>
-                <a:latin typeface="+mn-lt"/>
-                <a:ea typeface="+mn-ea"/>
-                <a:cs typeface="+mn-cs"/>
-              </a:defRPr>
-            </a:lvl7pPr>
-            <a:lvl8pPr marL="3429000" indent="-228600" algn="l" defTabSz="914400" rtl="0" eaLnBrk="1" latinLnBrk="0" hangingPunct="1">
-              <a:lnSpc>
-                <a:spcPct val="90000"/>
-              </a:lnSpc>
-              <a:spcBef>
-                <a:spcPts val="500"/>
-              </a:spcBef>
-              <a:buFont typeface="Arial" panose="020B0604020202020204" pitchFamily="34" charset="0"/>
-              <a:buChar char="•"/>
-              <a:defRPr sz="1800" kern="1200">
-                <a:solidFill>
-                  <a:schemeClr val="tx1"/>
-                </a:solidFill>
-                <a:latin typeface="+mn-lt"/>
-                <a:ea typeface="+mn-ea"/>
-                <a:cs typeface="+mn-cs"/>
-              </a:defRPr>
-            </a:lvl8pPr>
-            <a:lvl9pPr marL="3886200" indent="-228600" algn="l" defTabSz="914400" rtl="0" eaLnBrk="1" latinLnBrk="0" hangingPunct="1">
-              <a:lnSpc>
-                <a:spcPct val="90000"/>
-              </a:lnSpc>
-              <a:spcBef>
-                <a:spcPts val="500"/>
-              </a:spcBef>
-              <a:buFont typeface="Arial" panose="020B0604020202020204" pitchFamily="34" charset="0"/>
-              <a:buChar char="•"/>
-              <a:defRPr sz="1800" kern="1200">
-                <a:solidFill>
-                  <a:schemeClr val="tx1"/>
-                </a:solidFill>
-                <a:latin typeface="+mn-lt"/>
-                <a:ea typeface="+mn-ea"/>
-                <a:cs typeface="+mn-cs"/>
-              </a:defRPr>
-            </a:lvl9pPr>
-          </a:lstStyle>
-          <a:p>
-            <a:pPr marL="0" indent="0">
-              <a:buNone/>
-            </a:pPr>
-            <a:r>
-              <a:rPr lang="en-US" sz="3600" b="1" dirty="0">
-                <a:latin typeface="Calibri" panose="020F0502020204030204" pitchFamily="34" charset="0"/>
-                <a:cs typeface="Calibri" panose="020F0502020204030204" pitchFamily="34" charset="0"/>
-                <a:sym typeface="Wingdings" panose="05000000000000000000" pitchFamily="2" charset="2"/>
-              </a:rPr>
-              <a:t>Network’s modules are indicative of the processes</a:t>
-            </a:r>
-            <a:endParaRPr lang="en-US" sz="3200" dirty="0">
-              <a:latin typeface="Calibri" panose="020F0502020204030204" pitchFamily="34" charset="0"/>
-              <a:cs typeface="Calibri" panose="020F0502020204030204" pitchFamily="34" charset="0"/>
-            </a:endParaRPr>
-          </a:p>
-        </p:txBody>
-      </p:sp>
-      <p:sp>
-        <p:nvSpPr>
-          <p:cNvPr id="4" name="TextBox 3">
-            <a:extLst>
-              <a:ext uri="{FF2B5EF4-FFF2-40B4-BE49-F238E27FC236}">
-                <a16:creationId xmlns:a16="http://schemas.microsoft.com/office/drawing/2014/main" id="{1875AC0A-BA5E-1D24-CD79-24BC560CA5E0}"/>
-              </a:ext>
-            </a:extLst>
-          </p:cNvPr>
-          <p:cNvSpPr txBox="1"/>
-          <p:nvPr/>
-        </p:nvSpPr>
-        <p:spPr>
-          <a:xfrm>
-            <a:off x="770700" y="1085223"/>
-            <a:ext cx="11421300" cy="1384995"/>
-          </a:xfrm>
-          <a:prstGeom prst="rect">
-            <a:avLst/>
-          </a:prstGeom>
-          <a:noFill/>
-        </p:spPr>
-        <p:txBody>
-          <a:bodyPr wrap="square">
-            <a:spAutoFit/>
-          </a:bodyPr>
-          <a:lstStyle/>
-          <a:p>
-            <a:r>
-              <a:rPr lang="en-IL" sz="3600" b="1" dirty="0">
-                <a:latin typeface="Calibri" panose="020F0502020204030204" pitchFamily="34" charset="0"/>
-                <a:cs typeface="Calibri" panose="020F0502020204030204" pitchFamily="34" charset="0"/>
-              </a:rPr>
-              <a:t>Middle</a:t>
-            </a:r>
-            <a:endParaRPr lang="en-IL" sz="2400" b="1" dirty="0">
-              <a:latin typeface="Calibri" panose="020F0502020204030204" pitchFamily="34" charset="0"/>
-              <a:cs typeface="Calibri" panose="020F0502020204030204" pitchFamily="34" charset="0"/>
-            </a:endParaRPr>
-          </a:p>
-          <a:p>
-            <a:pPr marL="342900" indent="-342900">
-              <a:buFont typeface="Arial" panose="020B0604020202020204" pitchFamily="34" charset="0"/>
-              <a:buChar char="•"/>
-            </a:pPr>
-            <a:r>
-              <a:rPr lang="en-IL" sz="2400" dirty="0">
-                <a:latin typeface="Calibri" panose="020F0502020204030204" pitchFamily="34" charset="0"/>
-                <a:cs typeface="Calibri" panose="020F0502020204030204" pitchFamily="34" charset="0"/>
-              </a:rPr>
-              <a:t>The modules capture selective differences between hosts </a:t>
-            </a:r>
-          </a:p>
-          <a:p>
-            <a:pPr marL="342900" indent="-342900">
-              <a:buFont typeface="Arial" panose="020B0604020202020204" pitchFamily="34" charset="0"/>
-              <a:buChar char="•"/>
-            </a:pPr>
-            <a:r>
-              <a:rPr lang="en-IL" sz="2400" dirty="0">
-                <a:latin typeface="Calibri" panose="020F0502020204030204" pitchFamily="34" charset="0"/>
-                <a:cs typeface="Calibri" panose="020F0502020204030204" pitchFamily="34" charset="0"/>
-              </a:rPr>
-              <a:t>Neutral processes dominate the variation between hosts clustered in the same module</a:t>
-            </a:r>
-          </a:p>
-        </p:txBody>
-      </p:sp>
-      <p:pic>
-        <p:nvPicPr>
-          <p:cNvPr id="3" name="Picture 2">
-            <a:extLst>
-              <a:ext uri="{FF2B5EF4-FFF2-40B4-BE49-F238E27FC236}">
-                <a16:creationId xmlns:a16="http://schemas.microsoft.com/office/drawing/2014/main" id="{75135B76-1F14-5ACF-32C3-E51842B45240}"/>
-              </a:ext>
-            </a:extLst>
-          </p:cNvPr>
-          <p:cNvPicPr>
-            <a:picLocks noChangeAspect="1"/>
-          </p:cNvPicPr>
-          <p:nvPr/>
-        </p:nvPicPr>
-        <p:blipFill>
-          <a:blip r:embed="rId3"/>
-          <a:stretch>
-            <a:fillRect/>
-          </a:stretch>
-        </p:blipFill>
-        <p:spPr>
-          <a:xfrm>
-            <a:off x="2682794" y="2715481"/>
-            <a:ext cx="6712415" cy="4142519"/>
-          </a:xfrm>
-          <a:prstGeom prst="rect">
-            <a:avLst/>
-          </a:prstGeom>
-        </p:spPr>
-      </p:pic>
-    </p:spTree>
-    <p:extLst>
-      <p:ext uri="{BB962C8B-B14F-4D97-AF65-F5344CB8AC3E}">
-        <p14:creationId xmlns:p14="http://schemas.microsoft.com/office/powerpoint/2010/main" val="1967102591"/>
       </p:ext>
     </p:extLst>
   </p:cSld>
@@ -20364,8 +19546,346 @@
         </p:nvSpPr>
         <p:spPr>
           <a:xfrm>
-            <a:off x="770700" y="1085223"/>
-            <a:ext cx="11421300" cy="1384995"/>
+            <a:off x="770700" y="1406770"/>
+            <a:ext cx="3950350" cy="3231654"/>
+          </a:xfrm>
+          <a:prstGeom prst="rect">
+            <a:avLst/>
+          </a:prstGeom>
+          <a:noFill/>
+        </p:spPr>
+        <p:txBody>
+          <a:bodyPr wrap="square">
+            <a:spAutoFit/>
+          </a:bodyPr>
+          <a:lstStyle/>
+          <a:p>
+            <a:r>
+              <a:rPr lang="en-IL" sz="3600" b="1" dirty="0">
+                <a:latin typeface="Calibri" panose="020F0502020204030204" pitchFamily="34" charset="0"/>
+                <a:cs typeface="Calibri" panose="020F0502020204030204" pitchFamily="34" charset="0"/>
+              </a:rPr>
+              <a:t>Non-core</a:t>
+            </a:r>
+            <a:endParaRPr lang="en-IL" sz="2400" b="1" dirty="0">
+              <a:latin typeface="Calibri" panose="020F0502020204030204" pitchFamily="34" charset="0"/>
+              <a:cs typeface="Calibri" panose="020F0502020204030204" pitchFamily="34" charset="0"/>
+            </a:endParaRPr>
+          </a:p>
+          <a:p>
+            <a:pPr marL="342900" indent="-342900">
+              <a:buFont typeface="Arial" panose="020B0604020202020204" pitchFamily="34" charset="0"/>
+              <a:buChar char="•"/>
+            </a:pPr>
+            <a:r>
+              <a:rPr lang="en-IL" sz="2400" dirty="0">
+                <a:latin typeface="Calibri" panose="020F0502020204030204" pitchFamily="34" charset="0"/>
+                <a:cs typeface="Calibri" panose="020F0502020204030204" pitchFamily="34" charset="0"/>
+              </a:rPr>
+              <a:t>The modules capture selective differences between hosts </a:t>
+            </a:r>
+          </a:p>
+          <a:p>
+            <a:pPr marL="342900" indent="-342900">
+              <a:buFont typeface="Arial" panose="020B0604020202020204" pitchFamily="34" charset="0"/>
+              <a:buChar char="•"/>
+            </a:pPr>
+            <a:r>
+              <a:rPr lang="en-IL" sz="2400" dirty="0">
+                <a:latin typeface="Calibri" panose="020F0502020204030204" pitchFamily="34" charset="0"/>
+                <a:cs typeface="Calibri" panose="020F0502020204030204" pitchFamily="34" charset="0"/>
+              </a:rPr>
+              <a:t>Neutral processes dominate the variation between hosts clustered in the same module</a:t>
+            </a:r>
+          </a:p>
+        </p:txBody>
+      </p:sp>
+      <p:pic>
+        <p:nvPicPr>
+          <p:cNvPr id="3" name="Picture 2" descr="A graph of different colored bars&#10;&#10;Description automatically generated">
+            <a:extLst>
+              <a:ext uri="{FF2B5EF4-FFF2-40B4-BE49-F238E27FC236}">
+                <a16:creationId xmlns:a16="http://schemas.microsoft.com/office/drawing/2014/main" id="{54866D33-E6B3-D523-C935-E4BE03A3655C}"/>
+              </a:ext>
+            </a:extLst>
+          </p:cNvPr>
+          <p:cNvPicPr>
+            <a:picLocks noChangeAspect="1"/>
+          </p:cNvPicPr>
+          <p:nvPr/>
+        </p:nvPicPr>
+        <p:blipFill>
+          <a:blip r:embed="rId3"/>
+          <a:stretch>
+            <a:fillRect/>
+          </a:stretch>
+        </p:blipFill>
+        <p:spPr>
+          <a:xfrm>
+            <a:off x="4721050" y="1527350"/>
+            <a:ext cx="7333954" cy="5238538"/>
+          </a:xfrm>
+          <a:prstGeom prst="rect">
+            <a:avLst/>
+          </a:prstGeom>
+        </p:spPr>
+      </p:pic>
+    </p:spTree>
+    <p:extLst>
+      <p:ext uri="{BB962C8B-B14F-4D97-AF65-F5344CB8AC3E}">
+        <p14:creationId xmlns:p14="http://schemas.microsoft.com/office/powerpoint/2010/main" val="1183341952"/>
+      </p:ext>
+    </p:extLst>
+  </p:cSld>
+  <p:clrMapOvr>
+    <a:masterClrMapping/>
+  </p:clrMapOvr>
+</p:sld>
+</file>
+
+<file path=ppt/slides/slide21.xml><?xml version="1.0" encoding="utf-8"?>
+<p:sld xmlns:a="http://schemas.openxmlformats.org/drawingml/2006/main" xmlns:r="http://schemas.openxmlformats.org/officeDocument/2006/relationships" xmlns:p="http://schemas.openxmlformats.org/presentationml/2006/main">
+  <p:cSld>
+    <p:spTree>
+      <p:nvGrpSpPr>
+        <p:cNvPr id="1" name=""/>
+        <p:cNvGrpSpPr/>
+        <p:nvPr/>
+      </p:nvGrpSpPr>
+      <p:grpSpPr>
+        <a:xfrm>
+          <a:off x="0" y="0"/>
+          <a:ext cx="0" cy="0"/>
+          <a:chOff x="0" y="0"/>
+          <a:chExt cx="0" cy="0"/>
+        </a:xfrm>
+      </p:grpSpPr>
+      <p:sp>
+        <p:nvSpPr>
+          <p:cNvPr id="10" name="Content Placeholder 2">
+            <a:extLst>
+              <a:ext uri="{FF2B5EF4-FFF2-40B4-BE49-F238E27FC236}">
+                <a16:creationId xmlns:a16="http://schemas.microsoft.com/office/drawing/2014/main" id="{6191D3B6-9391-DC61-9862-02F5953A2361}"/>
+              </a:ext>
+            </a:extLst>
+          </p:cNvPr>
+          <p:cNvSpPr txBox="1">
+            <a:spLocks/>
+          </p:cNvSpPr>
+          <p:nvPr/>
+        </p:nvSpPr>
+        <p:spPr>
+          <a:xfrm>
+            <a:off x="770700" y="350693"/>
+            <a:ext cx="10085148" cy="734530"/>
+          </a:xfrm>
+          <a:prstGeom prst="rect">
+            <a:avLst/>
+          </a:prstGeom>
+        </p:spPr>
+        <p:txBody>
+          <a:bodyPr vert="horz" lIns="91440" tIns="45720" rIns="91440" bIns="45720" rtlCol="0">
+            <a:normAutofit/>
+          </a:bodyPr>
+          <a:lstStyle>
+            <a:lvl1pPr marL="228600" indent="-228600" algn="l" defTabSz="914400" rtl="0" eaLnBrk="1" latinLnBrk="0" hangingPunct="1">
+              <a:lnSpc>
+                <a:spcPct val="90000"/>
+              </a:lnSpc>
+              <a:spcBef>
+                <a:spcPts val="1000"/>
+              </a:spcBef>
+              <a:buFont typeface="Arial" panose="020B0604020202020204" pitchFamily="34" charset="0"/>
+              <a:buChar char="•"/>
+              <a:defRPr sz="2800" kern="1200">
+                <a:solidFill>
+                  <a:schemeClr val="tx1"/>
+                </a:solidFill>
+                <a:latin typeface="+mn-lt"/>
+                <a:ea typeface="+mn-ea"/>
+                <a:cs typeface="+mn-cs"/>
+              </a:defRPr>
+            </a:lvl1pPr>
+            <a:lvl2pPr marL="685800" indent="-228600" algn="l" defTabSz="914400" rtl="0" eaLnBrk="1" latinLnBrk="0" hangingPunct="1">
+              <a:lnSpc>
+                <a:spcPct val="90000"/>
+              </a:lnSpc>
+              <a:spcBef>
+                <a:spcPts val="500"/>
+              </a:spcBef>
+              <a:buFont typeface="Arial" panose="020B0604020202020204" pitchFamily="34" charset="0"/>
+              <a:buChar char="•"/>
+              <a:defRPr sz="2400" kern="1200">
+                <a:solidFill>
+                  <a:schemeClr val="tx1"/>
+                </a:solidFill>
+                <a:latin typeface="+mn-lt"/>
+                <a:ea typeface="+mn-ea"/>
+                <a:cs typeface="+mn-cs"/>
+              </a:defRPr>
+            </a:lvl2pPr>
+            <a:lvl3pPr marL="1143000" indent="-228600" algn="l" defTabSz="914400" rtl="0" eaLnBrk="1" latinLnBrk="0" hangingPunct="1">
+              <a:lnSpc>
+                <a:spcPct val="90000"/>
+              </a:lnSpc>
+              <a:spcBef>
+                <a:spcPts val="500"/>
+              </a:spcBef>
+              <a:buFont typeface="Arial" panose="020B0604020202020204" pitchFamily="34" charset="0"/>
+              <a:buChar char="•"/>
+              <a:defRPr sz="2000" kern="1200">
+                <a:solidFill>
+                  <a:schemeClr val="tx1"/>
+                </a:solidFill>
+                <a:latin typeface="+mn-lt"/>
+                <a:ea typeface="+mn-ea"/>
+                <a:cs typeface="+mn-cs"/>
+              </a:defRPr>
+            </a:lvl3pPr>
+            <a:lvl4pPr marL="1600200" indent="-228600" algn="l" defTabSz="914400" rtl="0" eaLnBrk="1" latinLnBrk="0" hangingPunct="1">
+              <a:lnSpc>
+                <a:spcPct val="90000"/>
+              </a:lnSpc>
+              <a:spcBef>
+                <a:spcPts val="500"/>
+              </a:spcBef>
+              <a:buFont typeface="Arial" panose="020B0604020202020204" pitchFamily="34" charset="0"/>
+              <a:buChar char="•"/>
+              <a:defRPr sz="1800" kern="1200">
+                <a:solidFill>
+                  <a:schemeClr val="tx1"/>
+                </a:solidFill>
+                <a:latin typeface="+mn-lt"/>
+                <a:ea typeface="+mn-ea"/>
+                <a:cs typeface="+mn-cs"/>
+              </a:defRPr>
+            </a:lvl4pPr>
+            <a:lvl5pPr marL="2057400" indent="-228600" algn="l" defTabSz="914400" rtl="0" eaLnBrk="1" latinLnBrk="0" hangingPunct="1">
+              <a:lnSpc>
+                <a:spcPct val="90000"/>
+              </a:lnSpc>
+              <a:spcBef>
+                <a:spcPts val="500"/>
+              </a:spcBef>
+              <a:buFont typeface="Arial" panose="020B0604020202020204" pitchFamily="34" charset="0"/>
+              <a:buChar char="•"/>
+              <a:defRPr sz="1800" kern="1200">
+                <a:solidFill>
+                  <a:schemeClr val="tx1"/>
+                </a:solidFill>
+                <a:latin typeface="+mn-lt"/>
+                <a:ea typeface="+mn-ea"/>
+                <a:cs typeface="+mn-cs"/>
+              </a:defRPr>
+            </a:lvl5pPr>
+            <a:lvl6pPr marL="2514600" indent="-228600" algn="l" defTabSz="914400" rtl="0" eaLnBrk="1" latinLnBrk="0" hangingPunct="1">
+              <a:lnSpc>
+                <a:spcPct val="90000"/>
+              </a:lnSpc>
+              <a:spcBef>
+                <a:spcPts val="500"/>
+              </a:spcBef>
+              <a:buFont typeface="Arial" panose="020B0604020202020204" pitchFamily="34" charset="0"/>
+              <a:buChar char="•"/>
+              <a:defRPr sz="1800" kern="1200">
+                <a:solidFill>
+                  <a:schemeClr val="tx1"/>
+                </a:solidFill>
+                <a:latin typeface="+mn-lt"/>
+                <a:ea typeface="+mn-ea"/>
+                <a:cs typeface="+mn-cs"/>
+              </a:defRPr>
+            </a:lvl6pPr>
+            <a:lvl7pPr marL="2971800" indent="-228600" algn="l" defTabSz="914400" rtl="0" eaLnBrk="1" latinLnBrk="0" hangingPunct="1">
+              <a:lnSpc>
+                <a:spcPct val="90000"/>
+              </a:lnSpc>
+              <a:spcBef>
+                <a:spcPts val="500"/>
+              </a:spcBef>
+              <a:buFont typeface="Arial" panose="020B0604020202020204" pitchFamily="34" charset="0"/>
+              <a:buChar char="•"/>
+              <a:defRPr sz="1800" kern="1200">
+                <a:solidFill>
+                  <a:schemeClr val="tx1"/>
+                </a:solidFill>
+                <a:latin typeface="+mn-lt"/>
+                <a:ea typeface="+mn-ea"/>
+                <a:cs typeface="+mn-cs"/>
+              </a:defRPr>
+            </a:lvl7pPr>
+            <a:lvl8pPr marL="3429000" indent="-228600" algn="l" defTabSz="914400" rtl="0" eaLnBrk="1" latinLnBrk="0" hangingPunct="1">
+              <a:lnSpc>
+                <a:spcPct val="90000"/>
+              </a:lnSpc>
+              <a:spcBef>
+                <a:spcPts val="500"/>
+              </a:spcBef>
+              <a:buFont typeface="Arial" panose="020B0604020202020204" pitchFamily="34" charset="0"/>
+              <a:buChar char="•"/>
+              <a:defRPr sz="1800" kern="1200">
+                <a:solidFill>
+                  <a:schemeClr val="tx1"/>
+                </a:solidFill>
+                <a:latin typeface="+mn-lt"/>
+                <a:ea typeface="+mn-ea"/>
+                <a:cs typeface="+mn-cs"/>
+              </a:defRPr>
+            </a:lvl8pPr>
+            <a:lvl9pPr marL="3886200" indent="-228600" algn="l" defTabSz="914400" rtl="0" eaLnBrk="1" latinLnBrk="0" hangingPunct="1">
+              <a:lnSpc>
+                <a:spcPct val="90000"/>
+              </a:lnSpc>
+              <a:spcBef>
+                <a:spcPts val="500"/>
+              </a:spcBef>
+              <a:buFont typeface="Arial" panose="020B0604020202020204" pitchFamily="34" charset="0"/>
+              <a:buChar char="•"/>
+              <a:defRPr sz="1800" kern="1200">
+                <a:solidFill>
+                  <a:schemeClr val="tx1"/>
+                </a:solidFill>
+                <a:latin typeface="+mn-lt"/>
+                <a:ea typeface="+mn-ea"/>
+                <a:cs typeface="+mn-cs"/>
+              </a:defRPr>
+            </a:lvl9pPr>
+          </a:lstStyle>
+          <a:p>
+            <a:pPr marL="0" indent="0">
+              <a:buNone/>
+            </a:pPr>
+            <a:r>
+              <a:rPr lang="en-US" sz="3600" b="1" dirty="0">
+                <a:latin typeface="Calibri" panose="020F0502020204030204" pitchFamily="34" charset="0"/>
+                <a:cs typeface="Calibri" panose="020F0502020204030204" pitchFamily="34" charset="0"/>
+                <a:sym typeface="Wingdings" panose="05000000000000000000" pitchFamily="2" charset="2"/>
+              </a:rPr>
+              <a:t>Network’s modules are indicative of the processes</a:t>
+            </a:r>
+            <a:endParaRPr lang="en-US" sz="3200" dirty="0">
+              <a:latin typeface="Calibri" panose="020F0502020204030204" pitchFamily="34" charset="0"/>
+              <a:cs typeface="Calibri" panose="020F0502020204030204" pitchFamily="34" charset="0"/>
+            </a:endParaRPr>
+          </a:p>
+        </p:txBody>
+      </p:sp>
+      <p:sp>
+        <p:nvSpPr>
+          <p:cNvPr id="4" name="TextBox 3">
+            <a:extLst>
+              <a:ext uri="{FF2B5EF4-FFF2-40B4-BE49-F238E27FC236}">
+                <a16:creationId xmlns:a16="http://schemas.microsoft.com/office/drawing/2014/main" id="{1875AC0A-BA5E-1D24-CD79-24BC560CA5E0}"/>
+              </a:ext>
+            </a:extLst>
+          </p:cNvPr>
+          <p:cNvSpPr txBox="1"/>
+          <p:nvPr/>
+        </p:nvSpPr>
+        <p:spPr>
+          <a:xfrm>
+            <a:off x="770700" y="1406770"/>
+            <a:ext cx="3950350" cy="2492990"/>
           </a:xfrm>
           <a:prstGeom prst="rect">
             <a:avLst/>
@@ -20407,10 +19927,10 @@
       </p:sp>
       <p:pic>
         <p:nvPicPr>
-          <p:cNvPr id="5" name="Picture 4">
+          <p:cNvPr id="3" name="Picture 2" descr="A graph of different colored bars&#10;&#10;Description automatically generated">
             <a:extLst>
               <a:ext uri="{FF2B5EF4-FFF2-40B4-BE49-F238E27FC236}">
-                <a16:creationId xmlns:a16="http://schemas.microsoft.com/office/drawing/2014/main" id="{949B84E7-BA14-1DA2-BD32-929A4F111295}"/>
+                <a16:creationId xmlns:a16="http://schemas.microsoft.com/office/drawing/2014/main" id="{54866D33-E6B3-D523-C935-E4BE03A3655C}"/>
               </a:ext>
             </a:extLst>
           </p:cNvPr>
@@ -20427,8 +19947,8 @@
         </p:blipFill>
         <p:spPr>
           <a:xfrm>
-            <a:off x="3215217" y="2826659"/>
-            <a:ext cx="6532266" cy="4031341"/>
+            <a:off x="4721050" y="1527350"/>
+            <a:ext cx="7333954" cy="5238538"/>
           </a:xfrm>
           <a:prstGeom prst="rect">
             <a:avLst/>
@@ -20438,7 +19958,7 @@
     </p:spTree>
     <p:extLst>
       <p:ext uri="{BB962C8B-B14F-4D97-AF65-F5344CB8AC3E}">
-        <p14:creationId xmlns:p14="http://schemas.microsoft.com/office/powerpoint/2010/main" val="1012690447"/>
+        <p14:creationId xmlns:p14="http://schemas.microsoft.com/office/powerpoint/2010/main" val="871701731"/>
       </p:ext>
     </p:extLst>
   </p:cSld>
@@ -20448,7 +19968,7 @@
 </p:sld>
 </file>
 
-<file path=ppt/slides/slide21.xml><?xml version="1.0" encoding="utf-8"?>
+<file path=ppt/slides/slide22.xml><?xml version="1.0" encoding="utf-8"?>
 <p:sld xmlns:a="http://schemas.openxmlformats.org/drawingml/2006/main" xmlns:r="http://schemas.openxmlformats.org/officeDocument/2006/relationships" xmlns:p="http://schemas.openxmlformats.org/presentationml/2006/main">
   <p:cSld>
     <p:spTree>
@@ -20716,7 +20236,25 @@
                 <a:cs typeface="Calibri"/>
                 <a:sym typeface="Calibri"/>
               </a:rPr>
-              <a:t>e communities along a land use change gradient?</a:t>
+              <a:t>e communities </a:t>
+            </a:r>
+            <a:r>
+              <a:rPr lang="en-US" sz="3600" b="1" u="sng" dirty="0">
+                <a:latin typeface="Calibri"/>
+                <a:ea typeface="Calibri"/>
+                <a:cs typeface="Calibri"/>
+                <a:sym typeface="Calibri"/>
+              </a:rPr>
+              <a:t>along a land use change gradient</a:t>
+            </a:r>
+            <a:r>
+              <a:rPr lang="en-US" sz="3600" dirty="0">
+                <a:latin typeface="Calibri"/>
+                <a:ea typeface="Calibri"/>
+                <a:cs typeface="Calibri"/>
+                <a:sym typeface="Calibri"/>
+              </a:rPr>
+              <a:t>?</a:t>
             </a:r>
           </a:p>
         </p:txBody>
@@ -20734,7 +20272,7 @@
 </p:sld>
 </file>
 
-<file path=ppt/slides/slide22.xml><?xml version="1.0" encoding="utf-8"?>
+<file path=ppt/slides/slide23.xml><?xml version="1.0" encoding="utf-8"?>
 <p:sld xmlns:a="http://schemas.openxmlformats.org/drawingml/2006/main" xmlns:r="http://schemas.openxmlformats.org/officeDocument/2006/relationships" xmlns:p="http://schemas.openxmlformats.org/presentationml/2006/main">
   <p:cSld>
     <p:spTree>
@@ -27264,7 +26802,7 @@
 </p:sld>
 </file>
 
-<file path=ppt/slides/slide23.xml><?xml version="1.0" encoding="utf-8"?>
+<file path=ppt/slides/slide24.xml><?xml version="1.0" encoding="utf-8"?>
 <p:sld xmlns:a="http://schemas.openxmlformats.org/drawingml/2006/main" xmlns:r="http://schemas.openxmlformats.org/officeDocument/2006/relationships" xmlns:p="http://schemas.openxmlformats.org/presentationml/2006/main">
   <p:cSld>
     <p:spTree>
@@ -27281,51 +26819,12 @@
           <a:chExt cx="0" cy="0"/>
         </a:xfrm>
       </p:grpSpPr>
-      <p:sp>
-        <p:nvSpPr>
-          <p:cNvPr id="2" name="Title 1">
+      <p:pic>
+        <p:nvPicPr>
+          <p:cNvPr id="7" name="Picture 6" descr="A group of different colored lines&#10;&#10;Description automatically generated with medium confidence">
             <a:extLst>
               <a:ext uri="{FF2B5EF4-FFF2-40B4-BE49-F238E27FC236}">
-                <a16:creationId xmlns:a16="http://schemas.microsoft.com/office/drawing/2014/main" id="{F593ABCB-66ED-1BBE-3E13-ACEAE150DA9C}"/>
-              </a:ext>
-            </a:extLst>
-          </p:cNvPr>
-          <p:cNvSpPr>
-            <a:spLocks noGrp="1"/>
-          </p:cNvSpPr>
-          <p:nvPr>
-            <p:ph type="title"/>
-          </p:nvPr>
-        </p:nvSpPr>
-        <p:spPr>
-          <a:xfrm>
-            <a:off x="838200" y="212621"/>
-            <a:ext cx="10515600" cy="892697"/>
-          </a:xfrm>
-        </p:spPr>
-        <p:txBody>
-          <a:bodyPr>
-            <a:normAutofit/>
-          </a:bodyPr>
-          <a:lstStyle/>
-          <a:p>
-            <a:r>
-              <a:rPr lang="en-US" sz="3600" b="1" dirty="0">
-                <a:latin typeface="Calibri" panose="020F0502020204030204" pitchFamily="34" charset="0"/>
-                <a:cs typeface="Calibri" panose="020F0502020204030204" pitchFamily="34" charset="0"/>
-              </a:rPr>
-              <a:t>Rare</a:t>
-            </a:r>
-            <a:endParaRPr lang="en-IL" sz="2800" b="1" dirty="0"/>
-          </a:p>
-        </p:txBody>
-      </p:sp>
-      <p:pic>
-        <p:nvPicPr>
-          <p:cNvPr id="4" name="Picture 3">
-            <a:extLst>
-              <a:ext uri="{FF2B5EF4-FFF2-40B4-BE49-F238E27FC236}">
-                <a16:creationId xmlns:a16="http://schemas.microsoft.com/office/drawing/2014/main" id="{777C4572-03E3-9713-4D8D-32E601DF9500}"/>
+                <a16:creationId xmlns:a16="http://schemas.microsoft.com/office/drawing/2014/main" id="{6FFE9176-F3CA-52F9-AC70-CCBBD40C9F74}"/>
               </a:ext>
             </a:extLst>
           </p:cNvPr>
@@ -27342,8 +26841,8 @@
         </p:blipFill>
         <p:spPr>
           <a:xfrm>
-            <a:off x="2038978" y="1543125"/>
-            <a:ext cx="7772400" cy="4796681"/>
+            <a:off x="2209800" y="773723"/>
+            <a:ext cx="7772400" cy="5551714"/>
           </a:xfrm>
           <a:prstGeom prst="rect">
             <a:avLst/>
@@ -27363,205 +26862,7 @@
 </p:sld>
 </file>
 
-<file path=ppt/slides/slide24.xml><?xml version="1.0" encoding="utf-8"?>
-<p:sld xmlns:a="http://schemas.openxmlformats.org/drawingml/2006/main" xmlns:r="http://schemas.openxmlformats.org/officeDocument/2006/relationships" xmlns:p="http://schemas.openxmlformats.org/presentationml/2006/main">
-  <p:cSld>
-    <p:spTree>
-      <p:nvGrpSpPr>
-        <p:cNvPr id="1" name=""/>
-        <p:cNvGrpSpPr/>
-        <p:nvPr/>
-      </p:nvGrpSpPr>
-      <p:grpSpPr>
-        <a:xfrm>
-          <a:off x="0" y="0"/>
-          <a:ext cx="0" cy="0"/>
-          <a:chOff x="0" y="0"/>
-          <a:chExt cx="0" cy="0"/>
-        </a:xfrm>
-      </p:grpSpPr>
-      <p:sp>
-        <p:nvSpPr>
-          <p:cNvPr id="2" name="Title 1">
-            <a:extLst>
-              <a:ext uri="{FF2B5EF4-FFF2-40B4-BE49-F238E27FC236}">
-                <a16:creationId xmlns:a16="http://schemas.microsoft.com/office/drawing/2014/main" id="{F593ABCB-66ED-1BBE-3E13-ACEAE150DA9C}"/>
-              </a:ext>
-            </a:extLst>
-          </p:cNvPr>
-          <p:cNvSpPr>
-            <a:spLocks noGrp="1"/>
-          </p:cNvSpPr>
-          <p:nvPr>
-            <p:ph type="title"/>
-          </p:nvPr>
-        </p:nvSpPr>
-        <p:spPr>
-          <a:xfrm>
-            <a:off x="838200" y="212621"/>
-            <a:ext cx="10515600" cy="892697"/>
-          </a:xfrm>
-        </p:spPr>
-        <p:txBody>
-          <a:bodyPr>
-            <a:normAutofit/>
-          </a:bodyPr>
-          <a:lstStyle/>
-          <a:p>
-            <a:r>
-              <a:rPr lang="en-US" sz="3600" b="1" dirty="0">
-                <a:latin typeface="Calibri" panose="020F0502020204030204" pitchFamily="34" charset="0"/>
-                <a:cs typeface="Calibri" panose="020F0502020204030204" pitchFamily="34" charset="0"/>
-              </a:rPr>
-              <a:t>Middle</a:t>
-            </a:r>
-            <a:endParaRPr lang="en-IL" sz="2800" b="1" dirty="0"/>
-          </a:p>
-        </p:txBody>
-      </p:sp>
-      <p:pic>
-        <p:nvPicPr>
-          <p:cNvPr id="5" name="Picture 4">
-            <a:extLst>
-              <a:ext uri="{FF2B5EF4-FFF2-40B4-BE49-F238E27FC236}">
-                <a16:creationId xmlns:a16="http://schemas.microsoft.com/office/drawing/2014/main" id="{7E4F00CE-CE75-2ABB-8B2B-BC2EE8015879}"/>
-              </a:ext>
-            </a:extLst>
-          </p:cNvPr>
-          <p:cNvPicPr>
-            <a:picLocks noChangeAspect="1"/>
-          </p:cNvPicPr>
-          <p:nvPr/>
-        </p:nvPicPr>
-        <p:blipFill>
-          <a:blip r:embed="rId2"/>
-          <a:stretch>
-            <a:fillRect/>
-          </a:stretch>
-        </p:blipFill>
-        <p:spPr>
-          <a:xfrm>
-            <a:off x="2209800" y="1512980"/>
-            <a:ext cx="7772400" cy="4796681"/>
-          </a:xfrm>
-          <a:prstGeom prst="rect">
-            <a:avLst/>
-          </a:prstGeom>
-        </p:spPr>
-      </p:pic>
-    </p:spTree>
-    <p:extLst>
-      <p:ext uri="{BB962C8B-B14F-4D97-AF65-F5344CB8AC3E}">
-        <p14:creationId xmlns:p14="http://schemas.microsoft.com/office/powerpoint/2010/main" val="2567316556"/>
-      </p:ext>
-    </p:extLst>
-  </p:cSld>
-  <p:clrMapOvr>
-    <a:masterClrMapping/>
-  </p:clrMapOvr>
-</p:sld>
-</file>
-
 <file path=ppt/slides/slide25.xml><?xml version="1.0" encoding="utf-8"?>
-<p:sld xmlns:a="http://schemas.openxmlformats.org/drawingml/2006/main" xmlns:r="http://schemas.openxmlformats.org/officeDocument/2006/relationships" xmlns:p="http://schemas.openxmlformats.org/presentationml/2006/main">
-  <p:cSld>
-    <p:spTree>
-      <p:nvGrpSpPr>
-        <p:cNvPr id="1" name=""/>
-        <p:cNvGrpSpPr/>
-        <p:nvPr/>
-      </p:nvGrpSpPr>
-      <p:grpSpPr>
-        <a:xfrm>
-          <a:off x="0" y="0"/>
-          <a:ext cx="0" cy="0"/>
-          <a:chOff x="0" y="0"/>
-          <a:chExt cx="0" cy="0"/>
-        </a:xfrm>
-      </p:grpSpPr>
-      <p:sp>
-        <p:nvSpPr>
-          <p:cNvPr id="2" name="Title 1">
-            <a:extLst>
-              <a:ext uri="{FF2B5EF4-FFF2-40B4-BE49-F238E27FC236}">
-                <a16:creationId xmlns:a16="http://schemas.microsoft.com/office/drawing/2014/main" id="{F593ABCB-66ED-1BBE-3E13-ACEAE150DA9C}"/>
-              </a:ext>
-            </a:extLst>
-          </p:cNvPr>
-          <p:cNvSpPr>
-            <a:spLocks noGrp="1"/>
-          </p:cNvSpPr>
-          <p:nvPr>
-            <p:ph type="title"/>
-          </p:nvPr>
-        </p:nvSpPr>
-        <p:spPr>
-          <a:xfrm>
-            <a:off x="838200" y="212621"/>
-            <a:ext cx="10515600" cy="892697"/>
-          </a:xfrm>
-        </p:spPr>
-        <p:txBody>
-          <a:bodyPr>
-            <a:normAutofit/>
-          </a:bodyPr>
-          <a:lstStyle/>
-          <a:p>
-            <a:r>
-              <a:rPr lang="en-US" sz="3600" b="1" dirty="0">
-                <a:latin typeface="Calibri" panose="020F0502020204030204" pitchFamily="34" charset="0"/>
-                <a:cs typeface="Calibri" panose="020F0502020204030204" pitchFamily="34" charset="0"/>
-              </a:rPr>
-              <a:t>Core</a:t>
-            </a:r>
-            <a:endParaRPr lang="en-IL" sz="2800" b="1" dirty="0"/>
-          </a:p>
-        </p:txBody>
-      </p:sp>
-      <p:pic>
-        <p:nvPicPr>
-          <p:cNvPr id="4" name="Picture 3">
-            <a:extLst>
-              <a:ext uri="{FF2B5EF4-FFF2-40B4-BE49-F238E27FC236}">
-                <a16:creationId xmlns:a16="http://schemas.microsoft.com/office/drawing/2014/main" id="{34152F3F-E587-8B87-28E8-8460951BFFC0}"/>
-              </a:ext>
-            </a:extLst>
-          </p:cNvPr>
-          <p:cNvPicPr>
-            <a:picLocks noChangeAspect="1"/>
-          </p:cNvPicPr>
-          <p:nvPr/>
-        </p:nvPicPr>
-        <p:blipFill>
-          <a:blip r:embed="rId2"/>
-          <a:stretch>
-            <a:fillRect/>
-          </a:stretch>
-        </p:blipFill>
-        <p:spPr>
-          <a:xfrm>
-            <a:off x="2209800" y="1683802"/>
-            <a:ext cx="7772400" cy="4796681"/>
-          </a:xfrm>
-          <a:prstGeom prst="rect">
-            <a:avLst/>
-          </a:prstGeom>
-        </p:spPr>
-      </p:pic>
-    </p:spTree>
-    <p:extLst>
-      <p:ext uri="{BB962C8B-B14F-4D97-AF65-F5344CB8AC3E}">
-        <p14:creationId xmlns:p14="http://schemas.microsoft.com/office/powerpoint/2010/main" val="3468864580"/>
-      </p:ext>
-    </p:extLst>
-  </p:cSld>
-  <p:clrMapOvr>
-    <a:masterClrMapping/>
-  </p:clrMapOvr>
-</p:sld>
-</file>
-
-<file path=ppt/slides/slide26.xml><?xml version="1.0" encoding="utf-8"?>
 <p:sld xmlns:a="http://schemas.openxmlformats.org/drawingml/2006/main" xmlns:r="http://schemas.openxmlformats.org/officeDocument/2006/relationships" xmlns:p="http://schemas.openxmlformats.org/presentationml/2006/main">
   <p:cSld>
     <p:spTree>
@@ -28348,7 +27649,7 @@
 </p:sld>
 </file>
 
-<file path=ppt/slides/slide27.xml><?xml version="1.0" encoding="utf-8"?>
+<file path=ppt/slides/slide26.xml><?xml version="1.0" encoding="utf-8"?>
 <p:sld xmlns:a="http://schemas.openxmlformats.org/drawingml/2006/main" xmlns:r="http://schemas.openxmlformats.org/officeDocument/2006/relationships" xmlns:p="http://schemas.openxmlformats.org/presentationml/2006/main">
   <p:cSld>
     <p:spTree>
@@ -28394,24 +27695,11 @@
           <a:lstStyle/>
           <a:p>
             <a:r>
-              <a:rPr lang="en-US" sz="3200" b="1" dirty="0">
-                <a:latin typeface="Calibri" panose="020F0502020204030204" pitchFamily="34" charset="0"/>
-                <a:cs typeface="Calibri" panose="020F0502020204030204" pitchFamily="34" charset="0"/>
-              </a:rPr>
-              <a:t>Rare</a:t>
-            </a:r>
-            <a:br>
               <a:rPr lang="en-US" sz="3200" dirty="0">
                 <a:latin typeface="Calibri" panose="020F0502020204030204" pitchFamily="34" charset="0"/>
                 <a:cs typeface="Calibri" panose="020F0502020204030204" pitchFamily="34" charset="0"/>
               </a:rPr>
-            </a:br>
-            <a:r>
-              <a:rPr lang="en-US" sz="3200" dirty="0">
-                <a:latin typeface="Calibri" panose="020F0502020204030204" pitchFamily="34" charset="0"/>
-                <a:cs typeface="Calibri" panose="020F0502020204030204" pitchFamily="34" charset="0"/>
-              </a:rPr>
-              <a:t>Land uses farther apart show lower similarity in modules</a:t>
+              <a:t>Land uses farther apart show lower similarity in modules only for rare and non-core</a:t>
             </a:r>
             <a:endParaRPr lang="en-IL" sz="3200" dirty="0"/>
           </a:p>
@@ -28419,10 +27707,10 @@
       </p:sp>
       <p:pic>
         <p:nvPicPr>
-          <p:cNvPr id="4" name="Picture 3">
+          <p:cNvPr id="5" name="Picture 4" descr="A group of graphs showing different values&#10;&#10;Description automatically generated">
             <a:extLst>
               <a:ext uri="{FF2B5EF4-FFF2-40B4-BE49-F238E27FC236}">
-                <a16:creationId xmlns:a16="http://schemas.microsoft.com/office/drawing/2014/main" id="{A65865BA-D74D-5CBF-FDCB-5F72BF5B91EE}"/>
+                <a16:creationId xmlns:a16="http://schemas.microsoft.com/office/drawing/2014/main" id="{695BA924-CC23-D474-7DFF-E1960408B3FC}"/>
               </a:ext>
             </a:extLst>
           </p:cNvPr>
@@ -28439,8 +27727,8 @@
         </p:blipFill>
         <p:spPr>
           <a:xfrm>
-            <a:off x="2059074" y="1683802"/>
-            <a:ext cx="7772400" cy="4796681"/>
+            <a:off x="2463018" y="1668026"/>
+            <a:ext cx="7265964" cy="5189974"/>
           </a:xfrm>
           <a:prstGeom prst="rect">
             <a:avLst/>
@@ -28460,12 +27748,12 @@
 </p:sld>
 </file>
 
-<file path=ppt/slides/slide28.xml><?xml version="1.0" encoding="utf-8"?>
-<p:sld xmlns:a="http://schemas.openxmlformats.org/drawingml/2006/main" xmlns:r="http://schemas.openxmlformats.org/officeDocument/2006/relationships" xmlns:p="http://schemas.openxmlformats.org/presentationml/2006/main">
+<file path=ppt/slides/slide27.xml><?xml version="1.0" encoding="utf-8"?>
+<p:sld xmlns:a="http://schemas.openxmlformats.org/drawingml/2006/main" xmlns:r="http://schemas.openxmlformats.org/officeDocument/2006/relationships" xmlns:p="http://schemas.openxmlformats.org/presentationml/2006/main" show="0">
   <p:cSld>
     <p:spTree>
       <p:nvGrpSpPr>
-        <p:cNvPr id="1" name=""/>
+        <p:cNvPr id="1" name="Shape 357"/>
         <p:cNvGrpSpPr/>
         <p:nvPr/>
       </p:nvGrpSpPr>
@@ -28479,14 +27767,8 @@
       </p:grpSpPr>
       <p:sp>
         <p:nvSpPr>
-          <p:cNvPr id="2" name="Title 1">
-            <a:extLst>
-              <a:ext uri="{FF2B5EF4-FFF2-40B4-BE49-F238E27FC236}">
-                <a16:creationId xmlns:a16="http://schemas.microsoft.com/office/drawing/2014/main" id="{F593ABCB-66ED-1BBE-3E13-ACEAE150DA9C}"/>
-              </a:ext>
-            </a:extLst>
-          </p:cNvPr>
-          <p:cNvSpPr>
+          <p:cNvPr id="358" name="Google Shape;358;p17"/>
+          <p:cNvSpPr txBox="1">
             <a:spLocks noGrp="1"/>
           </p:cNvSpPr>
           <p:nvPr>
@@ -28495,74 +27777,298 @@
         </p:nvSpPr>
         <p:spPr>
           <a:xfrm>
-            <a:off x="687474" y="282960"/>
-            <a:ext cx="10515600" cy="1023326"/>
+            <a:off x="838200" y="372751"/>
+            <a:ext cx="10515600" cy="826089"/>
           </a:xfrm>
+          <a:prstGeom prst="rect">
+            <a:avLst/>
+          </a:prstGeom>
+          <a:noFill/>
+          <a:ln>
+            <a:noFill/>
+          </a:ln>
         </p:spPr>
         <p:txBody>
-          <a:bodyPr>
+          <a:bodyPr spcFirstLastPara="1" wrap="square" lIns="91425" tIns="45700" rIns="91425" bIns="45700" anchor="ctr" anchorCtr="0">
             <a:normAutofit/>
           </a:bodyPr>
           <a:lstStyle/>
           <a:p>
+            <a:pPr marL="0" lvl="0" indent="0" algn="l" rtl="0">
+              <a:lnSpc>
+                <a:spcPct val="90000"/>
+              </a:lnSpc>
+              <a:spcBef>
+                <a:spcPts val="0"/>
+              </a:spcBef>
+              <a:spcAft>
+                <a:spcPts val="0"/>
+              </a:spcAft>
+              <a:buClr>
+                <a:schemeClr val="dk1"/>
+              </a:buClr>
+              <a:buSzPts val="4400"/>
+              <a:buFont typeface="Calibri"/>
+              <a:buNone/>
+            </a:pPr>
             <a:r>
-              <a:rPr lang="en-US" sz="3200" b="1" dirty="0">
+              <a:rPr lang="en-US" b="1" dirty="0">
                 <a:latin typeface="Calibri" panose="020F0502020204030204" pitchFamily="34" charset="0"/>
                 <a:cs typeface="Calibri" panose="020F0502020204030204" pitchFamily="34" charset="0"/>
+                <a:sym typeface="Calibri"/>
               </a:rPr>
-              <a:t>Middle</a:t>
+              <a:t>Summary</a:t>
             </a:r>
-            <a:br>
-              <a:rPr lang="en-US" sz="3200" dirty="0">
-                <a:latin typeface="Calibri" panose="020F0502020204030204" pitchFamily="34" charset="0"/>
-                <a:cs typeface="Calibri" panose="020F0502020204030204" pitchFamily="34" charset="0"/>
-              </a:rPr>
-            </a:br>
-            <a:r>
-              <a:rPr lang="en-US" sz="3200" dirty="0">
-                <a:latin typeface="Calibri" panose="020F0502020204030204" pitchFamily="34" charset="0"/>
-                <a:cs typeface="Calibri" panose="020F0502020204030204" pitchFamily="34" charset="0"/>
-              </a:rPr>
-              <a:t>Land uses farther apart show lower similarity in modules</a:t>
-            </a:r>
-            <a:endParaRPr lang="en-IL" sz="3200" dirty="0"/>
+            <a:endParaRPr b="1" dirty="0">
+              <a:latin typeface="Calibri" panose="020F0502020204030204" pitchFamily="34" charset="0"/>
+              <a:cs typeface="Calibri" panose="020F0502020204030204" pitchFamily="34" charset="0"/>
+              <a:sym typeface="Calibri"/>
+            </a:endParaRPr>
           </a:p>
         </p:txBody>
       </p:sp>
-      <p:pic>
-        <p:nvPicPr>
-          <p:cNvPr id="5" name="Picture 4">
+      <p:sp>
+        <p:nvSpPr>
+          <p:cNvPr id="2" name="Google Shape;359;p17">
             <a:extLst>
               <a:ext uri="{FF2B5EF4-FFF2-40B4-BE49-F238E27FC236}">
-                <a16:creationId xmlns:a16="http://schemas.microsoft.com/office/drawing/2014/main" id="{9E716CD6-587C-3A46-7A46-33CC50594589}"/>
+                <a16:creationId xmlns:a16="http://schemas.microsoft.com/office/drawing/2014/main" id="{08574919-E936-D618-36C2-830C1D987350}"/>
               </a:ext>
             </a:extLst>
           </p:cNvPr>
-          <p:cNvPicPr>
-            <a:picLocks noChangeAspect="1"/>
-          </p:cNvPicPr>
+          <p:cNvSpPr txBox="1"/>
           <p:nvPr/>
-        </p:nvPicPr>
-        <p:blipFill>
-          <a:blip r:embed="rId2"/>
-          <a:stretch>
-            <a:fillRect/>
-          </a:stretch>
-        </p:blipFill>
+        </p:nvSpPr>
         <p:spPr>
           <a:xfrm>
-            <a:off x="2059074" y="1778359"/>
-            <a:ext cx="7772400" cy="4796681"/>
+            <a:off x="1074705" y="1254714"/>
+            <a:ext cx="9644095" cy="5096390"/>
           </a:xfrm>
           <a:prstGeom prst="rect">
             <a:avLst/>
           </a:prstGeom>
+          <a:noFill/>
+          <a:ln>
+            <a:noFill/>
+          </a:ln>
         </p:spPr>
-      </p:pic>
+        <p:txBody>
+          <a:bodyPr spcFirstLastPara="1" wrap="square" lIns="91425" tIns="45700" rIns="91425" bIns="45700" anchor="t" anchorCtr="0">
+            <a:normAutofit/>
+          </a:bodyPr>
+          <a:lstStyle/>
+          <a:p>
+            <a:pPr marL="457200" marR="0" lvl="0" indent="-457200" algn="l" rtl="0">
+              <a:lnSpc>
+                <a:spcPct val="90000"/>
+              </a:lnSpc>
+              <a:spcBef>
+                <a:spcPts val="1000"/>
+              </a:spcBef>
+              <a:spcAft>
+                <a:spcPts val="0"/>
+              </a:spcAft>
+              <a:buClr>
+                <a:schemeClr val="dk1"/>
+              </a:buClr>
+              <a:buSzPts val="3200"/>
+              <a:buFont typeface="Wingdings" pitchFamily="2" charset="2"/>
+              <a:buChar char="§"/>
+            </a:pPr>
+            <a:r>
+              <a:rPr lang="en-US" sz="2800" dirty="0">
+                <a:solidFill>
+                  <a:schemeClr val="dk1"/>
+                </a:solidFill>
+                <a:latin typeface="Calibri" panose="020F0502020204030204" pitchFamily="34" charset="0"/>
+                <a:cs typeface="Calibri" panose="020F0502020204030204" pitchFamily="34" charset="0"/>
+                <a:sym typeface="Calibri"/>
+              </a:rPr>
+              <a:t>A combination of neutral and selective processes shape the host microbiome</a:t>
+            </a:r>
+          </a:p>
+          <a:p>
+            <a:pPr marL="457200" indent="-457200">
+              <a:lnSpc>
+                <a:spcPct val="90000"/>
+              </a:lnSpc>
+              <a:spcBef>
+                <a:spcPts val="1000"/>
+              </a:spcBef>
+              <a:buClr>
+                <a:schemeClr val="dk1"/>
+              </a:buClr>
+              <a:buSzPts val="3200"/>
+              <a:buFont typeface="Wingdings" pitchFamily="2" charset="2"/>
+              <a:buChar char="§"/>
+            </a:pPr>
+            <a:r>
+              <a:rPr lang="en-US" sz="2800" dirty="0">
+                <a:solidFill>
+                  <a:schemeClr val="dk1"/>
+                </a:solidFill>
+                <a:latin typeface="Calibri" panose="020F0502020204030204" pitchFamily="34" charset="0"/>
+                <a:cs typeface="Calibri" panose="020F0502020204030204" pitchFamily="34" charset="0"/>
+                <a:sym typeface="Calibri"/>
+              </a:rPr>
+              <a:t>The system is mostly neutral (stochastic)</a:t>
+            </a:r>
+          </a:p>
+          <a:p>
+            <a:pPr marL="457200" indent="-457200">
+              <a:lnSpc>
+                <a:spcPct val="90000"/>
+              </a:lnSpc>
+              <a:spcBef>
+                <a:spcPts val="1000"/>
+              </a:spcBef>
+              <a:buClr>
+                <a:schemeClr val="dk1"/>
+              </a:buClr>
+              <a:buSzPts val="3200"/>
+              <a:buFont typeface="Wingdings" pitchFamily="2" charset="2"/>
+              <a:buChar char="§"/>
+            </a:pPr>
+            <a:r>
+              <a:rPr lang="en-US" sz="2800" dirty="0">
+                <a:solidFill>
+                  <a:schemeClr val="dk1"/>
+                </a:solidFill>
+                <a:latin typeface="Calibri" panose="020F0502020204030204" pitchFamily="34" charset="0"/>
+                <a:cs typeface="Calibri" panose="020F0502020204030204" pitchFamily="34" charset="0"/>
+                <a:sym typeface="Calibri"/>
+              </a:rPr>
+              <a:t>Land use change alters the environment heterogeneity  and induces gradual selective pressures</a:t>
+            </a:r>
+          </a:p>
+          <a:p>
+            <a:pPr marL="457200" indent="-457200">
+              <a:lnSpc>
+                <a:spcPct val="90000"/>
+              </a:lnSpc>
+              <a:spcBef>
+                <a:spcPts val="1000"/>
+              </a:spcBef>
+              <a:buClr>
+                <a:schemeClr val="dk1"/>
+              </a:buClr>
+              <a:buSzPts val="3200"/>
+              <a:buFont typeface="Wingdings" pitchFamily="2" charset="2"/>
+              <a:buChar char="§"/>
+            </a:pPr>
+            <a:r>
+              <a:rPr lang="en-US" sz="2800" dirty="0">
+                <a:solidFill>
+                  <a:schemeClr val="dk1"/>
+                </a:solidFill>
+                <a:latin typeface="Calibri" panose="020F0502020204030204" pitchFamily="34" charset="0"/>
+                <a:cs typeface="Calibri" panose="020F0502020204030204" pitchFamily="34" charset="0"/>
+                <a:sym typeface="Calibri"/>
+              </a:rPr>
+              <a:t>The selective impact within and across land use is </a:t>
+            </a:r>
+            <a:r>
+              <a:rPr lang="en-US" sz="2800" dirty="0">
+                <a:latin typeface="Calibri" panose="020F0502020204030204" pitchFamily="34" charset="0"/>
+                <a:cs typeface="Calibri" panose="020F0502020204030204" pitchFamily="34" charset="0"/>
+              </a:rPr>
+              <a:t>driven by rare microbes that clustered in small modules associated to specific land uses</a:t>
+            </a:r>
+            <a:endParaRPr lang="en-US" sz="3200" dirty="0">
+              <a:solidFill>
+                <a:schemeClr val="dk1"/>
+              </a:solidFill>
+              <a:latin typeface="Calibri" panose="020F0502020204030204" pitchFamily="34" charset="0"/>
+              <a:cs typeface="Calibri" panose="020F0502020204030204" pitchFamily="34" charset="0"/>
+              <a:sym typeface="Calibri"/>
+            </a:endParaRPr>
+          </a:p>
+          <a:p>
+            <a:pPr marR="0" lvl="0" algn="l" rtl="0">
+              <a:lnSpc>
+                <a:spcPct val="90000"/>
+              </a:lnSpc>
+              <a:spcBef>
+                <a:spcPts val="1000"/>
+              </a:spcBef>
+              <a:spcAft>
+                <a:spcPts val="0"/>
+              </a:spcAft>
+              <a:buClr>
+                <a:schemeClr val="dk1"/>
+              </a:buClr>
+              <a:buSzPts val="3200"/>
+            </a:pPr>
+            <a:endParaRPr lang="en-US" sz="2800" dirty="0">
+              <a:solidFill>
+                <a:schemeClr val="dk1"/>
+              </a:solidFill>
+              <a:latin typeface="Calibri" panose="020F0502020204030204" pitchFamily="34" charset="0"/>
+              <a:cs typeface="Calibri" panose="020F0502020204030204" pitchFamily="34" charset="0"/>
+              <a:sym typeface="Calibri"/>
+            </a:endParaRPr>
+          </a:p>
+          <a:p>
+            <a:pPr marL="228600" marR="0" lvl="0" indent="-228600" algn="l" rtl="0">
+              <a:lnSpc>
+                <a:spcPct val="90000"/>
+              </a:lnSpc>
+              <a:spcBef>
+                <a:spcPts val="1000"/>
+              </a:spcBef>
+              <a:spcAft>
+                <a:spcPts val="0"/>
+              </a:spcAft>
+              <a:buClr>
+                <a:schemeClr val="dk1"/>
+              </a:buClr>
+              <a:buSzPts val="3200"/>
+              <a:buFont typeface="Noto Sans Symbols"/>
+              <a:buChar char="▪"/>
+            </a:pPr>
+            <a:endParaRPr lang="en-US" sz="2800" dirty="0">
+              <a:solidFill>
+                <a:schemeClr val="dk1"/>
+              </a:solidFill>
+              <a:latin typeface="Calibri" panose="020F0502020204030204" pitchFamily="34" charset="0"/>
+              <a:cs typeface="Calibri" panose="020F0502020204030204" pitchFamily="34" charset="0"/>
+              <a:sym typeface="Calibri"/>
+            </a:endParaRPr>
+          </a:p>
+          <a:p>
+            <a:pPr marL="0" marR="0" lvl="0" indent="0" algn="l" rtl="0">
+              <a:lnSpc>
+                <a:spcPct val="90000"/>
+              </a:lnSpc>
+              <a:spcBef>
+                <a:spcPts val="1000"/>
+              </a:spcBef>
+              <a:spcAft>
+                <a:spcPts val="0"/>
+              </a:spcAft>
+              <a:buClr>
+                <a:schemeClr val="dk1"/>
+              </a:buClr>
+              <a:buSzPts val="3200"/>
+              <a:buFont typeface="Arial"/>
+              <a:buNone/>
+            </a:pPr>
+            <a:endParaRPr sz="3200" dirty="0">
+              <a:solidFill>
+                <a:schemeClr val="dk1"/>
+              </a:solidFill>
+              <a:latin typeface="Calibri" panose="020F0502020204030204" pitchFamily="34" charset="0"/>
+              <a:ea typeface="Gill Sans"/>
+              <a:cs typeface="Calibri" panose="020F0502020204030204" pitchFamily="34" charset="0"/>
+              <a:sym typeface="Gill Sans"/>
+            </a:endParaRPr>
+          </a:p>
+        </p:txBody>
+      </p:sp>
     </p:spTree>
     <p:extLst>
       <p:ext uri="{BB962C8B-B14F-4D97-AF65-F5344CB8AC3E}">
-        <p14:creationId xmlns:p14="http://schemas.microsoft.com/office/powerpoint/2010/main" val="307664054"/>
+        <p14:creationId xmlns:p14="http://schemas.microsoft.com/office/powerpoint/2010/main" val="1130864445"/>
       </p:ext>
     </p:extLst>
   </p:cSld>
@@ -28572,618 +28078,8 @@
 </p:sld>
 </file>
 
-<file path=ppt/slides/slide29.xml><?xml version="1.0" encoding="utf-8"?>
-<p:sld xmlns:a="http://schemas.openxmlformats.org/drawingml/2006/main" xmlns:r="http://schemas.openxmlformats.org/officeDocument/2006/relationships" xmlns:p="http://schemas.openxmlformats.org/presentationml/2006/main">
-  <p:cSld>
-    <p:spTree>
-      <p:nvGrpSpPr>
-        <p:cNvPr id="1" name=""/>
-        <p:cNvGrpSpPr/>
-        <p:nvPr/>
-      </p:nvGrpSpPr>
-      <p:grpSpPr>
-        <a:xfrm>
-          <a:off x="0" y="0"/>
-          <a:ext cx="0" cy="0"/>
-          <a:chOff x="0" y="0"/>
-          <a:chExt cx="0" cy="0"/>
-        </a:xfrm>
-      </p:grpSpPr>
-      <p:sp>
-        <p:nvSpPr>
-          <p:cNvPr id="2" name="Title 1">
-            <a:extLst>
-              <a:ext uri="{FF2B5EF4-FFF2-40B4-BE49-F238E27FC236}">
-                <a16:creationId xmlns:a16="http://schemas.microsoft.com/office/drawing/2014/main" id="{F593ABCB-66ED-1BBE-3E13-ACEAE150DA9C}"/>
-              </a:ext>
-            </a:extLst>
-          </p:cNvPr>
-          <p:cNvSpPr>
-            <a:spLocks noGrp="1"/>
-          </p:cNvSpPr>
-          <p:nvPr>
-            <p:ph type="title"/>
-          </p:nvPr>
-        </p:nvSpPr>
-        <p:spPr>
-          <a:xfrm>
-            <a:off x="687474" y="282960"/>
-            <a:ext cx="10968614" cy="1023326"/>
-          </a:xfrm>
-        </p:spPr>
-        <p:txBody>
-          <a:bodyPr>
-            <a:normAutofit/>
-          </a:bodyPr>
-          <a:lstStyle/>
-          <a:p>
-            <a:r>
-              <a:rPr lang="en-US" sz="3200" b="1" dirty="0">
-                <a:latin typeface="Calibri" panose="020F0502020204030204" pitchFamily="34" charset="0"/>
-                <a:cs typeface="Calibri" panose="020F0502020204030204" pitchFamily="34" charset="0"/>
-              </a:rPr>
-              <a:t>Core</a:t>
-            </a:r>
-            <a:br>
-              <a:rPr lang="en-US" sz="3200" dirty="0">
-                <a:latin typeface="Calibri" panose="020F0502020204030204" pitchFamily="34" charset="0"/>
-                <a:cs typeface="Calibri" panose="020F0502020204030204" pitchFamily="34" charset="0"/>
-              </a:rPr>
-            </a:br>
-            <a:r>
-              <a:rPr lang="en-US" sz="3200" dirty="0">
-                <a:latin typeface="Calibri" panose="020F0502020204030204" pitchFamily="34" charset="0"/>
-                <a:cs typeface="Calibri" panose="020F0502020204030204" pitchFamily="34" charset="0"/>
-              </a:rPr>
-              <a:t>Land uses farther apart don’t show lower similarity in modules</a:t>
-            </a:r>
-            <a:endParaRPr lang="en-IL" sz="3200" dirty="0"/>
-          </a:p>
-        </p:txBody>
-      </p:sp>
-      <p:pic>
-        <p:nvPicPr>
-          <p:cNvPr id="7" name="Picture 6">
-            <a:extLst>
-              <a:ext uri="{FF2B5EF4-FFF2-40B4-BE49-F238E27FC236}">
-                <a16:creationId xmlns:a16="http://schemas.microsoft.com/office/drawing/2014/main" id="{7CCC2E08-83E8-CC2B-E374-7A61DF803D8C}"/>
-              </a:ext>
-            </a:extLst>
-          </p:cNvPr>
-          <p:cNvPicPr>
-            <a:picLocks noChangeAspect="1"/>
-          </p:cNvPicPr>
-          <p:nvPr/>
-        </p:nvPicPr>
-        <p:blipFill>
-          <a:blip r:embed="rId2"/>
-          <a:stretch>
-            <a:fillRect/>
-          </a:stretch>
-        </p:blipFill>
-        <p:spPr>
-          <a:xfrm>
-            <a:off x="2099268" y="1778359"/>
-            <a:ext cx="7772400" cy="4796681"/>
-          </a:xfrm>
-          <a:prstGeom prst="rect">
-            <a:avLst/>
-          </a:prstGeom>
-        </p:spPr>
-      </p:pic>
-    </p:spTree>
-    <p:extLst>
-      <p:ext uri="{BB962C8B-B14F-4D97-AF65-F5344CB8AC3E}">
-        <p14:creationId xmlns:p14="http://schemas.microsoft.com/office/powerpoint/2010/main" val="3301510141"/>
-      </p:ext>
-    </p:extLst>
-  </p:cSld>
-  <p:clrMapOvr>
-    <a:masterClrMapping/>
-  </p:clrMapOvr>
-</p:sld>
-</file>
-
-<file path=ppt/slides/slide3.xml><?xml version="1.0" encoding="utf-8"?>
-<p:sld xmlns:a="http://schemas.openxmlformats.org/drawingml/2006/main" xmlns:r="http://schemas.openxmlformats.org/officeDocument/2006/relationships" xmlns:p="http://schemas.openxmlformats.org/presentationml/2006/main">
-  <p:cSld>
-    <p:spTree>
-      <p:nvGrpSpPr>
-        <p:cNvPr id="1" name="Shape 98"/>
-        <p:cNvGrpSpPr/>
-        <p:nvPr/>
-      </p:nvGrpSpPr>
-      <p:grpSpPr>
-        <a:xfrm>
-          <a:off x="0" y="0"/>
-          <a:ext cx="0" cy="0"/>
-          <a:chOff x="0" y="0"/>
-          <a:chExt cx="0" cy="0"/>
-        </a:xfrm>
-      </p:grpSpPr>
-      <p:pic>
-        <p:nvPicPr>
-          <p:cNvPr id="99" name="Google Shape;99;p2"/>
-          <p:cNvPicPr preferRelativeResize="0">
-            <a:picLocks noChangeAspect="1"/>
-          </p:cNvPicPr>
-          <p:nvPr/>
-        </p:nvPicPr>
-        <p:blipFill rotWithShape="1">
-          <a:blip r:embed="rId3">
-            <a:alphaModFix/>
-          </a:blip>
-          <a:srcRect/>
-          <a:stretch/>
-        </p:blipFill>
-        <p:spPr>
-          <a:xfrm>
-            <a:off x="6693219" y="318619"/>
-            <a:ext cx="5270710" cy="3989635"/>
-          </a:xfrm>
-          <a:prstGeom prst="rect">
-            <a:avLst/>
-          </a:prstGeom>
-          <a:noFill/>
-          <a:ln w="9525" cap="flat" cmpd="sng">
-            <a:solidFill>
-              <a:schemeClr val="dk1"/>
-            </a:solidFill>
-            <a:prstDash val="solid"/>
-            <a:round/>
-            <a:headEnd type="none" w="sm" len="sm"/>
-            <a:tailEnd type="none" w="sm" len="sm"/>
-          </a:ln>
-        </p:spPr>
-      </p:pic>
-      <p:sp>
-        <p:nvSpPr>
-          <p:cNvPr id="102" name="Google Shape;102;p2"/>
-          <p:cNvSpPr txBox="1"/>
-          <p:nvPr/>
-        </p:nvSpPr>
-        <p:spPr>
-          <a:xfrm>
-            <a:off x="8754653" y="1485120"/>
-            <a:ext cx="1838036" cy="523220"/>
-          </a:xfrm>
-          <a:prstGeom prst="rect">
-            <a:avLst/>
-          </a:prstGeom>
-          <a:solidFill>
-            <a:schemeClr val="lt2">
-              <a:alpha val="49803"/>
-            </a:schemeClr>
-          </a:solidFill>
-          <a:ln>
-            <a:noFill/>
-          </a:ln>
-        </p:spPr>
-        <p:txBody>
-          <a:bodyPr spcFirstLastPara="1" wrap="square" lIns="91425" tIns="45700" rIns="91425" bIns="45700" anchor="t" anchorCtr="0">
-            <a:spAutoFit/>
-          </a:bodyPr>
-          <a:lstStyle/>
-          <a:p>
-            <a:pPr marL="0" marR="0" lvl="0" indent="0" algn="ctr" rtl="0">
-              <a:spcBef>
-                <a:spcPts val="0"/>
-              </a:spcBef>
-              <a:spcAft>
-                <a:spcPts val="0"/>
-              </a:spcAft>
-              <a:buNone/>
-            </a:pPr>
-            <a:r>
-              <a:rPr lang="en-US" sz="2800" b="1">
-                <a:solidFill>
-                  <a:srgbClr val="002060"/>
-                </a:solidFill>
-                <a:latin typeface="Calibri"/>
-                <a:ea typeface="Calibri"/>
-                <a:cs typeface="Calibri"/>
-                <a:sym typeface="Calibri"/>
-              </a:rPr>
-              <a:t>Forest</a:t>
-            </a:r>
-            <a:endParaRPr/>
-          </a:p>
-        </p:txBody>
-      </p:sp>
-      <p:sp>
-        <p:nvSpPr>
-          <p:cNvPr id="103" name="Google Shape;103;p2"/>
-          <p:cNvSpPr txBox="1"/>
-          <p:nvPr/>
-        </p:nvSpPr>
-        <p:spPr>
-          <a:xfrm>
-            <a:off x="8084400" y="2245702"/>
-            <a:ext cx="1838036" cy="523220"/>
-          </a:xfrm>
-          <a:prstGeom prst="rect">
-            <a:avLst/>
-          </a:prstGeom>
-          <a:solidFill>
-            <a:schemeClr val="lt2">
-              <a:alpha val="49803"/>
-            </a:schemeClr>
-          </a:solidFill>
-          <a:ln>
-            <a:noFill/>
-          </a:ln>
-        </p:spPr>
-        <p:txBody>
-          <a:bodyPr spcFirstLastPara="1" wrap="square" lIns="91425" tIns="45700" rIns="91425" bIns="45700" anchor="t" anchorCtr="0">
-            <a:spAutoFit/>
-          </a:bodyPr>
-          <a:lstStyle/>
-          <a:p>
-            <a:pPr marL="0" marR="0" lvl="0" indent="0" algn="ctr" rtl="0">
-              <a:spcBef>
-                <a:spcPts val="0"/>
-              </a:spcBef>
-              <a:spcAft>
-                <a:spcPts val="0"/>
-              </a:spcAft>
-              <a:buNone/>
-            </a:pPr>
-            <a:r>
-              <a:rPr lang="en-US" sz="2800" b="1" dirty="0">
-                <a:solidFill>
-                  <a:srgbClr val="002060"/>
-                </a:solidFill>
-                <a:latin typeface="Calibri"/>
-                <a:ea typeface="Calibri"/>
-                <a:cs typeface="Calibri"/>
-                <a:sym typeface="Calibri"/>
-              </a:rPr>
-              <a:t>Agriculture</a:t>
-            </a:r>
-            <a:endParaRPr dirty="0"/>
-          </a:p>
-        </p:txBody>
-      </p:sp>
-      <p:sp>
-        <p:nvSpPr>
-          <p:cNvPr id="104" name="Google Shape;104;p2"/>
-          <p:cNvSpPr txBox="1"/>
-          <p:nvPr/>
-        </p:nvSpPr>
-        <p:spPr>
-          <a:xfrm>
-            <a:off x="7450518" y="3122079"/>
-            <a:ext cx="1838036" cy="523220"/>
-          </a:xfrm>
-          <a:prstGeom prst="rect">
-            <a:avLst/>
-          </a:prstGeom>
-          <a:solidFill>
-            <a:schemeClr val="lt2">
-              <a:alpha val="49803"/>
-            </a:schemeClr>
-          </a:solidFill>
-          <a:ln>
-            <a:noFill/>
-          </a:ln>
-        </p:spPr>
-        <p:txBody>
-          <a:bodyPr spcFirstLastPara="1" wrap="square" lIns="91425" tIns="45700" rIns="91425" bIns="45700" anchor="t" anchorCtr="0">
-            <a:spAutoFit/>
-          </a:bodyPr>
-          <a:lstStyle/>
-          <a:p>
-            <a:pPr marL="0" marR="0" lvl="0" indent="0" algn="ctr" rtl="0">
-              <a:spcBef>
-                <a:spcPts val="0"/>
-              </a:spcBef>
-              <a:spcAft>
-                <a:spcPts val="0"/>
-              </a:spcAft>
-              <a:buNone/>
-            </a:pPr>
-            <a:r>
-              <a:rPr lang="en-US" sz="2800" b="1" dirty="0">
-                <a:solidFill>
-                  <a:srgbClr val="002060"/>
-                </a:solidFill>
-                <a:latin typeface="Calibri"/>
-                <a:ea typeface="Calibri"/>
-                <a:cs typeface="Calibri"/>
-                <a:sym typeface="Calibri"/>
-              </a:rPr>
-              <a:t>Village</a:t>
-            </a:r>
-            <a:endParaRPr dirty="0"/>
-          </a:p>
-        </p:txBody>
-      </p:sp>
-      <p:sp>
-        <p:nvSpPr>
-          <p:cNvPr id="105" name="Google Shape;105;p2"/>
-          <p:cNvSpPr/>
-          <p:nvPr/>
-        </p:nvSpPr>
-        <p:spPr>
-          <a:xfrm>
-            <a:off x="2222096" y="1079619"/>
-            <a:ext cx="2728074" cy="729372"/>
-          </a:xfrm>
-          <a:prstGeom prst="roundRect">
-            <a:avLst>
-              <a:gd name="adj" fmla="val 16667"/>
-            </a:avLst>
-          </a:prstGeom>
-          <a:noFill/>
-          <a:ln w="9525" cap="flat" cmpd="sng">
-            <a:solidFill>
-              <a:schemeClr val="dk1"/>
-            </a:solidFill>
-            <a:prstDash val="solid"/>
-            <a:round/>
-            <a:headEnd type="none" w="sm" len="sm"/>
-            <a:tailEnd type="none" w="sm" len="sm"/>
-          </a:ln>
-        </p:spPr>
-        <p:txBody>
-          <a:bodyPr spcFirstLastPara="1" wrap="square" lIns="91425" tIns="45700" rIns="91425" bIns="45700" anchor="ctr" anchorCtr="0">
-            <a:normAutofit fontScale="85000" lnSpcReduction="10000"/>
-          </a:bodyPr>
-          <a:lstStyle/>
-          <a:p>
-            <a:pPr marL="0" marR="0" lvl="0" indent="0" algn="ctr" rtl="0">
-              <a:lnSpc>
-                <a:spcPct val="90000"/>
-              </a:lnSpc>
-              <a:spcBef>
-                <a:spcPts val="0"/>
-              </a:spcBef>
-              <a:spcAft>
-                <a:spcPts val="0"/>
-              </a:spcAft>
-              <a:buClr>
-                <a:schemeClr val="dk1"/>
-              </a:buClr>
-              <a:buSzPts val="3330"/>
-              <a:buFont typeface="Calibri"/>
-              <a:buNone/>
-            </a:pPr>
-            <a:r>
-              <a:rPr lang="en-US" sz="3330" b="1" u="none" dirty="0">
-                <a:solidFill>
-                  <a:schemeClr val="dk1"/>
-                </a:solidFill>
-                <a:latin typeface="Calibri"/>
-                <a:ea typeface="Calibri"/>
-                <a:cs typeface="Calibri"/>
-                <a:sym typeface="Calibri"/>
-              </a:rPr>
-              <a:t>Land use change</a:t>
-            </a:r>
-            <a:endParaRPr sz="3330" b="1" u="none" dirty="0">
-              <a:solidFill>
-                <a:schemeClr val="dk1"/>
-              </a:solidFill>
-              <a:latin typeface="Calibri"/>
-              <a:ea typeface="Calibri"/>
-              <a:cs typeface="Calibri"/>
-              <a:sym typeface="Calibri"/>
-            </a:endParaRPr>
-          </a:p>
-        </p:txBody>
-      </p:sp>
-      <p:sp>
-        <p:nvSpPr>
-          <p:cNvPr id="109" name="Google Shape;109;p2"/>
-          <p:cNvSpPr/>
-          <p:nvPr/>
-        </p:nvSpPr>
-        <p:spPr>
-          <a:xfrm>
-            <a:off x="2328883" y="5170630"/>
-            <a:ext cx="2351980" cy="954277"/>
-          </a:xfrm>
-          <a:prstGeom prst="roundRect">
-            <a:avLst>
-              <a:gd name="adj" fmla="val 16667"/>
-            </a:avLst>
-          </a:prstGeom>
-          <a:noFill/>
-          <a:ln w="38100" cap="flat" cmpd="sng">
-            <a:solidFill>
-              <a:srgbClr val="FF0000"/>
-            </a:solidFill>
-            <a:prstDash val="solid"/>
-            <a:round/>
-            <a:headEnd type="none" w="sm" len="sm"/>
-            <a:tailEnd type="none" w="sm" len="sm"/>
-          </a:ln>
-        </p:spPr>
-        <p:txBody>
-          <a:bodyPr spcFirstLastPara="1" wrap="square" lIns="91425" tIns="45700" rIns="91425" bIns="45700" anchor="ctr" anchorCtr="0">
-            <a:noAutofit/>
-          </a:bodyPr>
-          <a:lstStyle/>
-          <a:p>
-            <a:pPr marL="0" marR="0" lvl="0" indent="0" algn="ctr" rtl="0">
-              <a:lnSpc>
-                <a:spcPct val="80000"/>
-              </a:lnSpc>
-              <a:spcBef>
-                <a:spcPts val="0"/>
-              </a:spcBef>
-              <a:spcAft>
-                <a:spcPts val="0"/>
-              </a:spcAft>
-              <a:buClr>
-                <a:schemeClr val="dk1"/>
-              </a:buClr>
-              <a:buSzPts val="2960"/>
-              <a:buFont typeface="Calibri"/>
-              <a:buNone/>
-            </a:pPr>
-            <a:r>
-              <a:rPr lang="en-US" sz="3200" b="1" u="none" dirty="0">
-                <a:solidFill>
-                  <a:schemeClr val="dk1"/>
-                </a:solidFill>
-                <a:latin typeface="Calibri"/>
-                <a:ea typeface="Calibri"/>
-                <a:cs typeface="Calibri"/>
-                <a:sym typeface="Calibri"/>
-              </a:rPr>
-              <a:t>Host Microbiome</a:t>
-            </a:r>
-            <a:endParaRPr sz="3200" b="1" u="none" dirty="0">
-              <a:solidFill>
-                <a:schemeClr val="dk1"/>
-              </a:solidFill>
-              <a:latin typeface="Calibri"/>
-              <a:ea typeface="Calibri"/>
-              <a:cs typeface="Calibri"/>
-              <a:sym typeface="Calibri"/>
-            </a:endParaRPr>
-          </a:p>
-        </p:txBody>
-      </p:sp>
-      <p:sp>
-        <p:nvSpPr>
-          <p:cNvPr id="113" name="Google Shape;113;p2"/>
-          <p:cNvSpPr/>
-          <p:nvPr/>
-        </p:nvSpPr>
-        <p:spPr>
-          <a:xfrm>
-            <a:off x="3349045" y="4659037"/>
-            <a:ext cx="289577" cy="563617"/>
-          </a:xfrm>
-          <a:prstGeom prst="downArrow">
-            <a:avLst>
-              <a:gd name="adj1" fmla="val 50000"/>
-              <a:gd name="adj2" fmla="val 50000"/>
-            </a:avLst>
-          </a:prstGeom>
-          <a:solidFill>
-            <a:schemeClr val="accent1"/>
-          </a:solidFill>
-          <a:ln w="12700" cap="flat" cmpd="sng">
-            <a:solidFill>
-              <a:srgbClr val="31538F"/>
-            </a:solidFill>
-            <a:prstDash val="solid"/>
-            <a:miter lim="800000"/>
-            <a:headEnd type="none" w="sm" len="sm"/>
-            <a:tailEnd type="none" w="sm" len="sm"/>
-          </a:ln>
-        </p:spPr>
-        <p:txBody>
-          <a:bodyPr spcFirstLastPara="1" wrap="square" lIns="91425" tIns="45700" rIns="91425" bIns="45700" anchor="ctr" anchorCtr="0">
-            <a:noAutofit/>
-          </a:bodyPr>
-          <a:lstStyle/>
-          <a:p>
-            <a:pPr marL="0" marR="0" lvl="0" indent="0" algn="ctr" rtl="0">
-              <a:spcBef>
-                <a:spcPts val="0"/>
-              </a:spcBef>
-              <a:spcAft>
-                <a:spcPts val="0"/>
-              </a:spcAft>
-              <a:buNone/>
-            </a:pPr>
-            <a:endParaRPr sz="1800">
-              <a:solidFill>
-                <a:schemeClr val="lt1"/>
-              </a:solidFill>
-              <a:latin typeface="Calibri"/>
-              <a:ea typeface="Calibri"/>
-              <a:cs typeface="Calibri"/>
-              <a:sym typeface="Calibri"/>
-            </a:endParaRPr>
-          </a:p>
-        </p:txBody>
-      </p:sp>
-      <p:sp>
-        <p:nvSpPr>
-          <p:cNvPr id="14" name="TextBox 13">
-            <a:extLst>
-              <a:ext uri="{FF2B5EF4-FFF2-40B4-BE49-F238E27FC236}">
-                <a16:creationId xmlns:a16="http://schemas.microsoft.com/office/drawing/2014/main" id="{28327477-C188-7255-8EFC-FAAE2D3E9519}"/>
-              </a:ext>
-            </a:extLst>
-          </p:cNvPr>
-          <p:cNvSpPr txBox="1"/>
-          <p:nvPr/>
-        </p:nvSpPr>
-        <p:spPr>
-          <a:xfrm>
-            <a:off x="6330866" y="6537088"/>
-            <a:ext cx="5901178" cy="307777"/>
-          </a:xfrm>
-          <a:prstGeom prst="rect">
-            <a:avLst/>
-          </a:prstGeom>
-          <a:noFill/>
-        </p:spPr>
-        <p:txBody>
-          <a:bodyPr wrap="square" rtlCol="0">
-            <a:spAutoFit/>
-          </a:bodyPr>
-          <a:lstStyle/>
-          <a:p>
-            <a:r>
-              <a:rPr lang="en-US" dirty="0">
-                <a:latin typeface="Calibri" panose="020F0502020204030204" pitchFamily="34" charset="0"/>
-                <a:cs typeface="Calibri" panose="020F0502020204030204" pitchFamily="34" charset="0"/>
-              </a:rPr>
-              <a:t>Newbold et. al., 2015; Bernardo-</a:t>
-            </a:r>
-            <a:r>
-              <a:rPr lang="en-US" dirty="0" err="1">
-                <a:latin typeface="Calibri" panose="020F0502020204030204" pitchFamily="34" charset="0"/>
-                <a:cs typeface="Calibri" panose="020F0502020204030204" pitchFamily="34" charset="0"/>
-              </a:rPr>
-              <a:t>Carvo</a:t>
-            </a:r>
-            <a:r>
-              <a:rPr lang="en-US" dirty="0">
-                <a:latin typeface="Calibri" panose="020F0502020204030204" pitchFamily="34" charset="0"/>
-                <a:cs typeface="Calibri" panose="020F0502020204030204" pitchFamily="34" charset="0"/>
-              </a:rPr>
-              <a:t> et. al., 2020; </a:t>
-            </a:r>
-            <a:r>
-              <a:rPr lang="en-US" dirty="0" err="1">
-                <a:latin typeface="Calibri" panose="020F0502020204030204" pitchFamily="34" charset="0"/>
-                <a:cs typeface="Calibri" panose="020F0502020204030204" pitchFamily="34" charset="0"/>
-              </a:rPr>
-              <a:t>Fackelmann</a:t>
-            </a:r>
-            <a:r>
-              <a:rPr lang="en-US" dirty="0">
-                <a:latin typeface="Calibri" panose="020F0502020204030204" pitchFamily="34" charset="0"/>
-                <a:cs typeface="Calibri" panose="020F0502020204030204" pitchFamily="34" charset="0"/>
-              </a:rPr>
-              <a:t> et. al., 2021</a:t>
-            </a:r>
-          </a:p>
-        </p:txBody>
-      </p:sp>
-    </p:spTree>
-    <p:extLst>
-      <p:ext uri="{BB962C8B-B14F-4D97-AF65-F5344CB8AC3E}">
-        <p14:creationId xmlns:p14="http://schemas.microsoft.com/office/powerpoint/2010/main" val="116169187"/>
-      </p:ext>
-    </p:extLst>
-  </p:cSld>
-  <p:clrMapOvr>
-    <a:masterClrMapping/>
-  </p:clrMapOvr>
-</p:sld>
-</file>
-
-<file path=ppt/slides/slide30.xml><?xml version="1.0" encoding="utf-8"?>
-<p:sld xmlns:a="http://schemas.openxmlformats.org/drawingml/2006/main" xmlns:r="http://schemas.openxmlformats.org/officeDocument/2006/relationships" xmlns:p="http://schemas.openxmlformats.org/presentationml/2006/main">
+<file path=ppt/slides/slide28.xml><?xml version="1.0" encoding="utf-8"?>
+<p:sld xmlns:a="http://schemas.openxmlformats.org/drawingml/2006/main" xmlns:r="http://schemas.openxmlformats.org/officeDocument/2006/relationships" xmlns:p="http://schemas.openxmlformats.org/presentationml/2006/main" show="0">
   <p:cSld>
     <p:spTree>
       <p:nvGrpSpPr>
@@ -29970,8 +28866,8 @@
 </p:sld>
 </file>
 
-<file path=ppt/slides/slide31.xml><?xml version="1.0" encoding="utf-8"?>
-<p:sld xmlns:a="http://schemas.openxmlformats.org/drawingml/2006/main" xmlns:r="http://schemas.openxmlformats.org/officeDocument/2006/relationships" xmlns:p="http://schemas.openxmlformats.org/presentationml/2006/main">
+<file path=ppt/slides/slide29.xml><?xml version="1.0" encoding="utf-8"?>
+<p:sld xmlns:a="http://schemas.openxmlformats.org/drawingml/2006/main" xmlns:r="http://schemas.openxmlformats.org/officeDocument/2006/relationships" xmlns:p="http://schemas.openxmlformats.org/presentationml/2006/main" show="0">
   <p:cSld>
     <p:spTree>
       <p:nvGrpSpPr>
@@ -30380,8 +29276,506 @@
 </p:sld>
 </file>
 
-<file path=ppt/slides/slide32.xml><?xml version="1.0" encoding="utf-8"?>
+<file path=ppt/slides/slide3.xml><?xml version="1.0" encoding="utf-8"?>
 <p:sld xmlns:a="http://schemas.openxmlformats.org/drawingml/2006/main" xmlns:r="http://schemas.openxmlformats.org/officeDocument/2006/relationships" xmlns:p="http://schemas.openxmlformats.org/presentationml/2006/main">
+  <p:cSld>
+    <p:spTree>
+      <p:nvGrpSpPr>
+        <p:cNvPr id="1" name="Shape 98"/>
+        <p:cNvGrpSpPr/>
+        <p:nvPr/>
+      </p:nvGrpSpPr>
+      <p:grpSpPr>
+        <a:xfrm>
+          <a:off x="0" y="0"/>
+          <a:ext cx="0" cy="0"/>
+          <a:chOff x="0" y="0"/>
+          <a:chExt cx="0" cy="0"/>
+        </a:xfrm>
+      </p:grpSpPr>
+      <p:pic>
+        <p:nvPicPr>
+          <p:cNvPr id="99" name="Google Shape;99;p2"/>
+          <p:cNvPicPr preferRelativeResize="0">
+            <a:picLocks noChangeAspect="1"/>
+          </p:cNvPicPr>
+          <p:nvPr/>
+        </p:nvPicPr>
+        <p:blipFill rotWithShape="1">
+          <a:blip r:embed="rId3">
+            <a:alphaModFix/>
+          </a:blip>
+          <a:srcRect/>
+          <a:stretch/>
+        </p:blipFill>
+        <p:spPr>
+          <a:xfrm>
+            <a:off x="6693219" y="318619"/>
+            <a:ext cx="5270710" cy="3989635"/>
+          </a:xfrm>
+          <a:prstGeom prst="rect">
+            <a:avLst/>
+          </a:prstGeom>
+          <a:noFill/>
+          <a:ln w="9525" cap="flat" cmpd="sng">
+            <a:solidFill>
+              <a:schemeClr val="dk1"/>
+            </a:solidFill>
+            <a:prstDash val="solid"/>
+            <a:round/>
+            <a:headEnd type="none" w="sm" len="sm"/>
+            <a:tailEnd type="none" w="sm" len="sm"/>
+          </a:ln>
+        </p:spPr>
+      </p:pic>
+      <p:sp>
+        <p:nvSpPr>
+          <p:cNvPr id="102" name="Google Shape;102;p2"/>
+          <p:cNvSpPr txBox="1"/>
+          <p:nvPr/>
+        </p:nvSpPr>
+        <p:spPr>
+          <a:xfrm>
+            <a:off x="8754653" y="1485120"/>
+            <a:ext cx="1838036" cy="523220"/>
+          </a:xfrm>
+          <a:prstGeom prst="rect">
+            <a:avLst/>
+          </a:prstGeom>
+          <a:solidFill>
+            <a:schemeClr val="lt2">
+              <a:alpha val="49803"/>
+            </a:schemeClr>
+          </a:solidFill>
+          <a:ln>
+            <a:noFill/>
+          </a:ln>
+        </p:spPr>
+        <p:txBody>
+          <a:bodyPr spcFirstLastPara="1" wrap="square" lIns="91425" tIns="45700" rIns="91425" bIns="45700" anchor="t" anchorCtr="0">
+            <a:spAutoFit/>
+          </a:bodyPr>
+          <a:lstStyle/>
+          <a:p>
+            <a:pPr marL="0" marR="0" lvl="0" indent="0" algn="ctr" rtl="0">
+              <a:spcBef>
+                <a:spcPts val="0"/>
+              </a:spcBef>
+              <a:spcAft>
+                <a:spcPts val="0"/>
+              </a:spcAft>
+              <a:buNone/>
+            </a:pPr>
+            <a:r>
+              <a:rPr lang="en-US" sz="2800" b="1">
+                <a:solidFill>
+                  <a:srgbClr val="002060"/>
+                </a:solidFill>
+                <a:latin typeface="Calibri"/>
+                <a:ea typeface="Calibri"/>
+                <a:cs typeface="Calibri"/>
+                <a:sym typeface="Calibri"/>
+              </a:rPr>
+              <a:t>Forest</a:t>
+            </a:r>
+            <a:endParaRPr/>
+          </a:p>
+        </p:txBody>
+      </p:sp>
+      <p:sp>
+        <p:nvSpPr>
+          <p:cNvPr id="103" name="Google Shape;103;p2"/>
+          <p:cNvSpPr txBox="1"/>
+          <p:nvPr/>
+        </p:nvSpPr>
+        <p:spPr>
+          <a:xfrm>
+            <a:off x="8084400" y="2245702"/>
+            <a:ext cx="1838036" cy="523220"/>
+          </a:xfrm>
+          <a:prstGeom prst="rect">
+            <a:avLst/>
+          </a:prstGeom>
+          <a:solidFill>
+            <a:schemeClr val="lt2">
+              <a:alpha val="49803"/>
+            </a:schemeClr>
+          </a:solidFill>
+          <a:ln>
+            <a:noFill/>
+          </a:ln>
+        </p:spPr>
+        <p:txBody>
+          <a:bodyPr spcFirstLastPara="1" wrap="square" lIns="91425" tIns="45700" rIns="91425" bIns="45700" anchor="t" anchorCtr="0">
+            <a:spAutoFit/>
+          </a:bodyPr>
+          <a:lstStyle/>
+          <a:p>
+            <a:pPr marL="0" marR="0" lvl="0" indent="0" algn="ctr" rtl="0">
+              <a:spcBef>
+                <a:spcPts val="0"/>
+              </a:spcBef>
+              <a:spcAft>
+                <a:spcPts val="0"/>
+              </a:spcAft>
+              <a:buNone/>
+            </a:pPr>
+            <a:r>
+              <a:rPr lang="en-US" sz="2800" b="1" dirty="0">
+                <a:solidFill>
+                  <a:srgbClr val="002060"/>
+                </a:solidFill>
+                <a:latin typeface="Calibri"/>
+                <a:ea typeface="Calibri"/>
+                <a:cs typeface="Calibri"/>
+                <a:sym typeface="Calibri"/>
+              </a:rPr>
+              <a:t>Agriculture</a:t>
+            </a:r>
+            <a:endParaRPr dirty="0"/>
+          </a:p>
+        </p:txBody>
+      </p:sp>
+      <p:sp>
+        <p:nvSpPr>
+          <p:cNvPr id="104" name="Google Shape;104;p2"/>
+          <p:cNvSpPr txBox="1"/>
+          <p:nvPr/>
+        </p:nvSpPr>
+        <p:spPr>
+          <a:xfrm>
+            <a:off x="7450518" y="3122079"/>
+            <a:ext cx="1838036" cy="523220"/>
+          </a:xfrm>
+          <a:prstGeom prst="rect">
+            <a:avLst/>
+          </a:prstGeom>
+          <a:solidFill>
+            <a:schemeClr val="lt2">
+              <a:alpha val="49803"/>
+            </a:schemeClr>
+          </a:solidFill>
+          <a:ln>
+            <a:noFill/>
+          </a:ln>
+        </p:spPr>
+        <p:txBody>
+          <a:bodyPr spcFirstLastPara="1" wrap="square" lIns="91425" tIns="45700" rIns="91425" bIns="45700" anchor="t" anchorCtr="0">
+            <a:spAutoFit/>
+          </a:bodyPr>
+          <a:lstStyle/>
+          <a:p>
+            <a:pPr marL="0" marR="0" lvl="0" indent="0" algn="ctr" rtl="0">
+              <a:spcBef>
+                <a:spcPts val="0"/>
+              </a:spcBef>
+              <a:spcAft>
+                <a:spcPts val="0"/>
+              </a:spcAft>
+              <a:buNone/>
+            </a:pPr>
+            <a:r>
+              <a:rPr lang="en-US" sz="2800" b="1" dirty="0">
+                <a:solidFill>
+                  <a:srgbClr val="002060"/>
+                </a:solidFill>
+                <a:latin typeface="Calibri"/>
+                <a:ea typeface="Calibri"/>
+                <a:cs typeface="Calibri"/>
+                <a:sym typeface="Calibri"/>
+              </a:rPr>
+              <a:t>Village</a:t>
+            </a:r>
+            <a:endParaRPr dirty="0"/>
+          </a:p>
+        </p:txBody>
+      </p:sp>
+      <p:sp>
+        <p:nvSpPr>
+          <p:cNvPr id="105" name="Google Shape;105;p2"/>
+          <p:cNvSpPr/>
+          <p:nvPr/>
+        </p:nvSpPr>
+        <p:spPr>
+          <a:xfrm>
+            <a:off x="2222096" y="1079619"/>
+            <a:ext cx="2728074" cy="729372"/>
+          </a:xfrm>
+          <a:prstGeom prst="roundRect">
+            <a:avLst>
+              <a:gd name="adj" fmla="val 16667"/>
+            </a:avLst>
+          </a:prstGeom>
+          <a:noFill/>
+          <a:ln w="9525" cap="flat" cmpd="sng">
+            <a:solidFill>
+              <a:schemeClr val="dk1"/>
+            </a:solidFill>
+            <a:prstDash val="solid"/>
+            <a:round/>
+            <a:headEnd type="none" w="sm" len="sm"/>
+            <a:tailEnd type="none" w="sm" len="sm"/>
+          </a:ln>
+        </p:spPr>
+        <p:txBody>
+          <a:bodyPr spcFirstLastPara="1" wrap="square" lIns="91425" tIns="45700" rIns="91425" bIns="45700" anchor="ctr" anchorCtr="0">
+            <a:normAutofit fontScale="85000" lnSpcReduction="10000"/>
+          </a:bodyPr>
+          <a:lstStyle/>
+          <a:p>
+            <a:pPr marL="0" marR="0" lvl="0" indent="0" algn="ctr" rtl="0">
+              <a:lnSpc>
+                <a:spcPct val="90000"/>
+              </a:lnSpc>
+              <a:spcBef>
+                <a:spcPts val="0"/>
+              </a:spcBef>
+              <a:spcAft>
+                <a:spcPts val="0"/>
+              </a:spcAft>
+              <a:buClr>
+                <a:schemeClr val="dk1"/>
+              </a:buClr>
+              <a:buSzPts val="3330"/>
+              <a:buFont typeface="Calibri"/>
+              <a:buNone/>
+            </a:pPr>
+            <a:r>
+              <a:rPr lang="en-US" sz="3330" b="1" u="none" dirty="0">
+                <a:solidFill>
+                  <a:schemeClr val="dk1"/>
+                </a:solidFill>
+                <a:latin typeface="Calibri"/>
+                <a:ea typeface="Calibri"/>
+                <a:cs typeface="Calibri"/>
+                <a:sym typeface="Calibri"/>
+              </a:rPr>
+              <a:t>Land use change</a:t>
+            </a:r>
+            <a:endParaRPr sz="3330" b="1" u="none" dirty="0">
+              <a:solidFill>
+                <a:schemeClr val="dk1"/>
+              </a:solidFill>
+              <a:latin typeface="Calibri"/>
+              <a:ea typeface="Calibri"/>
+              <a:cs typeface="Calibri"/>
+              <a:sym typeface="Calibri"/>
+            </a:endParaRPr>
+          </a:p>
+        </p:txBody>
+      </p:sp>
+      <p:sp>
+        <p:nvSpPr>
+          <p:cNvPr id="109" name="Google Shape;109;p2"/>
+          <p:cNvSpPr/>
+          <p:nvPr/>
+        </p:nvSpPr>
+        <p:spPr>
+          <a:xfrm>
+            <a:off x="2328883" y="5170630"/>
+            <a:ext cx="2351980" cy="954277"/>
+          </a:xfrm>
+          <a:prstGeom prst="roundRect">
+            <a:avLst>
+              <a:gd name="adj" fmla="val 16667"/>
+            </a:avLst>
+          </a:prstGeom>
+          <a:noFill/>
+          <a:ln w="38100" cap="flat" cmpd="sng">
+            <a:solidFill>
+              <a:srgbClr val="FF0000"/>
+            </a:solidFill>
+            <a:prstDash val="solid"/>
+            <a:round/>
+            <a:headEnd type="none" w="sm" len="sm"/>
+            <a:tailEnd type="none" w="sm" len="sm"/>
+          </a:ln>
+        </p:spPr>
+        <p:txBody>
+          <a:bodyPr spcFirstLastPara="1" wrap="square" lIns="91425" tIns="45700" rIns="91425" bIns="45700" anchor="ctr" anchorCtr="0">
+            <a:noAutofit/>
+          </a:bodyPr>
+          <a:lstStyle/>
+          <a:p>
+            <a:pPr marL="0" marR="0" lvl="0" indent="0" algn="ctr" rtl="0">
+              <a:lnSpc>
+                <a:spcPct val="80000"/>
+              </a:lnSpc>
+              <a:spcBef>
+                <a:spcPts val="0"/>
+              </a:spcBef>
+              <a:spcAft>
+                <a:spcPts val="0"/>
+              </a:spcAft>
+              <a:buClr>
+                <a:schemeClr val="dk1"/>
+              </a:buClr>
+              <a:buSzPts val="2960"/>
+              <a:buFont typeface="Calibri"/>
+              <a:buNone/>
+            </a:pPr>
+            <a:r>
+              <a:rPr lang="en-US" sz="3200" b="1" u="none" dirty="0">
+                <a:solidFill>
+                  <a:schemeClr val="dk1"/>
+                </a:solidFill>
+                <a:latin typeface="Calibri"/>
+                <a:ea typeface="Calibri"/>
+                <a:cs typeface="Calibri"/>
+                <a:sym typeface="Calibri"/>
+              </a:rPr>
+              <a:t>Host Microbiome</a:t>
+            </a:r>
+            <a:endParaRPr sz="3200" b="1" u="none" dirty="0">
+              <a:solidFill>
+                <a:schemeClr val="dk1"/>
+              </a:solidFill>
+              <a:latin typeface="Calibri"/>
+              <a:ea typeface="Calibri"/>
+              <a:cs typeface="Calibri"/>
+              <a:sym typeface="Calibri"/>
+            </a:endParaRPr>
+          </a:p>
+        </p:txBody>
+      </p:sp>
+      <p:sp>
+        <p:nvSpPr>
+          <p:cNvPr id="113" name="Google Shape;113;p2"/>
+          <p:cNvSpPr/>
+          <p:nvPr/>
+        </p:nvSpPr>
+        <p:spPr>
+          <a:xfrm>
+            <a:off x="3349045" y="4659037"/>
+            <a:ext cx="289577" cy="563617"/>
+          </a:xfrm>
+          <a:prstGeom prst="downArrow">
+            <a:avLst>
+              <a:gd name="adj1" fmla="val 50000"/>
+              <a:gd name="adj2" fmla="val 50000"/>
+            </a:avLst>
+          </a:prstGeom>
+          <a:solidFill>
+            <a:schemeClr val="accent1"/>
+          </a:solidFill>
+          <a:ln w="12700" cap="flat" cmpd="sng">
+            <a:solidFill>
+              <a:srgbClr val="31538F"/>
+            </a:solidFill>
+            <a:prstDash val="solid"/>
+            <a:miter lim="800000"/>
+            <a:headEnd type="none" w="sm" len="sm"/>
+            <a:tailEnd type="none" w="sm" len="sm"/>
+          </a:ln>
+        </p:spPr>
+        <p:txBody>
+          <a:bodyPr spcFirstLastPara="1" wrap="square" lIns="91425" tIns="45700" rIns="91425" bIns="45700" anchor="ctr" anchorCtr="0">
+            <a:noAutofit/>
+          </a:bodyPr>
+          <a:lstStyle/>
+          <a:p>
+            <a:pPr marL="0" marR="0" lvl="0" indent="0" algn="ctr" rtl="0">
+              <a:spcBef>
+                <a:spcPts val="0"/>
+              </a:spcBef>
+              <a:spcAft>
+                <a:spcPts val="0"/>
+              </a:spcAft>
+              <a:buNone/>
+            </a:pPr>
+            <a:endParaRPr sz="1800">
+              <a:solidFill>
+                <a:schemeClr val="lt1"/>
+              </a:solidFill>
+              <a:latin typeface="Calibri"/>
+              <a:ea typeface="Calibri"/>
+              <a:cs typeface="Calibri"/>
+              <a:sym typeface="Calibri"/>
+            </a:endParaRPr>
+          </a:p>
+        </p:txBody>
+      </p:sp>
+      <p:sp>
+        <p:nvSpPr>
+          <p:cNvPr id="14" name="TextBox 13">
+            <a:extLst>
+              <a:ext uri="{FF2B5EF4-FFF2-40B4-BE49-F238E27FC236}">
+                <a16:creationId xmlns:a16="http://schemas.microsoft.com/office/drawing/2014/main" id="{28327477-C188-7255-8EFC-FAAE2D3E9519}"/>
+              </a:ext>
+            </a:extLst>
+          </p:cNvPr>
+          <p:cNvSpPr txBox="1"/>
+          <p:nvPr/>
+        </p:nvSpPr>
+        <p:spPr>
+          <a:xfrm>
+            <a:off x="6330866" y="6537088"/>
+            <a:ext cx="5901178" cy="307777"/>
+          </a:xfrm>
+          <a:prstGeom prst="rect">
+            <a:avLst/>
+          </a:prstGeom>
+          <a:noFill/>
+        </p:spPr>
+        <p:txBody>
+          <a:bodyPr wrap="square" rtlCol="0">
+            <a:spAutoFit/>
+          </a:bodyPr>
+          <a:lstStyle/>
+          <a:p>
+            <a:r>
+              <a:rPr lang="en-US" dirty="0">
+                <a:latin typeface="Calibri" panose="020F0502020204030204" pitchFamily="34" charset="0"/>
+                <a:cs typeface="Calibri" panose="020F0502020204030204" pitchFamily="34" charset="0"/>
+              </a:rPr>
+              <a:t>Newbold et. al., 2015; Bernardo-</a:t>
+            </a:r>
+            <a:r>
+              <a:rPr lang="en-US" dirty="0" err="1">
+                <a:latin typeface="Calibri" panose="020F0502020204030204" pitchFamily="34" charset="0"/>
+                <a:cs typeface="Calibri" panose="020F0502020204030204" pitchFamily="34" charset="0"/>
+              </a:rPr>
+              <a:t>Carvo</a:t>
+            </a:r>
+            <a:r>
+              <a:rPr lang="en-US" dirty="0">
+                <a:latin typeface="Calibri" panose="020F0502020204030204" pitchFamily="34" charset="0"/>
+                <a:cs typeface="Calibri" panose="020F0502020204030204" pitchFamily="34" charset="0"/>
+              </a:rPr>
+              <a:t> et. al., 2020; </a:t>
+            </a:r>
+            <a:r>
+              <a:rPr lang="en-US" dirty="0" err="1">
+                <a:latin typeface="Calibri" panose="020F0502020204030204" pitchFamily="34" charset="0"/>
+                <a:cs typeface="Calibri" panose="020F0502020204030204" pitchFamily="34" charset="0"/>
+              </a:rPr>
+              <a:t>Fackelmann</a:t>
+            </a:r>
+            <a:r>
+              <a:rPr lang="en-US" dirty="0">
+                <a:latin typeface="Calibri" panose="020F0502020204030204" pitchFamily="34" charset="0"/>
+                <a:cs typeface="Calibri" panose="020F0502020204030204" pitchFamily="34" charset="0"/>
+              </a:rPr>
+              <a:t> et. al., 2021</a:t>
+            </a:r>
+          </a:p>
+        </p:txBody>
+      </p:sp>
+    </p:spTree>
+    <p:extLst>
+      <p:ext uri="{BB962C8B-B14F-4D97-AF65-F5344CB8AC3E}">
+        <p14:creationId xmlns:p14="http://schemas.microsoft.com/office/powerpoint/2010/main" val="116169187"/>
+      </p:ext>
+    </p:extLst>
+  </p:cSld>
+  <p:clrMapOvr>
+    <a:masterClrMapping/>
+  </p:clrMapOvr>
+</p:sld>
+</file>
+
+<file path=ppt/slides/slide30.xml><?xml version="1.0" encoding="utf-8"?>
+<p:sld xmlns:a="http://schemas.openxmlformats.org/drawingml/2006/main" xmlns:r="http://schemas.openxmlformats.org/officeDocument/2006/relationships" xmlns:p="http://schemas.openxmlformats.org/presentationml/2006/main" show="0">
   <p:cSld>
     <p:spTree>
       <p:nvGrpSpPr>
@@ -30479,693 +29873,7 @@
 </p:sld>
 </file>
 
-<file path=ppt/slides/slide33.xml><?xml version="1.0" encoding="utf-8"?>
-<p:sld xmlns:a="http://schemas.openxmlformats.org/drawingml/2006/main" xmlns:r="http://schemas.openxmlformats.org/officeDocument/2006/relationships" xmlns:p="http://schemas.openxmlformats.org/presentationml/2006/main">
-  <p:cSld>
-    <p:spTree>
-      <p:nvGrpSpPr>
-        <p:cNvPr id="1" name="Shape 357"/>
-        <p:cNvGrpSpPr/>
-        <p:nvPr/>
-      </p:nvGrpSpPr>
-      <p:grpSpPr>
-        <a:xfrm>
-          <a:off x="0" y="0"/>
-          <a:ext cx="0" cy="0"/>
-          <a:chOff x="0" y="0"/>
-          <a:chExt cx="0" cy="0"/>
-        </a:xfrm>
-      </p:grpSpPr>
-      <p:sp>
-        <p:nvSpPr>
-          <p:cNvPr id="358" name="Google Shape;358;p17"/>
-          <p:cNvSpPr txBox="1">
-            <a:spLocks noGrp="1"/>
-          </p:cNvSpPr>
-          <p:nvPr>
-            <p:ph type="title"/>
-          </p:nvPr>
-        </p:nvSpPr>
-        <p:spPr>
-          <a:xfrm>
-            <a:off x="838200" y="372751"/>
-            <a:ext cx="10515600" cy="826089"/>
-          </a:xfrm>
-          <a:prstGeom prst="rect">
-            <a:avLst/>
-          </a:prstGeom>
-          <a:noFill/>
-          <a:ln>
-            <a:noFill/>
-          </a:ln>
-        </p:spPr>
-        <p:txBody>
-          <a:bodyPr spcFirstLastPara="1" wrap="square" lIns="91425" tIns="45700" rIns="91425" bIns="45700" anchor="ctr" anchorCtr="0">
-            <a:normAutofit/>
-          </a:bodyPr>
-          <a:lstStyle/>
-          <a:p>
-            <a:pPr marL="0" lvl="0" indent="0" algn="l" rtl="0">
-              <a:lnSpc>
-                <a:spcPct val="90000"/>
-              </a:lnSpc>
-              <a:spcBef>
-                <a:spcPts val="0"/>
-              </a:spcBef>
-              <a:spcAft>
-                <a:spcPts val="0"/>
-              </a:spcAft>
-              <a:buClr>
-                <a:schemeClr val="dk1"/>
-              </a:buClr>
-              <a:buSzPts val="4400"/>
-              <a:buFont typeface="Calibri"/>
-              <a:buNone/>
-            </a:pPr>
-            <a:r>
-              <a:rPr lang="en-US" b="1" dirty="0">
-                <a:latin typeface="Calibri" panose="020F0502020204030204" pitchFamily="34" charset="0"/>
-                <a:cs typeface="Calibri" panose="020F0502020204030204" pitchFamily="34" charset="0"/>
-                <a:sym typeface="Calibri"/>
-              </a:rPr>
-              <a:t>Summary</a:t>
-            </a:r>
-            <a:endParaRPr b="1" dirty="0">
-              <a:latin typeface="Calibri" panose="020F0502020204030204" pitchFamily="34" charset="0"/>
-              <a:cs typeface="Calibri" panose="020F0502020204030204" pitchFamily="34" charset="0"/>
-              <a:sym typeface="Calibri"/>
-            </a:endParaRPr>
-          </a:p>
-        </p:txBody>
-      </p:sp>
-      <p:sp>
-        <p:nvSpPr>
-          <p:cNvPr id="2" name="Google Shape;359;p17">
-            <a:extLst>
-              <a:ext uri="{FF2B5EF4-FFF2-40B4-BE49-F238E27FC236}">
-                <a16:creationId xmlns:a16="http://schemas.microsoft.com/office/drawing/2014/main" id="{08574919-E936-D618-36C2-830C1D987350}"/>
-              </a:ext>
-            </a:extLst>
-          </p:cNvPr>
-          <p:cNvSpPr txBox="1"/>
-          <p:nvPr/>
-        </p:nvSpPr>
-        <p:spPr>
-          <a:xfrm>
-            <a:off x="1074705" y="1254714"/>
-            <a:ext cx="9644095" cy="5096390"/>
-          </a:xfrm>
-          <a:prstGeom prst="rect">
-            <a:avLst/>
-          </a:prstGeom>
-          <a:noFill/>
-          <a:ln>
-            <a:noFill/>
-          </a:ln>
-        </p:spPr>
-        <p:txBody>
-          <a:bodyPr spcFirstLastPara="1" wrap="square" lIns="91425" tIns="45700" rIns="91425" bIns="45700" anchor="t" anchorCtr="0">
-            <a:normAutofit/>
-          </a:bodyPr>
-          <a:lstStyle/>
-          <a:p>
-            <a:pPr marL="457200" marR="0" lvl="0" indent="-457200" algn="l" rtl="0">
-              <a:lnSpc>
-                <a:spcPct val="90000"/>
-              </a:lnSpc>
-              <a:spcBef>
-                <a:spcPts val="1000"/>
-              </a:spcBef>
-              <a:spcAft>
-                <a:spcPts val="0"/>
-              </a:spcAft>
-              <a:buClr>
-                <a:schemeClr val="dk1"/>
-              </a:buClr>
-              <a:buSzPts val="3200"/>
-              <a:buFont typeface="Wingdings" pitchFamily="2" charset="2"/>
-              <a:buChar char="§"/>
-            </a:pPr>
-            <a:r>
-              <a:rPr lang="en-US" sz="2800" dirty="0">
-                <a:solidFill>
-                  <a:schemeClr val="dk1"/>
-                </a:solidFill>
-                <a:latin typeface="Calibri" panose="020F0502020204030204" pitchFamily="34" charset="0"/>
-                <a:cs typeface="Calibri" panose="020F0502020204030204" pitchFamily="34" charset="0"/>
-                <a:sym typeface="Calibri"/>
-              </a:rPr>
-              <a:t>A combination of neutral and selective processes shape the host microbiome</a:t>
-            </a:r>
-          </a:p>
-          <a:p>
-            <a:pPr marL="457200" indent="-457200">
-              <a:lnSpc>
-                <a:spcPct val="90000"/>
-              </a:lnSpc>
-              <a:spcBef>
-                <a:spcPts val="1000"/>
-              </a:spcBef>
-              <a:buClr>
-                <a:schemeClr val="dk1"/>
-              </a:buClr>
-              <a:buSzPts val="3200"/>
-              <a:buFont typeface="Wingdings" pitchFamily="2" charset="2"/>
-              <a:buChar char="§"/>
-            </a:pPr>
-            <a:r>
-              <a:rPr lang="en-US" sz="2800" dirty="0">
-                <a:solidFill>
-                  <a:schemeClr val="dk1"/>
-                </a:solidFill>
-                <a:latin typeface="Calibri" panose="020F0502020204030204" pitchFamily="34" charset="0"/>
-                <a:cs typeface="Calibri" panose="020F0502020204030204" pitchFamily="34" charset="0"/>
-                <a:sym typeface="Calibri"/>
-              </a:rPr>
-              <a:t>The system is mostly neutral (stochastic)</a:t>
-            </a:r>
-          </a:p>
-          <a:p>
-            <a:pPr marL="457200" indent="-457200">
-              <a:lnSpc>
-                <a:spcPct val="90000"/>
-              </a:lnSpc>
-              <a:spcBef>
-                <a:spcPts val="1000"/>
-              </a:spcBef>
-              <a:buClr>
-                <a:schemeClr val="dk1"/>
-              </a:buClr>
-              <a:buSzPts val="3200"/>
-              <a:buFont typeface="Wingdings" pitchFamily="2" charset="2"/>
-              <a:buChar char="§"/>
-            </a:pPr>
-            <a:r>
-              <a:rPr lang="en-US" sz="2800" dirty="0">
-                <a:solidFill>
-                  <a:schemeClr val="dk1"/>
-                </a:solidFill>
-                <a:latin typeface="Calibri" panose="020F0502020204030204" pitchFamily="34" charset="0"/>
-                <a:cs typeface="Calibri" panose="020F0502020204030204" pitchFamily="34" charset="0"/>
-                <a:sym typeface="Calibri"/>
-              </a:rPr>
-              <a:t>Land use change alters the environment heterogeneity  and induces gradual selective pressures</a:t>
-            </a:r>
-          </a:p>
-          <a:p>
-            <a:pPr marL="457200" indent="-457200">
-              <a:lnSpc>
-                <a:spcPct val="90000"/>
-              </a:lnSpc>
-              <a:spcBef>
-                <a:spcPts val="1000"/>
-              </a:spcBef>
-              <a:buClr>
-                <a:schemeClr val="dk1"/>
-              </a:buClr>
-              <a:buSzPts val="3200"/>
-              <a:buFont typeface="Wingdings" pitchFamily="2" charset="2"/>
-              <a:buChar char="§"/>
-            </a:pPr>
-            <a:r>
-              <a:rPr lang="en-US" sz="2800" dirty="0">
-                <a:solidFill>
-                  <a:schemeClr val="dk1"/>
-                </a:solidFill>
-                <a:latin typeface="Calibri" panose="020F0502020204030204" pitchFamily="34" charset="0"/>
-                <a:cs typeface="Calibri" panose="020F0502020204030204" pitchFamily="34" charset="0"/>
-                <a:sym typeface="Calibri"/>
-              </a:rPr>
-              <a:t>The selective impact within and across land use is </a:t>
-            </a:r>
-            <a:r>
-              <a:rPr lang="en-US" sz="2800" dirty="0">
-                <a:latin typeface="Calibri" panose="020F0502020204030204" pitchFamily="34" charset="0"/>
-                <a:cs typeface="Calibri" panose="020F0502020204030204" pitchFamily="34" charset="0"/>
-              </a:rPr>
-              <a:t>driven by rare microbes that clustered in small modules associated to specific land uses</a:t>
-            </a:r>
-            <a:endParaRPr lang="en-US" sz="3200" dirty="0">
-              <a:solidFill>
-                <a:schemeClr val="dk1"/>
-              </a:solidFill>
-              <a:latin typeface="Calibri" panose="020F0502020204030204" pitchFamily="34" charset="0"/>
-              <a:cs typeface="Calibri" panose="020F0502020204030204" pitchFamily="34" charset="0"/>
-              <a:sym typeface="Calibri"/>
-            </a:endParaRPr>
-          </a:p>
-          <a:p>
-            <a:pPr marR="0" lvl="0" algn="l" rtl="0">
-              <a:lnSpc>
-                <a:spcPct val="90000"/>
-              </a:lnSpc>
-              <a:spcBef>
-                <a:spcPts val="1000"/>
-              </a:spcBef>
-              <a:spcAft>
-                <a:spcPts val="0"/>
-              </a:spcAft>
-              <a:buClr>
-                <a:schemeClr val="dk1"/>
-              </a:buClr>
-              <a:buSzPts val="3200"/>
-            </a:pPr>
-            <a:endParaRPr lang="en-US" sz="2800" dirty="0">
-              <a:solidFill>
-                <a:schemeClr val="dk1"/>
-              </a:solidFill>
-              <a:latin typeface="Calibri" panose="020F0502020204030204" pitchFamily="34" charset="0"/>
-              <a:cs typeface="Calibri" panose="020F0502020204030204" pitchFamily="34" charset="0"/>
-              <a:sym typeface="Calibri"/>
-            </a:endParaRPr>
-          </a:p>
-          <a:p>
-            <a:pPr marL="228600" marR="0" lvl="0" indent="-228600" algn="l" rtl="0">
-              <a:lnSpc>
-                <a:spcPct val="90000"/>
-              </a:lnSpc>
-              <a:spcBef>
-                <a:spcPts val="1000"/>
-              </a:spcBef>
-              <a:spcAft>
-                <a:spcPts val="0"/>
-              </a:spcAft>
-              <a:buClr>
-                <a:schemeClr val="dk1"/>
-              </a:buClr>
-              <a:buSzPts val="3200"/>
-              <a:buFont typeface="Noto Sans Symbols"/>
-              <a:buChar char="▪"/>
-            </a:pPr>
-            <a:endParaRPr lang="en-US" sz="2800" dirty="0">
-              <a:solidFill>
-                <a:schemeClr val="dk1"/>
-              </a:solidFill>
-              <a:latin typeface="Calibri" panose="020F0502020204030204" pitchFamily="34" charset="0"/>
-              <a:cs typeface="Calibri" panose="020F0502020204030204" pitchFamily="34" charset="0"/>
-              <a:sym typeface="Calibri"/>
-            </a:endParaRPr>
-          </a:p>
-          <a:p>
-            <a:pPr marL="0" marR="0" lvl="0" indent="0" algn="l" rtl="0">
-              <a:lnSpc>
-                <a:spcPct val="90000"/>
-              </a:lnSpc>
-              <a:spcBef>
-                <a:spcPts val="1000"/>
-              </a:spcBef>
-              <a:spcAft>
-                <a:spcPts val="0"/>
-              </a:spcAft>
-              <a:buClr>
-                <a:schemeClr val="dk1"/>
-              </a:buClr>
-              <a:buSzPts val="3200"/>
-              <a:buFont typeface="Arial"/>
-              <a:buNone/>
-            </a:pPr>
-            <a:endParaRPr sz="3200" dirty="0">
-              <a:solidFill>
-                <a:schemeClr val="dk1"/>
-              </a:solidFill>
-              <a:latin typeface="Calibri" panose="020F0502020204030204" pitchFamily="34" charset="0"/>
-              <a:ea typeface="Gill Sans"/>
-              <a:cs typeface="Calibri" panose="020F0502020204030204" pitchFamily="34" charset="0"/>
-              <a:sym typeface="Gill Sans"/>
-            </a:endParaRPr>
-          </a:p>
-        </p:txBody>
-      </p:sp>
-    </p:spTree>
-    <p:extLst>
-      <p:ext uri="{BB962C8B-B14F-4D97-AF65-F5344CB8AC3E}">
-        <p14:creationId xmlns:p14="http://schemas.microsoft.com/office/powerpoint/2010/main" val="1130864445"/>
-      </p:ext>
-    </p:extLst>
-  </p:cSld>
-  <p:clrMapOvr>
-    <a:masterClrMapping/>
-  </p:clrMapOvr>
-</p:sld>
-</file>
-
-<file path=ppt/slides/slide34.xml><?xml version="1.0" encoding="utf-8"?>
-<p:sld xmlns:a="http://schemas.openxmlformats.org/drawingml/2006/main" xmlns:r="http://schemas.openxmlformats.org/officeDocument/2006/relationships" xmlns:p="http://schemas.openxmlformats.org/presentationml/2006/main" show="0">
-  <p:cSld>
-    <p:spTree>
-      <p:nvGrpSpPr>
-        <p:cNvPr id="1" name="Shape 357"/>
-        <p:cNvGrpSpPr/>
-        <p:nvPr/>
-      </p:nvGrpSpPr>
-      <p:grpSpPr>
-        <a:xfrm>
-          <a:off x="0" y="0"/>
-          <a:ext cx="0" cy="0"/>
-          <a:chOff x="0" y="0"/>
-          <a:chExt cx="0" cy="0"/>
-        </a:xfrm>
-      </p:grpSpPr>
-      <p:sp>
-        <p:nvSpPr>
-          <p:cNvPr id="358" name="Google Shape;358;p17"/>
-          <p:cNvSpPr txBox="1">
-            <a:spLocks noGrp="1"/>
-          </p:cNvSpPr>
-          <p:nvPr>
-            <p:ph type="title"/>
-          </p:nvPr>
-        </p:nvSpPr>
-        <p:spPr>
-          <a:xfrm>
-            <a:off x="753293" y="582840"/>
-            <a:ext cx="10515600" cy="826089"/>
-          </a:xfrm>
-          <a:prstGeom prst="rect">
-            <a:avLst/>
-          </a:prstGeom>
-          <a:noFill/>
-          <a:ln>
-            <a:noFill/>
-          </a:ln>
-        </p:spPr>
-        <p:txBody>
-          <a:bodyPr spcFirstLastPara="1" wrap="square" lIns="91425" tIns="45700" rIns="91425" bIns="45700" anchor="ctr" anchorCtr="0">
-            <a:normAutofit/>
-          </a:bodyPr>
-          <a:lstStyle/>
-          <a:p>
-            <a:pPr marL="0" lvl="0" indent="0" algn="l" rtl="0">
-              <a:lnSpc>
-                <a:spcPct val="90000"/>
-              </a:lnSpc>
-              <a:spcBef>
-                <a:spcPts val="0"/>
-              </a:spcBef>
-              <a:spcAft>
-                <a:spcPts val="0"/>
-              </a:spcAft>
-              <a:buClr>
-                <a:schemeClr val="dk1"/>
-              </a:buClr>
-              <a:buSzPts val="4400"/>
-              <a:buFont typeface="Calibri"/>
-              <a:buNone/>
-            </a:pPr>
-            <a:r>
-              <a:rPr lang="en-US" b="1" dirty="0">
-                <a:latin typeface="Calibri" panose="020F0502020204030204" pitchFamily="34" charset="0"/>
-                <a:cs typeface="Calibri" panose="020F0502020204030204" pitchFamily="34" charset="0"/>
-                <a:sym typeface="Calibri"/>
-              </a:rPr>
-              <a:t>Degree distribution</a:t>
-            </a:r>
-            <a:endParaRPr b="1" dirty="0">
-              <a:latin typeface="Calibri" panose="020F0502020204030204" pitchFamily="34" charset="0"/>
-              <a:cs typeface="Calibri" panose="020F0502020204030204" pitchFamily="34" charset="0"/>
-              <a:sym typeface="Calibri"/>
-            </a:endParaRPr>
-          </a:p>
-        </p:txBody>
-      </p:sp>
-      <p:sp>
-        <p:nvSpPr>
-          <p:cNvPr id="4" name="Google Shape;359;p17">
-            <a:extLst>
-              <a:ext uri="{FF2B5EF4-FFF2-40B4-BE49-F238E27FC236}">
-                <a16:creationId xmlns:a16="http://schemas.microsoft.com/office/drawing/2014/main" id="{DB5D5134-FD1A-C403-AAD4-2955FA8310AF}"/>
-              </a:ext>
-            </a:extLst>
-          </p:cNvPr>
-          <p:cNvSpPr txBox="1"/>
-          <p:nvPr/>
-        </p:nvSpPr>
-        <p:spPr>
-          <a:xfrm>
-            <a:off x="901339" y="1870145"/>
-            <a:ext cx="3653680" cy="2980530"/>
-          </a:xfrm>
-          <a:prstGeom prst="rect">
-            <a:avLst/>
-          </a:prstGeom>
-          <a:noFill/>
-          <a:ln>
-            <a:noFill/>
-          </a:ln>
-        </p:spPr>
-        <p:txBody>
-          <a:bodyPr spcFirstLastPara="1" wrap="square" lIns="91425" tIns="45700" rIns="91425" bIns="45700" anchor="t" anchorCtr="0">
-            <a:normAutofit/>
-          </a:bodyPr>
-          <a:lstStyle/>
-          <a:p>
-            <a:pPr marL="457200" lvl="1" indent="-457200">
-              <a:lnSpc>
-                <a:spcPct val="90000"/>
-              </a:lnSpc>
-              <a:spcBef>
-                <a:spcPts val="1000"/>
-              </a:spcBef>
-              <a:buClr>
-                <a:schemeClr val="dk1"/>
-              </a:buClr>
-              <a:buSzPts val="3200"/>
-              <a:buFont typeface="Wingdings" pitchFamily="2" charset="2"/>
-              <a:buChar char="§"/>
-            </a:pPr>
-            <a:r>
-              <a:rPr lang="en-US" sz="2800" b="1" dirty="0" err="1">
-                <a:solidFill>
-                  <a:schemeClr val="dk1"/>
-                </a:solidFill>
-                <a:latin typeface="Calibri" panose="020F0502020204030204" pitchFamily="34" charset="0"/>
-                <a:cs typeface="Calibri" panose="020F0502020204030204" pitchFamily="34" charset="0"/>
-                <a:sym typeface="Calibri"/>
-              </a:rPr>
-              <a:t>Connectance</a:t>
-            </a:r>
-            <a:r>
-              <a:rPr lang="en-US" sz="2800" dirty="0">
-                <a:solidFill>
-                  <a:schemeClr val="dk1"/>
-                </a:solidFill>
-                <a:latin typeface="Calibri" panose="020F0502020204030204" pitchFamily="34" charset="0"/>
-                <a:cs typeface="Calibri" panose="020F0502020204030204" pitchFamily="34" charset="0"/>
-                <a:sym typeface="Calibri"/>
-              </a:rPr>
-              <a:t>: </a:t>
-            </a:r>
-          </a:p>
-          <a:p>
-            <a:pPr lvl="3">
-              <a:lnSpc>
-                <a:spcPct val="90000"/>
-              </a:lnSpc>
-              <a:spcBef>
-                <a:spcPts val="1000"/>
-              </a:spcBef>
-              <a:buClr>
-                <a:schemeClr val="dk1"/>
-              </a:buClr>
-              <a:buSzPts val="3200"/>
-            </a:pPr>
-            <a:r>
-              <a:rPr lang="en-US" sz="2800" dirty="0">
-                <a:solidFill>
-                  <a:schemeClr val="dk1"/>
-                </a:solidFill>
-                <a:latin typeface="Calibri" panose="020F0502020204030204" pitchFamily="34" charset="0"/>
-                <a:cs typeface="Calibri" panose="020F0502020204030204" pitchFamily="34" charset="0"/>
-                <a:sym typeface="Calibri"/>
-              </a:rPr>
-              <a:t>	</a:t>
-            </a:r>
-            <a:r>
-              <a:rPr lang="en-US" sz="2800" i="1" dirty="0">
-                <a:solidFill>
-                  <a:schemeClr val="dk1"/>
-                </a:solidFill>
-                <a:latin typeface="Calibri" panose="020F0502020204030204" pitchFamily="34" charset="0"/>
-                <a:cs typeface="Calibri" panose="020F0502020204030204" pitchFamily="34" charset="0"/>
-                <a:sym typeface="Calibri"/>
-              </a:rPr>
-              <a:t>Rattus</a:t>
-            </a:r>
-            <a:r>
-              <a:rPr lang="en-US" sz="2800" dirty="0">
-                <a:solidFill>
-                  <a:schemeClr val="dk1"/>
-                </a:solidFill>
-                <a:latin typeface="Calibri" panose="020F0502020204030204" pitchFamily="34" charset="0"/>
-                <a:cs typeface="Calibri" panose="020F0502020204030204" pitchFamily="34" charset="0"/>
-                <a:sym typeface="Calibri"/>
-              </a:rPr>
-              <a:t> = 1.5%</a:t>
-            </a:r>
-          </a:p>
-          <a:p>
-            <a:pPr lvl="3">
-              <a:lnSpc>
-                <a:spcPct val="90000"/>
-              </a:lnSpc>
-              <a:spcBef>
-                <a:spcPts val="1000"/>
-              </a:spcBef>
-              <a:buClr>
-                <a:schemeClr val="dk1"/>
-              </a:buClr>
-              <a:buSzPts val="3200"/>
-            </a:pPr>
-            <a:r>
-              <a:rPr lang="en-US" sz="2800" dirty="0">
-                <a:solidFill>
-                  <a:schemeClr val="dk1"/>
-                </a:solidFill>
-                <a:latin typeface="Calibri" panose="020F0502020204030204" pitchFamily="34" charset="0"/>
-                <a:cs typeface="Calibri" panose="020F0502020204030204" pitchFamily="34" charset="0"/>
-                <a:sym typeface="Calibri"/>
-              </a:rPr>
-              <a:t>	</a:t>
-            </a:r>
-            <a:endParaRPr sz="2800" dirty="0">
-              <a:solidFill>
-                <a:schemeClr val="dk1"/>
-              </a:solidFill>
-              <a:latin typeface="Calibri" panose="020F0502020204030204" pitchFamily="34" charset="0"/>
-              <a:ea typeface="Gill Sans"/>
-              <a:cs typeface="Calibri" panose="020F0502020204030204" pitchFamily="34" charset="0"/>
-              <a:sym typeface="Gill Sans"/>
-            </a:endParaRPr>
-          </a:p>
-          <a:p>
-            <a:pPr marL="457200" indent="-457200">
-              <a:lnSpc>
-                <a:spcPct val="90000"/>
-              </a:lnSpc>
-              <a:spcBef>
-                <a:spcPts val="1000"/>
-              </a:spcBef>
-              <a:buClr>
-                <a:schemeClr val="dk1"/>
-              </a:buClr>
-              <a:buSzPts val="2800"/>
-              <a:buFont typeface="Wingdings" pitchFamily="2" charset="2"/>
-              <a:buChar char="§"/>
-            </a:pPr>
-            <a:r>
-              <a:rPr lang="en-US" sz="2800" dirty="0">
-                <a:solidFill>
-                  <a:schemeClr val="dk1"/>
-                </a:solidFill>
-                <a:latin typeface="Calibri" panose="020F0502020204030204" pitchFamily="34" charset="0"/>
-                <a:cs typeface="Calibri" panose="020F0502020204030204" pitchFamily="34" charset="0"/>
-                <a:sym typeface="Calibri"/>
-              </a:rPr>
-              <a:t>Most ASVs occur in less than 10 hosts</a:t>
-            </a:r>
-          </a:p>
-          <a:p>
-            <a:pPr marL="0" marR="0" lvl="0" indent="0" algn="l" rtl="0">
-              <a:lnSpc>
-                <a:spcPct val="90000"/>
-              </a:lnSpc>
-              <a:spcBef>
-                <a:spcPts val="1000"/>
-              </a:spcBef>
-              <a:spcAft>
-                <a:spcPts val="0"/>
-              </a:spcAft>
-              <a:buClr>
-                <a:schemeClr val="dk1"/>
-              </a:buClr>
-              <a:buSzPts val="2800"/>
-              <a:buFont typeface="Arial"/>
-              <a:buNone/>
-            </a:pPr>
-            <a:endParaRPr sz="2800" dirty="0">
-              <a:solidFill>
-                <a:schemeClr val="dk1"/>
-              </a:solidFill>
-              <a:latin typeface="Calibri" panose="020F0502020204030204" pitchFamily="34" charset="0"/>
-              <a:ea typeface="Gill Sans"/>
-              <a:cs typeface="Calibri" panose="020F0502020204030204" pitchFamily="34" charset="0"/>
-              <a:sym typeface="Gill Sans"/>
-            </a:endParaRPr>
-          </a:p>
-          <a:p>
-            <a:pPr marL="0" marR="0" lvl="0" indent="0" algn="l" rtl="0">
-              <a:lnSpc>
-                <a:spcPct val="90000"/>
-              </a:lnSpc>
-              <a:spcBef>
-                <a:spcPts val="1000"/>
-              </a:spcBef>
-              <a:spcAft>
-                <a:spcPts val="0"/>
-              </a:spcAft>
-              <a:buClr>
-                <a:schemeClr val="dk1"/>
-              </a:buClr>
-              <a:buSzPts val="3200"/>
-              <a:buFont typeface="Arial"/>
-              <a:buNone/>
-            </a:pPr>
-            <a:endParaRPr sz="3200" dirty="0">
-              <a:solidFill>
-                <a:schemeClr val="dk1"/>
-              </a:solidFill>
-              <a:latin typeface="Calibri" panose="020F0502020204030204" pitchFamily="34" charset="0"/>
-              <a:ea typeface="Gill Sans"/>
-              <a:cs typeface="Calibri" panose="020F0502020204030204" pitchFamily="34" charset="0"/>
-              <a:sym typeface="Gill Sans"/>
-            </a:endParaRPr>
-          </a:p>
-        </p:txBody>
-      </p:sp>
-      <p:pic>
-        <p:nvPicPr>
-          <p:cNvPr id="3" name="Picture 2" descr="A graph of a number of numbers&#10;&#10;Description automatically generated">
-            <a:extLst>
-              <a:ext uri="{FF2B5EF4-FFF2-40B4-BE49-F238E27FC236}">
-                <a16:creationId xmlns:a16="http://schemas.microsoft.com/office/drawing/2014/main" id="{FB306065-3421-5690-9DF6-B7F599BCF7AE}"/>
-              </a:ext>
-            </a:extLst>
-          </p:cNvPr>
-          <p:cNvPicPr>
-            <a:picLocks noChangeAspect="1"/>
-          </p:cNvPicPr>
-          <p:nvPr/>
-        </p:nvPicPr>
-        <p:blipFill>
-          <a:blip r:embed="rId3"/>
-          <a:stretch>
-            <a:fillRect/>
-          </a:stretch>
-        </p:blipFill>
-        <p:spPr>
-          <a:xfrm>
-            <a:off x="5932435" y="800685"/>
-            <a:ext cx="5689294" cy="5689294"/>
-          </a:xfrm>
-          <a:prstGeom prst="rect">
-            <a:avLst/>
-          </a:prstGeom>
-        </p:spPr>
-      </p:pic>
-    </p:spTree>
-    <p:extLst>
-      <p:ext uri="{BB962C8B-B14F-4D97-AF65-F5344CB8AC3E}">
-        <p14:creationId xmlns:p14="http://schemas.microsoft.com/office/powerpoint/2010/main" val="79973904"/>
-      </p:ext>
-    </p:extLst>
-  </p:cSld>
-  <p:clrMapOvr>
-    <a:masterClrMapping/>
-  </p:clrMapOvr>
-</p:sld>
-</file>
-
-<file path=ppt/slides/slide35.xml><?xml version="1.0" encoding="utf-8"?>
+<file path=ppt/slides/slide31.xml><?xml version="1.0" encoding="utf-8"?>
 <p:sld xmlns:a="http://schemas.openxmlformats.org/drawingml/2006/main" xmlns:r="http://schemas.openxmlformats.org/officeDocument/2006/relationships" xmlns:p="http://schemas.openxmlformats.org/presentationml/2006/main" show="0">
   <p:cSld>
     <p:spTree>
@@ -32330,567 +31038,6 @@
     <p:extLst>
       <p:ext uri="{BB962C8B-B14F-4D97-AF65-F5344CB8AC3E}">
         <p14:creationId xmlns:p14="http://schemas.microsoft.com/office/powerpoint/2010/main" val="2028529791"/>
-      </p:ext>
-    </p:extLst>
-  </p:cSld>
-  <p:clrMapOvr>
-    <a:masterClrMapping/>
-  </p:clrMapOvr>
-</p:sld>
-</file>
-
-<file path=ppt/slides/slide36.xml><?xml version="1.0" encoding="utf-8"?>
-<p:sld xmlns:a="http://schemas.openxmlformats.org/drawingml/2006/main" xmlns:r="http://schemas.openxmlformats.org/officeDocument/2006/relationships" xmlns:p="http://schemas.openxmlformats.org/presentationml/2006/main" show="0">
-  <p:cSld>
-    <p:spTree>
-      <p:nvGrpSpPr>
-        <p:cNvPr id="1" name="Shape 357"/>
-        <p:cNvGrpSpPr/>
-        <p:nvPr/>
-      </p:nvGrpSpPr>
-      <p:grpSpPr>
-        <a:xfrm>
-          <a:off x="0" y="0"/>
-          <a:ext cx="0" cy="0"/>
-          <a:chOff x="0" y="0"/>
-          <a:chExt cx="0" cy="0"/>
-        </a:xfrm>
-      </p:grpSpPr>
-      <p:sp>
-        <p:nvSpPr>
-          <p:cNvPr id="9" name="Google Shape;359;p17">
-            <a:extLst>
-              <a:ext uri="{FF2B5EF4-FFF2-40B4-BE49-F238E27FC236}">
-                <a16:creationId xmlns:a16="http://schemas.microsoft.com/office/drawing/2014/main" id="{3F7FA174-A152-8F18-1890-9A5568E49FE5}"/>
-              </a:ext>
-            </a:extLst>
-          </p:cNvPr>
-          <p:cNvSpPr txBox="1"/>
-          <p:nvPr/>
-        </p:nvSpPr>
-        <p:spPr>
-          <a:xfrm>
-            <a:off x="971010" y="899546"/>
-            <a:ext cx="10403724" cy="970175"/>
-          </a:xfrm>
-          <a:prstGeom prst="rect">
-            <a:avLst/>
-          </a:prstGeom>
-          <a:noFill/>
-          <a:ln>
-            <a:noFill/>
-          </a:ln>
-        </p:spPr>
-        <p:txBody>
-          <a:bodyPr spcFirstLastPara="1" wrap="square" lIns="91425" tIns="45700" rIns="91425" bIns="45700" anchor="t" anchorCtr="0">
-            <a:normAutofit/>
-          </a:bodyPr>
-          <a:lstStyle/>
-          <a:p>
-            <a:pPr marR="0" lvl="0" algn="l" rtl="0">
-              <a:lnSpc>
-                <a:spcPct val="90000"/>
-              </a:lnSpc>
-              <a:spcBef>
-                <a:spcPts val="0"/>
-              </a:spcBef>
-              <a:spcAft>
-                <a:spcPts val="0"/>
-              </a:spcAft>
-              <a:buClr>
-                <a:schemeClr val="dk1"/>
-              </a:buClr>
-              <a:buSzPts val="3200"/>
-            </a:pPr>
-            <a:r>
-              <a:rPr lang="en-US" sz="3200" b="0" dirty="0">
-                <a:latin typeface="Calibri" panose="020F0502020204030204" pitchFamily="34" charset="0"/>
-                <a:cs typeface="Calibri" panose="020F0502020204030204" pitchFamily="34" charset="0"/>
-                <a:sym typeface="Calibri"/>
-              </a:rPr>
-              <a:t>ASVs richness </a:t>
-            </a:r>
-            <a:r>
-              <a:rPr lang="en-US" sz="3200" b="0" dirty="0">
-                <a:latin typeface="Calibri" panose="020F0502020204030204" pitchFamily="34" charset="0"/>
-                <a:cs typeface="Calibri" panose="020F0502020204030204" pitchFamily="34" charset="0"/>
-              </a:rPr>
-              <a:t>is</a:t>
-            </a:r>
-            <a:r>
-              <a:rPr lang="en-US" sz="3200" b="0" dirty="0">
-                <a:latin typeface="Calibri" panose="020F0502020204030204" pitchFamily="34" charset="0"/>
-                <a:cs typeface="Calibri" panose="020F0502020204030204" pitchFamily="34" charset="0"/>
-                <a:sym typeface="Calibri"/>
-              </a:rPr>
-              <a:t> not changed across land use</a:t>
-            </a:r>
-            <a:endParaRPr sz="3200" dirty="0">
-              <a:solidFill>
-                <a:schemeClr val="dk1"/>
-              </a:solidFill>
-              <a:latin typeface="Calibri" panose="020F0502020204030204" pitchFamily="34" charset="0"/>
-              <a:ea typeface="Gill Sans"/>
-              <a:cs typeface="Calibri" panose="020F0502020204030204" pitchFamily="34" charset="0"/>
-              <a:sym typeface="Gill Sans"/>
-            </a:endParaRPr>
-          </a:p>
-          <a:p>
-            <a:pPr marL="0" marR="0" lvl="0" indent="0" algn="l" rtl="0">
-              <a:lnSpc>
-                <a:spcPct val="90000"/>
-              </a:lnSpc>
-              <a:spcBef>
-                <a:spcPts val="1000"/>
-              </a:spcBef>
-              <a:spcAft>
-                <a:spcPts val="0"/>
-              </a:spcAft>
-              <a:buClr>
-                <a:schemeClr val="dk1"/>
-              </a:buClr>
-              <a:buSzPts val="2800"/>
-              <a:buFont typeface="Arial"/>
-              <a:buNone/>
-            </a:pPr>
-            <a:endParaRPr sz="2800" dirty="0">
-              <a:solidFill>
-                <a:schemeClr val="dk1"/>
-              </a:solidFill>
-              <a:latin typeface="Calibri" panose="020F0502020204030204" pitchFamily="34" charset="0"/>
-              <a:ea typeface="Gill Sans"/>
-              <a:cs typeface="Calibri" panose="020F0502020204030204" pitchFamily="34" charset="0"/>
-              <a:sym typeface="Gill Sans"/>
-            </a:endParaRPr>
-          </a:p>
-          <a:p>
-            <a:pPr marL="0" marR="0" lvl="0" indent="0" algn="l" rtl="0">
-              <a:lnSpc>
-                <a:spcPct val="90000"/>
-              </a:lnSpc>
-              <a:spcBef>
-                <a:spcPts val="1000"/>
-              </a:spcBef>
-              <a:spcAft>
-                <a:spcPts val="0"/>
-              </a:spcAft>
-              <a:buClr>
-                <a:schemeClr val="dk1"/>
-              </a:buClr>
-              <a:buSzPts val="3200"/>
-              <a:buFont typeface="Arial"/>
-              <a:buNone/>
-            </a:pPr>
-            <a:endParaRPr sz="3200" dirty="0">
-              <a:solidFill>
-                <a:schemeClr val="dk1"/>
-              </a:solidFill>
-              <a:latin typeface="Calibri" panose="020F0502020204030204" pitchFamily="34" charset="0"/>
-              <a:ea typeface="Gill Sans"/>
-              <a:cs typeface="Calibri" panose="020F0502020204030204" pitchFamily="34" charset="0"/>
-              <a:sym typeface="Gill Sans"/>
-            </a:endParaRPr>
-          </a:p>
-        </p:txBody>
-      </p:sp>
-      <p:pic>
-        <p:nvPicPr>
-          <p:cNvPr id="5" name="Picture 4" descr="A graph with different colored squares&#10;&#10;Description automatically generated">
-            <a:extLst>
-              <a:ext uri="{FF2B5EF4-FFF2-40B4-BE49-F238E27FC236}">
-                <a16:creationId xmlns:a16="http://schemas.microsoft.com/office/drawing/2014/main" id="{A1BCDF06-EB55-47E7-7765-4887CF18C2E5}"/>
-              </a:ext>
-            </a:extLst>
-          </p:cNvPr>
-          <p:cNvPicPr>
-            <a:picLocks noChangeAspect="1"/>
-          </p:cNvPicPr>
-          <p:nvPr/>
-        </p:nvPicPr>
-        <p:blipFill>
-          <a:blip r:embed="rId3"/>
-          <a:stretch>
-            <a:fillRect/>
-          </a:stretch>
-        </p:blipFill>
-        <p:spPr>
-          <a:xfrm>
-            <a:off x="3573703" y="1719554"/>
-            <a:ext cx="5044594" cy="5044594"/>
-          </a:xfrm>
-          <a:prstGeom prst="rect">
-            <a:avLst/>
-          </a:prstGeom>
-        </p:spPr>
-      </p:pic>
-    </p:spTree>
-  </p:cSld>
-  <p:clrMapOvr>
-    <a:masterClrMapping/>
-  </p:clrMapOvr>
-</p:sld>
-</file>
-
-<file path=ppt/slides/slide37.xml><?xml version="1.0" encoding="utf-8"?>
-<p:sld xmlns:a="http://schemas.openxmlformats.org/drawingml/2006/main" xmlns:r="http://schemas.openxmlformats.org/officeDocument/2006/relationships" xmlns:p="http://schemas.openxmlformats.org/presentationml/2006/main" show="0">
-  <p:cSld>
-    <p:spTree>
-      <p:nvGrpSpPr>
-        <p:cNvPr id="1" name="Shape 357"/>
-        <p:cNvGrpSpPr/>
-        <p:nvPr/>
-      </p:nvGrpSpPr>
-      <p:grpSpPr>
-        <a:xfrm>
-          <a:off x="0" y="0"/>
-          <a:ext cx="0" cy="0"/>
-          <a:chOff x="0" y="0"/>
-          <a:chExt cx="0" cy="0"/>
-        </a:xfrm>
-      </p:grpSpPr>
-      <p:sp>
-        <p:nvSpPr>
-          <p:cNvPr id="343" name="Google Shape;358;p17">
-            <a:extLst>
-              <a:ext uri="{FF2B5EF4-FFF2-40B4-BE49-F238E27FC236}">
-                <a16:creationId xmlns:a16="http://schemas.microsoft.com/office/drawing/2014/main" id="{6EDDB03B-A5C4-3F67-5987-BDFC8B5E1E85}"/>
-              </a:ext>
-            </a:extLst>
-          </p:cNvPr>
-          <p:cNvSpPr txBox="1">
-            <a:spLocks noGrp="1"/>
-          </p:cNvSpPr>
-          <p:nvPr>
-            <p:ph type="title"/>
-          </p:nvPr>
-        </p:nvSpPr>
-        <p:spPr>
-          <a:xfrm>
-            <a:off x="657383" y="334172"/>
-            <a:ext cx="10370867" cy="989003"/>
-          </a:xfrm>
-          <a:prstGeom prst="rect">
-            <a:avLst/>
-          </a:prstGeom>
-          <a:noFill/>
-          <a:ln>
-            <a:noFill/>
-          </a:ln>
-        </p:spPr>
-        <p:txBody>
-          <a:bodyPr spcFirstLastPara="1" wrap="square" lIns="91425" tIns="45700" rIns="91425" bIns="45700" anchor="ctr" anchorCtr="0">
-            <a:normAutofit/>
-          </a:bodyPr>
-          <a:lstStyle/>
-          <a:p>
-            <a:pPr marL="0" lvl="0" indent="0" algn="l" rtl="0">
-              <a:lnSpc>
-                <a:spcPct val="90000"/>
-              </a:lnSpc>
-              <a:spcBef>
-                <a:spcPts val="0"/>
-              </a:spcBef>
-              <a:spcAft>
-                <a:spcPts val="0"/>
-              </a:spcAft>
-              <a:buClr>
-                <a:schemeClr val="dk1"/>
-              </a:buClr>
-              <a:buSzPts val="4400"/>
-              <a:buFont typeface="Calibri"/>
-              <a:buNone/>
-            </a:pPr>
-            <a:r>
-              <a:rPr lang="en-US" sz="3600" dirty="0">
-                <a:latin typeface="Calibri" panose="020F0502020204030204" pitchFamily="34" charset="0"/>
-                <a:cs typeface="Calibri" panose="020F0502020204030204" pitchFamily="34" charset="0"/>
-                <a:sym typeface="Calibri"/>
-              </a:rPr>
-              <a:t>High inter-individual microbiome variation</a:t>
-            </a:r>
-            <a:endParaRPr sz="3600" dirty="0">
-              <a:latin typeface="Calibri" panose="020F0502020204030204" pitchFamily="34" charset="0"/>
-              <a:cs typeface="Calibri" panose="020F0502020204030204" pitchFamily="34" charset="0"/>
-              <a:sym typeface="Calibri"/>
-            </a:endParaRPr>
-          </a:p>
-        </p:txBody>
-      </p:sp>
-      <p:sp>
-        <p:nvSpPr>
-          <p:cNvPr id="4" name="Google Shape;362;p17">
-            <a:extLst>
-              <a:ext uri="{FF2B5EF4-FFF2-40B4-BE49-F238E27FC236}">
-                <a16:creationId xmlns:a16="http://schemas.microsoft.com/office/drawing/2014/main" id="{469869D6-A865-6872-1611-04687C419DB8}"/>
-              </a:ext>
-            </a:extLst>
-          </p:cNvPr>
-          <p:cNvSpPr txBox="1"/>
-          <p:nvPr/>
-        </p:nvSpPr>
-        <p:spPr>
-          <a:xfrm>
-            <a:off x="738962" y="1346646"/>
-            <a:ext cx="5897812" cy="523180"/>
-          </a:xfrm>
-          <a:prstGeom prst="rect">
-            <a:avLst/>
-          </a:prstGeom>
-          <a:noFill/>
-          <a:ln>
-            <a:noFill/>
-          </a:ln>
-        </p:spPr>
-        <p:txBody>
-          <a:bodyPr spcFirstLastPara="1" wrap="square" lIns="91425" tIns="45700" rIns="91425" bIns="45700" anchor="t" anchorCtr="0">
-            <a:spAutoFit/>
-          </a:bodyPr>
-          <a:lstStyle/>
-          <a:p>
-            <a:pPr marL="0" marR="0" lvl="0" indent="0" algn="l" rtl="0">
-              <a:spcBef>
-                <a:spcPts val="0"/>
-              </a:spcBef>
-              <a:spcAft>
-                <a:spcPts val="0"/>
-              </a:spcAft>
-              <a:buNone/>
-            </a:pPr>
-            <a:r>
-              <a:rPr lang="en-US" sz="2800" dirty="0">
-                <a:solidFill>
-                  <a:schemeClr val="dk1"/>
-                </a:solidFill>
-                <a:latin typeface="Calibri" panose="020F0502020204030204" pitchFamily="34" charset="0"/>
-                <a:ea typeface="Calibri"/>
-                <a:cs typeface="Calibri" panose="020F0502020204030204" pitchFamily="34" charset="0"/>
-                <a:sym typeface="Calibri"/>
-              </a:rPr>
-              <a:t>Beta-diversity [Jaccard] = 0.05</a:t>
-            </a:r>
-            <a:endParaRPr sz="2800" dirty="0">
-              <a:solidFill>
-                <a:schemeClr val="dk1"/>
-              </a:solidFill>
-              <a:latin typeface="Calibri" panose="020F0502020204030204" pitchFamily="34" charset="0"/>
-              <a:ea typeface="Calibri"/>
-              <a:cs typeface="Calibri" panose="020F0502020204030204" pitchFamily="34" charset="0"/>
-              <a:sym typeface="Calibri"/>
-            </a:endParaRPr>
-          </a:p>
-        </p:txBody>
-      </p:sp>
-      <p:pic>
-        <p:nvPicPr>
-          <p:cNvPr id="6" name="Picture 5" descr="A diagram of a stress model&#10;&#10;Description automatically generated">
-            <a:extLst>
-              <a:ext uri="{FF2B5EF4-FFF2-40B4-BE49-F238E27FC236}">
-                <a16:creationId xmlns:a16="http://schemas.microsoft.com/office/drawing/2014/main" id="{82385FEA-15BE-FB7B-CE9D-3D8E80A88370}"/>
-              </a:ext>
-            </a:extLst>
-          </p:cNvPr>
-          <p:cNvPicPr>
-            <a:picLocks noChangeAspect="1"/>
-          </p:cNvPicPr>
-          <p:nvPr/>
-        </p:nvPicPr>
-        <p:blipFill>
-          <a:blip r:embed="rId3"/>
-          <a:stretch>
-            <a:fillRect/>
-          </a:stretch>
-        </p:blipFill>
-        <p:spPr>
-          <a:xfrm>
-            <a:off x="3281855" y="2168134"/>
-            <a:ext cx="6565813" cy="4689866"/>
-          </a:xfrm>
-          <a:prstGeom prst="rect">
-            <a:avLst/>
-          </a:prstGeom>
-        </p:spPr>
-      </p:pic>
-      <p:sp>
-        <p:nvSpPr>
-          <p:cNvPr id="7" name="Google Shape;362;p17">
-            <a:extLst>
-              <a:ext uri="{FF2B5EF4-FFF2-40B4-BE49-F238E27FC236}">
-                <a16:creationId xmlns:a16="http://schemas.microsoft.com/office/drawing/2014/main" id="{AC558C47-D84B-F352-6C08-864B21173875}"/>
-              </a:ext>
-            </a:extLst>
-          </p:cNvPr>
-          <p:cNvSpPr txBox="1"/>
-          <p:nvPr/>
-        </p:nvSpPr>
-        <p:spPr>
-          <a:xfrm>
-            <a:off x="8660841" y="6000648"/>
-            <a:ext cx="2734746" cy="400069"/>
-          </a:xfrm>
-          <a:prstGeom prst="rect">
-            <a:avLst/>
-          </a:prstGeom>
-          <a:noFill/>
-          <a:ln>
-            <a:noFill/>
-          </a:ln>
-        </p:spPr>
-        <p:txBody>
-          <a:bodyPr spcFirstLastPara="1" wrap="square" lIns="91425" tIns="45700" rIns="91425" bIns="45700" anchor="t" anchorCtr="0">
-            <a:spAutoFit/>
-          </a:bodyPr>
-          <a:lstStyle/>
-          <a:p>
-            <a:pPr marL="0" marR="0" lvl="0" indent="0" algn="l" rtl="0">
-              <a:spcBef>
-                <a:spcPts val="0"/>
-              </a:spcBef>
-              <a:spcAft>
-                <a:spcPts val="0"/>
-              </a:spcAft>
-              <a:buNone/>
-            </a:pPr>
-            <a:r>
-              <a:rPr lang="en-US" sz="2000" dirty="0">
-                <a:solidFill>
-                  <a:schemeClr val="dk1"/>
-                </a:solidFill>
-                <a:latin typeface="Calibri" panose="020F0502020204030204" pitchFamily="34" charset="0"/>
-                <a:ea typeface="Calibri"/>
-                <a:cs typeface="Calibri" panose="020F0502020204030204" pitchFamily="34" charset="0"/>
-                <a:sym typeface="Calibri"/>
-              </a:rPr>
-              <a:t>F = 1.23, p &lt; 0.01</a:t>
-            </a:r>
-          </a:p>
-        </p:txBody>
-      </p:sp>
-    </p:spTree>
-    <p:extLst>
-      <p:ext uri="{BB962C8B-B14F-4D97-AF65-F5344CB8AC3E}">
-        <p14:creationId xmlns:p14="http://schemas.microsoft.com/office/powerpoint/2010/main" val="1448574262"/>
-      </p:ext>
-    </p:extLst>
-  </p:cSld>
-  <p:clrMapOvr>
-    <a:masterClrMapping/>
-  </p:clrMapOvr>
-</p:sld>
-</file>
-
-<file path=ppt/slides/slide38.xml><?xml version="1.0" encoding="utf-8"?>
-<p:sld xmlns:a="http://schemas.openxmlformats.org/drawingml/2006/main" xmlns:r="http://schemas.openxmlformats.org/officeDocument/2006/relationships" xmlns:p="http://schemas.openxmlformats.org/presentationml/2006/main" show="0">
-  <p:cSld>
-    <p:spTree>
-      <p:nvGrpSpPr>
-        <p:cNvPr id="1" name="Shape 357"/>
-        <p:cNvGrpSpPr/>
-        <p:nvPr/>
-      </p:nvGrpSpPr>
-      <p:grpSpPr>
-        <a:xfrm>
-          <a:off x="0" y="0"/>
-          <a:ext cx="0" cy="0"/>
-          <a:chOff x="0" y="0"/>
-          <a:chExt cx="0" cy="0"/>
-        </a:xfrm>
-      </p:grpSpPr>
-      <p:sp>
-        <p:nvSpPr>
-          <p:cNvPr id="358" name="Google Shape;358;p17"/>
-          <p:cNvSpPr txBox="1">
-            <a:spLocks noGrp="1"/>
-          </p:cNvSpPr>
-          <p:nvPr>
-            <p:ph type="title"/>
-          </p:nvPr>
-        </p:nvSpPr>
-        <p:spPr>
-          <a:xfrm>
-            <a:off x="753293" y="582840"/>
-            <a:ext cx="5175559" cy="826089"/>
-          </a:xfrm>
-          <a:prstGeom prst="rect">
-            <a:avLst/>
-          </a:prstGeom>
-          <a:noFill/>
-          <a:ln>
-            <a:noFill/>
-          </a:ln>
-        </p:spPr>
-        <p:txBody>
-          <a:bodyPr spcFirstLastPara="1" wrap="square" lIns="91425" tIns="45700" rIns="91425" bIns="45700" anchor="ctr" anchorCtr="0">
-            <a:normAutofit/>
-          </a:bodyPr>
-          <a:lstStyle/>
-          <a:p>
-            <a:pPr marL="0" lvl="0" indent="0" algn="l" rtl="0">
-              <a:lnSpc>
-                <a:spcPct val="90000"/>
-              </a:lnSpc>
-              <a:spcBef>
-                <a:spcPts val="0"/>
-              </a:spcBef>
-              <a:spcAft>
-                <a:spcPts val="0"/>
-              </a:spcAft>
-              <a:buClr>
-                <a:schemeClr val="dk1"/>
-              </a:buClr>
-              <a:buSzPts val="4400"/>
-              <a:buFont typeface="Calibri"/>
-              <a:buNone/>
-            </a:pPr>
-            <a:r>
-              <a:rPr lang="en-US" b="1" dirty="0">
-                <a:latin typeface="Calibri" panose="020F0502020204030204" pitchFamily="34" charset="0"/>
-                <a:cs typeface="Calibri" panose="020F0502020204030204" pitchFamily="34" charset="0"/>
-                <a:sym typeface="Calibri"/>
-              </a:rPr>
-              <a:t>ASVs taxonomy</a:t>
-            </a:r>
-            <a:endParaRPr b="1" dirty="0">
-              <a:latin typeface="Calibri" panose="020F0502020204030204" pitchFamily="34" charset="0"/>
-              <a:cs typeface="Calibri" panose="020F0502020204030204" pitchFamily="34" charset="0"/>
-              <a:sym typeface="Calibri"/>
-            </a:endParaRPr>
-          </a:p>
-        </p:txBody>
-      </p:sp>
-      <p:pic>
-        <p:nvPicPr>
-          <p:cNvPr id="5" name="Picture 4" descr="A chart of different colored squares&#10;&#10;Description automatically generated">
-            <a:extLst>
-              <a:ext uri="{FF2B5EF4-FFF2-40B4-BE49-F238E27FC236}">
-                <a16:creationId xmlns:a16="http://schemas.microsoft.com/office/drawing/2014/main" id="{5A8AE5CA-D961-D61E-C472-C4C98121B90C}"/>
-              </a:ext>
-            </a:extLst>
-          </p:cNvPr>
-          <p:cNvPicPr>
-            <a:picLocks noChangeAspect="1"/>
-          </p:cNvPicPr>
-          <p:nvPr/>
-        </p:nvPicPr>
-        <p:blipFill>
-          <a:blip r:embed="rId3"/>
-          <a:stretch>
-            <a:fillRect/>
-          </a:stretch>
-        </p:blipFill>
-        <p:spPr>
-          <a:xfrm>
-            <a:off x="4909879" y="460783"/>
-            <a:ext cx="6397217" cy="6397217"/>
-          </a:xfrm>
-          <a:prstGeom prst="rect">
-            <a:avLst/>
-          </a:prstGeom>
-        </p:spPr>
-      </p:pic>
-    </p:spTree>
-    <p:extLst>
-      <p:ext uri="{BB962C8B-B14F-4D97-AF65-F5344CB8AC3E}">
-        <p14:creationId xmlns:p14="http://schemas.microsoft.com/office/powerpoint/2010/main" val="3856809378"/>
       </p:ext>
     </p:extLst>
   </p:cSld>

--- a/presentations/project story.pptx
+++ b/presentations/project story.pptx
@@ -287,7 +287,7 @@
       </p15:sldGuideLst>
     </p:ext>
     <p:ext uri="http://customooxmlschemas.google.com/">
-      <go:slidesCustomData xmlns="" xmlns:mc="http://schemas.openxmlformats.org/markup-compatibility/2006" xmlns:mv="urn:schemas-microsoft-com:mac:vml" xmlns:c="http://schemas.openxmlformats.org/drawingml/2006/chart" xmlns:dgm="http://schemas.openxmlformats.org/drawingml/2006/diagram" xmlns:o="urn:schemas-microsoft-com:office:office" xmlns:v="urn:schemas-microsoft-com:vml" xmlns:pvml="urn:schemas-microsoft-com:office:powerpoint" xmlns:com="http://schemas.openxmlformats.org/drawingml/2006/compatibility" xmlns:p14="http://schemas.microsoft.com/office/powerpoint/2010/main" xmlns:p15="http://schemas.microsoft.com/office/powerpoint/2012/main" xmlns:ahyp="http://schemas.microsoft.com/office/drawing/2018/hyperlinkcolor" xmlns:go="http://customooxmlschemas.google.com/" r:id="rId67" roundtripDataSignature="AMtx7miWcMCwqWalZ5+4w3F/JiR3qZOS7w=="/>
+      <go:slidesCustomData xmlns:go="http://customooxmlschemas.google.com/" xmlns:ahyp="http://schemas.microsoft.com/office/drawing/2018/hyperlinkcolor" xmlns:p15="http://schemas.microsoft.com/office/powerpoint/2012/main" xmlns:p14="http://schemas.microsoft.com/office/powerpoint/2010/main" xmlns:com="http://schemas.openxmlformats.org/drawingml/2006/compatibility" xmlns:pvml="urn:schemas-microsoft-com:office:powerpoint" xmlns:v="urn:schemas-microsoft-com:vml" xmlns:o="urn:schemas-microsoft-com:office:office" xmlns:dgm="http://schemas.openxmlformats.org/drawingml/2006/diagram" xmlns:c="http://schemas.openxmlformats.org/drawingml/2006/chart" xmlns:mv="urn:schemas-microsoft-com:mac:vml" xmlns:mc="http://schemas.openxmlformats.org/markup-compatibility/2006" xmlns="" r:id="rId67" roundtripDataSignature="AMtx7miWcMCwqWalZ5+4w3F/JiR3qZOS7w=="/>
     </p:ext>
   </p:extLst>
 </p:presentation>
@@ -34345,7 +34345,7 @@
                 <a:latin typeface="Calibri" panose="020F0502020204030204" pitchFamily="34" charset="0"/>
                 <a:cs typeface="Calibri" panose="020F0502020204030204" pitchFamily="34" charset="0"/>
               </a:rPr>
-              <a:t>Different process at different scales may drive the distribution of different groups of microbes</a:t>
+              <a:t>Different processes at different scales may drive the distribution of different groups of microbes</a:t>
             </a:r>
           </a:p>
         </p:txBody>

--- a/presentations/project story.pptx
+++ b/presentations/project story.pptx
@@ -5,7 +5,7 @@
     <p:sldMasterId id="2147483648" r:id="rId1"/>
   </p:sldMasterIdLst>
   <p:notesMasterIdLst>
-    <p:notesMasterId r:id="rId33"/>
+    <p:notesMasterId r:id="rId34"/>
   </p:notesMasterIdLst>
   <p:sldIdLst>
     <p:sldId id="256" r:id="rId2"/>
@@ -14,31 +14,32 @@
     <p:sldId id="378" r:id="rId5"/>
     <p:sldId id="379" r:id="rId6"/>
     <p:sldId id="380" r:id="rId7"/>
-    <p:sldId id="365" r:id="rId8"/>
-    <p:sldId id="384" r:id="rId9"/>
+    <p:sldId id="384" r:id="rId8"/>
+    <p:sldId id="365" r:id="rId9"/>
     <p:sldId id="321" r:id="rId10"/>
     <p:sldId id="262" r:id="rId11"/>
     <p:sldId id="353" r:id="rId12"/>
     <p:sldId id="367" r:id="rId13"/>
     <p:sldId id="383" r:id="rId14"/>
     <p:sldId id="393" r:id="rId15"/>
-    <p:sldId id="344" r:id="rId16"/>
-    <p:sldId id="350" r:id="rId17"/>
-    <p:sldId id="381" r:id="rId18"/>
-    <p:sldId id="382" r:id="rId19"/>
-    <p:sldId id="368" r:id="rId20"/>
-    <p:sldId id="391" r:id="rId21"/>
-    <p:sldId id="392" r:id="rId22"/>
-    <p:sldId id="371" r:id="rId23"/>
-    <p:sldId id="348" r:id="rId24"/>
-    <p:sldId id="359" r:id="rId25"/>
-    <p:sldId id="373" r:id="rId26"/>
-    <p:sldId id="370" r:id="rId27"/>
-    <p:sldId id="320" r:id="rId28"/>
-    <p:sldId id="376" r:id="rId29"/>
-    <p:sldId id="374" r:id="rId30"/>
-    <p:sldId id="375" r:id="rId31"/>
-    <p:sldId id="364" r:id="rId32"/>
+    <p:sldId id="394" r:id="rId16"/>
+    <p:sldId id="344" r:id="rId17"/>
+    <p:sldId id="350" r:id="rId18"/>
+    <p:sldId id="381" r:id="rId19"/>
+    <p:sldId id="382" r:id="rId20"/>
+    <p:sldId id="368" r:id="rId21"/>
+    <p:sldId id="391" r:id="rId22"/>
+    <p:sldId id="392" r:id="rId23"/>
+    <p:sldId id="371" r:id="rId24"/>
+    <p:sldId id="348" r:id="rId25"/>
+    <p:sldId id="359" r:id="rId26"/>
+    <p:sldId id="373" r:id="rId27"/>
+    <p:sldId id="370" r:id="rId28"/>
+    <p:sldId id="320" r:id="rId29"/>
+    <p:sldId id="376" r:id="rId30"/>
+    <p:sldId id="374" r:id="rId31"/>
+    <p:sldId id="375" r:id="rId32"/>
+    <p:sldId id="364" r:id="rId33"/>
   </p:sldIdLst>
   <p:sldSz cx="12192000" cy="6858000"/>
   <p:notesSz cx="6858000" cy="9144000"/>
@@ -287,7 +288,7 @@
       </p15:sldGuideLst>
     </p:ext>
     <p:ext uri="http://customooxmlschemas.google.com/">
-      <go:slidesCustomData xmlns:go="http://customooxmlschemas.google.com/" xmlns:ahyp="http://schemas.microsoft.com/office/drawing/2018/hyperlinkcolor" xmlns:p15="http://schemas.microsoft.com/office/powerpoint/2012/main" xmlns:p14="http://schemas.microsoft.com/office/powerpoint/2010/main" xmlns:com="http://schemas.openxmlformats.org/drawingml/2006/compatibility" xmlns:pvml="urn:schemas-microsoft-com:office:powerpoint" xmlns:v="urn:schemas-microsoft-com:vml" xmlns:o="urn:schemas-microsoft-com:office:office" xmlns:dgm="http://schemas.openxmlformats.org/drawingml/2006/diagram" xmlns:c="http://schemas.openxmlformats.org/drawingml/2006/chart" xmlns:mv="urn:schemas-microsoft-com:mac:vml" xmlns:mc="http://schemas.openxmlformats.org/markup-compatibility/2006" xmlns="" r:id="rId67" roundtripDataSignature="AMtx7miWcMCwqWalZ5+4w3F/JiR3qZOS7w=="/>
+      <go:slidesCustomData xmlns="" xmlns:mc="http://schemas.openxmlformats.org/markup-compatibility/2006" xmlns:mv="urn:schemas-microsoft-com:mac:vml" xmlns:c="http://schemas.openxmlformats.org/drawingml/2006/chart" xmlns:dgm="http://schemas.openxmlformats.org/drawingml/2006/diagram" xmlns:o="urn:schemas-microsoft-com:office:office" xmlns:v="urn:schemas-microsoft-com:vml" xmlns:pvml="urn:schemas-microsoft-com:office:powerpoint" xmlns:com="http://schemas.openxmlformats.org/drawingml/2006/compatibility" xmlns:p14="http://schemas.microsoft.com/office/powerpoint/2010/main" xmlns:p15="http://schemas.microsoft.com/office/powerpoint/2012/main" xmlns:ahyp="http://schemas.microsoft.com/office/drawing/2018/hyperlinkcolor" xmlns:go="http://customooxmlschemas.google.com/" r:id="rId67" roundtripDataSignature="AMtx7miWcMCwqWalZ5+4w3F/JiR3qZOS7w=="/>
     </p:ext>
   </p:extLst>
 </p:presentation>
@@ -2306,7 +2307,7 @@
     </p:spTree>
     <p:extLst>
       <p:ext uri="{BB962C8B-B14F-4D97-AF65-F5344CB8AC3E}">
-        <p14:creationId xmlns:p14="http://schemas.microsoft.com/office/powerpoint/2010/main" val="2287095524"/>
+        <p14:creationId xmlns:p14="http://schemas.microsoft.com/office/powerpoint/2010/main" val="3762741841"/>
       </p:ext>
     </p:extLst>
   </p:cSld>
@@ -2422,6 +2423,175 @@
               </a:spcAft>
               <a:buNone/>
             </a:pPr>
+            <a:endParaRPr dirty="0"/>
+          </a:p>
+        </p:txBody>
+      </p:sp>
+      <p:sp>
+        <p:nvSpPr>
+          <p:cNvPr id="356" name="Google Shape;356;p17:notes"/>
+          <p:cNvSpPr txBox="1">
+            <a:spLocks noGrp="1"/>
+          </p:cNvSpPr>
+          <p:nvPr>
+            <p:ph type="sldNum" idx="12"/>
+          </p:nvPr>
+        </p:nvSpPr>
+        <p:spPr>
+          <a:xfrm>
+            <a:off x="3884613" y="8685213"/>
+            <a:ext cx="2971800" cy="458787"/>
+          </a:xfrm>
+          <a:prstGeom prst="rect">
+            <a:avLst/>
+          </a:prstGeom>
+          <a:noFill/>
+          <a:ln>
+            <a:noFill/>
+          </a:ln>
+        </p:spPr>
+        <p:txBody>
+          <a:bodyPr spcFirstLastPara="1" wrap="square" lIns="91425" tIns="45700" rIns="91425" bIns="45700" anchor="b" anchorCtr="0">
+            <a:noAutofit/>
+          </a:bodyPr>
+          <a:lstStyle/>
+          <a:p>
+            <a:pPr marL="0" lvl="0" indent="0" algn="r" rtl="0">
+              <a:spcBef>
+                <a:spcPts val="0"/>
+              </a:spcBef>
+              <a:spcAft>
+                <a:spcPts val="0"/>
+              </a:spcAft>
+              <a:buNone/>
+            </a:pPr>
+            <a:fld id="{00000000-1234-1234-1234-123412341234}" type="slidenum">
+              <a:rPr lang="en-US"/>
+              <a:t>16</a:t>
+            </a:fld>
+            <a:endParaRPr/>
+          </a:p>
+        </p:txBody>
+      </p:sp>
+    </p:spTree>
+    <p:extLst>
+      <p:ext uri="{BB962C8B-B14F-4D97-AF65-F5344CB8AC3E}">
+        <p14:creationId xmlns:p14="http://schemas.microsoft.com/office/powerpoint/2010/main" val="2287095524"/>
+      </p:ext>
+    </p:extLst>
+  </p:cSld>
+  <p:clrMapOvr>
+    <a:masterClrMapping/>
+  </p:clrMapOvr>
+</p:notes>
+</file>
+
+<file path=ppt/notesSlides/notesSlide17.xml><?xml version="1.0" encoding="utf-8"?>
+<p:notes xmlns:a="http://schemas.openxmlformats.org/drawingml/2006/main" xmlns:r="http://schemas.openxmlformats.org/officeDocument/2006/relationships" xmlns:p="http://schemas.openxmlformats.org/presentationml/2006/main" showMasterSp="0" showMasterPhAnim="0">
+  <p:cSld>
+    <p:spTree>
+      <p:nvGrpSpPr>
+        <p:cNvPr id="1" name="Shape 353"/>
+        <p:cNvGrpSpPr/>
+        <p:nvPr/>
+      </p:nvGrpSpPr>
+      <p:grpSpPr>
+        <a:xfrm>
+          <a:off x="0" y="0"/>
+          <a:ext cx="0" cy="0"/>
+          <a:chOff x="0" y="0"/>
+          <a:chExt cx="0" cy="0"/>
+        </a:xfrm>
+      </p:grpSpPr>
+      <p:sp>
+        <p:nvSpPr>
+          <p:cNvPr id="354" name="Google Shape;354;p17:notes"/>
+          <p:cNvSpPr>
+            <a:spLocks noGrp="1" noRot="1" noChangeAspect="1"/>
+          </p:cNvSpPr>
+          <p:nvPr>
+            <p:ph type="sldImg" idx="2"/>
+          </p:nvPr>
+        </p:nvSpPr>
+        <p:spPr>
+          <a:xfrm>
+            <a:off x="685800" y="1143000"/>
+            <a:ext cx="5486400" cy="3086100"/>
+          </a:xfrm>
+          <a:custGeom>
+            <a:avLst/>
+            <a:gdLst/>
+            <a:ahLst/>
+            <a:cxnLst/>
+            <a:rect l="l" t="t" r="r" b="b"/>
+            <a:pathLst>
+              <a:path w="120000" h="120000" extrusionOk="0">
+                <a:moveTo>
+                  <a:pt x="0" y="0"/>
+                </a:moveTo>
+                <a:lnTo>
+                  <a:pt x="120000" y="0"/>
+                </a:lnTo>
+                <a:lnTo>
+                  <a:pt x="120000" y="120000"/>
+                </a:lnTo>
+                <a:lnTo>
+                  <a:pt x="0" y="120000"/>
+                </a:lnTo>
+                <a:close/>
+              </a:path>
+            </a:pathLst>
+          </a:custGeom>
+          <a:noFill/>
+          <a:ln w="12700" cap="flat" cmpd="sng">
+            <a:solidFill>
+              <a:srgbClr val="000000"/>
+            </a:solidFill>
+            <a:prstDash val="solid"/>
+            <a:round/>
+            <a:headEnd type="none" w="sm" len="sm"/>
+            <a:tailEnd type="none" w="sm" len="sm"/>
+          </a:ln>
+        </p:spPr>
+      </p:sp>
+      <p:sp>
+        <p:nvSpPr>
+          <p:cNvPr id="355" name="Google Shape;355;p17:notes"/>
+          <p:cNvSpPr txBox="1">
+            <a:spLocks noGrp="1"/>
+          </p:cNvSpPr>
+          <p:nvPr>
+            <p:ph type="body" idx="1"/>
+          </p:nvPr>
+        </p:nvSpPr>
+        <p:spPr>
+          <a:xfrm>
+            <a:off x="685800" y="4400550"/>
+            <a:ext cx="5486400" cy="3600450"/>
+          </a:xfrm>
+          <a:prstGeom prst="rect">
+            <a:avLst/>
+          </a:prstGeom>
+          <a:noFill/>
+          <a:ln>
+            <a:noFill/>
+          </a:ln>
+        </p:spPr>
+        <p:txBody>
+          <a:bodyPr spcFirstLastPara="1" wrap="square" lIns="91425" tIns="45700" rIns="91425" bIns="45700" anchor="t" anchorCtr="0">
+            <a:noAutofit/>
+          </a:bodyPr>
+          <a:lstStyle/>
+          <a:p>
+            <a:pPr marL="0" lvl="0" indent="0" algn="l" rtl="0">
+              <a:spcBef>
+                <a:spcPts val="0"/>
+              </a:spcBef>
+              <a:spcAft>
+                <a:spcPts val="0"/>
+              </a:spcAft>
+              <a:buNone/>
+            </a:pPr>
             <a:endParaRPr lang="en-US" b="0" i="0" dirty="0">
               <a:solidFill>
                 <a:srgbClr val="374151"/>
@@ -2472,7 +2642,7 @@
             </a:pPr>
             <a:fld id="{00000000-1234-1234-1234-123412341234}" type="slidenum">
               <a:rPr lang="en-US"/>
-              <a:t>16</a:t>
+              <a:t>17</a:t>
             </a:fld>
             <a:endParaRPr/>
           </a:p>
@@ -2482,99 +2652,6 @@
     <p:extLst>
       <p:ext uri="{BB962C8B-B14F-4D97-AF65-F5344CB8AC3E}">
         <p14:creationId xmlns:p14="http://schemas.microsoft.com/office/powerpoint/2010/main" val="152845533"/>
-      </p:ext>
-    </p:extLst>
-  </p:cSld>
-  <p:clrMapOvr>
-    <a:masterClrMapping/>
-  </p:clrMapOvr>
-</p:notes>
-</file>
-
-<file path=ppt/notesSlides/notesSlide17.xml><?xml version="1.0" encoding="utf-8"?>
-<p:notes xmlns:a="http://schemas.openxmlformats.org/drawingml/2006/main" xmlns:r="http://schemas.openxmlformats.org/officeDocument/2006/relationships" xmlns:p="http://schemas.openxmlformats.org/presentationml/2006/main">
-  <p:cSld>
-    <p:spTree>
-      <p:nvGrpSpPr>
-        <p:cNvPr id="1" name=""/>
-        <p:cNvGrpSpPr/>
-        <p:nvPr/>
-      </p:nvGrpSpPr>
-      <p:grpSpPr>
-        <a:xfrm>
-          <a:off x="0" y="0"/>
-          <a:ext cx="0" cy="0"/>
-          <a:chOff x="0" y="0"/>
-          <a:chExt cx="0" cy="0"/>
-        </a:xfrm>
-      </p:grpSpPr>
-      <p:sp>
-        <p:nvSpPr>
-          <p:cNvPr id="2" name="Slide Image Placeholder 1"/>
-          <p:cNvSpPr>
-            <a:spLocks noGrp="1" noRot="1" noChangeAspect="1"/>
-          </p:cNvSpPr>
-          <p:nvPr>
-            <p:ph type="sldImg"/>
-          </p:nvPr>
-        </p:nvSpPr>
-        <p:spPr/>
-      </p:sp>
-      <p:sp>
-        <p:nvSpPr>
-          <p:cNvPr id="3" name="Notes Placeholder 2"/>
-          <p:cNvSpPr>
-            <a:spLocks noGrp="1"/>
-          </p:cNvSpPr>
-          <p:nvPr>
-            <p:ph type="body" idx="1"/>
-          </p:nvPr>
-        </p:nvSpPr>
-        <p:spPr/>
-        <p:txBody>
-          <a:bodyPr/>
-          <a:lstStyle/>
-          <a:p>
-            <a:r>
-              <a:rPr lang="en-US" b="0" i="0" dirty="0">
-                <a:solidFill>
-                  <a:srgbClr val="2E2F31"/>
-                </a:solidFill>
-                <a:effectLst/>
-                <a:latin typeface="Gotham A"/>
-              </a:rPr>
-              <a:t>To answer my question we need first to connect between the structure and the processes.</a:t>
-            </a:r>
-          </a:p>
-        </p:txBody>
-      </p:sp>
-      <p:sp>
-        <p:nvSpPr>
-          <p:cNvPr id="4" name="Slide Number Placeholder 3"/>
-          <p:cNvSpPr>
-            <a:spLocks noGrp="1"/>
-          </p:cNvSpPr>
-          <p:nvPr>
-            <p:ph type="sldNum" sz="quarter" idx="5"/>
-          </p:nvPr>
-        </p:nvSpPr>
-        <p:spPr/>
-        <p:txBody>
-          <a:bodyPr/>
-          <a:lstStyle/>
-          <a:p>
-            <a:fld id="{740EB326-2EE0-A545-B9C1-056C9CF3A65A}" type="slidenum">
-              <a:rPr lang="en-IL" smtClean="0"/>
-              <a:t>17</a:t>
-            </a:fld>
-            <a:endParaRPr lang="en-IL"/>
-          </a:p>
-        </p:txBody>
-      </p:sp>
-    </p:spTree>
-    <p:extLst>
-      <p:ext uri="{BB962C8B-B14F-4D97-AF65-F5344CB8AC3E}">
-        <p14:creationId xmlns:p14="http://schemas.microsoft.com/office/powerpoint/2010/main" val="2608807494"/>
       </p:ext>
     </p:extLst>
   </p:cSld>
@@ -2667,7 +2744,7 @@
     </p:spTree>
     <p:extLst>
       <p:ext uri="{BB962C8B-B14F-4D97-AF65-F5344CB8AC3E}">
-        <p14:creationId xmlns:p14="http://schemas.microsoft.com/office/powerpoint/2010/main" val="452242983"/>
+        <p14:creationId xmlns:p14="http://schemas.microsoft.com/office/powerpoint/2010/main" val="2608807494"/>
       </p:ext>
     </p:extLst>
   </p:cSld>
@@ -2721,13 +2798,16 @@
           <a:bodyPr/>
           <a:lstStyle/>
           <a:p>
-            <a:endParaRPr lang="en-US" b="0" i="0" dirty="0">
-              <a:solidFill>
-                <a:srgbClr val="2E2F31"/>
-              </a:solidFill>
-              <a:effectLst/>
-              <a:latin typeface="Gotham A"/>
-            </a:endParaRPr>
+            <a:r>
+              <a:rPr lang="en-US" b="0" i="0" dirty="0">
+                <a:solidFill>
+                  <a:srgbClr val="2E2F31"/>
+                </a:solidFill>
+                <a:effectLst/>
+                <a:latin typeface="Gotham A"/>
+              </a:rPr>
+              <a:t>To answer my question we need first to connect between the structure and the processes.</a:t>
+            </a:r>
           </a:p>
         </p:txBody>
       </p:sp>
@@ -2757,7 +2837,7 @@
     </p:spTree>
     <p:extLst>
       <p:ext uri="{BB962C8B-B14F-4D97-AF65-F5344CB8AC3E}">
-        <p14:creationId xmlns:p14="http://schemas.microsoft.com/office/powerpoint/2010/main" val="2315771217"/>
+        <p14:creationId xmlns:p14="http://schemas.microsoft.com/office/powerpoint/2010/main" val="452242983"/>
       </p:ext>
     </p:extLst>
   </p:cSld>
@@ -3010,7 +3090,7 @@
     </p:spTree>
     <p:extLst>
       <p:ext uri="{BB962C8B-B14F-4D97-AF65-F5344CB8AC3E}">
-        <p14:creationId xmlns:p14="http://schemas.microsoft.com/office/powerpoint/2010/main" val="2136968928"/>
+        <p14:creationId xmlns:p14="http://schemas.microsoft.com/office/powerpoint/2010/main" val="2315771217"/>
       </p:ext>
     </p:extLst>
   </p:cSld>
@@ -3100,7 +3180,7 @@
     </p:spTree>
     <p:extLst>
       <p:ext uri="{BB962C8B-B14F-4D97-AF65-F5344CB8AC3E}">
-        <p14:creationId xmlns:p14="http://schemas.microsoft.com/office/powerpoint/2010/main" val="1060269319"/>
+        <p14:creationId xmlns:p14="http://schemas.microsoft.com/office/powerpoint/2010/main" val="2136968928"/>
       </p:ext>
     </p:extLst>
   </p:cSld>
@@ -3190,6 +3270,96 @@
     </p:spTree>
     <p:extLst>
       <p:ext uri="{BB962C8B-B14F-4D97-AF65-F5344CB8AC3E}">
+        <p14:creationId xmlns:p14="http://schemas.microsoft.com/office/powerpoint/2010/main" val="1060269319"/>
+      </p:ext>
+    </p:extLst>
+  </p:cSld>
+  <p:clrMapOvr>
+    <a:masterClrMapping/>
+  </p:clrMapOvr>
+</p:notes>
+</file>
+
+<file path=ppt/notesSlides/notesSlide23.xml><?xml version="1.0" encoding="utf-8"?>
+<p:notes xmlns:a="http://schemas.openxmlformats.org/drawingml/2006/main" xmlns:r="http://schemas.openxmlformats.org/officeDocument/2006/relationships" xmlns:p="http://schemas.openxmlformats.org/presentationml/2006/main">
+  <p:cSld>
+    <p:spTree>
+      <p:nvGrpSpPr>
+        <p:cNvPr id="1" name=""/>
+        <p:cNvGrpSpPr/>
+        <p:nvPr/>
+      </p:nvGrpSpPr>
+      <p:grpSpPr>
+        <a:xfrm>
+          <a:off x="0" y="0"/>
+          <a:ext cx="0" cy="0"/>
+          <a:chOff x="0" y="0"/>
+          <a:chExt cx="0" cy="0"/>
+        </a:xfrm>
+      </p:grpSpPr>
+      <p:sp>
+        <p:nvSpPr>
+          <p:cNvPr id="2" name="Slide Image Placeholder 1"/>
+          <p:cNvSpPr>
+            <a:spLocks noGrp="1" noRot="1" noChangeAspect="1"/>
+          </p:cNvSpPr>
+          <p:nvPr>
+            <p:ph type="sldImg"/>
+          </p:nvPr>
+        </p:nvSpPr>
+        <p:spPr/>
+      </p:sp>
+      <p:sp>
+        <p:nvSpPr>
+          <p:cNvPr id="3" name="Notes Placeholder 2"/>
+          <p:cNvSpPr>
+            <a:spLocks noGrp="1"/>
+          </p:cNvSpPr>
+          <p:nvPr>
+            <p:ph type="body" idx="1"/>
+          </p:nvPr>
+        </p:nvSpPr>
+        <p:spPr/>
+        <p:txBody>
+          <a:bodyPr/>
+          <a:lstStyle/>
+          <a:p>
+            <a:endParaRPr lang="en-US" b="0" i="0" dirty="0">
+              <a:solidFill>
+                <a:srgbClr val="2E2F31"/>
+              </a:solidFill>
+              <a:effectLst/>
+              <a:latin typeface="Gotham A"/>
+            </a:endParaRPr>
+          </a:p>
+        </p:txBody>
+      </p:sp>
+      <p:sp>
+        <p:nvSpPr>
+          <p:cNvPr id="4" name="Slide Number Placeholder 3"/>
+          <p:cNvSpPr>
+            <a:spLocks noGrp="1"/>
+          </p:cNvSpPr>
+          <p:nvPr>
+            <p:ph type="sldNum" sz="quarter" idx="5"/>
+          </p:nvPr>
+        </p:nvSpPr>
+        <p:spPr/>
+        <p:txBody>
+          <a:bodyPr/>
+          <a:lstStyle/>
+          <a:p>
+            <a:fld id="{740EB326-2EE0-A545-B9C1-056C9CF3A65A}" type="slidenum">
+              <a:rPr lang="en-IL" smtClean="0"/>
+              <a:t>23</a:t>
+            </a:fld>
+            <a:endParaRPr lang="en-IL"/>
+          </a:p>
+        </p:txBody>
+      </p:sp>
+    </p:spTree>
+    <p:extLst>
+      <p:ext uri="{BB962C8B-B14F-4D97-AF65-F5344CB8AC3E}">
         <p14:creationId xmlns:p14="http://schemas.microsoft.com/office/powerpoint/2010/main" val="865306772"/>
       </p:ext>
     </p:extLst>
@@ -3200,7 +3370,7 @@
 </p:notes>
 </file>
 
-<file path=ppt/notesSlides/notesSlide23.xml><?xml version="1.0" encoding="utf-8"?>
+<file path=ppt/notesSlides/notesSlide24.xml><?xml version="1.0" encoding="utf-8"?>
 <p:notes xmlns:a="http://schemas.openxmlformats.org/drawingml/2006/main" xmlns:r="http://schemas.openxmlformats.org/officeDocument/2006/relationships" xmlns:p="http://schemas.openxmlformats.org/presentationml/2006/main" showMasterSp="0" showMasterPhAnim="0">
   <p:cSld>
     <p:spTree>
@@ -3357,7 +3527,7 @@
             </a:pPr>
             <a:fld id="{00000000-1234-1234-1234-123412341234}" type="slidenum">
               <a:rPr lang="en-US"/>
-              <a:t>23</a:t>
+              <a:t>24</a:t>
             </a:fld>
             <a:endParaRPr/>
           </a:p>
@@ -3376,7 +3546,7 @@
 </p:notes>
 </file>
 
-<file path=ppt/notesSlides/notesSlide24.xml><?xml version="1.0" encoding="utf-8"?>
+<file path=ppt/notesSlides/notesSlide25.xml><?xml version="1.0" encoding="utf-8"?>
 <p:notes xmlns:a="http://schemas.openxmlformats.org/drawingml/2006/main" xmlns:r="http://schemas.openxmlformats.org/officeDocument/2006/relationships" xmlns:p="http://schemas.openxmlformats.org/presentationml/2006/main">
   <p:cSld>
     <p:spTree>
@@ -3447,7 +3617,7 @@
           <a:p>
             <a:fld id="{740EB326-2EE0-A545-B9C1-056C9CF3A65A}" type="slidenum">
               <a:rPr lang="en-IL" smtClean="0"/>
-              <a:t>25</a:t>
+              <a:t>26</a:t>
             </a:fld>
             <a:endParaRPr lang="en-IL"/>
           </a:p>
@@ -3466,7 +3636,7 @@
 </p:notes>
 </file>
 
-<file path=ppt/notesSlides/notesSlide25.xml><?xml version="1.0" encoding="utf-8"?>
+<file path=ppt/notesSlides/notesSlide26.xml><?xml version="1.0" encoding="utf-8"?>
 <p:notes xmlns:a="http://schemas.openxmlformats.org/drawingml/2006/main" xmlns:r="http://schemas.openxmlformats.org/officeDocument/2006/relationships" xmlns:p="http://schemas.openxmlformats.org/presentationml/2006/main" showMasterSp="0" showMasterPhAnim="0">
   <p:cSld>
     <p:spTree>
@@ -3616,7 +3786,7 @@
             </a:pPr>
             <a:fld id="{00000000-1234-1234-1234-123412341234}" type="slidenum">
               <a:rPr lang="en-US"/>
-              <a:t>27</a:t>
+              <a:t>28</a:t>
             </a:fld>
             <a:endParaRPr/>
           </a:p>
@@ -3635,7 +3805,7 @@
 </p:notes>
 </file>
 
-<file path=ppt/notesSlides/notesSlide26.xml><?xml version="1.0" encoding="utf-8"?>
+<file path=ppt/notesSlides/notesSlide27.xml><?xml version="1.0" encoding="utf-8"?>
 <p:notes xmlns:a="http://schemas.openxmlformats.org/drawingml/2006/main" xmlns:r="http://schemas.openxmlformats.org/officeDocument/2006/relationships" xmlns:p="http://schemas.openxmlformats.org/presentationml/2006/main">
   <p:cSld>
     <p:spTree>
@@ -3706,7 +3876,7 @@
           <a:p>
             <a:fld id="{740EB326-2EE0-A545-B9C1-056C9CF3A65A}" type="slidenum">
               <a:rPr lang="en-IL" smtClean="0"/>
-              <a:t>28</a:t>
+              <a:t>29</a:t>
             </a:fld>
             <a:endParaRPr lang="en-IL"/>
           </a:p>
@@ -3725,7 +3895,7 @@
 </p:notes>
 </file>
 
-<file path=ppt/notesSlides/notesSlide27.xml><?xml version="1.0" encoding="utf-8"?>
+<file path=ppt/notesSlides/notesSlide28.xml><?xml version="1.0" encoding="utf-8"?>
 <p:notes xmlns:a="http://schemas.openxmlformats.org/drawingml/2006/main" xmlns:r="http://schemas.openxmlformats.org/officeDocument/2006/relationships" xmlns:p="http://schemas.openxmlformats.org/presentationml/2006/main" showMasterSp="0" showMasterPhAnim="0">
   <p:cSld>
     <p:spTree>
@@ -3880,7 +4050,7 @@
             </a:pPr>
             <a:fld id="{00000000-1234-1234-1234-123412341234}" type="slidenum">
               <a:rPr lang="en-US"/>
-              <a:t>31</a:t>
+              <a:t>32</a:t>
             </a:fld>
             <a:endParaRPr/>
           </a:p>
@@ -4746,6 +4916,175 @@
 </file>
 
 <file path=ppt/notesSlides/notesSlide7.xml><?xml version="1.0" encoding="utf-8"?>
+<p:notes xmlns:a="http://schemas.openxmlformats.org/drawingml/2006/main" xmlns:r="http://schemas.openxmlformats.org/officeDocument/2006/relationships" xmlns:p="http://schemas.openxmlformats.org/presentationml/2006/main" showMasterSp="0" showMasterPhAnim="0">
+  <p:cSld>
+    <p:spTree>
+      <p:nvGrpSpPr>
+        <p:cNvPr id="1" name="Shape 353"/>
+        <p:cNvGrpSpPr/>
+        <p:nvPr/>
+      </p:nvGrpSpPr>
+      <p:grpSpPr>
+        <a:xfrm>
+          <a:off x="0" y="0"/>
+          <a:ext cx="0" cy="0"/>
+          <a:chOff x="0" y="0"/>
+          <a:chExt cx="0" cy="0"/>
+        </a:xfrm>
+      </p:grpSpPr>
+      <p:sp>
+        <p:nvSpPr>
+          <p:cNvPr id="354" name="Google Shape;354;p17:notes"/>
+          <p:cNvSpPr>
+            <a:spLocks noGrp="1" noRot="1" noChangeAspect="1"/>
+          </p:cNvSpPr>
+          <p:nvPr>
+            <p:ph type="sldImg" idx="2"/>
+          </p:nvPr>
+        </p:nvSpPr>
+        <p:spPr>
+          <a:xfrm>
+            <a:off x="685800" y="1143000"/>
+            <a:ext cx="5486400" cy="3086100"/>
+          </a:xfrm>
+          <a:custGeom>
+            <a:avLst/>
+            <a:gdLst/>
+            <a:ahLst/>
+            <a:cxnLst/>
+            <a:rect l="l" t="t" r="r" b="b"/>
+            <a:pathLst>
+              <a:path w="120000" h="120000" extrusionOk="0">
+                <a:moveTo>
+                  <a:pt x="0" y="0"/>
+                </a:moveTo>
+                <a:lnTo>
+                  <a:pt x="120000" y="0"/>
+                </a:lnTo>
+                <a:lnTo>
+                  <a:pt x="120000" y="120000"/>
+                </a:lnTo>
+                <a:lnTo>
+                  <a:pt x="0" y="120000"/>
+                </a:lnTo>
+                <a:close/>
+              </a:path>
+            </a:pathLst>
+          </a:custGeom>
+          <a:noFill/>
+          <a:ln w="12700" cap="flat" cmpd="sng">
+            <a:solidFill>
+              <a:srgbClr val="000000"/>
+            </a:solidFill>
+            <a:prstDash val="solid"/>
+            <a:round/>
+            <a:headEnd type="none" w="sm" len="sm"/>
+            <a:tailEnd type="none" w="sm" len="sm"/>
+          </a:ln>
+        </p:spPr>
+      </p:sp>
+      <p:sp>
+        <p:nvSpPr>
+          <p:cNvPr id="355" name="Google Shape;355;p17:notes"/>
+          <p:cNvSpPr txBox="1">
+            <a:spLocks noGrp="1"/>
+          </p:cNvSpPr>
+          <p:nvPr>
+            <p:ph type="body" idx="1"/>
+          </p:nvPr>
+        </p:nvSpPr>
+        <p:spPr>
+          <a:xfrm>
+            <a:off x="685800" y="4400550"/>
+            <a:ext cx="5486400" cy="3600450"/>
+          </a:xfrm>
+          <a:prstGeom prst="rect">
+            <a:avLst/>
+          </a:prstGeom>
+          <a:noFill/>
+          <a:ln>
+            <a:noFill/>
+          </a:ln>
+        </p:spPr>
+        <p:txBody>
+          <a:bodyPr spcFirstLastPara="1" wrap="square" lIns="91425" tIns="45700" rIns="91425" bIns="45700" anchor="t" anchorCtr="0">
+            <a:noAutofit/>
+          </a:bodyPr>
+          <a:lstStyle/>
+          <a:p>
+            <a:pPr marL="0" lvl="0" indent="0" algn="l" rtl="0">
+              <a:spcBef>
+                <a:spcPts val="0"/>
+              </a:spcBef>
+              <a:spcAft>
+                <a:spcPts val="0"/>
+              </a:spcAft>
+              <a:buNone/>
+            </a:pPr>
+            <a:endParaRPr dirty="0"/>
+          </a:p>
+        </p:txBody>
+      </p:sp>
+      <p:sp>
+        <p:nvSpPr>
+          <p:cNvPr id="356" name="Google Shape;356;p17:notes"/>
+          <p:cNvSpPr txBox="1">
+            <a:spLocks noGrp="1"/>
+          </p:cNvSpPr>
+          <p:nvPr>
+            <p:ph type="sldNum" idx="12"/>
+          </p:nvPr>
+        </p:nvSpPr>
+        <p:spPr>
+          <a:xfrm>
+            <a:off x="3884613" y="8685213"/>
+            <a:ext cx="2971800" cy="458787"/>
+          </a:xfrm>
+          <a:prstGeom prst="rect">
+            <a:avLst/>
+          </a:prstGeom>
+          <a:noFill/>
+          <a:ln>
+            <a:noFill/>
+          </a:ln>
+        </p:spPr>
+        <p:txBody>
+          <a:bodyPr spcFirstLastPara="1" wrap="square" lIns="91425" tIns="45700" rIns="91425" bIns="45700" anchor="b" anchorCtr="0">
+            <a:noAutofit/>
+          </a:bodyPr>
+          <a:lstStyle/>
+          <a:p>
+            <a:pPr marL="0" lvl="0" indent="0" algn="r" rtl="0">
+              <a:spcBef>
+                <a:spcPts val="0"/>
+              </a:spcBef>
+              <a:spcAft>
+                <a:spcPts val="0"/>
+              </a:spcAft>
+              <a:buNone/>
+            </a:pPr>
+            <a:fld id="{00000000-1234-1234-1234-123412341234}" type="slidenum">
+              <a:rPr lang="en-US"/>
+              <a:t>7</a:t>
+            </a:fld>
+            <a:endParaRPr/>
+          </a:p>
+        </p:txBody>
+      </p:sp>
+    </p:spTree>
+    <p:extLst>
+      <p:ext uri="{BB962C8B-B14F-4D97-AF65-F5344CB8AC3E}">
+        <p14:creationId xmlns:p14="http://schemas.microsoft.com/office/powerpoint/2010/main" val="2201207583"/>
+      </p:ext>
+    </p:extLst>
+  </p:cSld>
+  <p:clrMapOvr>
+    <a:masterClrMapping/>
+  </p:clrMapOvr>
+</p:notes>
+</file>
+
+<file path=ppt/notesSlides/notesSlide8.xml><?xml version="1.0" encoding="utf-8"?>
 <p:notes xmlns:a="http://schemas.openxmlformats.org/drawingml/2006/main" xmlns:r="http://schemas.openxmlformats.org/officeDocument/2006/relationships" xmlns:p="http://schemas.openxmlformats.org/presentationml/2006/main">
   <p:cSld>
     <p:spTree>
@@ -4857,7 +5196,7 @@
           <a:p>
             <a:fld id="{740EB326-2EE0-A545-B9C1-056C9CF3A65A}" type="slidenum">
               <a:rPr lang="en-IL" smtClean="0"/>
-              <a:t>7</a:t>
+              <a:t>8</a:t>
             </a:fld>
             <a:endParaRPr lang="en-IL"/>
           </a:p>
@@ -4867,175 +5206,6 @@
     <p:extLst>
       <p:ext uri="{BB962C8B-B14F-4D97-AF65-F5344CB8AC3E}">
         <p14:creationId xmlns:p14="http://schemas.microsoft.com/office/powerpoint/2010/main" val="237480657"/>
-      </p:ext>
-    </p:extLst>
-  </p:cSld>
-  <p:clrMapOvr>
-    <a:masterClrMapping/>
-  </p:clrMapOvr>
-</p:notes>
-</file>
-
-<file path=ppt/notesSlides/notesSlide8.xml><?xml version="1.0" encoding="utf-8"?>
-<p:notes xmlns:a="http://schemas.openxmlformats.org/drawingml/2006/main" xmlns:r="http://schemas.openxmlformats.org/officeDocument/2006/relationships" xmlns:p="http://schemas.openxmlformats.org/presentationml/2006/main" showMasterSp="0" showMasterPhAnim="0">
-  <p:cSld>
-    <p:spTree>
-      <p:nvGrpSpPr>
-        <p:cNvPr id="1" name="Shape 353"/>
-        <p:cNvGrpSpPr/>
-        <p:nvPr/>
-      </p:nvGrpSpPr>
-      <p:grpSpPr>
-        <a:xfrm>
-          <a:off x="0" y="0"/>
-          <a:ext cx="0" cy="0"/>
-          <a:chOff x="0" y="0"/>
-          <a:chExt cx="0" cy="0"/>
-        </a:xfrm>
-      </p:grpSpPr>
-      <p:sp>
-        <p:nvSpPr>
-          <p:cNvPr id="354" name="Google Shape;354;p17:notes"/>
-          <p:cNvSpPr>
-            <a:spLocks noGrp="1" noRot="1" noChangeAspect="1"/>
-          </p:cNvSpPr>
-          <p:nvPr>
-            <p:ph type="sldImg" idx="2"/>
-          </p:nvPr>
-        </p:nvSpPr>
-        <p:spPr>
-          <a:xfrm>
-            <a:off x="685800" y="1143000"/>
-            <a:ext cx="5486400" cy="3086100"/>
-          </a:xfrm>
-          <a:custGeom>
-            <a:avLst/>
-            <a:gdLst/>
-            <a:ahLst/>
-            <a:cxnLst/>
-            <a:rect l="l" t="t" r="r" b="b"/>
-            <a:pathLst>
-              <a:path w="120000" h="120000" extrusionOk="0">
-                <a:moveTo>
-                  <a:pt x="0" y="0"/>
-                </a:moveTo>
-                <a:lnTo>
-                  <a:pt x="120000" y="0"/>
-                </a:lnTo>
-                <a:lnTo>
-                  <a:pt x="120000" y="120000"/>
-                </a:lnTo>
-                <a:lnTo>
-                  <a:pt x="0" y="120000"/>
-                </a:lnTo>
-                <a:close/>
-              </a:path>
-            </a:pathLst>
-          </a:custGeom>
-          <a:noFill/>
-          <a:ln w="12700" cap="flat" cmpd="sng">
-            <a:solidFill>
-              <a:srgbClr val="000000"/>
-            </a:solidFill>
-            <a:prstDash val="solid"/>
-            <a:round/>
-            <a:headEnd type="none" w="sm" len="sm"/>
-            <a:tailEnd type="none" w="sm" len="sm"/>
-          </a:ln>
-        </p:spPr>
-      </p:sp>
-      <p:sp>
-        <p:nvSpPr>
-          <p:cNvPr id="355" name="Google Shape;355;p17:notes"/>
-          <p:cNvSpPr txBox="1">
-            <a:spLocks noGrp="1"/>
-          </p:cNvSpPr>
-          <p:nvPr>
-            <p:ph type="body" idx="1"/>
-          </p:nvPr>
-        </p:nvSpPr>
-        <p:spPr>
-          <a:xfrm>
-            <a:off x="685800" y="4400550"/>
-            <a:ext cx="5486400" cy="3600450"/>
-          </a:xfrm>
-          <a:prstGeom prst="rect">
-            <a:avLst/>
-          </a:prstGeom>
-          <a:noFill/>
-          <a:ln>
-            <a:noFill/>
-          </a:ln>
-        </p:spPr>
-        <p:txBody>
-          <a:bodyPr spcFirstLastPara="1" wrap="square" lIns="91425" tIns="45700" rIns="91425" bIns="45700" anchor="t" anchorCtr="0">
-            <a:noAutofit/>
-          </a:bodyPr>
-          <a:lstStyle/>
-          <a:p>
-            <a:pPr marL="0" lvl="0" indent="0" algn="l" rtl="0">
-              <a:spcBef>
-                <a:spcPts val="0"/>
-              </a:spcBef>
-              <a:spcAft>
-                <a:spcPts val="0"/>
-              </a:spcAft>
-              <a:buNone/>
-            </a:pPr>
-            <a:endParaRPr dirty="0"/>
-          </a:p>
-        </p:txBody>
-      </p:sp>
-      <p:sp>
-        <p:nvSpPr>
-          <p:cNvPr id="356" name="Google Shape;356;p17:notes"/>
-          <p:cNvSpPr txBox="1">
-            <a:spLocks noGrp="1"/>
-          </p:cNvSpPr>
-          <p:nvPr>
-            <p:ph type="sldNum" idx="12"/>
-          </p:nvPr>
-        </p:nvSpPr>
-        <p:spPr>
-          <a:xfrm>
-            <a:off x="3884613" y="8685213"/>
-            <a:ext cx="2971800" cy="458787"/>
-          </a:xfrm>
-          <a:prstGeom prst="rect">
-            <a:avLst/>
-          </a:prstGeom>
-          <a:noFill/>
-          <a:ln>
-            <a:noFill/>
-          </a:ln>
-        </p:spPr>
-        <p:txBody>
-          <a:bodyPr spcFirstLastPara="1" wrap="square" lIns="91425" tIns="45700" rIns="91425" bIns="45700" anchor="b" anchorCtr="0">
-            <a:noAutofit/>
-          </a:bodyPr>
-          <a:lstStyle/>
-          <a:p>
-            <a:pPr marL="0" lvl="0" indent="0" algn="r" rtl="0">
-              <a:spcBef>
-                <a:spcPts val="0"/>
-              </a:spcBef>
-              <a:spcAft>
-                <a:spcPts val="0"/>
-              </a:spcAft>
-              <a:buNone/>
-            </a:pPr>
-            <a:fld id="{00000000-1234-1234-1234-123412341234}" type="slidenum">
-              <a:rPr lang="en-US"/>
-              <a:t>8</a:t>
-            </a:fld>
-            <a:endParaRPr/>
-          </a:p>
-        </p:txBody>
-      </p:sp>
-    </p:spTree>
-    <p:extLst>
-      <p:ext uri="{BB962C8B-B14F-4D97-AF65-F5344CB8AC3E}">
-        <p14:creationId xmlns:p14="http://schemas.microsoft.com/office/powerpoint/2010/main" val="2201207583"/>
       </p:ext>
     </p:extLst>
   </p:cSld>
@@ -14687,7 +14857,7 @@
                 <a:latin typeface="Calibri" panose="020F0502020204030204" pitchFamily="34" charset="0"/>
                 <a:cs typeface="Calibri" panose="020F0502020204030204" pitchFamily="34" charset="0"/>
               </a:rPr>
-              <a:t>July 9, 2024</a:t>
+              <a:t>July 15, 2024</a:t>
             </a:r>
             <a:endParaRPr dirty="0">
               <a:latin typeface="Calibri" panose="020F0502020204030204" pitchFamily="34" charset="0"/>
@@ -15078,28 +15248,17 @@
                 <a:cs typeface="Calibri"/>
                 <a:sym typeface="Calibri"/>
               </a:rPr>
-              <a:t> What are the processes shaping the </a:t>
+              <a:t> </a:t>
             </a:r>
             <a:r>
-              <a:rPr lang="en-US" sz="3200" i="0" u="none" strike="noStrike" dirty="0">
+              <a:rPr lang="en-US" sz="3200" b="0" i="0" u="none" strike="noStrike" dirty="0">
                 <a:solidFill>
                   <a:srgbClr val="000000"/>
                 </a:solidFill>
-                <a:latin typeface="Calibri"/>
-                <a:ea typeface="Calibri"/>
-                <a:cs typeface="Calibri"/>
-                <a:sym typeface="Calibri"/>
+                <a:effectLst/>
+                <a:latin typeface="Calibri" panose="020F0502020204030204" pitchFamily="34" charset="0"/>
               </a:rPr>
-              <a:t>structure of host-microb</a:t>
-            </a:r>
-            <a:r>
-              <a:rPr lang="en-US" sz="3200" dirty="0">
-                <a:latin typeface="Calibri"/>
-                <a:ea typeface="Calibri"/>
-                <a:cs typeface="Calibri"/>
-                <a:sym typeface="Calibri"/>
-              </a:rPr>
-              <a:t>e communities along a land use change gradient?</a:t>
+              <a:t>What processes shape host-microbe community structures along a land use change gradient?</a:t>
             </a:r>
           </a:p>
           <a:p>
@@ -15160,7 +15319,17 @@
                 <a:cs typeface="Calibri"/>
                 <a:sym typeface="Calibri"/>
               </a:rPr>
-              <a:t> Is there a difference between microbial groups?</a:t>
+              <a:t> </a:t>
+            </a:r>
+            <a:r>
+              <a:rPr lang="en-US" sz="3200" b="0" i="0" u="none" strike="noStrike" dirty="0">
+                <a:solidFill>
+                  <a:srgbClr val="000000"/>
+                </a:solidFill>
+                <a:effectLst/>
+                <a:latin typeface="Calibri" panose="020F0502020204030204" pitchFamily="34" charset="0"/>
+              </a:rPr>
+              <a:t>How do core and rare microbial groups differ in these processes?</a:t>
             </a:r>
             <a:endParaRPr lang="en-US" sz="3200" b="0" i="0" u="none" strike="noStrike" dirty="0">
               <a:solidFill>
@@ -16885,6 +17054,2885 @@
 </file>
 
 <file path=ppt/slides/slide15.xml><?xml version="1.0" encoding="utf-8"?>
+<p:sld xmlns:a="http://schemas.openxmlformats.org/drawingml/2006/main" xmlns:r="http://schemas.openxmlformats.org/officeDocument/2006/relationships" xmlns:p="http://schemas.openxmlformats.org/presentationml/2006/main">
+  <p:cSld>
+    <p:spTree>
+      <p:nvGrpSpPr>
+        <p:cNvPr id="1" name="Shape 357"/>
+        <p:cNvGrpSpPr/>
+        <p:nvPr/>
+      </p:nvGrpSpPr>
+      <p:grpSpPr>
+        <a:xfrm>
+          <a:off x="0" y="0"/>
+          <a:ext cx="0" cy="0"/>
+          <a:chOff x="0" y="0"/>
+          <a:chExt cx="0" cy="0"/>
+        </a:xfrm>
+      </p:grpSpPr>
+      <p:pic>
+        <p:nvPicPr>
+          <p:cNvPr id="2" name="Picture 2">
+            <a:extLst>
+              <a:ext uri="{FF2B5EF4-FFF2-40B4-BE49-F238E27FC236}">
+                <a16:creationId xmlns:a16="http://schemas.microsoft.com/office/drawing/2014/main" id="{88B67CEE-8326-7F6A-F2D8-A46DA66EB6E7}"/>
+              </a:ext>
+            </a:extLst>
+          </p:cNvPr>
+          <p:cNvPicPr>
+            <a:picLocks noChangeAspect="1" noChangeArrowheads="1"/>
+          </p:cNvPicPr>
+          <p:nvPr/>
+        </p:nvPicPr>
+        <p:blipFill rotWithShape="1">
+          <a:blip r:embed="rId3">
+            <a:extLst>
+              <a:ext uri="{28A0092B-C50C-407E-A947-70E740481C1C}">
+                <a14:useLocalDpi xmlns:a14="http://schemas.microsoft.com/office/drawing/2010/main" val="0"/>
+              </a:ext>
+            </a:extLst>
+          </a:blip>
+          <a:srcRect l="4546" t="5396" r="18847" b="23681"/>
+          <a:stretch/>
+        </p:blipFill>
+        <p:spPr bwMode="auto">
+          <a:xfrm>
+            <a:off x="2896774" y="5664819"/>
+            <a:ext cx="1225474" cy="731518"/>
+          </a:xfrm>
+          <a:prstGeom prst="rect">
+            <a:avLst/>
+          </a:prstGeom>
+          <a:noFill/>
+          <a:extLst>
+            <a:ext uri="{909E8E84-426E-40DD-AFC4-6F175D3DCCD1}">
+              <a14:hiddenFill xmlns:a14="http://schemas.microsoft.com/office/drawing/2010/main">
+                <a:solidFill>
+                  <a:srgbClr val="FFFFFF"/>
+                </a:solidFill>
+              </a14:hiddenFill>
+            </a:ext>
+          </a:extLst>
+        </p:spPr>
+      </p:pic>
+      <p:pic>
+        <p:nvPicPr>
+          <p:cNvPr id="3" name="Picture 2">
+            <a:extLst>
+              <a:ext uri="{FF2B5EF4-FFF2-40B4-BE49-F238E27FC236}">
+                <a16:creationId xmlns:a16="http://schemas.microsoft.com/office/drawing/2014/main" id="{549AA540-32DC-604A-8915-E31827B76ACA}"/>
+              </a:ext>
+            </a:extLst>
+          </p:cNvPr>
+          <p:cNvPicPr>
+            <a:picLocks noChangeAspect="1" noChangeArrowheads="1"/>
+          </p:cNvPicPr>
+          <p:nvPr/>
+        </p:nvPicPr>
+        <p:blipFill rotWithShape="1">
+          <a:blip r:embed="rId3">
+            <a:extLst>
+              <a:ext uri="{28A0092B-C50C-407E-A947-70E740481C1C}">
+                <a14:useLocalDpi xmlns:a14="http://schemas.microsoft.com/office/drawing/2010/main" val="0"/>
+              </a:ext>
+            </a:extLst>
+          </a:blip>
+          <a:srcRect l="4546" t="5396" r="18847" b="23681"/>
+          <a:stretch/>
+        </p:blipFill>
+        <p:spPr bwMode="auto">
+          <a:xfrm>
+            <a:off x="4122248" y="5664818"/>
+            <a:ext cx="1225474" cy="731518"/>
+          </a:xfrm>
+          <a:prstGeom prst="rect">
+            <a:avLst/>
+          </a:prstGeom>
+          <a:noFill/>
+          <a:extLst>
+            <a:ext uri="{909E8E84-426E-40DD-AFC4-6F175D3DCCD1}">
+              <a14:hiddenFill xmlns:a14="http://schemas.microsoft.com/office/drawing/2010/main">
+                <a:solidFill>
+                  <a:srgbClr val="FFFFFF"/>
+                </a:solidFill>
+              </a14:hiddenFill>
+            </a:ext>
+          </a:extLst>
+        </p:spPr>
+      </p:pic>
+      <p:pic>
+        <p:nvPicPr>
+          <p:cNvPr id="28" name="Picture 2">
+            <a:extLst>
+              <a:ext uri="{FF2B5EF4-FFF2-40B4-BE49-F238E27FC236}">
+                <a16:creationId xmlns:a16="http://schemas.microsoft.com/office/drawing/2014/main" id="{45E52773-5F94-BB9C-F1D0-E3BA4742A433}"/>
+              </a:ext>
+            </a:extLst>
+          </p:cNvPr>
+          <p:cNvPicPr>
+            <a:picLocks noChangeAspect="1" noChangeArrowheads="1"/>
+          </p:cNvPicPr>
+          <p:nvPr/>
+        </p:nvPicPr>
+        <p:blipFill rotWithShape="1">
+          <a:blip r:embed="rId3">
+            <a:extLst>
+              <a:ext uri="{28A0092B-C50C-407E-A947-70E740481C1C}">
+                <a14:useLocalDpi xmlns:a14="http://schemas.microsoft.com/office/drawing/2010/main" val="0"/>
+              </a:ext>
+            </a:extLst>
+          </a:blip>
+          <a:srcRect l="4546" t="5396" r="18847" b="23681"/>
+          <a:stretch/>
+        </p:blipFill>
+        <p:spPr bwMode="auto">
+          <a:xfrm>
+            <a:off x="5347722" y="5664818"/>
+            <a:ext cx="1225474" cy="731518"/>
+          </a:xfrm>
+          <a:prstGeom prst="rect">
+            <a:avLst/>
+          </a:prstGeom>
+          <a:noFill/>
+          <a:extLst>
+            <a:ext uri="{909E8E84-426E-40DD-AFC4-6F175D3DCCD1}">
+              <a14:hiddenFill xmlns:a14="http://schemas.microsoft.com/office/drawing/2010/main">
+                <a:solidFill>
+                  <a:srgbClr val="FFFFFF"/>
+                </a:solidFill>
+              </a14:hiddenFill>
+            </a:ext>
+          </a:extLst>
+        </p:spPr>
+      </p:pic>
+      <p:pic>
+        <p:nvPicPr>
+          <p:cNvPr id="30" name="Picture 2">
+            <a:extLst>
+              <a:ext uri="{FF2B5EF4-FFF2-40B4-BE49-F238E27FC236}">
+                <a16:creationId xmlns:a16="http://schemas.microsoft.com/office/drawing/2014/main" id="{D0EBE9AB-68AC-164A-AD97-793F147BFD0F}"/>
+              </a:ext>
+            </a:extLst>
+          </p:cNvPr>
+          <p:cNvPicPr>
+            <a:picLocks noChangeAspect="1" noChangeArrowheads="1"/>
+          </p:cNvPicPr>
+          <p:nvPr/>
+        </p:nvPicPr>
+        <p:blipFill rotWithShape="1">
+          <a:blip r:embed="rId3">
+            <a:duotone>
+              <a:prstClr val="black"/>
+              <a:schemeClr val="accent1">
+                <a:tint val="45000"/>
+                <a:satMod val="400000"/>
+              </a:schemeClr>
+            </a:duotone>
+            <a:extLst>
+              <a:ext uri="{28A0092B-C50C-407E-A947-70E740481C1C}">
+                <a14:useLocalDpi xmlns:a14="http://schemas.microsoft.com/office/drawing/2010/main" val="0"/>
+              </a:ext>
+            </a:extLst>
+          </a:blip>
+          <a:srcRect l="4546" t="5396" r="18847" b="23681"/>
+          <a:stretch/>
+        </p:blipFill>
+        <p:spPr bwMode="auto">
+          <a:xfrm>
+            <a:off x="6573196" y="5664818"/>
+            <a:ext cx="1225474" cy="731518"/>
+          </a:xfrm>
+          <a:prstGeom prst="rect">
+            <a:avLst/>
+          </a:prstGeom>
+          <a:noFill/>
+          <a:extLst>
+            <a:ext uri="{909E8E84-426E-40DD-AFC4-6F175D3DCCD1}">
+              <a14:hiddenFill xmlns:a14="http://schemas.microsoft.com/office/drawing/2010/main">
+                <a:solidFill>
+                  <a:srgbClr val="FFFFFF"/>
+                </a:solidFill>
+              </a14:hiddenFill>
+            </a:ext>
+          </a:extLst>
+        </p:spPr>
+      </p:pic>
+      <p:pic>
+        <p:nvPicPr>
+          <p:cNvPr id="32" name="Picture 2">
+            <a:extLst>
+              <a:ext uri="{FF2B5EF4-FFF2-40B4-BE49-F238E27FC236}">
+                <a16:creationId xmlns:a16="http://schemas.microsoft.com/office/drawing/2014/main" id="{8A56AC1E-4891-EB38-AA93-59BE8BE43E7D}"/>
+              </a:ext>
+            </a:extLst>
+          </p:cNvPr>
+          <p:cNvPicPr>
+            <a:picLocks noChangeAspect="1" noChangeArrowheads="1"/>
+          </p:cNvPicPr>
+          <p:nvPr/>
+        </p:nvPicPr>
+        <p:blipFill rotWithShape="1">
+          <a:blip r:embed="rId3">
+            <a:duotone>
+              <a:prstClr val="black"/>
+              <a:schemeClr val="accent6">
+                <a:tint val="45000"/>
+                <a:satMod val="400000"/>
+              </a:schemeClr>
+            </a:duotone>
+            <a:extLst>
+              <a:ext uri="{28A0092B-C50C-407E-A947-70E740481C1C}">
+                <a14:useLocalDpi xmlns:a14="http://schemas.microsoft.com/office/drawing/2010/main" val="0"/>
+              </a:ext>
+            </a:extLst>
+          </a:blip>
+          <a:srcRect l="4546" t="5396" r="18847" b="23681"/>
+          <a:stretch/>
+        </p:blipFill>
+        <p:spPr bwMode="auto">
+          <a:xfrm>
+            <a:off x="7798670" y="5664817"/>
+            <a:ext cx="1225474" cy="731518"/>
+          </a:xfrm>
+          <a:prstGeom prst="rect">
+            <a:avLst/>
+          </a:prstGeom>
+          <a:noFill/>
+          <a:extLst>
+            <a:ext uri="{909E8E84-426E-40DD-AFC4-6F175D3DCCD1}">
+              <a14:hiddenFill xmlns:a14="http://schemas.microsoft.com/office/drawing/2010/main">
+                <a:solidFill>
+                  <a:srgbClr val="FFFFFF"/>
+                </a:solidFill>
+              </a14:hiddenFill>
+            </a:ext>
+          </a:extLst>
+        </p:spPr>
+      </p:pic>
+      <p:pic>
+        <p:nvPicPr>
+          <p:cNvPr id="34" name="Picture 2">
+            <a:extLst>
+              <a:ext uri="{FF2B5EF4-FFF2-40B4-BE49-F238E27FC236}">
+                <a16:creationId xmlns:a16="http://schemas.microsoft.com/office/drawing/2014/main" id="{DC21FF67-5DE3-3745-8B02-7DC89AF5B92F}"/>
+              </a:ext>
+            </a:extLst>
+          </p:cNvPr>
+          <p:cNvPicPr>
+            <a:picLocks noChangeAspect="1" noChangeArrowheads="1"/>
+          </p:cNvPicPr>
+          <p:nvPr/>
+        </p:nvPicPr>
+        <p:blipFill rotWithShape="1">
+          <a:blip r:embed="rId3">
+            <a:duotone>
+              <a:prstClr val="black"/>
+              <a:schemeClr val="accent6">
+                <a:tint val="45000"/>
+                <a:satMod val="400000"/>
+              </a:schemeClr>
+            </a:duotone>
+            <a:extLst>
+              <a:ext uri="{28A0092B-C50C-407E-A947-70E740481C1C}">
+                <a14:useLocalDpi xmlns:a14="http://schemas.microsoft.com/office/drawing/2010/main" val="0"/>
+              </a:ext>
+            </a:extLst>
+          </a:blip>
+          <a:srcRect l="4546" t="5396" r="18847" b="23681"/>
+          <a:stretch/>
+        </p:blipFill>
+        <p:spPr bwMode="auto">
+          <a:xfrm>
+            <a:off x="9024144" y="5664817"/>
+            <a:ext cx="1225474" cy="731518"/>
+          </a:xfrm>
+          <a:prstGeom prst="rect">
+            <a:avLst/>
+          </a:prstGeom>
+          <a:noFill/>
+          <a:extLst>
+            <a:ext uri="{909E8E84-426E-40DD-AFC4-6F175D3DCCD1}">
+              <a14:hiddenFill xmlns:a14="http://schemas.microsoft.com/office/drawing/2010/main">
+                <a:solidFill>
+                  <a:srgbClr val="FFFFFF"/>
+                </a:solidFill>
+              </a14:hiddenFill>
+            </a:ext>
+          </a:extLst>
+        </p:spPr>
+      </p:pic>
+      <p:sp>
+        <p:nvSpPr>
+          <p:cNvPr id="36" name="Oval 35">
+            <a:extLst>
+              <a:ext uri="{FF2B5EF4-FFF2-40B4-BE49-F238E27FC236}">
+                <a16:creationId xmlns:a16="http://schemas.microsoft.com/office/drawing/2014/main" id="{59C06E20-FE3A-01C5-B312-317C3136FC2C}"/>
+              </a:ext>
+            </a:extLst>
+          </p:cNvPr>
+          <p:cNvSpPr/>
+          <p:nvPr/>
+        </p:nvSpPr>
+        <p:spPr>
+          <a:xfrm>
+            <a:off x="3619584" y="3600886"/>
+            <a:ext cx="252549" cy="243840"/>
+          </a:xfrm>
+          <a:prstGeom prst="ellipse">
+            <a:avLst/>
+          </a:prstGeom>
+          <a:solidFill>
+            <a:schemeClr val="tx1"/>
+          </a:solidFill>
+          <a:ln>
+            <a:solidFill>
+              <a:schemeClr val="tx1"/>
+            </a:solidFill>
+          </a:ln>
+        </p:spPr>
+        <p:style>
+          <a:lnRef idx="2">
+            <a:schemeClr val="accent1">
+              <a:shade val="50000"/>
+            </a:schemeClr>
+          </a:lnRef>
+          <a:fillRef idx="1">
+            <a:schemeClr val="accent1"/>
+          </a:fillRef>
+          <a:effectRef idx="0">
+            <a:schemeClr val="accent1"/>
+          </a:effectRef>
+          <a:fontRef idx="minor">
+            <a:schemeClr val="lt1"/>
+          </a:fontRef>
+        </p:style>
+        <p:txBody>
+          <a:bodyPr rtlCol="0" anchor="ctr"/>
+          <a:lstStyle/>
+          <a:p>
+            <a:pPr algn="ctr"/>
+            <a:endParaRPr lang="en-IL">
+              <a:latin typeface="Calibri" panose="020F0502020204030204" pitchFamily="34" charset="0"/>
+              <a:cs typeface="Calibri" panose="020F0502020204030204" pitchFamily="34" charset="0"/>
+            </a:endParaRPr>
+          </a:p>
+        </p:txBody>
+      </p:sp>
+      <p:sp>
+        <p:nvSpPr>
+          <p:cNvPr id="38" name="Oval 37">
+            <a:extLst>
+              <a:ext uri="{FF2B5EF4-FFF2-40B4-BE49-F238E27FC236}">
+                <a16:creationId xmlns:a16="http://schemas.microsoft.com/office/drawing/2014/main" id="{4BC005E8-B98D-BBA5-AC3A-5ED17CE4AFD9}"/>
+              </a:ext>
+            </a:extLst>
+          </p:cNvPr>
+          <p:cNvSpPr/>
+          <p:nvPr/>
+        </p:nvSpPr>
+        <p:spPr>
+          <a:xfrm>
+            <a:off x="3995973" y="3600886"/>
+            <a:ext cx="252549" cy="243840"/>
+          </a:xfrm>
+          <a:prstGeom prst="ellipse">
+            <a:avLst/>
+          </a:prstGeom>
+          <a:solidFill>
+            <a:schemeClr val="tx1"/>
+          </a:solidFill>
+          <a:ln>
+            <a:solidFill>
+              <a:schemeClr val="tx1"/>
+            </a:solidFill>
+          </a:ln>
+        </p:spPr>
+        <p:style>
+          <a:lnRef idx="2">
+            <a:schemeClr val="accent1">
+              <a:shade val="50000"/>
+            </a:schemeClr>
+          </a:lnRef>
+          <a:fillRef idx="1">
+            <a:schemeClr val="accent1"/>
+          </a:fillRef>
+          <a:effectRef idx="0">
+            <a:schemeClr val="accent1"/>
+          </a:effectRef>
+          <a:fontRef idx="minor">
+            <a:schemeClr val="lt1"/>
+          </a:fontRef>
+        </p:style>
+        <p:txBody>
+          <a:bodyPr rtlCol="0" anchor="ctr"/>
+          <a:lstStyle/>
+          <a:p>
+            <a:pPr algn="ctr"/>
+            <a:endParaRPr lang="en-IL">
+              <a:latin typeface="Calibri" panose="020F0502020204030204" pitchFamily="34" charset="0"/>
+              <a:cs typeface="Calibri" panose="020F0502020204030204" pitchFamily="34" charset="0"/>
+            </a:endParaRPr>
+          </a:p>
+        </p:txBody>
+      </p:sp>
+      <p:sp>
+        <p:nvSpPr>
+          <p:cNvPr id="40" name="Oval 39">
+            <a:extLst>
+              <a:ext uri="{FF2B5EF4-FFF2-40B4-BE49-F238E27FC236}">
+                <a16:creationId xmlns:a16="http://schemas.microsoft.com/office/drawing/2014/main" id="{94310D6B-6B55-CFDD-1100-B92EA57B30F9}"/>
+              </a:ext>
+            </a:extLst>
+          </p:cNvPr>
+          <p:cNvSpPr/>
+          <p:nvPr/>
+        </p:nvSpPr>
+        <p:spPr>
+          <a:xfrm>
+            <a:off x="4372362" y="3600886"/>
+            <a:ext cx="252549" cy="243840"/>
+          </a:xfrm>
+          <a:prstGeom prst="ellipse">
+            <a:avLst/>
+          </a:prstGeom>
+          <a:solidFill>
+            <a:schemeClr val="tx1"/>
+          </a:solidFill>
+          <a:ln>
+            <a:solidFill>
+              <a:schemeClr val="tx1"/>
+            </a:solidFill>
+          </a:ln>
+        </p:spPr>
+        <p:style>
+          <a:lnRef idx="2">
+            <a:schemeClr val="accent1">
+              <a:shade val="50000"/>
+            </a:schemeClr>
+          </a:lnRef>
+          <a:fillRef idx="1">
+            <a:schemeClr val="accent1"/>
+          </a:fillRef>
+          <a:effectRef idx="0">
+            <a:schemeClr val="accent1"/>
+          </a:effectRef>
+          <a:fontRef idx="minor">
+            <a:schemeClr val="lt1"/>
+          </a:fontRef>
+        </p:style>
+        <p:txBody>
+          <a:bodyPr rtlCol="0" anchor="ctr"/>
+          <a:lstStyle/>
+          <a:p>
+            <a:pPr algn="ctr"/>
+            <a:endParaRPr lang="en-IL">
+              <a:latin typeface="Calibri" panose="020F0502020204030204" pitchFamily="34" charset="0"/>
+              <a:cs typeface="Calibri" panose="020F0502020204030204" pitchFamily="34" charset="0"/>
+            </a:endParaRPr>
+          </a:p>
+        </p:txBody>
+      </p:sp>
+      <p:sp>
+        <p:nvSpPr>
+          <p:cNvPr id="42" name="Oval 41">
+            <a:extLst>
+              <a:ext uri="{FF2B5EF4-FFF2-40B4-BE49-F238E27FC236}">
+                <a16:creationId xmlns:a16="http://schemas.microsoft.com/office/drawing/2014/main" id="{97FD641C-F704-F018-2AB4-B51DF3706DDE}"/>
+              </a:ext>
+            </a:extLst>
+          </p:cNvPr>
+          <p:cNvSpPr/>
+          <p:nvPr/>
+        </p:nvSpPr>
+        <p:spPr>
+          <a:xfrm>
+            <a:off x="4724546" y="3600886"/>
+            <a:ext cx="252549" cy="243840"/>
+          </a:xfrm>
+          <a:prstGeom prst="ellipse">
+            <a:avLst/>
+          </a:prstGeom>
+          <a:solidFill>
+            <a:schemeClr val="tx1"/>
+          </a:solidFill>
+          <a:ln>
+            <a:solidFill>
+              <a:schemeClr val="tx1"/>
+            </a:solidFill>
+          </a:ln>
+        </p:spPr>
+        <p:style>
+          <a:lnRef idx="2">
+            <a:schemeClr val="accent1">
+              <a:shade val="50000"/>
+            </a:schemeClr>
+          </a:lnRef>
+          <a:fillRef idx="1">
+            <a:schemeClr val="accent1"/>
+          </a:fillRef>
+          <a:effectRef idx="0">
+            <a:schemeClr val="accent1"/>
+          </a:effectRef>
+          <a:fontRef idx="minor">
+            <a:schemeClr val="lt1"/>
+          </a:fontRef>
+        </p:style>
+        <p:txBody>
+          <a:bodyPr rtlCol="0" anchor="ctr"/>
+          <a:lstStyle/>
+          <a:p>
+            <a:pPr algn="ctr"/>
+            <a:endParaRPr lang="en-IL">
+              <a:latin typeface="Calibri" panose="020F0502020204030204" pitchFamily="34" charset="0"/>
+              <a:cs typeface="Calibri" panose="020F0502020204030204" pitchFamily="34" charset="0"/>
+            </a:endParaRPr>
+          </a:p>
+        </p:txBody>
+      </p:sp>
+      <p:sp>
+        <p:nvSpPr>
+          <p:cNvPr id="44" name="Oval 43">
+            <a:extLst>
+              <a:ext uri="{FF2B5EF4-FFF2-40B4-BE49-F238E27FC236}">
+                <a16:creationId xmlns:a16="http://schemas.microsoft.com/office/drawing/2014/main" id="{C56D7BC9-DEEB-68BE-E32A-5358939BC9DD}"/>
+              </a:ext>
+            </a:extLst>
+          </p:cNvPr>
+          <p:cNvSpPr/>
+          <p:nvPr/>
+        </p:nvSpPr>
+        <p:spPr>
+          <a:xfrm>
+            <a:off x="5100935" y="3600886"/>
+            <a:ext cx="252549" cy="243840"/>
+          </a:xfrm>
+          <a:prstGeom prst="ellipse">
+            <a:avLst/>
+          </a:prstGeom>
+          <a:solidFill>
+            <a:schemeClr val="tx1"/>
+          </a:solidFill>
+          <a:ln>
+            <a:solidFill>
+              <a:schemeClr val="tx1"/>
+            </a:solidFill>
+          </a:ln>
+        </p:spPr>
+        <p:style>
+          <a:lnRef idx="2">
+            <a:schemeClr val="accent1">
+              <a:shade val="50000"/>
+            </a:schemeClr>
+          </a:lnRef>
+          <a:fillRef idx="1">
+            <a:schemeClr val="accent1"/>
+          </a:fillRef>
+          <a:effectRef idx="0">
+            <a:schemeClr val="accent1"/>
+          </a:effectRef>
+          <a:fontRef idx="minor">
+            <a:schemeClr val="lt1"/>
+          </a:fontRef>
+        </p:style>
+        <p:txBody>
+          <a:bodyPr rtlCol="0" anchor="ctr"/>
+          <a:lstStyle/>
+          <a:p>
+            <a:pPr algn="ctr"/>
+            <a:endParaRPr lang="en-IL">
+              <a:latin typeface="Calibri" panose="020F0502020204030204" pitchFamily="34" charset="0"/>
+              <a:cs typeface="Calibri" panose="020F0502020204030204" pitchFamily="34" charset="0"/>
+            </a:endParaRPr>
+          </a:p>
+        </p:txBody>
+      </p:sp>
+      <p:sp>
+        <p:nvSpPr>
+          <p:cNvPr id="46" name="Oval 45">
+            <a:extLst>
+              <a:ext uri="{FF2B5EF4-FFF2-40B4-BE49-F238E27FC236}">
+                <a16:creationId xmlns:a16="http://schemas.microsoft.com/office/drawing/2014/main" id="{3C705C88-5D57-3E7C-2C67-FE330EED5F72}"/>
+              </a:ext>
+            </a:extLst>
+          </p:cNvPr>
+          <p:cNvSpPr/>
+          <p:nvPr/>
+        </p:nvSpPr>
+        <p:spPr>
+          <a:xfrm>
+            <a:off x="5477324" y="3600886"/>
+            <a:ext cx="252549" cy="243840"/>
+          </a:xfrm>
+          <a:prstGeom prst="ellipse">
+            <a:avLst/>
+          </a:prstGeom>
+          <a:solidFill>
+            <a:schemeClr val="tx1"/>
+          </a:solidFill>
+          <a:ln>
+            <a:solidFill>
+              <a:schemeClr val="tx1"/>
+            </a:solidFill>
+          </a:ln>
+        </p:spPr>
+        <p:style>
+          <a:lnRef idx="2">
+            <a:schemeClr val="accent1">
+              <a:shade val="50000"/>
+            </a:schemeClr>
+          </a:lnRef>
+          <a:fillRef idx="1">
+            <a:schemeClr val="accent1"/>
+          </a:fillRef>
+          <a:effectRef idx="0">
+            <a:schemeClr val="accent1"/>
+          </a:effectRef>
+          <a:fontRef idx="minor">
+            <a:schemeClr val="lt1"/>
+          </a:fontRef>
+        </p:style>
+        <p:txBody>
+          <a:bodyPr rtlCol="0" anchor="ctr"/>
+          <a:lstStyle/>
+          <a:p>
+            <a:pPr algn="ctr"/>
+            <a:endParaRPr lang="en-IL">
+              <a:latin typeface="Calibri" panose="020F0502020204030204" pitchFamily="34" charset="0"/>
+              <a:cs typeface="Calibri" panose="020F0502020204030204" pitchFamily="34" charset="0"/>
+            </a:endParaRPr>
+          </a:p>
+        </p:txBody>
+      </p:sp>
+      <p:sp>
+        <p:nvSpPr>
+          <p:cNvPr id="48" name="Oval 47">
+            <a:extLst>
+              <a:ext uri="{FF2B5EF4-FFF2-40B4-BE49-F238E27FC236}">
+                <a16:creationId xmlns:a16="http://schemas.microsoft.com/office/drawing/2014/main" id="{0BD24041-D2BB-5499-C17C-A6A91B4D615D}"/>
+              </a:ext>
+            </a:extLst>
+          </p:cNvPr>
+          <p:cNvSpPr/>
+          <p:nvPr/>
+        </p:nvSpPr>
+        <p:spPr>
+          <a:xfrm>
+            <a:off x="5820418" y="3600886"/>
+            <a:ext cx="252549" cy="243840"/>
+          </a:xfrm>
+          <a:prstGeom prst="ellipse">
+            <a:avLst/>
+          </a:prstGeom>
+          <a:solidFill>
+            <a:schemeClr val="tx1"/>
+          </a:solidFill>
+          <a:ln>
+            <a:solidFill>
+              <a:schemeClr val="tx1"/>
+            </a:solidFill>
+          </a:ln>
+        </p:spPr>
+        <p:style>
+          <a:lnRef idx="2">
+            <a:schemeClr val="accent1">
+              <a:shade val="50000"/>
+            </a:schemeClr>
+          </a:lnRef>
+          <a:fillRef idx="1">
+            <a:schemeClr val="accent1"/>
+          </a:fillRef>
+          <a:effectRef idx="0">
+            <a:schemeClr val="accent1"/>
+          </a:effectRef>
+          <a:fontRef idx="minor">
+            <a:schemeClr val="lt1"/>
+          </a:fontRef>
+        </p:style>
+        <p:txBody>
+          <a:bodyPr rtlCol="0" anchor="ctr"/>
+          <a:lstStyle/>
+          <a:p>
+            <a:pPr algn="ctr"/>
+            <a:endParaRPr lang="en-IL">
+              <a:latin typeface="Calibri" panose="020F0502020204030204" pitchFamily="34" charset="0"/>
+              <a:cs typeface="Calibri" panose="020F0502020204030204" pitchFamily="34" charset="0"/>
+            </a:endParaRPr>
+          </a:p>
+        </p:txBody>
+      </p:sp>
+      <p:sp>
+        <p:nvSpPr>
+          <p:cNvPr id="50" name="Oval 49">
+            <a:extLst>
+              <a:ext uri="{FF2B5EF4-FFF2-40B4-BE49-F238E27FC236}">
+                <a16:creationId xmlns:a16="http://schemas.microsoft.com/office/drawing/2014/main" id="{62926B60-0394-A0F9-6FAB-D5828A72396B}"/>
+              </a:ext>
+            </a:extLst>
+          </p:cNvPr>
+          <p:cNvSpPr/>
+          <p:nvPr/>
+        </p:nvSpPr>
+        <p:spPr>
+          <a:xfrm>
+            <a:off x="6196807" y="3600886"/>
+            <a:ext cx="252549" cy="243840"/>
+          </a:xfrm>
+          <a:prstGeom prst="ellipse">
+            <a:avLst/>
+          </a:prstGeom>
+          <a:solidFill>
+            <a:schemeClr val="tx1"/>
+          </a:solidFill>
+          <a:ln>
+            <a:solidFill>
+              <a:schemeClr val="tx1"/>
+            </a:solidFill>
+          </a:ln>
+        </p:spPr>
+        <p:style>
+          <a:lnRef idx="2">
+            <a:schemeClr val="accent1">
+              <a:shade val="50000"/>
+            </a:schemeClr>
+          </a:lnRef>
+          <a:fillRef idx="1">
+            <a:schemeClr val="accent1"/>
+          </a:fillRef>
+          <a:effectRef idx="0">
+            <a:schemeClr val="accent1"/>
+          </a:effectRef>
+          <a:fontRef idx="minor">
+            <a:schemeClr val="lt1"/>
+          </a:fontRef>
+        </p:style>
+        <p:txBody>
+          <a:bodyPr rtlCol="0" anchor="ctr"/>
+          <a:lstStyle/>
+          <a:p>
+            <a:pPr algn="ctr"/>
+            <a:endParaRPr lang="en-IL">
+              <a:latin typeface="Calibri" panose="020F0502020204030204" pitchFamily="34" charset="0"/>
+              <a:cs typeface="Calibri" panose="020F0502020204030204" pitchFamily="34" charset="0"/>
+            </a:endParaRPr>
+          </a:p>
+        </p:txBody>
+      </p:sp>
+      <p:sp>
+        <p:nvSpPr>
+          <p:cNvPr id="52" name="Oval 51">
+            <a:extLst>
+              <a:ext uri="{FF2B5EF4-FFF2-40B4-BE49-F238E27FC236}">
+                <a16:creationId xmlns:a16="http://schemas.microsoft.com/office/drawing/2014/main" id="{7BE44DB3-9BEC-A96C-C551-0D1014209049}"/>
+              </a:ext>
+            </a:extLst>
+          </p:cNvPr>
+          <p:cNvSpPr/>
+          <p:nvPr/>
+        </p:nvSpPr>
+        <p:spPr>
+          <a:xfrm>
+            <a:off x="6573196" y="3600886"/>
+            <a:ext cx="252549" cy="243840"/>
+          </a:xfrm>
+          <a:prstGeom prst="ellipse">
+            <a:avLst/>
+          </a:prstGeom>
+          <a:solidFill>
+            <a:schemeClr val="tx1"/>
+          </a:solidFill>
+          <a:ln>
+            <a:solidFill>
+              <a:schemeClr val="tx1"/>
+            </a:solidFill>
+          </a:ln>
+        </p:spPr>
+        <p:style>
+          <a:lnRef idx="2">
+            <a:schemeClr val="accent1">
+              <a:shade val="50000"/>
+            </a:schemeClr>
+          </a:lnRef>
+          <a:fillRef idx="1">
+            <a:schemeClr val="accent1"/>
+          </a:fillRef>
+          <a:effectRef idx="0">
+            <a:schemeClr val="accent1"/>
+          </a:effectRef>
+          <a:fontRef idx="minor">
+            <a:schemeClr val="lt1"/>
+          </a:fontRef>
+        </p:style>
+        <p:txBody>
+          <a:bodyPr rtlCol="0" anchor="ctr"/>
+          <a:lstStyle/>
+          <a:p>
+            <a:pPr algn="ctr"/>
+            <a:endParaRPr lang="en-IL">
+              <a:latin typeface="Calibri" panose="020F0502020204030204" pitchFamily="34" charset="0"/>
+              <a:cs typeface="Calibri" panose="020F0502020204030204" pitchFamily="34" charset="0"/>
+            </a:endParaRPr>
+          </a:p>
+        </p:txBody>
+      </p:sp>
+      <p:sp>
+        <p:nvSpPr>
+          <p:cNvPr id="54" name="Oval 53">
+            <a:extLst>
+              <a:ext uri="{FF2B5EF4-FFF2-40B4-BE49-F238E27FC236}">
+                <a16:creationId xmlns:a16="http://schemas.microsoft.com/office/drawing/2014/main" id="{4CD34DB0-3A51-2921-7971-F0FB3A6585BE}"/>
+              </a:ext>
+            </a:extLst>
+          </p:cNvPr>
+          <p:cNvSpPr/>
+          <p:nvPr/>
+        </p:nvSpPr>
+        <p:spPr>
+          <a:xfrm>
+            <a:off x="6925380" y="3600886"/>
+            <a:ext cx="252549" cy="243840"/>
+          </a:xfrm>
+          <a:prstGeom prst="ellipse">
+            <a:avLst/>
+          </a:prstGeom>
+          <a:solidFill>
+            <a:schemeClr val="tx1"/>
+          </a:solidFill>
+          <a:ln>
+            <a:solidFill>
+              <a:schemeClr val="tx1"/>
+            </a:solidFill>
+          </a:ln>
+        </p:spPr>
+        <p:style>
+          <a:lnRef idx="2">
+            <a:schemeClr val="accent1">
+              <a:shade val="50000"/>
+            </a:schemeClr>
+          </a:lnRef>
+          <a:fillRef idx="1">
+            <a:schemeClr val="accent1"/>
+          </a:fillRef>
+          <a:effectRef idx="0">
+            <a:schemeClr val="accent1"/>
+          </a:effectRef>
+          <a:fontRef idx="minor">
+            <a:schemeClr val="lt1"/>
+          </a:fontRef>
+        </p:style>
+        <p:txBody>
+          <a:bodyPr rtlCol="0" anchor="ctr"/>
+          <a:lstStyle/>
+          <a:p>
+            <a:pPr algn="ctr"/>
+            <a:endParaRPr lang="en-IL">
+              <a:latin typeface="Calibri" panose="020F0502020204030204" pitchFamily="34" charset="0"/>
+              <a:cs typeface="Calibri" panose="020F0502020204030204" pitchFamily="34" charset="0"/>
+            </a:endParaRPr>
+          </a:p>
+        </p:txBody>
+      </p:sp>
+      <p:sp>
+        <p:nvSpPr>
+          <p:cNvPr id="56" name="Oval 55">
+            <a:extLst>
+              <a:ext uri="{FF2B5EF4-FFF2-40B4-BE49-F238E27FC236}">
+                <a16:creationId xmlns:a16="http://schemas.microsoft.com/office/drawing/2014/main" id="{FBC6B2BC-F5C2-06C6-9CEE-A826B31DC31A}"/>
+              </a:ext>
+            </a:extLst>
+          </p:cNvPr>
+          <p:cNvSpPr/>
+          <p:nvPr/>
+        </p:nvSpPr>
+        <p:spPr>
+          <a:xfrm>
+            <a:off x="7301769" y="3600886"/>
+            <a:ext cx="252549" cy="243840"/>
+          </a:xfrm>
+          <a:prstGeom prst="ellipse">
+            <a:avLst/>
+          </a:prstGeom>
+          <a:solidFill>
+            <a:schemeClr val="tx1"/>
+          </a:solidFill>
+          <a:ln>
+            <a:solidFill>
+              <a:schemeClr val="tx1"/>
+            </a:solidFill>
+          </a:ln>
+        </p:spPr>
+        <p:style>
+          <a:lnRef idx="2">
+            <a:schemeClr val="accent1">
+              <a:shade val="50000"/>
+            </a:schemeClr>
+          </a:lnRef>
+          <a:fillRef idx="1">
+            <a:schemeClr val="accent1"/>
+          </a:fillRef>
+          <a:effectRef idx="0">
+            <a:schemeClr val="accent1"/>
+          </a:effectRef>
+          <a:fontRef idx="minor">
+            <a:schemeClr val="lt1"/>
+          </a:fontRef>
+        </p:style>
+        <p:txBody>
+          <a:bodyPr rtlCol="0" anchor="ctr"/>
+          <a:lstStyle/>
+          <a:p>
+            <a:pPr algn="ctr"/>
+            <a:endParaRPr lang="en-IL">
+              <a:latin typeface="Calibri" panose="020F0502020204030204" pitchFamily="34" charset="0"/>
+              <a:cs typeface="Calibri" panose="020F0502020204030204" pitchFamily="34" charset="0"/>
+            </a:endParaRPr>
+          </a:p>
+        </p:txBody>
+      </p:sp>
+      <p:sp>
+        <p:nvSpPr>
+          <p:cNvPr id="58" name="Oval 57">
+            <a:extLst>
+              <a:ext uri="{FF2B5EF4-FFF2-40B4-BE49-F238E27FC236}">
+                <a16:creationId xmlns:a16="http://schemas.microsoft.com/office/drawing/2014/main" id="{58CCAA3C-6ADE-DDF0-DE4D-EE56045B9957}"/>
+              </a:ext>
+            </a:extLst>
+          </p:cNvPr>
+          <p:cNvSpPr/>
+          <p:nvPr/>
+        </p:nvSpPr>
+        <p:spPr>
+          <a:xfrm>
+            <a:off x="7678158" y="3600886"/>
+            <a:ext cx="252549" cy="243840"/>
+          </a:xfrm>
+          <a:prstGeom prst="ellipse">
+            <a:avLst/>
+          </a:prstGeom>
+          <a:solidFill>
+            <a:schemeClr val="tx1"/>
+          </a:solidFill>
+          <a:ln>
+            <a:solidFill>
+              <a:schemeClr val="tx1"/>
+            </a:solidFill>
+          </a:ln>
+        </p:spPr>
+        <p:style>
+          <a:lnRef idx="2">
+            <a:schemeClr val="accent1">
+              <a:shade val="50000"/>
+            </a:schemeClr>
+          </a:lnRef>
+          <a:fillRef idx="1">
+            <a:schemeClr val="accent1"/>
+          </a:fillRef>
+          <a:effectRef idx="0">
+            <a:schemeClr val="accent1"/>
+          </a:effectRef>
+          <a:fontRef idx="minor">
+            <a:schemeClr val="lt1"/>
+          </a:fontRef>
+        </p:style>
+        <p:txBody>
+          <a:bodyPr rtlCol="0" anchor="ctr"/>
+          <a:lstStyle/>
+          <a:p>
+            <a:pPr algn="ctr"/>
+            <a:endParaRPr lang="en-IL">
+              <a:latin typeface="Calibri" panose="020F0502020204030204" pitchFamily="34" charset="0"/>
+              <a:cs typeface="Calibri" panose="020F0502020204030204" pitchFamily="34" charset="0"/>
+            </a:endParaRPr>
+          </a:p>
+        </p:txBody>
+      </p:sp>
+      <p:sp>
+        <p:nvSpPr>
+          <p:cNvPr id="60" name="Oval 59">
+            <a:extLst>
+              <a:ext uri="{FF2B5EF4-FFF2-40B4-BE49-F238E27FC236}">
+                <a16:creationId xmlns:a16="http://schemas.microsoft.com/office/drawing/2014/main" id="{B7183B47-4EDF-0FF7-E9E3-37F512CAB431}"/>
+              </a:ext>
+            </a:extLst>
+          </p:cNvPr>
+          <p:cNvSpPr/>
+          <p:nvPr/>
+        </p:nvSpPr>
+        <p:spPr>
+          <a:xfrm>
+            <a:off x="8036885" y="3600886"/>
+            <a:ext cx="252549" cy="243840"/>
+          </a:xfrm>
+          <a:prstGeom prst="ellipse">
+            <a:avLst/>
+          </a:prstGeom>
+          <a:solidFill>
+            <a:schemeClr val="tx1"/>
+          </a:solidFill>
+          <a:ln>
+            <a:solidFill>
+              <a:schemeClr val="tx1"/>
+            </a:solidFill>
+          </a:ln>
+        </p:spPr>
+        <p:style>
+          <a:lnRef idx="2">
+            <a:schemeClr val="accent1">
+              <a:shade val="50000"/>
+            </a:schemeClr>
+          </a:lnRef>
+          <a:fillRef idx="1">
+            <a:schemeClr val="accent1"/>
+          </a:fillRef>
+          <a:effectRef idx="0">
+            <a:schemeClr val="accent1"/>
+          </a:effectRef>
+          <a:fontRef idx="minor">
+            <a:schemeClr val="lt1"/>
+          </a:fontRef>
+        </p:style>
+        <p:txBody>
+          <a:bodyPr rtlCol="0" anchor="ctr"/>
+          <a:lstStyle/>
+          <a:p>
+            <a:pPr algn="ctr"/>
+            <a:endParaRPr lang="en-IL">
+              <a:latin typeface="Calibri" panose="020F0502020204030204" pitchFamily="34" charset="0"/>
+              <a:cs typeface="Calibri" panose="020F0502020204030204" pitchFamily="34" charset="0"/>
+            </a:endParaRPr>
+          </a:p>
+        </p:txBody>
+      </p:sp>
+      <p:sp>
+        <p:nvSpPr>
+          <p:cNvPr id="61" name="Oval 60">
+            <a:extLst>
+              <a:ext uri="{FF2B5EF4-FFF2-40B4-BE49-F238E27FC236}">
+                <a16:creationId xmlns:a16="http://schemas.microsoft.com/office/drawing/2014/main" id="{1CCA2B5A-A52A-C596-9EE6-3A982F82DA89}"/>
+              </a:ext>
+            </a:extLst>
+          </p:cNvPr>
+          <p:cNvSpPr/>
+          <p:nvPr/>
+        </p:nvSpPr>
+        <p:spPr>
+          <a:xfrm>
+            <a:off x="8413274" y="3600886"/>
+            <a:ext cx="252549" cy="243840"/>
+          </a:xfrm>
+          <a:prstGeom prst="ellipse">
+            <a:avLst/>
+          </a:prstGeom>
+          <a:solidFill>
+            <a:schemeClr val="tx1"/>
+          </a:solidFill>
+          <a:ln>
+            <a:solidFill>
+              <a:schemeClr val="tx1"/>
+            </a:solidFill>
+          </a:ln>
+        </p:spPr>
+        <p:style>
+          <a:lnRef idx="2">
+            <a:schemeClr val="accent1">
+              <a:shade val="50000"/>
+            </a:schemeClr>
+          </a:lnRef>
+          <a:fillRef idx="1">
+            <a:schemeClr val="accent1"/>
+          </a:fillRef>
+          <a:effectRef idx="0">
+            <a:schemeClr val="accent1"/>
+          </a:effectRef>
+          <a:fontRef idx="minor">
+            <a:schemeClr val="lt1"/>
+          </a:fontRef>
+        </p:style>
+        <p:txBody>
+          <a:bodyPr rtlCol="0" anchor="ctr"/>
+          <a:lstStyle/>
+          <a:p>
+            <a:pPr algn="ctr"/>
+            <a:endParaRPr lang="en-IL">
+              <a:latin typeface="Calibri" panose="020F0502020204030204" pitchFamily="34" charset="0"/>
+              <a:cs typeface="Calibri" panose="020F0502020204030204" pitchFamily="34" charset="0"/>
+            </a:endParaRPr>
+          </a:p>
+        </p:txBody>
+      </p:sp>
+      <p:sp>
+        <p:nvSpPr>
+          <p:cNvPr id="63" name="Oval 62">
+            <a:extLst>
+              <a:ext uri="{FF2B5EF4-FFF2-40B4-BE49-F238E27FC236}">
+                <a16:creationId xmlns:a16="http://schemas.microsoft.com/office/drawing/2014/main" id="{08AD8FE4-9ED8-6212-D712-848622C75D9A}"/>
+              </a:ext>
+            </a:extLst>
+          </p:cNvPr>
+          <p:cNvSpPr/>
+          <p:nvPr/>
+        </p:nvSpPr>
+        <p:spPr>
+          <a:xfrm>
+            <a:off x="8789663" y="3600886"/>
+            <a:ext cx="252549" cy="243840"/>
+          </a:xfrm>
+          <a:prstGeom prst="ellipse">
+            <a:avLst/>
+          </a:prstGeom>
+          <a:solidFill>
+            <a:schemeClr val="tx1"/>
+          </a:solidFill>
+          <a:ln>
+            <a:solidFill>
+              <a:schemeClr val="tx1"/>
+            </a:solidFill>
+          </a:ln>
+        </p:spPr>
+        <p:style>
+          <a:lnRef idx="2">
+            <a:schemeClr val="accent1">
+              <a:shade val="50000"/>
+            </a:schemeClr>
+          </a:lnRef>
+          <a:fillRef idx="1">
+            <a:schemeClr val="accent1"/>
+          </a:fillRef>
+          <a:effectRef idx="0">
+            <a:schemeClr val="accent1"/>
+          </a:effectRef>
+          <a:fontRef idx="minor">
+            <a:schemeClr val="lt1"/>
+          </a:fontRef>
+        </p:style>
+        <p:txBody>
+          <a:bodyPr rtlCol="0" anchor="ctr"/>
+          <a:lstStyle/>
+          <a:p>
+            <a:pPr algn="ctr"/>
+            <a:endParaRPr lang="en-IL">
+              <a:latin typeface="Calibri" panose="020F0502020204030204" pitchFamily="34" charset="0"/>
+              <a:cs typeface="Calibri" panose="020F0502020204030204" pitchFamily="34" charset="0"/>
+            </a:endParaRPr>
+          </a:p>
+        </p:txBody>
+      </p:sp>
+      <p:sp>
+        <p:nvSpPr>
+          <p:cNvPr id="321" name="Oval 320">
+            <a:extLst>
+              <a:ext uri="{FF2B5EF4-FFF2-40B4-BE49-F238E27FC236}">
+                <a16:creationId xmlns:a16="http://schemas.microsoft.com/office/drawing/2014/main" id="{CC65ABF9-DC78-2C4A-3A92-ED2D2C965178}"/>
+              </a:ext>
+            </a:extLst>
+          </p:cNvPr>
+          <p:cNvSpPr/>
+          <p:nvPr/>
+        </p:nvSpPr>
+        <p:spPr>
+          <a:xfrm>
+            <a:off x="9141847" y="3600886"/>
+            <a:ext cx="252549" cy="243840"/>
+          </a:xfrm>
+          <a:prstGeom prst="ellipse">
+            <a:avLst/>
+          </a:prstGeom>
+          <a:solidFill>
+            <a:schemeClr val="tx1"/>
+          </a:solidFill>
+          <a:ln>
+            <a:solidFill>
+              <a:schemeClr val="tx1"/>
+            </a:solidFill>
+          </a:ln>
+        </p:spPr>
+        <p:style>
+          <a:lnRef idx="2">
+            <a:schemeClr val="accent1">
+              <a:shade val="50000"/>
+            </a:schemeClr>
+          </a:lnRef>
+          <a:fillRef idx="1">
+            <a:schemeClr val="accent1"/>
+          </a:fillRef>
+          <a:effectRef idx="0">
+            <a:schemeClr val="accent1"/>
+          </a:effectRef>
+          <a:fontRef idx="minor">
+            <a:schemeClr val="lt1"/>
+          </a:fontRef>
+        </p:style>
+        <p:txBody>
+          <a:bodyPr rtlCol="0" anchor="ctr"/>
+          <a:lstStyle/>
+          <a:p>
+            <a:pPr algn="ctr"/>
+            <a:endParaRPr lang="en-IL">
+              <a:latin typeface="Calibri" panose="020F0502020204030204" pitchFamily="34" charset="0"/>
+              <a:cs typeface="Calibri" panose="020F0502020204030204" pitchFamily="34" charset="0"/>
+            </a:endParaRPr>
+          </a:p>
+        </p:txBody>
+      </p:sp>
+      <p:sp>
+        <p:nvSpPr>
+          <p:cNvPr id="323" name="Oval 322">
+            <a:extLst>
+              <a:ext uri="{FF2B5EF4-FFF2-40B4-BE49-F238E27FC236}">
+                <a16:creationId xmlns:a16="http://schemas.microsoft.com/office/drawing/2014/main" id="{DDDB6554-7C99-974B-C417-452378FCA476}"/>
+              </a:ext>
+            </a:extLst>
+          </p:cNvPr>
+          <p:cNvSpPr/>
+          <p:nvPr/>
+        </p:nvSpPr>
+        <p:spPr>
+          <a:xfrm>
+            <a:off x="9518236" y="3600886"/>
+            <a:ext cx="252549" cy="243840"/>
+          </a:xfrm>
+          <a:prstGeom prst="ellipse">
+            <a:avLst/>
+          </a:prstGeom>
+          <a:solidFill>
+            <a:schemeClr val="tx1"/>
+          </a:solidFill>
+          <a:ln>
+            <a:solidFill>
+              <a:schemeClr val="tx1"/>
+            </a:solidFill>
+          </a:ln>
+        </p:spPr>
+        <p:style>
+          <a:lnRef idx="2">
+            <a:schemeClr val="accent1">
+              <a:shade val="50000"/>
+            </a:schemeClr>
+          </a:lnRef>
+          <a:fillRef idx="1">
+            <a:schemeClr val="accent1"/>
+          </a:fillRef>
+          <a:effectRef idx="0">
+            <a:schemeClr val="accent1"/>
+          </a:effectRef>
+          <a:fontRef idx="minor">
+            <a:schemeClr val="lt1"/>
+          </a:fontRef>
+        </p:style>
+        <p:txBody>
+          <a:bodyPr rtlCol="0" anchor="ctr"/>
+          <a:lstStyle/>
+          <a:p>
+            <a:pPr algn="ctr"/>
+            <a:endParaRPr lang="en-IL">
+              <a:latin typeface="Calibri" panose="020F0502020204030204" pitchFamily="34" charset="0"/>
+              <a:cs typeface="Calibri" panose="020F0502020204030204" pitchFamily="34" charset="0"/>
+            </a:endParaRPr>
+          </a:p>
+        </p:txBody>
+      </p:sp>
+      <p:sp>
+        <p:nvSpPr>
+          <p:cNvPr id="325" name="Oval 324">
+            <a:extLst>
+              <a:ext uri="{FF2B5EF4-FFF2-40B4-BE49-F238E27FC236}">
+                <a16:creationId xmlns:a16="http://schemas.microsoft.com/office/drawing/2014/main" id="{A68BBE90-7BFA-A303-6079-960FB76977AA}"/>
+              </a:ext>
+            </a:extLst>
+          </p:cNvPr>
+          <p:cNvSpPr/>
+          <p:nvPr/>
+        </p:nvSpPr>
+        <p:spPr>
+          <a:xfrm>
+            <a:off x="9894625" y="3600886"/>
+            <a:ext cx="252549" cy="243840"/>
+          </a:xfrm>
+          <a:prstGeom prst="ellipse">
+            <a:avLst/>
+          </a:prstGeom>
+          <a:solidFill>
+            <a:schemeClr val="tx1"/>
+          </a:solidFill>
+          <a:ln>
+            <a:solidFill>
+              <a:schemeClr val="tx1"/>
+            </a:solidFill>
+          </a:ln>
+        </p:spPr>
+        <p:style>
+          <a:lnRef idx="2">
+            <a:schemeClr val="accent1">
+              <a:shade val="50000"/>
+            </a:schemeClr>
+          </a:lnRef>
+          <a:fillRef idx="1">
+            <a:schemeClr val="accent1"/>
+          </a:fillRef>
+          <a:effectRef idx="0">
+            <a:schemeClr val="accent1"/>
+          </a:effectRef>
+          <a:fontRef idx="minor">
+            <a:schemeClr val="lt1"/>
+          </a:fontRef>
+        </p:style>
+        <p:txBody>
+          <a:bodyPr rtlCol="0" anchor="ctr"/>
+          <a:lstStyle/>
+          <a:p>
+            <a:pPr algn="ctr"/>
+            <a:endParaRPr lang="en-IL">
+              <a:latin typeface="Calibri" panose="020F0502020204030204" pitchFamily="34" charset="0"/>
+              <a:cs typeface="Calibri" panose="020F0502020204030204" pitchFamily="34" charset="0"/>
+            </a:endParaRPr>
+          </a:p>
+        </p:txBody>
+      </p:sp>
+      <p:cxnSp>
+        <p:nvCxnSpPr>
+          <p:cNvPr id="327" name="Straight Connector 326">
+            <a:extLst>
+              <a:ext uri="{FF2B5EF4-FFF2-40B4-BE49-F238E27FC236}">
+                <a16:creationId xmlns:a16="http://schemas.microsoft.com/office/drawing/2014/main" id="{BA1493CD-FACD-F3B4-F8E8-66334526EC2E}"/>
+              </a:ext>
+            </a:extLst>
+          </p:cNvPr>
+          <p:cNvCxnSpPr>
+            <a:cxnSpLocks/>
+            <a:stCxn id="36" idx="4"/>
+          </p:cNvCxnSpPr>
+          <p:nvPr/>
+        </p:nvCxnSpPr>
+        <p:spPr>
+          <a:xfrm>
+            <a:off x="3745859" y="3844726"/>
+            <a:ext cx="0" cy="1924595"/>
+          </a:xfrm>
+          <a:prstGeom prst="line">
+            <a:avLst/>
+          </a:prstGeom>
+          <a:ln w="12700">
+            <a:solidFill>
+              <a:schemeClr val="tx1"/>
+            </a:solidFill>
+          </a:ln>
+        </p:spPr>
+        <p:style>
+          <a:lnRef idx="1">
+            <a:schemeClr val="accent1"/>
+          </a:lnRef>
+          <a:fillRef idx="0">
+            <a:schemeClr val="accent1"/>
+          </a:fillRef>
+          <a:effectRef idx="0">
+            <a:schemeClr val="accent1"/>
+          </a:effectRef>
+          <a:fontRef idx="minor">
+            <a:schemeClr val="tx1"/>
+          </a:fontRef>
+        </p:style>
+      </p:cxnSp>
+      <p:cxnSp>
+        <p:nvCxnSpPr>
+          <p:cNvPr id="329" name="Straight Connector 328">
+            <a:extLst>
+              <a:ext uri="{FF2B5EF4-FFF2-40B4-BE49-F238E27FC236}">
+                <a16:creationId xmlns:a16="http://schemas.microsoft.com/office/drawing/2014/main" id="{FBBCF250-C4CD-5EF6-CC9B-6C789D1B86E5}"/>
+              </a:ext>
+            </a:extLst>
+          </p:cNvPr>
+          <p:cNvCxnSpPr>
+            <a:cxnSpLocks/>
+          </p:cNvCxnSpPr>
+          <p:nvPr/>
+        </p:nvCxnSpPr>
+        <p:spPr>
+          <a:xfrm>
+            <a:off x="3745859" y="3844726"/>
+            <a:ext cx="1231236" cy="1924595"/>
+          </a:xfrm>
+          <a:prstGeom prst="line">
+            <a:avLst/>
+          </a:prstGeom>
+          <a:ln w="12700">
+            <a:solidFill>
+              <a:schemeClr val="tx1"/>
+            </a:solidFill>
+          </a:ln>
+        </p:spPr>
+        <p:style>
+          <a:lnRef idx="1">
+            <a:schemeClr val="accent1"/>
+          </a:lnRef>
+          <a:fillRef idx="0">
+            <a:schemeClr val="accent1"/>
+          </a:fillRef>
+          <a:effectRef idx="0">
+            <a:schemeClr val="accent1"/>
+          </a:effectRef>
+          <a:fontRef idx="minor">
+            <a:schemeClr val="tx1"/>
+          </a:fontRef>
+        </p:style>
+      </p:cxnSp>
+      <p:cxnSp>
+        <p:nvCxnSpPr>
+          <p:cNvPr id="331" name="Straight Connector 330">
+            <a:extLst>
+              <a:ext uri="{FF2B5EF4-FFF2-40B4-BE49-F238E27FC236}">
+                <a16:creationId xmlns:a16="http://schemas.microsoft.com/office/drawing/2014/main" id="{AB119BF4-1792-138B-681F-9598A7631278}"/>
+              </a:ext>
+            </a:extLst>
+          </p:cNvPr>
+          <p:cNvCxnSpPr>
+            <a:cxnSpLocks/>
+          </p:cNvCxnSpPr>
+          <p:nvPr/>
+        </p:nvCxnSpPr>
+        <p:spPr>
+          <a:xfrm>
+            <a:off x="3745859" y="3844726"/>
+            <a:ext cx="2327108" cy="1924595"/>
+          </a:xfrm>
+          <a:prstGeom prst="line">
+            <a:avLst/>
+          </a:prstGeom>
+          <a:ln w="12700">
+            <a:solidFill>
+              <a:schemeClr val="tx1"/>
+            </a:solidFill>
+          </a:ln>
+        </p:spPr>
+        <p:style>
+          <a:lnRef idx="1">
+            <a:schemeClr val="accent1"/>
+          </a:lnRef>
+          <a:fillRef idx="0">
+            <a:schemeClr val="accent1"/>
+          </a:fillRef>
+          <a:effectRef idx="0">
+            <a:schemeClr val="accent1"/>
+          </a:effectRef>
+          <a:fontRef idx="minor">
+            <a:schemeClr val="tx1"/>
+          </a:fontRef>
+        </p:style>
+      </p:cxnSp>
+      <p:cxnSp>
+        <p:nvCxnSpPr>
+          <p:cNvPr id="333" name="Straight Connector 332">
+            <a:extLst>
+              <a:ext uri="{FF2B5EF4-FFF2-40B4-BE49-F238E27FC236}">
+                <a16:creationId xmlns:a16="http://schemas.microsoft.com/office/drawing/2014/main" id="{CE477F3D-AA66-6E83-78AD-3BFE48DCB1CC}"/>
+              </a:ext>
+            </a:extLst>
+          </p:cNvPr>
+          <p:cNvCxnSpPr>
+            <a:cxnSpLocks/>
+          </p:cNvCxnSpPr>
+          <p:nvPr/>
+        </p:nvCxnSpPr>
+        <p:spPr>
+          <a:xfrm>
+            <a:off x="3763277" y="3844726"/>
+            <a:ext cx="4902546" cy="1924595"/>
+          </a:xfrm>
+          <a:prstGeom prst="line">
+            <a:avLst/>
+          </a:prstGeom>
+          <a:ln w="12700">
+            <a:solidFill>
+              <a:schemeClr val="tx1"/>
+            </a:solidFill>
+          </a:ln>
+        </p:spPr>
+        <p:style>
+          <a:lnRef idx="1">
+            <a:schemeClr val="accent1"/>
+          </a:lnRef>
+          <a:fillRef idx="0">
+            <a:schemeClr val="accent1"/>
+          </a:fillRef>
+          <a:effectRef idx="0">
+            <a:schemeClr val="accent1"/>
+          </a:effectRef>
+          <a:fontRef idx="minor">
+            <a:schemeClr val="tx1"/>
+          </a:fontRef>
+        </p:style>
+      </p:cxnSp>
+      <p:cxnSp>
+        <p:nvCxnSpPr>
+          <p:cNvPr id="335" name="Straight Connector 334">
+            <a:extLst>
+              <a:ext uri="{FF2B5EF4-FFF2-40B4-BE49-F238E27FC236}">
+                <a16:creationId xmlns:a16="http://schemas.microsoft.com/office/drawing/2014/main" id="{4FF628D3-838E-4922-68A6-A605A46EB0A3}"/>
+              </a:ext>
+            </a:extLst>
+          </p:cNvPr>
+          <p:cNvCxnSpPr>
+            <a:cxnSpLocks/>
+          </p:cNvCxnSpPr>
+          <p:nvPr/>
+        </p:nvCxnSpPr>
+        <p:spPr>
+          <a:xfrm flipH="1">
+            <a:off x="3745859" y="3844726"/>
+            <a:ext cx="376389" cy="1924595"/>
+          </a:xfrm>
+          <a:prstGeom prst="line">
+            <a:avLst/>
+          </a:prstGeom>
+          <a:ln w="12700">
+            <a:solidFill>
+              <a:schemeClr val="tx1"/>
+            </a:solidFill>
+          </a:ln>
+        </p:spPr>
+        <p:style>
+          <a:lnRef idx="1">
+            <a:schemeClr val="accent1"/>
+          </a:lnRef>
+          <a:fillRef idx="0">
+            <a:schemeClr val="accent1"/>
+          </a:fillRef>
+          <a:effectRef idx="0">
+            <a:schemeClr val="accent1"/>
+          </a:effectRef>
+          <a:fontRef idx="minor">
+            <a:schemeClr val="tx1"/>
+          </a:fontRef>
+        </p:style>
+      </p:cxnSp>
+      <p:cxnSp>
+        <p:nvCxnSpPr>
+          <p:cNvPr id="338" name="Straight Connector 337">
+            <a:extLst>
+              <a:ext uri="{FF2B5EF4-FFF2-40B4-BE49-F238E27FC236}">
+                <a16:creationId xmlns:a16="http://schemas.microsoft.com/office/drawing/2014/main" id="{8260018E-A18E-AE4E-B137-128773CAEE9D}"/>
+              </a:ext>
+            </a:extLst>
+          </p:cNvPr>
+          <p:cNvCxnSpPr>
+            <a:cxnSpLocks/>
+          </p:cNvCxnSpPr>
+          <p:nvPr/>
+        </p:nvCxnSpPr>
+        <p:spPr>
+          <a:xfrm>
+            <a:off x="4122248" y="3844726"/>
+            <a:ext cx="854847" cy="1924595"/>
+          </a:xfrm>
+          <a:prstGeom prst="line">
+            <a:avLst/>
+          </a:prstGeom>
+          <a:ln w="12700">
+            <a:solidFill>
+              <a:schemeClr val="tx1"/>
+            </a:solidFill>
+          </a:ln>
+        </p:spPr>
+        <p:style>
+          <a:lnRef idx="1">
+            <a:schemeClr val="accent1"/>
+          </a:lnRef>
+          <a:fillRef idx="0">
+            <a:schemeClr val="accent1"/>
+          </a:fillRef>
+          <a:effectRef idx="0">
+            <a:schemeClr val="accent1"/>
+          </a:effectRef>
+          <a:fontRef idx="minor">
+            <a:schemeClr val="tx1"/>
+          </a:fontRef>
+        </p:style>
+      </p:cxnSp>
+      <p:cxnSp>
+        <p:nvCxnSpPr>
+          <p:cNvPr id="340" name="Straight Connector 339">
+            <a:extLst>
+              <a:ext uri="{FF2B5EF4-FFF2-40B4-BE49-F238E27FC236}">
+                <a16:creationId xmlns:a16="http://schemas.microsoft.com/office/drawing/2014/main" id="{3D15876E-C081-93CE-E27C-66343A099839}"/>
+              </a:ext>
+            </a:extLst>
+          </p:cNvPr>
+          <p:cNvCxnSpPr>
+            <a:cxnSpLocks/>
+          </p:cNvCxnSpPr>
+          <p:nvPr/>
+        </p:nvCxnSpPr>
+        <p:spPr>
+          <a:xfrm>
+            <a:off x="4490442" y="3844726"/>
+            <a:ext cx="486653" cy="1924595"/>
+          </a:xfrm>
+          <a:prstGeom prst="line">
+            <a:avLst/>
+          </a:prstGeom>
+          <a:ln w="12700">
+            <a:solidFill>
+              <a:schemeClr val="tx1"/>
+            </a:solidFill>
+          </a:ln>
+        </p:spPr>
+        <p:style>
+          <a:lnRef idx="1">
+            <a:schemeClr val="accent1"/>
+          </a:lnRef>
+          <a:fillRef idx="0">
+            <a:schemeClr val="accent1"/>
+          </a:fillRef>
+          <a:effectRef idx="0">
+            <a:schemeClr val="accent1"/>
+          </a:effectRef>
+          <a:fontRef idx="minor">
+            <a:schemeClr val="tx1"/>
+          </a:fontRef>
+        </p:style>
+      </p:cxnSp>
+      <p:cxnSp>
+        <p:nvCxnSpPr>
+          <p:cNvPr id="344" name="Straight Connector 343">
+            <a:extLst>
+              <a:ext uri="{FF2B5EF4-FFF2-40B4-BE49-F238E27FC236}">
+                <a16:creationId xmlns:a16="http://schemas.microsoft.com/office/drawing/2014/main" id="{1CCAD162-E641-1D2D-4D03-5B7782E91DC6}"/>
+              </a:ext>
+            </a:extLst>
+          </p:cNvPr>
+          <p:cNvCxnSpPr>
+            <a:cxnSpLocks/>
+          </p:cNvCxnSpPr>
+          <p:nvPr/>
+        </p:nvCxnSpPr>
+        <p:spPr>
+          <a:xfrm flipH="1">
+            <a:off x="3763277" y="3844726"/>
+            <a:ext cx="1084217" cy="1924595"/>
+          </a:xfrm>
+          <a:prstGeom prst="line">
+            <a:avLst/>
+          </a:prstGeom>
+          <a:ln w="12700">
+            <a:solidFill>
+              <a:schemeClr val="tx1"/>
+            </a:solidFill>
+          </a:ln>
+        </p:spPr>
+        <p:style>
+          <a:lnRef idx="1">
+            <a:schemeClr val="accent1"/>
+          </a:lnRef>
+          <a:fillRef idx="0">
+            <a:schemeClr val="accent1"/>
+          </a:fillRef>
+          <a:effectRef idx="0">
+            <a:schemeClr val="accent1"/>
+          </a:effectRef>
+          <a:fontRef idx="minor">
+            <a:schemeClr val="tx1"/>
+          </a:fontRef>
+        </p:style>
+      </p:cxnSp>
+      <p:cxnSp>
+        <p:nvCxnSpPr>
+          <p:cNvPr id="345" name="Straight Connector 344">
+            <a:extLst>
+              <a:ext uri="{FF2B5EF4-FFF2-40B4-BE49-F238E27FC236}">
+                <a16:creationId xmlns:a16="http://schemas.microsoft.com/office/drawing/2014/main" id="{68027521-58BA-143A-9300-92CFF09B61FC}"/>
+              </a:ext>
+            </a:extLst>
+          </p:cNvPr>
+          <p:cNvCxnSpPr>
+            <a:cxnSpLocks/>
+          </p:cNvCxnSpPr>
+          <p:nvPr/>
+        </p:nvCxnSpPr>
+        <p:spPr>
+          <a:xfrm>
+            <a:off x="4847494" y="3844726"/>
+            <a:ext cx="2551610" cy="1924595"/>
+          </a:xfrm>
+          <a:prstGeom prst="line">
+            <a:avLst/>
+          </a:prstGeom>
+          <a:ln w="12700">
+            <a:solidFill>
+              <a:schemeClr val="tx1"/>
+            </a:solidFill>
+          </a:ln>
+        </p:spPr>
+        <p:style>
+          <a:lnRef idx="1">
+            <a:schemeClr val="accent1"/>
+          </a:lnRef>
+          <a:fillRef idx="0">
+            <a:schemeClr val="accent1"/>
+          </a:fillRef>
+          <a:effectRef idx="0">
+            <a:schemeClr val="accent1"/>
+          </a:effectRef>
+          <a:fontRef idx="minor">
+            <a:schemeClr val="tx1"/>
+          </a:fontRef>
+        </p:style>
+      </p:cxnSp>
+      <p:cxnSp>
+        <p:nvCxnSpPr>
+          <p:cNvPr id="346" name="Straight Connector 345">
+            <a:extLst>
+              <a:ext uri="{FF2B5EF4-FFF2-40B4-BE49-F238E27FC236}">
+                <a16:creationId xmlns:a16="http://schemas.microsoft.com/office/drawing/2014/main" id="{8784FA0B-439A-9F71-041F-DF3B4FCBE5DF}"/>
+              </a:ext>
+            </a:extLst>
+          </p:cNvPr>
+          <p:cNvCxnSpPr>
+            <a:cxnSpLocks/>
+          </p:cNvCxnSpPr>
+          <p:nvPr/>
+        </p:nvCxnSpPr>
+        <p:spPr>
+          <a:xfrm>
+            <a:off x="5230670" y="3844726"/>
+            <a:ext cx="842297" cy="1924595"/>
+          </a:xfrm>
+          <a:prstGeom prst="line">
+            <a:avLst/>
+          </a:prstGeom>
+          <a:ln w="12700">
+            <a:solidFill>
+              <a:schemeClr val="tx1"/>
+            </a:solidFill>
+          </a:ln>
+        </p:spPr>
+        <p:style>
+          <a:lnRef idx="1">
+            <a:schemeClr val="accent1"/>
+          </a:lnRef>
+          <a:fillRef idx="0">
+            <a:schemeClr val="accent1"/>
+          </a:fillRef>
+          <a:effectRef idx="0">
+            <a:schemeClr val="accent1"/>
+          </a:effectRef>
+          <a:fontRef idx="minor">
+            <a:schemeClr val="tx1"/>
+          </a:fontRef>
+        </p:style>
+      </p:cxnSp>
+      <p:cxnSp>
+        <p:nvCxnSpPr>
+          <p:cNvPr id="347" name="Straight Connector 346">
+            <a:extLst>
+              <a:ext uri="{FF2B5EF4-FFF2-40B4-BE49-F238E27FC236}">
+                <a16:creationId xmlns:a16="http://schemas.microsoft.com/office/drawing/2014/main" id="{EE0ABA4C-8BEB-06AD-29DD-D0E90DBDDF33}"/>
+              </a:ext>
+            </a:extLst>
+          </p:cNvPr>
+          <p:cNvCxnSpPr>
+            <a:cxnSpLocks/>
+          </p:cNvCxnSpPr>
+          <p:nvPr/>
+        </p:nvCxnSpPr>
+        <p:spPr>
+          <a:xfrm flipH="1">
+            <a:off x="4977095" y="3844726"/>
+            <a:ext cx="619335" cy="1924595"/>
+          </a:xfrm>
+          <a:prstGeom prst="line">
+            <a:avLst/>
+          </a:prstGeom>
+          <a:ln w="12700">
+            <a:solidFill>
+              <a:schemeClr val="tx1"/>
+            </a:solidFill>
+          </a:ln>
+        </p:spPr>
+        <p:style>
+          <a:lnRef idx="1">
+            <a:schemeClr val="accent1"/>
+          </a:lnRef>
+          <a:fillRef idx="0">
+            <a:schemeClr val="accent1"/>
+          </a:fillRef>
+          <a:effectRef idx="0">
+            <a:schemeClr val="accent1"/>
+          </a:effectRef>
+          <a:fontRef idx="minor">
+            <a:schemeClr val="tx1"/>
+          </a:fontRef>
+        </p:style>
+      </p:cxnSp>
+      <p:cxnSp>
+        <p:nvCxnSpPr>
+          <p:cNvPr id="348" name="Straight Connector 347">
+            <a:extLst>
+              <a:ext uri="{FF2B5EF4-FFF2-40B4-BE49-F238E27FC236}">
+                <a16:creationId xmlns:a16="http://schemas.microsoft.com/office/drawing/2014/main" id="{06A0081C-D3A4-6FB1-581D-41122F9A5E23}"/>
+              </a:ext>
+            </a:extLst>
+          </p:cNvPr>
+          <p:cNvCxnSpPr>
+            <a:cxnSpLocks/>
+          </p:cNvCxnSpPr>
+          <p:nvPr/>
+        </p:nvCxnSpPr>
+        <p:spPr>
+          <a:xfrm>
+            <a:off x="5596430" y="3844726"/>
+            <a:ext cx="1802674" cy="1924595"/>
+          </a:xfrm>
+          <a:prstGeom prst="line">
+            <a:avLst/>
+          </a:prstGeom>
+          <a:ln w="12700">
+            <a:solidFill>
+              <a:schemeClr val="tx1"/>
+            </a:solidFill>
+          </a:ln>
+        </p:spPr>
+        <p:style>
+          <a:lnRef idx="1">
+            <a:schemeClr val="accent1"/>
+          </a:lnRef>
+          <a:fillRef idx="0">
+            <a:schemeClr val="accent1"/>
+          </a:fillRef>
+          <a:effectRef idx="0">
+            <a:schemeClr val="accent1"/>
+          </a:effectRef>
+          <a:fontRef idx="minor">
+            <a:schemeClr val="tx1"/>
+          </a:fontRef>
+        </p:style>
+      </p:cxnSp>
+      <p:cxnSp>
+        <p:nvCxnSpPr>
+          <p:cNvPr id="349" name="Straight Connector 348">
+            <a:extLst>
+              <a:ext uri="{FF2B5EF4-FFF2-40B4-BE49-F238E27FC236}">
+                <a16:creationId xmlns:a16="http://schemas.microsoft.com/office/drawing/2014/main" id="{276BA21F-CBB8-6ED9-975C-C0ED16239921}"/>
+              </a:ext>
+            </a:extLst>
+          </p:cNvPr>
+          <p:cNvCxnSpPr>
+            <a:cxnSpLocks/>
+          </p:cNvCxnSpPr>
+          <p:nvPr/>
+        </p:nvCxnSpPr>
+        <p:spPr>
+          <a:xfrm>
+            <a:off x="5953482" y="3844726"/>
+            <a:ext cx="119485" cy="1924595"/>
+          </a:xfrm>
+          <a:prstGeom prst="line">
+            <a:avLst/>
+          </a:prstGeom>
+          <a:ln w="12700">
+            <a:solidFill>
+              <a:schemeClr val="tx1"/>
+            </a:solidFill>
+          </a:ln>
+        </p:spPr>
+        <p:style>
+          <a:lnRef idx="1">
+            <a:schemeClr val="accent1"/>
+          </a:lnRef>
+          <a:fillRef idx="0">
+            <a:schemeClr val="accent1"/>
+          </a:fillRef>
+          <a:effectRef idx="0">
+            <a:schemeClr val="accent1"/>
+          </a:effectRef>
+          <a:fontRef idx="minor">
+            <a:schemeClr val="tx1"/>
+          </a:fontRef>
+        </p:style>
+      </p:cxnSp>
+      <p:cxnSp>
+        <p:nvCxnSpPr>
+          <p:cNvPr id="350" name="Straight Connector 349">
+            <a:extLst>
+              <a:ext uri="{FF2B5EF4-FFF2-40B4-BE49-F238E27FC236}">
+                <a16:creationId xmlns:a16="http://schemas.microsoft.com/office/drawing/2014/main" id="{20A1B638-8799-D661-0F9C-DB38701F47AD}"/>
+              </a:ext>
+            </a:extLst>
+          </p:cNvPr>
+          <p:cNvCxnSpPr>
+            <a:cxnSpLocks/>
+          </p:cNvCxnSpPr>
+          <p:nvPr/>
+        </p:nvCxnSpPr>
+        <p:spPr>
+          <a:xfrm>
+            <a:off x="6336659" y="3844726"/>
+            <a:ext cx="1062445" cy="1924595"/>
+          </a:xfrm>
+          <a:prstGeom prst="line">
+            <a:avLst/>
+          </a:prstGeom>
+          <a:ln w="12700">
+            <a:solidFill>
+              <a:schemeClr val="tx1"/>
+            </a:solidFill>
+          </a:ln>
+        </p:spPr>
+        <p:style>
+          <a:lnRef idx="1">
+            <a:schemeClr val="accent1"/>
+          </a:lnRef>
+          <a:fillRef idx="0">
+            <a:schemeClr val="accent1"/>
+          </a:fillRef>
+          <a:effectRef idx="0">
+            <a:schemeClr val="accent1"/>
+          </a:effectRef>
+          <a:fontRef idx="minor">
+            <a:schemeClr val="tx1"/>
+          </a:fontRef>
+        </p:style>
+      </p:cxnSp>
+      <p:cxnSp>
+        <p:nvCxnSpPr>
+          <p:cNvPr id="351" name="Straight Connector 350">
+            <a:extLst>
+              <a:ext uri="{FF2B5EF4-FFF2-40B4-BE49-F238E27FC236}">
+                <a16:creationId xmlns:a16="http://schemas.microsoft.com/office/drawing/2014/main" id="{9E91E53F-65CE-45EA-9B96-2DEA37A8A57F}"/>
+              </a:ext>
+            </a:extLst>
+          </p:cNvPr>
+          <p:cNvCxnSpPr>
+            <a:cxnSpLocks/>
+          </p:cNvCxnSpPr>
+          <p:nvPr/>
+        </p:nvCxnSpPr>
+        <p:spPr>
+          <a:xfrm flipH="1">
+            <a:off x="4977095" y="3844726"/>
+            <a:ext cx="1725324" cy="1924595"/>
+          </a:xfrm>
+          <a:prstGeom prst="line">
+            <a:avLst/>
+          </a:prstGeom>
+          <a:ln w="12700">
+            <a:solidFill>
+              <a:schemeClr val="tx1"/>
+            </a:solidFill>
+          </a:ln>
+        </p:spPr>
+        <p:style>
+          <a:lnRef idx="1">
+            <a:schemeClr val="accent1"/>
+          </a:lnRef>
+          <a:fillRef idx="0">
+            <a:schemeClr val="accent1"/>
+          </a:fillRef>
+          <a:effectRef idx="0">
+            <a:schemeClr val="accent1"/>
+          </a:effectRef>
+          <a:fontRef idx="minor">
+            <a:schemeClr val="tx1"/>
+          </a:fontRef>
+        </p:style>
+      </p:cxnSp>
+      <p:cxnSp>
+        <p:nvCxnSpPr>
+          <p:cNvPr id="352" name="Straight Connector 351">
+            <a:extLst>
+              <a:ext uri="{FF2B5EF4-FFF2-40B4-BE49-F238E27FC236}">
+                <a16:creationId xmlns:a16="http://schemas.microsoft.com/office/drawing/2014/main" id="{A1353FC3-3C91-DBD7-384D-FE27D8977CC6}"/>
+              </a:ext>
+            </a:extLst>
+          </p:cNvPr>
+          <p:cNvCxnSpPr>
+            <a:cxnSpLocks/>
+          </p:cNvCxnSpPr>
+          <p:nvPr/>
+        </p:nvCxnSpPr>
+        <p:spPr>
+          <a:xfrm flipH="1">
+            <a:off x="6076295" y="3844726"/>
+            <a:ext cx="983365" cy="1924595"/>
+          </a:xfrm>
+          <a:prstGeom prst="line">
+            <a:avLst/>
+          </a:prstGeom>
+          <a:ln w="12700">
+            <a:solidFill>
+              <a:schemeClr val="tx1"/>
+            </a:solidFill>
+          </a:ln>
+        </p:spPr>
+        <p:style>
+          <a:lnRef idx="1">
+            <a:schemeClr val="accent1"/>
+          </a:lnRef>
+          <a:fillRef idx="0">
+            <a:schemeClr val="accent1"/>
+          </a:fillRef>
+          <a:effectRef idx="0">
+            <a:schemeClr val="accent1"/>
+          </a:effectRef>
+          <a:fontRef idx="minor">
+            <a:schemeClr val="tx1"/>
+          </a:fontRef>
+        </p:style>
+      </p:cxnSp>
+      <p:cxnSp>
+        <p:nvCxnSpPr>
+          <p:cNvPr id="353" name="Straight Connector 352">
+            <a:extLst>
+              <a:ext uri="{FF2B5EF4-FFF2-40B4-BE49-F238E27FC236}">
+                <a16:creationId xmlns:a16="http://schemas.microsoft.com/office/drawing/2014/main" id="{C3EC8120-A852-A193-0460-FC26085E6472}"/>
+              </a:ext>
+            </a:extLst>
+          </p:cNvPr>
+          <p:cNvCxnSpPr>
+            <a:cxnSpLocks/>
+          </p:cNvCxnSpPr>
+          <p:nvPr/>
+        </p:nvCxnSpPr>
+        <p:spPr>
+          <a:xfrm flipH="1">
+            <a:off x="7399104" y="3844726"/>
+            <a:ext cx="28939" cy="1924595"/>
+          </a:xfrm>
+          <a:prstGeom prst="line">
+            <a:avLst/>
+          </a:prstGeom>
+          <a:ln w="12700">
+            <a:solidFill>
+              <a:schemeClr val="tx1"/>
+            </a:solidFill>
+          </a:ln>
+        </p:spPr>
+        <p:style>
+          <a:lnRef idx="1">
+            <a:schemeClr val="accent1"/>
+          </a:lnRef>
+          <a:fillRef idx="0">
+            <a:schemeClr val="accent1"/>
+          </a:fillRef>
+          <a:effectRef idx="0">
+            <a:schemeClr val="accent1"/>
+          </a:effectRef>
+          <a:fontRef idx="minor">
+            <a:schemeClr val="tx1"/>
+          </a:fontRef>
+        </p:style>
+      </p:cxnSp>
+      <p:cxnSp>
+        <p:nvCxnSpPr>
+          <p:cNvPr id="354" name="Straight Connector 353">
+            <a:extLst>
+              <a:ext uri="{FF2B5EF4-FFF2-40B4-BE49-F238E27FC236}">
+                <a16:creationId xmlns:a16="http://schemas.microsoft.com/office/drawing/2014/main" id="{3E94C652-0604-FA7F-24D6-053E29520EB6}"/>
+              </a:ext>
+            </a:extLst>
+          </p:cNvPr>
+          <p:cNvCxnSpPr>
+            <a:cxnSpLocks/>
+          </p:cNvCxnSpPr>
+          <p:nvPr/>
+        </p:nvCxnSpPr>
+        <p:spPr>
+          <a:xfrm>
+            <a:off x="7816088" y="3844725"/>
+            <a:ext cx="849735" cy="1924596"/>
+          </a:xfrm>
+          <a:prstGeom prst="line">
+            <a:avLst/>
+          </a:prstGeom>
+          <a:ln w="12700">
+            <a:solidFill>
+              <a:schemeClr val="tx1"/>
+            </a:solidFill>
+          </a:ln>
+        </p:spPr>
+        <p:style>
+          <a:lnRef idx="1">
+            <a:schemeClr val="accent1"/>
+          </a:lnRef>
+          <a:fillRef idx="0">
+            <a:schemeClr val="accent1"/>
+          </a:fillRef>
+          <a:effectRef idx="0">
+            <a:schemeClr val="accent1"/>
+          </a:effectRef>
+          <a:fontRef idx="minor">
+            <a:schemeClr val="tx1"/>
+          </a:fontRef>
+        </p:style>
+      </p:cxnSp>
+      <p:cxnSp>
+        <p:nvCxnSpPr>
+          <p:cNvPr id="355" name="Straight Connector 354">
+            <a:extLst>
+              <a:ext uri="{FF2B5EF4-FFF2-40B4-BE49-F238E27FC236}">
+                <a16:creationId xmlns:a16="http://schemas.microsoft.com/office/drawing/2014/main" id="{2B8065BB-BC36-63FE-2DD1-3D78BC513C7F}"/>
+              </a:ext>
+            </a:extLst>
+          </p:cNvPr>
+          <p:cNvCxnSpPr>
+            <a:cxnSpLocks/>
+          </p:cNvCxnSpPr>
+          <p:nvPr/>
+        </p:nvCxnSpPr>
+        <p:spPr>
+          <a:xfrm flipH="1">
+            <a:off x="7399104" y="3844726"/>
+            <a:ext cx="764055" cy="1924595"/>
+          </a:xfrm>
+          <a:prstGeom prst="line">
+            <a:avLst/>
+          </a:prstGeom>
+          <a:ln w="12700">
+            <a:solidFill>
+              <a:schemeClr val="tx1"/>
+            </a:solidFill>
+          </a:ln>
+        </p:spPr>
+        <p:style>
+          <a:lnRef idx="1">
+            <a:schemeClr val="accent1"/>
+          </a:lnRef>
+          <a:fillRef idx="0">
+            <a:schemeClr val="accent1"/>
+          </a:fillRef>
+          <a:effectRef idx="0">
+            <a:schemeClr val="accent1"/>
+          </a:effectRef>
+          <a:fontRef idx="minor">
+            <a:schemeClr val="tx1"/>
+          </a:fontRef>
+        </p:style>
+      </p:cxnSp>
+      <p:cxnSp>
+        <p:nvCxnSpPr>
+          <p:cNvPr id="356" name="Straight Connector 355">
+            <a:extLst>
+              <a:ext uri="{FF2B5EF4-FFF2-40B4-BE49-F238E27FC236}">
+                <a16:creationId xmlns:a16="http://schemas.microsoft.com/office/drawing/2014/main" id="{E277E60D-A6CD-0E14-E259-3F2F28C57502}"/>
+              </a:ext>
+            </a:extLst>
+          </p:cNvPr>
+          <p:cNvCxnSpPr>
+            <a:cxnSpLocks/>
+          </p:cNvCxnSpPr>
+          <p:nvPr/>
+        </p:nvCxnSpPr>
+        <p:spPr>
+          <a:xfrm>
+            <a:off x="8163159" y="3844726"/>
+            <a:ext cx="1607626" cy="1924595"/>
+          </a:xfrm>
+          <a:prstGeom prst="line">
+            <a:avLst/>
+          </a:prstGeom>
+          <a:ln w="12700">
+            <a:solidFill>
+              <a:schemeClr val="tx1"/>
+            </a:solidFill>
+          </a:ln>
+        </p:spPr>
+        <p:style>
+          <a:lnRef idx="1">
+            <a:schemeClr val="accent1"/>
+          </a:lnRef>
+          <a:fillRef idx="0">
+            <a:schemeClr val="accent1"/>
+          </a:fillRef>
+          <a:effectRef idx="0">
+            <a:schemeClr val="accent1"/>
+          </a:effectRef>
+          <a:fontRef idx="minor">
+            <a:schemeClr val="tx1"/>
+          </a:fontRef>
+        </p:style>
+      </p:cxnSp>
+      <p:cxnSp>
+        <p:nvCxnSpPr>
+          <p:cNvPr id="357" name="Straight Connector 356">
+            <a:extLst>
+              <a:ext uri="{FF2B5EF4-FFF2-40B4-BE49-F238E27FC236}">
+                <a16:creationId xmlns:a16="http://schemas.microsoft.com/office/drawing/2014/main" id="{88798D92-FF2E-A688-1002-DC7DFFD85EF8}"/>
+              </a:ext>
+            </a:extLst>
+          </p:cNvPr>
+          <p:cNvCxnSpPr>
+            <a:cxnSpLocks/>
+          </p:cNvCxnSpPr>
+          <p:nvPr/>
+        </p:nvCxnSpPr>
+        <p:spPr>
+          <a:xfrm>
+            <a:off x="8539549" y="3844725"/>
+            <a:ext cx="126274" cy="1924596"/>
+          </a:xfrm>
+          <a:prstGeom prst="line">
+            <a:avLst/>
+          </a:prstGeom>
+          <a:ln w="12700">
+            <a:solidFill>
+              <a:schemeClr val="tx1"/>
+            </a:solidFill>
+          </a:ln>
+        </p:spPr>
+        <p:style>
+          <a:lnRef idx="1">
+            <a:schemeClr val="accent1"/>
+          </a:lnRef>
+          <a:fillRef idx="0">
+            <a:schemeClr val="accent1"/>
+          </a:fillRef>
+          <a:effectRef idx="0">
+            <a:schemeClr val="accent1"/>
+          </a:effectRef>
+          <a:fontRef idx="minor">
+            <a:schemeClr val="tx1"/>
+          </a:fontRef>
+        </p:style>
+      </p:cxnSp>
+      <p:cxnSp>
+        <p:nvCxnSpPr>
+          <p:cNvPr id="358" name="Straight Connector 357">
+            <a:extLst>
+              <a:ext uri="{FF2B5EF4-FFF2-40B4-BE49-F238E27FC236}">
+                <a16:creationId xmlns:a16="http://schemas.microsoft.com/office/drawing/2014/main" id="{F29CBF7B-CDB6-A7D6-82D2-5739412299E8}"/>
+              </a:ext>
+            </a:extLst>
+          </p:cNvPr>
+          <p:cNvCxnSpPr>
+            <a:cxnSpLocks/>
+          </p:cNvCxnSpPr>
+          <p:nvPr/>
+        </p:nvCxnSpPr>
+        <p:spPr>
+          <a:xfrm flipH="1">
+            <a:off x="8669407" y="3844725"/>
+            <a:ext cx="251091" cy="1924596"/>
+          </a:xfrm>
+          <a:prstGeom prst="line">
+            <a:avLst/>
+          </a:prstGeom>
+          <a:ln w="12700">
+            <a:solidFill>
+              <a:schemeClr val="tx1"/>
+            </a:solidFill>
+          </a:ln>
+        </p:spPr>
+        <p:style>
+          <a:lnRef idx="1">
+            <a:schemeClr val="accent1"/>
+          </a:lnRef>
+          <a:fillRef idx="0">
+            <a:schemeClr val="accent1"/>
+          </a:fillRef>
+          <a:effectRef idx="0">
+            <a:schemeClr val="accent1"/>
+          </a:effectRef>
+          <a:fontRef idx="minor">
+            <a:schemeClr val="tx1"/>
+          </a:fontRef>
+        </p:style>
+      </p:cxnSp>
+      <p:cxnSp>
+        <p:nvCxnSpPr>
+          <p:cNvPr id="359" name="Straight Connector 358">
+            <a:extLst>
+              <a:ext uri="{FF2B5EF4-FFF2-40B4-BE49-F238E27FC236}">
+                <a16:creationId xmlns:a16="http://schemas.microsoft.com/office/drawing/2014/main" id="{E586993D-3AE3-EFB9-4799-736D395F4E40}"/>
+              </a:ext>
+            </a:extLst>
+          </p:cNvPr>
+          <p:cNvCxnSpPr>
+            <a:cxnSpLocks/>
+          </p:cNvCxnSpPr>
+          <p:nvPr/>
+        </p:nvCxnSpPr>
+        <p:spPr>
+          <a:xfrm>
+            <a:off x="8927594" y="3844725"/>
+            <a:ext cx="852071" cy="1924596"/>
+          </a:xfrm>
+          <a:prstGeom prst="line">
+            <a:avLst/>
+          </a:prstGeom>
+          <a:ln w="12700">
+            <a:solidFill>
+              <a:schemeClr val="tx1"/>
+            </a:solidFill>
+          </a:ln>
+        </p:spPr>
+        <p:style>
+          <a:lnRef idx="1">
+            <a:schemeClr val="accent1"/>
+          </a:lnRef>
+          <a:fillRef idx="0">
+            <a:schemeClr val="accent1"/>
+          </a:fillRef>
+          <a:effectRef idx="0">
+            <a:schemeClr val="accent1"/>
+          </a:effectRef>
+          <a:fontRef idx="minor">
+            <a:schemeClr val="tx1"/>
+          </a:fontRef>
+        </p:style>
+      </p:cxnSp>
+      <p:cxnSp>
+        <p:nvCxnSpPr>
+          <p:cNvPr id="360" name="Straight Connector 359">
+            <a:extLst>
+              <a:ext uri="{FF2B5EF4-FFF2-40B4-BE49-F238E27FC236}">
+                <a16:creationId xmlns:a16="http://schemas.microsoft.com/office/drawing/2014/main" id="{2C5B6182-FAF1-88D5-1849-C6EC2606C8FE}"/>
+              </a:ext>
+            </a:extLst>
+          </p:cNvPr>
+          <p:cNvCxnSpPr>
+            <a:cxnSpLocks/>
+          </p:cNvCxnSpPr>
+          <p:nvPr/>
+        </p:nvCxnSpPr>
+        <p:spPr>
+          <a:xfrm flipH="1">
+            <a:off x="7375345" y="3844725"/>
+            <a:ext cx="1548737" cy="1924596"/>
+          </a:xfrm>
+          <a:prstGeom prst="line">
+            <a:avLst/>
+          </a:prstGeom>
+          <a:ln w="12700">
+            <a:solidFill>
+              <a:schemeClr val="tx1"/>
+            </a:solidFill>
+          </a:ln>
+        </p:spPr>
+        <p:style>
+          <a:lnRef idx="1">
+            <a:schemeClr val="accent1"/>
+          </a:lnRef>
+          <a:fillRef idx="0">
+            <a:schemeClr val="accent1"/>
+          </a:fillRef>
+          <a:effectRef idx="0">
+            <a:schemeClr val="accent1"/>
+          </a:effectRef>
+          <a:fontRef idx="minor">
+            <a:schemeClr val="tx1"/>
+          </a:fontRef>
+        </p:style>
+      </p:cxnSp>
+      <p:cxnSp>
+        <p:nvCxnSpPr>
+          <p:cNvPr id="361" name="Straight Connector 360">
+            <a:extLst>
+              <a:ext uri="{FF2B5EF4-FFF2-40B4-BE49-F238E27FC236}">
+                <a16:creationId xmlns:a16="http://schemas.microsoft.com/office/drawing/2014/main" id="{6FABA5BF-BD9A-33F9-009D-C30BE2775612}"/>
+              </a:ext>
+            </a:extLst>
+          </p:cNvPr>
+          <p:cNvCxnSpPr>
+            <a:cxnSpLocks/>
+          </p:cNvCxnSpPr>
+          <p:nvPr/>
+        </p:nvCxnSpPr>
+        <p:spPr>
+          <a:xfrm flipH="1">
+            <a:off x="8678251" y="3844724"/>
+            <a:ext cx="588232" cy="1924597"/>
+          </a:xfrm>
+          <a:prstGeom prst="line">
+            <a:avLst/>
+          </a:prstGeom>
+          <a:ln w="12700">
+            <a:solidFill>
+              <a:schemeClr val="tx1"/>
+            </a:solidFill>
+          </a:ln>
+        </p:spPr>
+        <p:style>
+          <a:lnRef idx="1">
+            <a:schemeClr val="accent1"/>
+          </a:lnRef>
+          <a:fillRef idx="0">
+            <a:schemeClr val="accent1"/>
+          </a:fillRef>
+          <a:effectRef idx="0">
+            <a:schemeClr val="accent1"/>
+          </a:effectRef>
+          <a:fontRef idx="minor">
+            <a:schemeClr val="tx1"/>
+          </a:fontRef>
+        </p:style>
+      </p:cxnSp>
+      <p:cxnSp>
+        <p:nvCxnSpPr>
+          <p:cNvPr id="362" name="Straight Connector 361">
+            <a:extLst>
+              <a:ext uri="{FF2B5EF4-FFF2-40B4-BE49-F238E27FC236}">
+                <a16:creationId xmlns:a16="http://schemas.microsoft.com/office/drawing/2014/main" id="{E63E6BAD-987D-3D8B-35D6-2BC5186DAA3B}"/>
+              </a:ext>
+            </a:extLst>
+          </p:cNvPr>
+          <p:cNvCxnSpPr>
+            <a:cxnSpLocks/>
+          </p:cNvCxnSpPr>
+          <p:nvPr/>
+        </p:nvCxnSpPr>
+        <p:spPr>
+          <a:xfrm>
+            <a:off x="9652174" y="3844725"/>
+            <a:ext cx="126274" cy="1924596"/>
+          </a:xfrm>
+          <a:prstGeom prst="line">
+            <a:avLst/>
+          </a:prstGeom>
+          <a:ln w="12700">
+            <a:solidFill>
+              <a:schemeClr val="tx1"/>
+            </a:solidFill>
+          </a:ln>
+        </p:spPr>
+        <p:style>
+          <a:lnRef idx="1">
+            <a:schemeClr val="accent1"/>
+          </a:lnRef>
+          <a:fillRef idx="0">
+            <a:schemeClr val="accent1"/>
+          </a:fillRef>
+          <a:effectRef idx="0">
+            <a:schemeClr val="accent1"/>
+          </a:effectRef>
+          <a:fontRef idx="minor">
+            <a:schemeClr val="tx1"/>
+          </a:fontRef>
+        </p:style>
+      </p:cxnSp>
+      <p:cxnSp>
+        <p:nvCxnSpPr>
+          <p:cNvPr id="363" name="Straight Connector 362">
+            <a:extLst>
+              <a:ext uri="{FF2B5EF4-FFF2-40B4-BE49-F238E27FC236}">
+                <a16:creationId xmlns:a16="http://schemas.microsoft.com/office/drawing/2014/main" id="{2ADB46BC-DD08-1ED9-E614-540432415BFE}"/>
+              </a:ext>
+            </a:extLst>
+          </p:cNvPr>
+          <p:cNvCxnSpPr>
+            <a:cxnSpLocks/>
+          </p:cNvCxnSpPr>
+          <p:nvPr/>
+        </p:nvCxnSpPr>
+        <p:spPr>
+          <a:xfrm flipH="1">
+            <a:off x="8664349" y="3844725"/>
+            <a:ext cx="986314" cy="1924596"/>
+          </a:xfrm>
+          <a:prstGeom prst="line">
+            <a:avLst/>
+          </a:prstGeom>
+          <a:ln w="12700">
+            <a:solidFill>
+              <a:schemeClr val="tx1"/>
+            </a:solidFill>
+          </a:ln>
+        </p:spPr>
+        <p:style>
+          <a:lnRef idx="1">
+            <a:schemeClr val="accent1"/>
+          </a:lnRef>
+          <a:fillRef idx="0">
+            <a:schemeClr val="accent1"/>
+          </a:fillRef>
+          <a:effectRef idx="0">
+            <a:schemeClr val="accent1"/>
+          </a:effectRef>
+          <a:fontRef idx="minor">
+            <a:schemeClr val="tx1"/>
+          </a:fontRef>
+        </p:style>
+      </p:cxnSp>
+      <p:cxnSp>
+        <p:nvCxnSpPr>
+          <p:cNvPr id="364" name="Straight Connector 363">
+            <a:extLst>
+              <a:ext uri="{FF2B5EF4-FFF2-40B4-BE49-F238E27FC236}">
+                <a16:creationId xmlns:a16="http://schemas.microsoft.com/office/drawing/2014/main" id="{D76DF7C1-BB6F-3B38-4ADA-1D5564480C3B}"/>
+              </a:ext>
+            </a:extLst>
+          </p:cNvPr>
+          <p:cNvCxnSpPr>
+            <a:cxnSpLocks/>
+          </p:cNvCxnSpPr>
+          <p:nvPr/>
+        </p:nvCxnSpPr>
+        <p:spPr>
+          <a:xfrm flipH="1">
+            <a:off x="9769568" y="3844725"/>
+            <a:ext cx="250765" cy="1924596"/>
+          </a:xfrm>
+          <a:prstGeom prst="line">
+            <a:avLst/>
+          </a:prstGeom>
+          <a:ln w="12700">
+            <a:solidFill>
+              <a:schemeClr val="tx1"/>
+            </a:solidFill>
+          </a:ln>
+        </p:spPr>
+        <p:style>
+          <a:lnRef idx="1">
+            <a:schemeClr val="accent1"/>
+          </a:lnRef>
+          <a:fillRef idx="0">
+            <a:schemeClr val="accent1"/>
+          </a:fillRef>
+          <a:effectRef idx="0">
+            <a:schemeClr val="accent1"/>
+          </a:effectRef>
+          <a:fontRef idx="minor">
+            <a:schemeClr val="tx1"/>
+          </a:fontRef>
+        </p:style>
+      </p:cxnSp>
+      <p:sp>
+        <p:nvSpPr>
+          <p:cNvPr id="365" name="TextBox 364">
+            <a:extLst>
+              <a:ext uri="{FF2B5EF4-FFF2-40B4-BE49-F238E27FC236}">
+                <a16:creationId xmlns:a16="http://schemas.microsoft.com/office/drawing/2014/main" id="{F508AE9C-D03C-4CE6-9CE7-2A5B10522E20}"/>
+              </a:ext>
+            </a:extLst>
+          </p:cNvPr>
+          <p:cNvSpPr txBox="1"/>
+          <p:nvPr/>
+        </p:nvSpPr>
+        <p:spPr>
+          <a:xfrm>
+            <a:off x="2026607" y="3501683"/>
+            <a:ext cx="1820092" cy="461665"/>
+          </a:xfrm>
+          <a:prstGeom prst="rect">
+            <a:avLst/>
+          </a:prstGeom>
+          <a:noFill/>
+        </p:spPr>
+        <p:txBody>
+          <a:bodyPr wrap="square" rtlCol="0">
+            <a:spAutoFit/>
+          </a:bodyPr>
+          <a:lstStyle/>
+          <a:p>
+            <a:r>
+              <a:rPr lang="en-IL" sz="2400" dirty="0">
+                <a:latin typeface="Calibri" panose="020F0502020204030204" pitchFamily="34" charset="0"/>
+                <a:cs typeface="Calibri" panose="020F0502020204030204" pitchFamily="34" charset="0"/>
+              </a:rPr>
+              <a:t>Microbes</a:t>
+            </a:r>
+            <a:endParaRPr lang="en-IL" dirty="0">
+              <a:latin typeface="Calibri" panose="020F0502020204030204" pitchFamily="34" charset="0"/>
+              <a:cs typeface="Calibri" panose="020F0502020204030204" pitchFamily="34" charset="0"/>
+            </a:endParaRPr>
+          </a:p>
+        </p:txBody>
+      </p:sp>
+      <p:sp>
+        <p:nvSpPr>
+          <p:cNvPr id="366" name="TextBox 365">
+            <a:extLst>
+              <a:ext uri="{FF2B5EF4-FFF2-40B4-BE49-F238E27FC236}">
+                <a16:creationId xmlns:a16="http://schemas.microsoft.com/office/drawing/2014/main" id="{5771DEE2-C3ED-826B-0B2D-13E6F498F52C}"/>
+              </a:ext>
+            </a:extLst>
+          </p:cNvPr>
+          <p:cNvSpPr txBox="1"/>
+          <p:nvPr/>
+        </p:nvSpPr>
+        <p:spPr>
+          <a:xfrm>
+            <a:off x="2022025" y="5769321"/>
+            <a:ext cx="1081989" cy="461665"/>
+          </a:xfrm>
+          <a:prstGeom prst="rect">
+            <a:avLst/>
+          </a:prstGeom>
+          <a:noFill/>
+        </p:spPr>
+        <p:txBody>
+          <a:bodyPr wrap="square" rtlCol="0">
+            <a:spAutoFit/>
+          </a:bodyPr>
+          <a:lstStyle/>
+          <a:p>
+            <a:r>
+              <a:rPr lang="en-IL" sz="2400" dirty="0">
+                <a:latin typeface="Calibri" panose="020F0502020204030204" pitchFamily="34" charset="0"/>
+                <a:cs typeface="Calibri" panose="020F0502020204030204" pitchFamily="34" charset="0"/>
+              </a:rPr>
+              <a:t>Hosts</a:t>
+            </a:r>
+            <a:endParaRPr lang="en-IL" dirty="0">
+              <a:latin typeface="Calibri" panose="020F0502020204030204" pitchFamily="34" charset="0"/>
+              <a:cs typeface="Calibri" panose="020F0502020204030204" pitchFamily="34" charset="0"/>
+            </a:endParaRPr>
+          </a:p>
+        </p:txBody>
+      </p:sp>
+      <p:sp>
+        <p:nvSpPr>
+          <p:cNvPr id="367" name="TextBox 366">
+            <a:extLst>
+              <a:ext uri="{FF2B5EF4-FFF2-40B4-BE49-F238E27FC236}">
+                <a16:creationId xmlns:a16="http://schemas.microsoft.com/office/drawing/2014/main" id="{64F87E4E-6821-035D-A885-2CCA4911F545}"/>
+              </a:ext>
+            </a:extLst>
+          </p:cNvPr>
+          <p:cNvSpPr txBox="1"/>
+          <p:nvPr/>
+        </p:nvSpPr>
+        <p:spPr>
+          <a:xfrm>
+            <a:off x="3915990" y="6391837"/>
+            <a:ext cx="1820092" cy="461665"/>
+          </a:xfrm>
+          <a:prstGeom prst="rect">
+            <a:avLst/>
+          </a:prstGeom>
+          <a:noFill/>
+        </p:spPr>
+        <p:txBody>
+          <a:bodyPr wrap="square" rtlCol="0">
+            <a:spAutoFit/>
+          </a:bodyPr>
+          <a:lstStyle/>
+          <a:p>
+            <a:r>
+              <a:rPr lang="en-IL" sz="2400" dirty="0">
+                <a:solidFill>
+                  <a:schemeClr val="accent4">
+                    <a:lumMod val="60000"/>
+                    <a:lumOff val="40000"/>
+                  </a:schemeClr>
+                </a:solidFill>
+                <a:latin typeface="Calibri" panose="020F0502020204030204" pitchFamily="34" charset="0"/>
+                <a:cs typeface="Calibri" panose="020F0502020204030204" pitchFamily="34" charset="0"/>
+              </a:rPr>
+              <a:t>Agroforest</a:t>
+            </a:r>
+            <a:endParaRPr lang="en-IL" dirty="0">
+              <a:solidFill>
+                <a:schemeClr val="accent4">
+                  <a:lumMod val="60000"/>
+                  <a:lumOff val="40000"/>
+                </a:schemeClr>
+              </a:solidFill>
+              <a:latin typeface="Calibri" panose="020F0502020204030204" pitchFamily="34" charset="0"/>
+              <a:cs typeface="Calibri" panose="020F0502020204030204" pitchFamily="34" charset="0"/>
+            </a:endParaRPr>
+          </a:p>
+        </p:txBody>
+      </p:sp>
+      <p:sp>
+        <p:nvSpPr>
+          <p:cNvPr id="368" name="TextBox 367">
+            <a:extLst>
+              <a:ext uri="{FF2B5EF4-FFF2-40B4-BE49-F238E27FC236}">
+                <a16:creationId xmlns:a16="http://schemas.microsoft.com/office/drawing/2014/main" id="{F46EBF92-048B-4F91-44C6-8267EF0FEE76}"/>
+              </a:ext>
+            </a:extLst>
+          </p:cNvPr>
+          <p:cNvSpPr txBox="1"/>
+          <p:nvPr/>
+        </p:nvSpPr>
+        <p:spPr>
+          <a:xfrm>
+            <a:off x="6813221" y="6396335"/>
+            <a:ext cx="1033886" cy="461665"/>
+          </a:xfrm>
+          <a:prstGeom prst="rect">
+            <a:avLst/>
+          </a:prstGeom>
+          <a:noFill/>
+        </p:spPr>
+        <p:txBody>
+          <a:bodyPr wrap="square" rtlCol="0">
+            <a:spAutoFit/>
+          </a:bodyPr>
+          <a:lstStyle/>
+          <a:p>
+            <a:r>
+              <a:rPr lang="en-IL" sz="2400" dirty="0">
+                <a:solidFill>
+                  <a:schemeClr val="accent1">
+                    <a:lumMod val="75000"/>
+                  </a:schemeClr>
+                </a:solidFill>
+                <a:latin typeface="Calibri" panose="020F0502020204030204" pitchFamily="34" charset="0"/>
+                <a:cs typeface="Calibri" panose="020F0502020204030204" pitchFamily="34" charset="0"/>
+              </a:rPr>
+              <a:t>Rice</a:t>
+            </a:r>
+            <a:endParaRPr lang="en-IL" dirty="0">
+              <a:solidFill>
+                <a:schemeClr val="accent1">
+                  <a:lumMod val="75000"/>
+                </a:schemeClr>
+              </a:solidFill>
+              <a:latin typeface="Calibri" panose="020F0502020204030204" pitchFamily="34" charset="0"/>
+              <a:cs typeface="Calibri" panose="020F0502020204030204" pitchFamily="34" charset="0"/>
+            </a:endParaRPr>
+          </a:p>
+        </p:txBody>
+      </p:sp>
+      <p:sp>
+        <p:nvSpPr>
+          <p:cNvPr id="369" name="TextBox 368">
+            <a:extLst>
+              <a:ext uri="{FF2B5EF4-FFF2-40B4-BE49-F238E27FC236}">
+                <a16:creationId xmlns:a16="http://schemas.microsoft.com/office/drawing/2014/main" id="{D1AB9E7C-AFF5-3FBF-0B2C-A199C9DBB6B9}"/>
+              </a:ext>
+            </a:extLst>
+          </p:cNvPr>
+          <p:cNvSpPr txBox="1"/>
+          <p:nvPr/>
+        </p:nvSpPr>
+        <p:spPr>
+          <a:xfrm>
+            <a:off x="8537680" y="6396335"/>
+            <a:ext cx="1294098" cy="461665"/>
+          </a:xfrm>
+          <a:prstGeom prst="rect">
+            <a:avLst/>
+          </a:prstGeom>
+          <a:noFill/>
+        </p:spPr>
+        <p:txBody>
+          <a:bodyPr wrap="square" rtlCol="0">
+            <a:spAutoFit/>
+          </a:bodyPr>
+          <a:lstStyle/>
+          <a:p>
+            <a:r>
+              <a:rPr lang="en-IL" sz="2400" dirty="0">
+                <a:solidFill>
+                  <a:schemeClr val="accent6">
+                    <a:lumMod val="75000"/>
+                  </a:schemeClr>
+                </a:solidFill>
+                <a:latin typeface="Calibri" panose="020F0502020204030204" pitchFamily="34" charset="0"/>
+                <a:cs typeface="Calibri" panose="020F0502020204030204" pitchFamily="34" charset="0"/>
+              </a:rPr>
+              <a:t>Forest</a:t>
+            </a:r>
+            <a:endParaRPr lang="en-IL" dirty="0">
+              <a:solidFill>
+                <a:schemeClr val="accent6">
+                  <a:lumMod val="75000"/>
+                </a:schemeClr>
+              </a:solidFill>
+              <a:latin typeface="Calibri" panose="020F0502020204030204" pitchFamily="34" charset="0"/>
+              <a:cs typeface="Calibri" panose="020F0502020204030204" pitchFamily="34" charset="0"/>
+            </a:endParaRPr>
+          </a:p>
+        </p:txBody>
+      </p:sp>
+      <p:sp>
+        <p:nvSpPr>
+          <p:cNvPr id="4" name="TextBox 3">
+            <a:extLst>
+              <a:ext uri="{FF2B5EF4-FFF2-40B4-BE49-F238E27FC236}">
+                <a16:creationId xmlns:a16="http://schemas.microsoft.com/office/drawing/2014/main" id="{E77F5A8C-8820-3531-5296-58627EE20CD8}"/>
+              </a:ext>
+            </a:extLst>
+          </p:cNvPr>
+          <p:cNvSpPr txBox="1"/>
+          <p:nvPr/>
+        </p:nvSpPr>
+        <p:spPr>
+          <a:xfrm>
+            <a:off x="762503" y="597879"/>
+            <a:ext cx="10721591" cy="1815882"/>
+          </a:xfrm>
+          <a:prstGeom prst="rect">
+            <a:avLst/>
+          </a:prstGeom>
+          <a:noFill/>
+        </p:spPr>
+        <p:txBody>
+          <a:bodyPr wrap="square" rtlCol="0">
+            <a:spAutoFit/>
+          </a:bodyPr>
+          <a:lstStyle/>
+          <a:p>
+            <a:pPr marL="285750" indent="-285750">
+              <a:buFont typeface="Arial" panose="020B0604020202020204" pitchFamily="34" charset="0"/>
+              <a:buChar char="•"/>
+            </a:pPr>
+            <a:r>
+              <a:rPr lang="en-US" sz="2800" dirty="0">
+                <a:latin typeface="Calibri" panose="020F0502020204030204" pitchFamily="34" charset="0"/>
+                <a:cs typeface="Calibri" panose="020F0502020204030204" pitchFamily="34" charset="0"/>
+              </a:rPr>
+              <a:t>3 networks</a:t>
+            </a:r>
+          </a:p>
+          <a:p>
+            <a:pPr marL="285750" indent="-285750">
+              <a:buFont typeface="Arial" panose="020B0604020202020204" pitchFamily="34" charset="0"/>
+              <a:buChar char="•"/>
+            </a:pPr>
+            <a:r>
+              <a:rPr lang="en-US" sz="2800" dirty="0">
+                <a:latin typeface="Calibri" panose="020F0502020204030204" pitchFamily="34" charset="0"/>
+                <a:cs typeface="Calibri" panose="020F0502020204030204" pitchFamily="34" charset="0"/>
+              </a:rPr>
+              <a:t>Bipartite network between host individuals and bacteria ASVs</a:t>
+            </a:r>
+          </a:p>
+          <a:p>
+            <a:pPr marL="285750" indent="-285750">
+              <a:buFont typeface="Arial" panose="020B0604020202020204" pitchFamily="34" charset="0"/>
+              <a:buChar char="•"/>
+            </a:pPr>
+            <a:r>
+              <a:rPr lang="en-US" sz="2800" dirty="0">
+                <a:latin typeface="Calibri" panose="020F0502020204030204" pitchFamily="34" charset="0"/>
+                <a:cs typeface="Calibri" panose="020F0502020204030204" pitchFamily="34" charset="0"/>
+              </a:rPr>
+              <a:t>Link’s weight = ASV relative abundance</a:t>
+            </a:r>
+          </a:p>
+          <a:p>
+            <a:pPr marL="285750" indent="-285750">
+              <a:buFont typeface="Arial" panose="020B0604020202020204" pitchFamily="34" charset="0"/>
+              <a:buChar char="•"/>
+            </a:pPr>
+            <a:r>
+              <a:rPr lang="en-US" sz="2800" dirty="0">
+                <a:latin typeface="Calibri" panose="020F0502020204030204" pitchFamily="34" charset="0"/>
+                <a:cs typeface="Calibri" panose="020F0502020204030204" pitchFamily="34" charset="0"/>
+              </a:rPr>
+              <a:t>Infomap</a:t>
+            </a:r>
+            <a:endParaRPr lang="en-IL" sz="2800" dirty="0">
+              <a:latin typeface="Calibri" panose="020F0502020204030204" pitchFamily="34" charset="0"/>
+              <a:cs typeface="Calibri" panose="020F0502020204030204" pitchFamily="34" charset="0"/>
+            </a:endParaRPr>
+          </a:p>
+        </p:txBody>
+      </p:sp>
+    </p:spTree>
+    <p:extLst>
+      <p:ext uri="{BB962C8B-B14F-4D97-AF65-F5344CB8AC3E}">
+        <p14:creationId xmlns:p14="http://schemas.microsoft.com/office/powerpoint/2010/main" val="199112453"/>
+      </p:ext>
+    </p:extLst>
+  </p:cSld>
+  <p:clrMapOvr>
+    <a:masterClrMapping/>
+  </p:clrMapOvr>
+</p:sld>
+</file>
+
+<file path=ppt/slides/slide16.xml><?xml version="1.0" encoding="utf-8"?>
 <p:sld xmlns:a="http://schemas.openxmlformats.org/drawingml/2006/main" xmlns:r="http://schemas.openxmlformats.org/officeDocument/2006/relationships" xmlns:p="http://schemas.openxmlformats.org/presentationml/2006/main">
   <p:cSld>
     <p:spTree>
@@ -17430,7 +20478,7 @@
 </p:sld>
 </file>
 
-<file path=ppt/slides/slide16.xml><?xml version="1.0" encoding="utf-8"?>
+<file path=ppt/slides/slide17.xml><?xml version="1.0" encoding="utf-8"?>
 <p:sld xmlns:a="http://schemas.openxmlformats.org/drawingml/2006/main" xmlns:r="http://schemas.openxmlformats.org/officeDocument/2006/relationships" xmlns:p="http://schemas.openxmlformats.org/presentationml/2006/main">
   <p:cSld>
     <p:spTree>
@@ -17480,14 +20528,16 @@
               <a:buSzPts val="4400"/>
             </a:pPr>
             <a:r>
-              <a:rPr lang="en-US" sz="2800" dirty="0">
+              <a:rPr lang="en-US" sz="2800" b="0" i="0" u="none" strike="noStrike" dirty="0">
+                <a:solidFill>
+                  <a:srgbClr val="000000"/>
+                </a:solidFill>
+                <a:effectLst/>
                 <a:latin typeface="Calibri" panose="020F0502020204030204" pitchFamily="34" charset="0"/>
-                <a:cs typeface="Calibri" panose="020F0502020204030204" pitchFamily="34" charset="0"/>
-                <a:sym typeface="Calibri"/>
               </a:rPr>
-              <a:t>Different pattern for core and non-core networks</a:t>
+              <a:t>The modules become smaller and more specific to land use types along the rarity gradient</a:t>
             </a:r>
-            <a:endParaRPr sz="2800" dirty="0">
+            <a:endParaRPr sz="4000" dirty="0">
               <a:latin typeface="Calibri" panose="020F0502020204030204" pitchFamily="34" charset="0"/>
               <a:cs typeface="Calibri" panose="020F0502020204030204" pitchFamily="34" charset="0"/>
               <a:sym typeface="Calibri"/>
@@ -17598,7 +20648,7 @@
 </p:sld>
 </file>
 
-<file path=ppt/slides/slide17.xml><?xml version="1.0" encoding="utf-8"?>
+<file path=ppt/slides/slide18.xml><?xml version="1.0" encoding="utf-8"?>
 <p:sld xmlns:a="http://schemas.openxmlformats.org/drawingml/2006/main" xmlns:r="http://schemas.openxmlformats.org/officeDocument/2006/relationships" xmlns:p="http://schemas.openxmlformats.org/presentationml/2006/main">
   <p:cSld>
     <p:spTree>
@@ -18212,7 +21262,7 @@
 </p:sld>
 </file>
 
-<file path=ppt/slides/slide18.xml><?xml version="1.0" encoding="utf-8"?>
+<file path=ppt/slides/slide19.xml><?xml version="1.0" encoding="utf-8"?>
 <p:sld xmlns:a="http://schemas.openxmlformats.org/drawingml/2006/main" xmlns:r="http://schemas.openxmlformats.org/officeDocument/2006/relationships" xmlns:p="http://schemas.openxmlformats.org/presentationml/2006/main">
   <p:cSld>
     <p:spTree>
@@ -18566,344 +21616,6 @@
     <p:extLst>
       <p:ext uri="{BB962C8B-B14F-4D97-AF65-F5344CB8AC3E}">
         <p14:creationId xmlns:p14="http://schemas.microsoft.com/office/powerpoint/2010/main" val="3177348350"/>
-      </p:ext>
-    </p:extLst>
-  </p:cSld>
-  <p:clrMapOvr>
-    <a:masterClrMapping/>
-  </p:clrMapOvr>
-</p:sld>
-</file>
-
-<file path=ppt/slides/slide19.xml><?xml version="1.0" encoding="utf-8"?>
-<p:sld xmlns:a="http://schemas.openxmlformats.org/drawingml/2006/main" xmlns:r="http://schemas.openxmlformats.org/officeDocument/2006/relationships" xmlns:p="http://schemas.openxmlformats.org/presentationml/2006/main">
-  <p:cSld>
-    <p:spTree>
-      <p:nvGrpSpPr>
-        <p:cNvPr id="1" name=""/>
-        <p:cNvGrpSpPr/>
-        <p:nvPr/>
-      </p:nvGrpSpPr>
-      <p:grpSpPr>
-        <a:xfrm>
-          <a:off x="0" y="0"/>
-          <a:ext cx="0" cy="0"/>
-          <a:chOff x="0" y="0"/>
-          <a:chExt cx="0" cy="0"/>
-        </a:xfrm>
-      </p:grpSpPr>
-      <p:sp>
-        <p:nvSpPr>
-          <p:cNvPr id="10" name="Content Placeholder 2">
-            <a:extLst>
-              <a:ext uri="{FF2B5EF4-FFF2-40B4-BE49-F238E27FC236}">
-                <a16:creationId xmlns:a16="http://schemas.microsoft.com/office/drawing/2014/main" id="{6191D3B6-9391-DC61-9862-02F5953A2361}"/>
-              </a:ext>
-            </a:extLst>
-          </p:cNvPr>
-          <p:cNvSpPr txBox="1">
-            <a:spLocks/>
-          </p:cNvSpPr>
-          <p:nvPr/>
-        </p:nvSpPr>
-        <p:spPr>
-          <a:xfrm>
-            <a:off x="770700" y="350693"/>
-            <a:ext cx="10085148" cy="734530"/>
-          </a:xfrm>
-          <a:prstGeom prst="rect">
-            <a:avLst/>
-          </a:prstGeom>
-        </p:spPr>
-        <p:txBody>
-          <a:bodyPr vert="horz" lIns="91440" tIns="45720" rIns="91440" bIns="45720" rtlCol="0">
-            <a:normAutofit/>
-          </a:bodyPr>
-          <a:lstStyle>
-            <a:lvl1pPr marL="228600" indent="-228600" algn="l" defTabSz="914400" rtl="0" eaLnBrk="1" latinLnBrk="0" hangingPunct="1">
-              <a:lnSpc>
-                <a:spcPct val="90000"/>
-              </a:lnSpc>
-              <a:spcBef>
-                <a:spcPts val="1000"/>
-              </a:spcBef>
-              <a:buFont typeface="Arial" panose="020B0604020202020204" pitchFamily="34" charset="0"/>
-              <a:buChar char="•"/>
-              <a:defRPr sz="2800" kern="1200">
-                <a:solidFill>
-                  <a:schemeClr val="tx1"/>
-                </a:solidFill>
-                <a:latin typeface="+mn-lt"/>
-                <a:ea typeface="+mn-ea"/>
-                <a:cs typeface="+mn-cs"/>
-              </a:defRPr>
-            </a:lvl1pPr>
-            <a:lvl2pPr marL="685800" indent="-228600" algn="l" defTabSz="914400" rtl="0" eaLnBrk="1" latinLnBrk="0" hangingPunct="1">
-              <a:lnSpc>
-                <a:spcPct val="90000"/>
-              </a:lnSpc>
-              <a:spcBef>
-                <a:spcPts val="500"/>
-              </a:spcBef>
-              <a:buFont typeface="Arial" panose="020B0604020202020204" pitchFamily="34" charset="0"/>
-              <a:buChar char="•"/>
-              <a:defRPr sz="2400" kern="1200">
-                <a:solidFill>
-                  <a:schemeClr val="tx1"/>
-                </a:solidFill>
-                <a:latin typeface="+mn-lt"/>
-                <a:ea typeface="+mn-ea"/>
-                <a:cs typeface="+mn-cs"/>
-              </a:defRPr>
-            </a:lvl2pPr>
-            <a:lvl3pPr marL="1143000" indent="-228600" algn="l" defTabSz="914400" rtl="0" eaLnBrk="1" latinLnBrk="0" hangingPunct="1">
-              <a:lnSpc>
-                <a:spcPct val="90000"/>
-              </a:lnSpc>
-              <a:spcBef>
-                <a:spcPts val="500"/>
-              </a:spcBef>
-              <a:buFont typeface="Arial" panose="020B0604020202020204" pitchFamily="34" charset="0"/>
-              <a:buChar char="•"/>
-              <a:defRPr sz="2000" kern="1200">
-                <a:solidFill>
-                  <a:schemeClr val="tx1"/>
-                </a:solidFill>
-                <a:latin typeface="+mn-lt"/>
-                <a:ea typeface="+mn-ea"/>
-                <a:cs typeface="+mn-cs"/>
-              </a:defRPr>
-            </a:lvl3pPr>
-            <a:lvl4pPr marL="1600200" indent="-228600" algn="l" defTabSz="914400" rtl="0" eaLnBrk="1" latinLnBrk="0" hangingPunct="1">
-              <a:lnSpc>
-                <a:spcPct val="90000"/>
-              </a:lnSpc>
-              <a:spcBef>
-                <a:spcPts val="500"/>
-              </a:spcBef>
-              <a:buFont typeface="Arial" panose="020B0604020202020204" pitchFamily="34" charset="0"/>
-              <a:buChar char="•"/>
-              <a:defRPr sz="1800" kern="1200">
-                <a:solidFill>
-                  <a:schemeClr val="tx1"/>
-                </a:solidFill>
-                <a:latin typeface="+mn-lt"/>
-                <a:ea typeface="+mn-ea"/>
-                <a:cs typeface="+mn-cs"/>
-              </a:defRPr>
-            </a:lvl4pPr>
-            <a:lvl5pPr marL="2057400" indent="-228600" algn="l" defTabSz="914400" rtl="0" eaLnBrk="1" latinLnBrk="0" hangingPunct="1">
-              <a:lnSpc>
-                <a:spcPct val="90000"/>
-              </a:lnSpc>
-              <a:spcBef>
-                <a:spcPts val="500"/>
-              </a:spcBef>
-              <a:buFont typeface="Arial" panose="020B0604020202020204" pitchFamily="34" charset="0"/>
-              <a:buChar char="•"/>
-              <a:defRPr sz="1800" kern="1200">
-                <a:solidFill>
-                  <a:schemeClr val="tx1"/>
-                </a:solidFill>
-                <a:latin typeface="+mn-lt"/>
-                <a:ea typeface="+mn-ea"/>
-                <a:cs typeface="+mn-cs"/>
-              </a:defRPr>
-            </a:lvl5pPr>
-            <a:lvl6pPr marL="2514600" indent="-228600" algn="l" defTabSz="914400" rtl="0" eaLnBrk="1" latinLnBrk="0" hangingPunct="1">
-              <a:lnSpc>
-                <a:spcPct val="90000"/>
-              </a:lnSpc>
-              <a:spcBef>
-                <a:spcPts val="500"/>
-              </a:spcBef>
-              <a:buFont typeface="Arial" panose="020B0604020202020204" pitchFamily="34" charset="0"/>
-              <a:buChar char="•"/>
-              <a:defRPr sz="1800" kern="1200">
-                <a:solidFill>
-                  <a:schemeClr val="tx1"/>
-                </a:solidFill>
-                <a:latin typeface="+mn-lt"/>
-                <a:ea typeface="+mn-ea"/>
-                <a:cs typeface="+mn-cs"/>
-              </a:defRPr>
-            </a:lvl6pPr>
-            <a:lvl7pPr marL="2971800" indent="-228600" algn="l" defTabSz="914400" rtl="0" eaLnBrk="1" latinLnBrk="0" hangingPunct="1">
-              <a:lnSpc>
-                <a:spcPct val="90000"/>
-              </a:lnSpc>
-              <a:spcBef>
-                <a:spcPts val="500"/>
-              </a:spcBef>
-              <a:buFont typeface="Arial" panose="020B0604020202020204" pitchFamily="34" charset="0"/>
-              <a:buChar char="•"/>
-              <a:defRPr sz="1800" kern="1200">
-                <a:solidFill>
-                  <a:schemeClr val="tx1"/>
-                </a:solidFill>
-                <a:latin typeface="+mn-lt"/>
-                <a:ea typeface="+mn-ea"/>
-                <a:cs typeface="+mn-cs"/>
-              </a:defRPr>
-            </a:lvl7pPr>
-            <a:lvl8pPr marL="3429000" indent="-228600" algn="l" defTabSz="914400" rtl="0" eaLnBrk="1" latinLnBrk="0" hangingPunct="1">
-              <a:lnSpc>
-                <a:spcPct val="90000"/>
-              </a:lnSpc>
-              <a:spcBef>
-                <a:spcPts val="500"/>
-              </a:spcBef>
-              <a:buFont typeface="Arial" panose="020B0604020202020204" pitchFamily="34" charset="0"/>
-              <a:buChar char="•"/>
-              <a:defRPr sz="1800" kern="1200">
-                <a:solidFill>
-                  <a:schemeClr val="tx1"/>
-                </a:solidFill>
-                <a:latin typeface="+mn-lt"/>
-                <a:ea typeface="+mn-ea"/>
-                <a:cs typeface="+mn-cs"/>
-              </a:defRPr>
-            </a:lvl8pPr>
-            <a:lvl9pPr marL="3886200" indent="-228600" algn="l" defTabSz="914400" rtl="0" eaLnBrk="1" latinLnBrk="0" hangingPunct="1">
-              <a:lnSpc>
-                <a:spcPct val="90000"/>
-              </a:lnSpc>
-              <a:spcBef>
-                <a:spcPts val="500"/>
-              </a:spcBef>
-              <a:buFont typeface="Arial" panose="020B0604020202020204" pitchFamily="34" charset="0"/>
-              <a:buChar char="•"/>
-              <a:defRPr sz="1800" kern="1200">
-                <a:solidFill>
-                  <a:schemeClr val="tx1"/>
-                </a:solidFill>
-                <a:latin typeface="+mn-lt"/>
-                <a:ea typeface="+mn-ea"/>
-                <a:cs typeface="+mn-cs"/>
-              </a:defRPr>
-            </a:lvl9pPr>
-          </a:lstStyle>
-          <a:p>
-            <a:pPr marL="0" indent="0">
-              <a:buNone/>
-            </a:pPr>
-            <a:r>
-              <a:rPr lang="en-US" sz="3600" b="1" dirty="0">
-                <a:latin typeface="Calibri" panose="020F0502020204030204" pitchFamily="34" charset="0"/>
-                <a:cs typeface="Calibri" panose="020F0502020204030204" pitchFamily="34" charset="0"/>
-                <a:sym typeface="Wingdings" panose="05000000000000000000" pitchFamily="2" charset="2"/>
-              </a:rPr>
-              <a:t>Network’s modules are indicative of the processes</a:t>
-            </a:r>
-            <a:endParaRPr lang="en-US" sz="3200" dirty="0">
-              <a:latin typeface="Calibri" panose="020F0502020204030204" pitchFamily="34" charset="0"/>
-              <a:cs typeface="Calibri" panose="020F0502020204030204" pitchFamily="34" charset="0"/>
-            </a:endParaRPr>
-          </a:p>
-        </p:txBody>
-      </p:sp>
-      <p:sp>
-        <p:nvSpPr>
-          <p:cNvPr id="4" name="TextBox 3">
-            <a:extLst>
-              <a:ext uri="{FF2B5EF4-FFF2-40B4-BE49-F238E27FC236}">
-                <a16:creationId xmlns:a16="http://schemas.microsoft.com/office/drawing/2014/main" id="{1875AC0A-BA5E-1D24-CD79-24BC560CA5E0}"/>
-              </a:ext>
-            </a:extLst>
-          </p:cNvPr>
-          <p:cNvSpPr txBox="1"/>
-          <p:nvPr/>
-        </p:nvSpPr>
-        <p:spPr>
-          <a:xfrm>
-            <a:off x="770700" y="1406770"/>
-            <a:ext cx="3950350" cy="3600986"/>
-          </a:xfrm>
-          <a:prstGeom prst="rect">
-            <a:avLst/>
-          </a:prstGeom>
-          <a:noFill/>
-        </p:spPr>
-        <p:txBody>
-          <a:bodyPr wrap="square">
-            <a:spAutoFit/>
-          </a:bodyPr>
-          <a:lstStyle/>
-          <a:p>
-            <a:r>
-              <a:rPr lang="en-IL" sz="3600" b="1" dirty="0">
-                <a:latin typeface="Calibri" panose="020F0502020204030204" pitchFamily="34" charset="0"/>
-                <a:cs typeface="Calibri" panose="020F0502020204030204" pitchFamily="34" charset="0"/>
-              </a:rPr>
-              <a:t>Rare</a:t>
-            </a:r>
-            <a:endParaRPr lang="en-IL" sz="2400" b="1" dirty="0">
-              <a:latin typeface="Calibri" panose="020F0502020204030204" pitchFamily="34" charset="0"/>
-              <a:cs typeface="Calibri" panose="020F0502020204030204" pitchFamily="34" charset="0"/>
-            </a:endParaRPr>
-          </a:p>
-          <a:p>
-            <a:pPr marL="342900" indent="-342900">
-              <a:buFont typeface="Arial" panose="020B0604020202020204" pitchFamily="34" charset="0"/>
-              <a:buChar char="•"/>
-            </a:pPr>
-            <a:r>
-              <a:rPr lang="en-IL" sz="2400" dirty="0">
-                <a:latin typeface="Calibri" panose="020F0502020204030204" pitchFamily="34" charset="0"/>
-                <a:cs typeface="Calibri" panose="020F0502020204030204" pitchFamily="34" charset="0"/>
-              </a:rPr>
-              <a:t>The modules capture microbe turnover due to dispersal limitation between hosts </a:t>
-            </a:r>
-          </a:p>
-          <a:p>
-            <a:pPr marL="342900" indent="-342900">
-              <a:buFont typeface="Arial" panose="020B0604020202020204" pitchFamily="34" charset="0"/>
-              <a:buChar char="•"/>
-            </a:pPr>
-            <a:r>
-              <a:rPr lang="en-IL" sz="2400" dirty="0">
-                <a:latin typeface="Calibri" panose="020F0502020204030204" pitchFamily="34" charset="0"/>
-                <a:cs typeface="Calibri" panose="020F0502020204030204" pitchFamily="34" charset="0"/>
-              </a:rPr>
-              <a:t>Neutral processes dominate the variation between hosts clustered in the same module</a:t>
-            </a:r>
-          </a:p>
-        </p:txBody>
-      </p:sp>
-      <p:pic>
-        <p:nvPicPr>
-          <p:cNvPr id="3" name="Picture 2" descr="A graph of different colored bars&#10;&#10;Description automatically generated">
-            <a:extLst>
-              <a:ext uri="{FF2B5EF4-FFF2-40B4-BE49-F238E27FC236}">
-                <a16:creationId xmlns:a16="http://schemas.microsoft.com/office/drawing/2014/main" id="{54866D33-E6B3-D523-C935-E4BE03A3655C}"/>
-              </a:ext>
-            </a:extLst>
-          </p:cNvPr>
-          <p:cNvPicPr>
-            <a:picLocks noChangeAspect="1"/>
-          </p:cNvPicPr>
-          <p:nvPr/>
-        </p:nvPicPr>
-        <p:blipFill>
-          <a:blip r:embed="rId3"/>
-          <a:stretch>
-            <a:fillRect/>
-          </a:stretch>
-        </p:blipFill>
-        <p:spPr>
-          <a:xfrm>
-            <a:off x="4721050" y="1527350"/>
-            <a:ext cx="7333954" cy="5238538"/>
-          </a:xfrm>
-          <a:prstGeom prst="rect">
-            <a:avLst/>
-          </a:prstGeom>
-        </p:spPr>
-      </p:pic>
-    </p:spTree>
-    <p:extLst>
-      <p:ext uri="{BB962C8B-B14F-4D97-AF65-F5344CB8AC3E}">
-        <p14:creationId xmlns:p14="http://schemas.microsoft.com/office/powerpoint/2010/main" val="3438632227"/>
       </p:ext>
     </p:extLst>
   </p:cSld>
@@ -19547,6 +22259,396 @@
         <p:spPr>
           <a:xfrm>
             <a:off x="770700" y="1406770"/>
+            <a:ext cx="3950350" cy="3600986"/>
+          </a:xfrm>
+          <a:prstGeom prst="rect">
+            <a:avLst/>
+          </a:prstGeom>
+          <a:noFill/>
+        </p:spPr>
+        <p:txBody>
+          <a:bodyPr wrap="square">
+            <a:spAutoFit/>
+          </a:bodyPr>
+          <a:lstStyle/>
+          <a:p>
+            <a:r>
+              <a:rPr lang="en-IL" sz="3600" b="1" dirty="0">
+                <a:latin typeface="Calibri" panose="020F0502020204030204" pitchFamily="34" charset="0"/>
+                <a:cs typeface="Calibri" panose="020F0502020204030204" pitchFamily="34" charset="0"/>
+              </a:rPr>
+              <a:t>Rare</a:t>
+            </a:r>
+            <a:endParaRPr lang="en-IL" sz="2400" b="1" dirty="0">
+              <a:latin typeface="Calibri" panose="020F0502020204030204" pitchFamily="34" charset="0"/>
+              <a:cs typeface="Calibri" panose="020F0502020204030204" pitchFamily="34" charset="0"/>
+            </a:endParaRPr>
+          </a:p>
+          <a:p>
+            <a:pPr marL="342900" indent="-342900">
+              <a:buFont typeface="Arial" panose="020B0604020202020204" pitchFamily="34" charset="0"/>
+              <a:buChar char="•"/>
+            </a:pPr>
+            <a:r>
+              <a:rPr lang="en-IL" sz="2400" dirty="0">
+                <a:latin typeface="Calibri" panose="020F0502020204030204" pitchFamily="34" charset="0"/>
+                <a:cs typeface="Calibri" panose="020F0502020204030204" pitchFamily="34" charset="0"/>
+              </a:rPr>
+              <a:t>The modules capture microbe turnover due to dispersal limitation between hosts </a:t>
+            </a:r>
+          </a:p>
+          <a:p>
+            <a:pPr marL="342900" indent="-342900">
+              <a:buFont typeface="Arial" panose="020B0604020202020204" pitchFamily="34" charset="0"/>
+              <a:buChar char="•"/>
+            </a:pPr>
+            <a:r>
+              <a:rPr lang="en-IL" sz="2400" dirty="0">
+                <a:latin typeface="Calibri" panose="020F0502020204030204" pitchFamily="34" charset="0"/>
+                <a:cs typeface="Calibri" panose="020F0502020204030204" pitchFamily="34" charset="0"/>
+              </a:rPr>
+              <a:t>Neutral processes dominate the variation between hosts clustered in the same module</a:t>
+            </a:r>
+          </a:p>
+        </p:txBody>
+      </p:sp>
+      <p:pic>
+        <p:nvPicPr>
+          <p:cNvPr id="3" name="Picture 2" descr="A graph of different colored bars&#10;&#10;Description automatically generated">
+            <a:extLst>
+              <a:ext uri="{FF2B5EF4-FFF2-40B4-BE49-F238E27FC236}">
+                <a16:creationId xmlns:a16="http://schemas.microsoft.com/office/drawing/2014/main" id="{54866D33-E6B3-D523-C935-E4BE03A3655C}"/>
+              </a:ext>
+            </a:extLst>
+          </p:cNvPr>
+          <p:cNvPicPr>
+            <a:picLocks noChangeAspect="1"/>
+          </p:cNvPicPr>
+          <p:nvPr/>
+        </p:nvPicPr>
+        <p:blipFill>
+          <a:blip r:embed="rId3"/>
+          <a:stretch>
+            <a:fillRect/>
+          </a:stretch>
+        </p:blipFill>
+        <p:spPr>
+          <a:xfrm>
+            <a:off x="4721050" y="1527350"/>
+            <a:ext cx="7333954" cy="5238538"/>
+          </a:xfrm>
+          <a:prstGeom prst="rect">
+            <a:avLst/>
+          </a:prstGeom>
+        </p:spPr>
+      </p:pic>
+      <p:sp>
+        <p:nvSpPr>
+          <p:cNvPr id="2" name="Rectangle 1">
+            <a:extLst>
+              <a:ext uri="{FF2B5EF4-FFF2-40B4-BE49-F238E27FC236}">
+                <a16:creationId xmlns:a16="http://schemas.microsoft.com/office/drawing/2014/main" id="{07F3F32E-A881-51BF-DB00-B4128F40E6C5}"/>
+              </a:ext>
+            </a:extLst>
+          </p:cNvPr>
+          <p:cNvSpPr/>
+          <p:nvPr/>
+        </p:nvSpPr>
+        <p:spPr>
+          <a:xfrm>
+            <a:off x="8394700" y="1527350"/>
+            <a:ext cx="1511300" cy="4340050"/>
+          </a:xfrm>
+          <a:prstGeom prst="rect">
+            <a:avLst/>
+          </a:prstGeom>
+          <a:noFill/>
+          <a:ln w="57150">
+            <a:solidFill>
+              <a:schemeClr val="accent1"/>
+            </a:solidFill>
+          </a:ln>
+        </p:spPr>
+        <p:style>
+          <a:lnRef idx="2">
+            <a:schemeClr val="accent1">
+              <a:shade val="15000"/>
+            </a:schemeClr>
+          </a:lnRef>
+          <a:fillRef idx="1">
+            <a:schemeClr val="accent1"/>
+          </a:fillRef>
+          <a:effectRef idx="0">
+            <a:schemeClr val="accent1"/>
+          </a:effectRef>
+          <a:fontRef idx="minor">
+            <a:schemeClr val="lt1"/>
+          </a:fontRef>
+        </p:style>
+        <p:txBody>
+          <a:bodyPr rtlCol="0" anchor="ctr"/>
+          <a:lstStyle/>
+          <a:p>
+            <a:pPr algn="ctr"/>
+            <a:endParaRPr lang="en-IL"/>
+          </a:p>
+        </p:txBody>
+      </p:sp>
+    </p:spTree>
+    <p:extLst>
+      <p:ext uri="{BB962C8B-B14F-4D97-AF65-F5344CB8AC3E}">
+        <p14:creationId xmlns:p14="http://schemas.microsoft.com/office/powerpoint/2010/main" val="3438632227"/>
+      </p:ext>
+    </p:extLst>
+  </p:cSld>
+  <p:clrMapOvr>
+    <a:masterClrMapping/>
+  </p:clrMapOvr>
+</p:sld>
+</file>
+
+<file path=ppt/slides/slide21.xml><?xml version="1.0" encoding="utf-8"?>
+<p:sld xmlns:a="http://schemas.openxmlformats.org/drawingml/2006/main" xmlns:r="http://schemas.openxmlformats.org/officeDocument/2006/relationships" xmlns:p="http://schemas.openxmlformats.org/presentationml/2006/main">
+  <p:cSld>
+    <p:spTree>
+      <p:nvGrpSpPr>
+        <p:cNvPr id="1" name=""/>
+        <p:cNvGrpSpPr/>
+        <p:nvPr/>
+      </p:nvGrpSpPr>
+      <p:grpSpPr>
+        <a:xfrm>
+          <a:off x="0" y="0"/>
+          <a:ext cx="0" cy="0"/>
+          <a:chOff x="0" y="0"/>
+          <a:chExt cx="0" cy="0"/>
+        </a:xfrm>
+      </p:grpSpPr>
+      <p:sp>
+        <p:nvSpPr>
+          <p:cNvPr id="10" name="Content Placeholder 2">
+            <a:extLst>
+              <a:ext uri="{FF2B5EF4-FFF2-40B4-BE49-F238E27FC236}">
+                <a16:creationId xmlns:a16="http://schemas.microsoft.com/office/drawing/2014/main" id="{6191D3B6-9391-DC61-9862-02F5953A2361}"/>
+              </a:ext>
+            </a:extLst>
+          </p:cNvPr>
+          <p:cNvSpPr txBox="1">
+            <a:spLocks/>
+          </p:cNvSpPr>
+          <p:nvPr/>
+        </p:nvSpPr>
+        <p:spPr>
+          <a:xfrm>
+            <a:off x="770700" y="350693"/>
+            <a:ext cx="10085148" cy="734530"/>
+          </a:xfrm>
+          <a:prstGeom prst="rect">
+            <a:avLst/>
+          </a:prstGeom>
+        </p:spPr>
+        <p:txBody>
+          <a:bodyPr vert="horz" lIns="91440" tIns="45720" rIns="91440" bIns="45720" rtlCol="0">
+            <a:normAutofit/>
+          </a:bodyPr>
+          <a:lstStyle>
+            <a:lvl1pPr marL="228600" indent="-228600" algn="l" defTabSz="914400" rtl="0" eaLnBrk="1" latinLnBrk="0" hangingPunct="1">
+              <a:lnSpc>
+                <a:spcPct val="90000"/>
+              </a:lnSpc>
+              <a:spcBef>
+                <a:spcPts val="1000"/>
+              </a:spcBef>
+              <a:buFont typeface="Arial" panose="020B0604020202020204" pitchFamily="34" charset="0"/>
+              <a:buChar char="•"/>
+              <a:defRPr sz="2800" kern="1200">
+                <a:solidFill>
+                  <a:schemeClr val="tx1"/>
+                </a:solidFill>
+                <a:latin typeface="+mn-lt"/>
+                <a:ea typeface="+mn-ea"/>
+                <a:cs typeface="+mn-cs"/>
+              </a:defRPr>
+            </a:lvl1pPr>
+            <a:lvl2pPr marL="685800" indent="-228600" algn="l" defTabSz="914400" rtl="0" eaLnBrk="1" latinLnBrk="0" hangingPunct="1">
+              <a:lnSpc>
+                <a:spcPct val="90000"/>
+              </a:lnSpc>
+              <a:spcBef>
+                <a:spcPts val="500"/>
+              </a:spcBef>
+              <a:buFont typeface="Arial" panose="020B0604020202020204" pitchFamily="34" charset="0"/>
+              <a:buChar char="•"/>
+              <a:defRPr sz="2400" kern="1200">
+                <a:solidFill>
+                  <a:schemeClr val="tx1"/>
+                </a:solidFill>
+                <a:latin typeface="+mn-lt"/>
+                <a:ea typeface="+mn-ea"/>
+                <a:cs typeface="+mn-cs"/>
+              </a:defRPr>
+            </a:lvl2pPr>
+            <a:lvl3pPr marL="1143000" indent="-228600" algn="l" defTabSz="914400" rtl="0" eaLnBrk="1" latinLnBrk="0" hangingPunct="1">
+              <a:lnSpc>
+                <a:spcPct val="90000"/>
+              </a:lnSpc>
+              <a:spcBef>
+                <a:spcPts val="500"/>
+              </a:spcBef>
+              <a:buFont typeface="Arial" panose="020B0604020202020204" pitchFamily="34" charset="0"/>
+              <a:buChar char="•"/>
+              <a:defRPr sz="2000" kern="1200">
+                <a:solidFill>
+                  <a:schemeClr val="tx1"/>
+                </a:solidFill>
+                <a:latin typeface="+mn-lt"/>
+                <a:ea typeface="+mn-ea"/>
+                <a:cs typeface="+mn-cs"/>
+              </a:defRPr>
+            </a:lvl3pPr>
+            <a:lvl4pPr marL="1600200" indent="-228600" algn="l" defTabSz="914400" rtl="0" eaLnBrk="1" latinLnBrk="0" hangingPunct="1">
+              <a:lnSpc>
+                <a:spcPct val="90000"/>
+              </a:lnSpc>
+              <a:spcBef>
+                <a:spcPts val="500"/>
+              </a:spcBef>
+              <a:buFont typeface="Arial" panose="020B0604020202020204" pitchFamily="34" charset="0"/>
+              <a:buChar char="•"/>
+              <a:defRPr sz="1800" kern="1200">
+                <a:solidFill>
+                  <a:schemeClr val="tx1"/>
+                </a:solidFill>
+                <a:latin typeface="+mn-lt"/>
+                <a:ea typeface="+mn-ea"/>
+                <a:cs typeface="+mn-cs"/>
+              </a:defRPr>
+            </a:lvl4pPr>
+            <a:lvl5pPr marL="2057400" indent="-228600" algn="l" defTabSz="914400" rtl="0" eaLnBrk="1" latinLnBrk="0" hangingPunct="1">
+              <a:lnSpc>
+                <a:spcPct val="90000"/>
+              </a:lnSpc>
+              <a:spcBef>
+                <a:spcPts val="500"/>
+              </a:spcBef>
+              <a:buFont typeface="Arial" panose="020B0604020202020204" pitchFamily="34" charset="0"/>
+              <a:buChar char="•"/>
+              <a:defRPr sz="1800" kern="1200">
+                <a:solidFill>
+                  <a:schemeClr val="tx1"/>
+                </a:solidFill>
+                <a:latin typeface="+mn-lt"/>
+                <a:ea typeface="+mn-ea"/>
+                <a:cs typeface="+mn-cs"/>
+              </a:defRPr>
+            </a:lvl5pPr>
+            <a:lvl6pPr marL="2514600" indent="-228600" algn="l" defTabSz="914400" rtl="0" eaLnBrk="1" latinLnBrk="0" hangingPunct="1">
+              <a:lnSpc>
+                <a:spcPct val="90000"/>
+              </a:lnSpc>
+              <a:spcBef>
+                <a:spcPts val="500"/>
+              </a:spcBef>
+              <a:buFont typeface="Arial" panose="020B0604020202020204" pitchFamily="34" charset="0"/>
+              <a:buChar char="•"/>
+              <a:defRPr sz="1800" kern="1200">
+                <a:solidFill>
+                  <a:schemeClr val="tx1"/>
+                </a:solidFill>
+                <a:latin typeface="+mn-lt"/>
+                <a:ea typeface="+mn-ea"/>
+                <a:cs typeface="+mn-cs"/>
+              </a:defRPr>
+            </a:lvl6pPr>
+            <a:lvl7pPr marL="2971800" indent="-228600" algn="l" defTabSz="914400" rtl="0" eaLnBrk="1" latinLnBrk="0" hangingPunct="1">
+              <a:lnSpc>
+                <a:spcPct val="90000"/>
+              </a:lnSpc>
+              <a:spcBef>
+                <a:spcPts val="500"/>
+              </a:spcBef>
+              <a:buFont typeface="Arial" panose="020B0604020202020204" pitchFamily="34" charset="0"/>
+              <a:buChar char="•"/>
+              <a:defRPr sz="1800" kern="1200">
+                <a:solidFill>
+                  <a:schemeClr val="tx1"/>
+                </a:solidFill>
+                <a:latin typeface="+mn-lt"/>
+                <a:ea typeface="+mn-ea"/>
+                <a:cs typeface="+mn-cs"/>
+              </a:defRPr>
+            </a:lvl7pPr>
+            <a:lvl8pPr marL="3429000" indent="-228600" algn="l" defTabSz="914400" rtl="0" eaLnBrk="1" latinLnBrk="0" hangingPunct="1">
+              <a:lnSpc>
+                <a:spcPct val="90000"/>
+              </a:lnSpc>
+              <a:spcBef>
+                <a:spcPts val="500"/>
+              </a:spcBef>
+              <a:buFont typeface="Arial" panose="020B0604020202020204" pitchFamily="34" charset="0"/>
+              <a:buChar char="•"/>
+              <a:defRPr sz="1800" kern="1200">
+                <a:solidFill>
+                  <a:schemeClr val="tx1"/>
+                </a:solidFill>
+                <a:latin typeface="+mn-lt"/>
+                <a:ea typeface="+mn-ea"/>
+                <a:cs typeface="+mn-cs"/>
+              </a:defRPr>
+            </a:lvl8pPr>
+            <a:lvl9pPr marL="3886200" indent="-228600" algn="l" defTabSz="914400" rtl="0" eaLnBrk="1" latinLnBrk="0" hangingPunct="1">
+              <a:lnSpc>
+                <a:spcPct val="90000"/>
+              </a:lnSpc>
+              <a:spcBef>
+                <a:spcPts val="500"/>
+              </a:spcBef>
+              <a:buFont typeface="Arial" panose="020B0604020202020204" pitchFamily="34" charset="0"/>
+              <a:buChar char="•"/>
+              <a:defRPr sz="1800" kern="1200">
+                <a:solidFill>
+                  <a:schemeClr val="tx1"/>
+                </a:solidFill>
+                <a:latin typeface="+mn-lt"/>
+                <a:ea typeface="+mn-ea"/>
+                <a:cs typeface="+mn-cs"/>
+              </a:defRPr>
+            </a:lvl9pPr>
+          </a:lstStyle>
+          <a:p>
+            <a:pPr marL="0" indent="0">
+              <a:buNone/>
+            </a:pPr>
+            <a:r>
+              <a:rPr lang="en-US" sz="3600" b="1" dirty="0">
+                <a:latin typeface="Calibri" panose="020F0502020204030204" pitchFamily="34" charset="0"/>
+                <a:cs typeface="Calibri" panose="020F0502020204030204" pitchFamily="34" charset="0"/>
+                <a:sym typeface="Wingdings" panose="05000000000000000000" pitchFamily="2" charset="2"/>
+              </a:rPr>
+              <a:t>Network’s modules are indicative of the processes</a:t>
+            </a:r>
+            <a:endParaRPr lang="en-US" sz="3200" dirty="0">
+              <a:latin typeface="Calibri" panose="020F0502020204030204" pitchFamily="34" charset="0"/>
+              <a:cs typeface="Calibri" panose="020F0502020204030204" pitchFamily="34" charset="0"/>
+            </a:endParaRPr>
+          </a:p>
+        </p:txBody>
+      </p:sp>
+      <p:sp>
+        <p:nvSpPr>
+          <p:cNvPr id="4" name="TextBox 3">
+            <a:extLst>
+              <a:ext uri="{FF2B5EF4-FFF2-40B4-BE49-F238E27FC236}">
+                <a16:creationId xmlns:a16="http://schemas.microsoft.com/office/drawing/2014/main" id="{1875AC0A-BA5E-1D24-CD79-24BC560CA5E0}"/>
+              </a:ext>
+            </a:extLst>
+          </p:cNvPr>
+          <p:cNvSpPr txBox="1"/>
+          <p:nvPr/>
+        </p:nvSpPr>
+        <p:spPr>
+          <a:xfrm>
+            <a:off x="770700" y="1406770"/>
             <a:ext cx="3950350" cy="3231654"/>
           </a:xfrm>
           <a:prstGeom prst="rect">
@@ -19630,6 +22732,58 @@
           </a:prstGeom>
         </p:spPr>
       </p:pic>
+      <p:sp>
+        <p:nvSpPr>
+          <p:cNvPr id="2" name="Rectangle 1">
+            <a:extLst>
+              <a:ext uri="{FF2B5EF4-FFF2-40B4-BE49-F238E27FC236}">
+                <a16:creationId xmlns:a16="http://schemas.microsoft.com/office/drawing/2014/main" id="{32676035-310F-6996-5D69-BA1FBD5CC221}"/>
+              </a:ext>
+            </a:extLst>
+          </p:cNvPr>
+          <p:cNvSpPr/>
+          <p:nvPr/>
+        </p:nvSpPr>
+        <p:spPr>
+          <a:xfrm>
+            <a:off x="6781800" y="1527350"/>
+            <a:ext cx="1511300" cy="4340050"/>
+          </a:xfrm>
+          <a:prstGeom prst="rect">
+            <a:avLst/>
+          </a:prstGeom>
+          <a:noFill/>
+          <a:ln w="57150">
+            <a:solidFill>
+              <a:schemeClr val="accent1"/>
+            </a:solidFill>
+          </a:ln>
+        </p:spPr>
+        <p:style>
+          <a:lnRef idx="2">
+            <a:schemeClr val="accent1">
+              <a:shade val="15000"/>
+            </a:schemeClr>
+          </a:lnRef>
+          <a:fillRef idx="1">
+            <a:schemeClr val="accent1"/>
+          </a:fillRef>
+          <a:effectRef idx="0">
+            <a:schemeClr val="accent1"/>
+          </a:effectRef>
+          <a:fontRef idx="minor">
+            <a:schemeClr val="lt1"/>
+          </a:fontRef>
+        </p:style>
+        <p:txBody>
+          <a:bodyPr rtlCol="0" anchor="ctr"/>
+          <a:lstStyle/>
+          <a:p>
+            <a:pPr algn="ctr"/>
+            <a:endParaRPr lang="en-IL"/>
+          </a:p>
+        </p:txBody>
+      </p:sp>
     </p:spTree>
     <p:extLst>
       <p:ext uri="{BB962C8B-B14F-4D97-AF65-F5344CB8AC3E}">
@@ -19643,7 +22797,7 @@
 </p:sld>
 </file>
 
-<file path=ppt/slides/slide21.xml><?xml version="1.0" encoding="utf-8"?>
+<file path=ppt/slides/slide22.xml><?xml version="1.0" encoding="utf-8"?>
 <p:sld xmlns:a="http://schemas.openxmlformats.org/drawingml/2006/main" xmlns:r="http://schemas.openxmlformats.org/officeDocument/2006/relationships" xmlns:p="http://schemas.openxmlformats.org/presentationml/2006/main">
   <p:cSld>
     <p:spTree>
@@ -19955,6 +23109,58 @@
           </a:prstGeom>
         </p:spPr>
       </p:pic>
+      <p:sp>
+        <p:nvSpPr>
+          <p:cNvPr id="2" name="Rectangle 1">
+            <a:extLst>
+              <a:ext uri="{FF2B5EF4-FFF2-40B4-BE49-F238E27FC236}">
+                <a16:creationId xmlns:a16="http://schemas.microsoft.com/office/drawing/2014/main" id="{596C0E0B-FDD4-68C1-731B-A3B7E165BBB4}"/>
+              </a:ext>
+            </a:extLst>
+          </p:cNvPr>
+          <p:cNvSpPr/>
+          <p:nvPr/>
+        </p:nvSpPr>
+        <p:spPr>
+          <a:xfrm>
+            <a:off x="5194300" y="1527350"/>
+            <a:ext cx="1511300" cy="4340050"/>
+          </a:xfrm>
+          <a:prstGeom prst="rect">
+            <a:avLst/>
+          </a:prstGeom>
+          <a:noFill/>
+          <a:ln w="57150">
+            <a:solidFill>
+              <a:schemeClr val="accent1"/>
+            </a:solidFill>
+          </a:ln>
+        </p:spPr>
+        <p:style>
+          <a:lnRef idx="2">
+            <a:schemeClr val="accent1">
+              <a:shade val="15000"/>
+            </a:schemeClr>
+          </a:lnRef>
+          <a:fillRef idx="1">
+            <a:schemeClr val="accent1"/>
+          </a:fillRef>
+          <a:effectRef idx="0">
+            <a:schemeClr val="accent1"/>
+          </a:effectRef>
+          <a:fontRef idx="minor">
+            <a:schemeClr val="lt1"/>
+          </a:fontRef>
+        </p:style>
+        <p:txBody>
+          <a:bodyPr rtlCol="0" anchor="ctr"/>
+          <a:lstStyle/>
+          <a:p>
+            <a:pPr algn="ctr"/>
+            <a:endParaRPr lang="en-IL"/>
+          </a:p>
+        </p:txBody>
+      </p:sp>
     </p:spTree>
     <p:extLst>
       <p:ext uri="{BB962C8B-B14F-4D97-AF65-F5344CB8AC3E}">
@@ -19968,7 +23174,7 @@
 </p:sld>
 </file>
 
-<file path=ppt/slides/slide22.xml><?xml version="1.0" encoding="utf-8"?>
+<file path=ppt/slides/slide23.xml><?xml version="1.0" encoding="utf-8"?>
 <p:sld xmlns:a="http://schemas.openxmlformats.org/drawingml/2006/main" xmlns:r="http://schemas.openxmlformats.org/officeDocument/2006/relationships" xmlns:p="http://schemas.openxmlformats.org/presentationml/2006/main">
   <p:cSld>
     <p:spTree>
@@ -20010,7 +23216,7 @@
         </p:spPr>
         <p:txBody>
           <a:bodyPr vert="horz" lIns="91440" tIns="45720" rIns="91440" bIns="45720" rtlCol="0">
-            <a:normAutofit fontScale="92500"/>
+            <a:normAutofit/>
           </a:bodyPr>
           <a:lstStyle>
             <a:lvl1pPr marL="228600" indent="-228600" algn="l" defTabSz="914400" rtl="0" eaLnBrk="1" latinLnBrk="0" hangingPunct="1">
@@ -20215,44 +23421,35 @@
                 <a:cs typeface="Calibri"/>
                 <a:sym typeface="Calibri"/>
               </a:rPr>
-              <a:t> What are the processes shaping the </a:t>
+              <a:t> </a:t>
             </a:r>
             <a:r>
-              <a:rPr lang="en-US" sz="3600" i="0" u="none" strike="noStrike" dirty="0">
+              <a:rPr lang="en-US" sz="3600" b="0" i="0" u="none" strike="noStrike" dirty="0">
                 <a:solidFill>
                   <a:srgbClr val="000000"/>
                 </a:solidFill>
-                <a:latin typeface="Calibri"/>
-                <a:ea typeface="Calibri"/>
-                <a:cs typeface="Calibri"/>
-                <a:sym typeface="Calibri"/>
+                <a:effectLst/>
+                <a:latin typeface="Calibri" panose="020F0502020204030204" pitchFamily="34" charset="0"/>
               </a:rPr>
-              <a:t>structure of host-microb</a:t>
+              <a:t>What processes shape host-microbe community structures </a:t>
             </a:r>
             <a:r>
-              <a:rPr lang="en-US" sz="3600" dirty="0">
-                <a:latin typeface="Calibri"/>
-                <a:ea typeface="Calibri"/>
-                <a:cs typeface="Calibri"/>
-                <a:sym typeface="Calibri"/>
-              </a:rPr>
-              <a:t>e communities </a:t>
-            </a:r>
-            <a:r>
-              <a:rPr lang="en-US" sz="3600" b="1" u="sng" dirty="0">
-                <a:latin typeface="Calibri"/>
-                <a:ea typeface="Calibri"/>
-                <a:cs typeface="Calibri"/>
-                <a:sym typeface="Calibri"/>
+              <a:rPr lang="en-US" sz="3600" b="1" i="0" u="sng" strike="noStrike" dirty="0">
+                <a:solidFill>
+                  <a:srgbClr val="000000"/>
+                </a:solidFill>
+                <a:effectLst/>
+                <a:latin typeface="Calibri" panose="020F0502020204030204" pitchFamily="34" charset="0"/>
               </a:rPr>
               <a:t>along a land use change gradient</a:t>
             </a:r>
             <a:r>
-              <a:rPr lang="en-US" sz="3600" dirty="0">
-                <a:latin typeface="Calibri"/>
-                <a:ea typeface="Calibri"/>
-                <a:cs typeface="Calibri"/>
-                <a:sym typeface="Calibri"/>
+              <a:rPr lang="en-US" sz="3600" b="0" i="0" u="none" strike="noStrike" dirty="0">
+                <a:solidFill>
+                  <a:srgbClr val="000000"/>
+                </a:solidFill>
+                <a:effectLst/>
+                <a:latin typeface="Calibri" panose="020F0502020204030204" pitchFamily="34" charset="0"/>
               </a:rPr>
               <a:t>?</a:t>
             </a:r>
@@ -20272,7 +23469,7 @@
 </p:sld>
 </file>
 
-<file path=ppt/slides/slide23.xml><?xml version="1.0" encoding="utf-8"?>
+<file path=ppt/slides/slide24.xml><?xml version="1.0" encoding="utf-8"?>
 <p:sld xmlns:a="http://schemas.openxmlformats.org/drawingml/2006/main" xmlns:r="http://schemas.openxmlformats.org/officeDocument/2006/relationships" xmlns:p="http://schemas.openxmlformats.org/presentationml/2006/main">
   <p:cSld>
     <p:spTree>
@@ -26802,7 +29999,7 @@
 </p:sld>
 </file>
 
-<file path=ppt/slides/slide24.xml><?xml version="1.0" encoding="utf-8"?>
+<file path=ppt/slides/slide25.xml><?xml version="1.0" encoding="utf-8"?>
 <p:sld xmlns:a="http://schemas.openxmlformats.org/drawingml/2006/main" xmlns:r="http://schemas.openxmlformats.org/officeDocument/2006/relationships" xmlns:p="http://schemas.openxmlformats.org/presentationml/2006/main">
   <p:cSld>
     <p:spTree>
@@ -26862,7 +30059,7 @@
 </p:sld>
 </file>
 
-<file path=ppt/slides/slide25.xml><?xml version="1.0" encoding="utf-8"?>
+<file path=ppt/slides/slide26.xml><?xml version="1.0" encoding="utf-8"?>
 <p:sld xmlns:a="http://schemas.openxmlformats.org/drawingml/2006/main" xmlns:r="http://schemas.openxmlformats.org/officeDocument/2006/relationships" xmlns:p="http://schemas.openxmlformats.org/presentationml/2006/main">
   <p:cSld>
     <p:spTree>
@@ -27109,7 +30306,7 @@
         </p:nvSpPr>
         <p:spPr>
           <a:xfrm>
-            <a:off x="5231702" y="5670523"/>
+            <a:off x="5256428" y="6172892"/>
             <a:ext cx="2434725" cy="1067661"/>
           </a:xfrm>
           <a:prstGeom prst="rect">
@@ -27319,7 +30516,7 @@
         </p:nvSpPr>
         <p:spPr>
           <a:xfrm>
-            <a:off x="1225621" y="4124905"/>
+            <a:off x="1573452" y="5179477"/>
             <a:ext cx="10085148" cy="1067661"/>
           </a:xfrm>
           <a:prstGeom prst="rect">
@@ -27527,6 +30724,35 @@
           </a:p>
         </p:txBody>
       </p:sp>
+      <p:pic>
+        <p:nvPicPr>
+          <p:cNvPr id="2" name="Picture 1">
+            <a:extLst>
+              <a:ext uri="{FF2B5EF4-FFF2-40B4-BE49-F238E27FC236}">
+                <a16:creationId xmlns:a16="http://schemas.microsoft.com/office/drawing/2014/main" id="{A8146B14-C00D-4E4D-8C66-2AD162496A31}"/>
+              </a:ext>
+            </a:extLst>
+          </p:cNvPr>
+          <p:cNvPicPr>
+            <a:picLocks noChangeAspect="1"/>
+          </p:cNvPicPr>
+          <p:nvPr/>
+        </p:nvPicPr>
+        <p:blipFill rotWithShape="1">
+          <a:blip r:embed="rId3"/>
+          <a:srcRect r="12207"/>
+          <a:stretch/>
+        </p:blipFill>
+        <p:spPr>
+          <a:xfrm>
+            <a:off x="3403776" y="2013444"/>
+            <a:ext cx="4287377" cy="3013802"/>
+          </a:xfrm>
+          <a:prstGeom prst="rect">
+            <a:avLst/>
+          </a:prstGeom>
+        </p:spPr>
+      </p:pic>
     </p:spTree>
     <p:extLst>
       <p:ext uri="{BB962C8B-B14F-4D97-AF65-F5344CB8AC3E}">
@@ -27649,7 +30875,7 @@
 </p:sld>
 </file>
 
-<file path=ppt/slides/slide26.xml><?xml version="1.0" encoding="utf-8"?>
+<file path=ppt/slides/slide27.xml><?xml version="1.0" encoding="utf-8"?>
 <p:sld xmlns:a="http://schemas.openxmlformats.org/drawingml/2006/main" xmlns:r="http://schemas.openxmlformats.org/officeDocument/2006/relationships" xmlns:p="http://schemas.openxmlformats.org/presentationml/2006/main">
   <p:cSld>
     <p:spTree>
@@ -27748,7 +30974,7 @@
 </p:sld>
 </file>
 
-<file path=ppt/slides/slide27.xml><?xml version="1.0" encoding="utf-8"?>
+<file path=ppt/slides/slide28.xml><?xml version="1.0" encoding="utf-8"?>
 <p:sld xmlns:a="http://schemas.openxmlformats.org/drawingml/2006/main" xmlns:r="http://schemas.openxmlformats.org/officeDocument/2006/relationships" xmlns:p="http://schemas.openxmlformats.org/presentationml/2006/main" show="0">
   <p:cSld>
     <p:spTree>
@@ -28078,7 +31304,7 @@
 </p:sld>
 </file>
 
-<file path=ppt/slides/slide28.xml><?xml version="1.0" encoding="utf-8"?>
+<file path=ppt/slides/slide29.xml><?xml version="1.0" encoding="utf-8"?>
 <p:sld xmlns:a="http://schemas.openxmlformats.org/drawingml/2006/main" xmlns:r="http://schemas.openxmlformats.org/officeDocument/2006/relationships" xmlns:p="http://schemas.openxmlformats.org/presentationml/2006/main" show="0">
   <p:cSld>
     <p:spTree>
@@ -28866,7 +32092,505 @@
 </p:sld>
 </file>
 
-<file path=ppt/slides/slide29.xml><?xml version="1.0" encoding="utf-8"?>
+<file path=ppt/slides/slide3.xml><?xml version="1.0" encoding="utf-8"?>
+<p:sld xmlns:a="http://schemas.openxmlformats.org/drawingml/2006/main" xmlns:r="http://schemas.openxmlformats.org/officeDocument/2006/relationships" xmlns:p="http://schemas.openxmlformats.org/presentationml/2006/main" show="0">
+  <p:cSld>
+    <p:spTree>
+      <p:nvGrpSpPr>
+        <p:cNvPr id="1" name="Shape 98"/>
+        <p:cNvGrpSpPr/>
+        <p:nvPr/>
+      </p:nvGrpSpPr>
+      <p:grpSpPr>
+        <a:xfrm>
+          <a:off x="0" y="0"/>
+          <a:ext cx="0" cy="0"/>
+          <a:chOff x="0" y="0"/>
+          <a:chExt cx="0" cy="0"/>
+        </a:xfrm>
+      </p:grpSpPr>
+      <p:pic>
+        <p:nvPicPr>
+          <p:cNvPr id="99" name="Google Shape;99;p2"/>
+          <p:cNvPicPr preferRelativeResize="0">
+            <a:picLocks noChangeAspect="1"/>
+          </p:cNvPicPr>
+          <p:nvPr/>
+        </p:nvPicPr>
+        <p:blipFill rotWithShape="1">
+          <a:blip r:embed="rId3">
+            <a:alphaModFix/>
+          </a:blip>
+          <a:srcRect/>
+          <a:stretch/>
+        </p:blipFill>
+        <p:spPr>
+          <a:xfrm>
+            <a:off x="6693219" y="318619"/>
+            <a:ext cx="5270710" cy="3989635"/>
+          </a:xfrm>
+          <a:prstGeom prst="rect">
+            <a:avLst/>
+          </a:prstGeom>
+          <a:noFill/>
+          <a:ln w="9525" cap="flat" cmpd="sng">
+            <a:solidFill>
+              <a:schemeClr val="dk1"/>
+            </a:solidFill>
+            <a:prstDash val="solid"/>
+            <a:round/>
+            <a:headEnd type="none" w="sm" len="sm"/>
+            <a:tailEnd type="none" w="sm" len="sm"/>
+          </a:ln>
+        </p:spPr>
+      </p:pic>
+      <p:sp>
+        <p:nvSpPr>
+          <p:cNvPr id="102" name="Google Shape;102;p2"/>
+          <p:cNvSpPr txBox="1"/>
+          <p:nvPr/>
+        </p:nvSpPr>
+        <p:spPr>
+          <a:xfrm>
+            <a:off x="8754653" y="1485120"/>
+            <a:ext cx="1838036" cy="523220"/>
+          </a:xfrm>
+          <a:prstGeom prst="rect">
+            <a:avLst/>
+          </a:prstGeom>
+          <a:solidFill>
+            <a:schemeClr val="lt2">
+              <a:alpha val="49803"/>
+            </a:schemeClr>
+          </a:solidFill>
+          <a:ln>
+            <a:noFill/>
+          </a:ln>
+        </p:spPr>
+        <p:txBody>
+          <a:bodyPr spcFirstLastPara="1" wrap="square" lIns="91425" tIns="45700" rIns="91425" bIns="45700" anchor="t" anchorCtr="0">
+            <a:spAutoFit/>
+          </a:bodyPr>
+          <a:lstStyle/>
+          <a:p>
+            <a:pPr marL="0" marR="0" lvl="0" indent="0" algn="ctr" rtl="0">
+              <a:spcBef>
+                <a:spcPts val="0"/>
+              </a:spcBef>
+              <a:spcAft>
+                <a:spcPts val="0"/>
+              </a:spcAft>
+              <a:buNone/>
+            </a:pPr>
+            <a:r>
+              <a:rPr lang="en-US" sz="2800" b="1">
+                <a:solidFill>
+                  <a:srgbClr val="002060"/>
+                </a:solidFill>
+                <a:latin typeface="Calibri"/>
+                <a:ea typeface="Calibri"/>
+                <a:cs typeface="Calibri"/>
+                <a:sym typeface="Calibri"/>
+              </a:rPr>
+              <a:t>Forest</a:t>
+            </a:r>
+            <a:endParaRPr/>
+          </a:p>
+        </p:txBody>
+      </p:sp>
+      <p:sp>
+        <p:nvSpPr>
+          <p:cNvPr id="103" name="Google Shape;103;p2"/>
+          <p:cNvSpPr txBox="1"/>
+          <p:nvPr/>
+        </p:nvSpPr>
+        <p:spPr>
+          <a:xfrm>
+            <a:off x="8084400" y="2245702"/>
+            <a:ext cx="1838036" cy="523220"/>
+          </a:xfrm>
+          <a:prstGeom prst="rect">
+            <a:avLst/>
+          </a:prstGeom>
+          <a:solidFill>
+            <a:schemeClr val="lt2">
+              <a:alpha val="49803"/>
+            </a:schemeClr>
+          </a:solidFill>
+          <a:ln>
+            <a:noFill/>
+          </a:ln>
+        </p:spPr>
+        <p:txBody>
+          <a:bodyPr spcFirstLastPara="1" wrap="square" lIns="91425" tIns="45700" rIns="91425" bIns="45700" anchor="t" anchorCtr="0">
+            <a:spAutoFit/>
+          </a:bodyPr>
+          <a:lstStyle/>
+          <a:p>
+            <a:pPr marL="0" marR="0" lvl="0" indent="0" algn="ctr" rtl="0">
+              <a:spcBef>
+                <a:spcPts val="0"/>
+              </a:spcBef>
+              <a:spcAft>
+                <a:spcPts val="0"/>
+              </a:spcAft>
+              <a:buNone/>
+            </a:pPr>
+            <a:r>
+              <a:rPr lang="en-US" sz="2800" b="1" dirty="0">
+                <a:solidFill>
+                  <a:srgbClr val="002060"/>
+                </a:solidFill>
+                <a:latin typeface="Calibri"/>
+                <a:ea typeface="Calibri"/>
+                <a:cs typeface="Calibri"/>
+                <a:sym typeface="Calibri"/>
+              </a:rPr>
+              <a:t>Agriculture</a:t>
+            </a:r>
+            <a:endParaRPr dirty="0"/>
+          </a:p>
+        </p:txBody>
+      </p:sp>
+      <p:sp>
+        <p:nvSpPr>
+          <p:cNvPr id="104" name="Google Shape;104;p2"/>
+          <p:cNvSpPr txBox="1"/>
+          <p:nvPr/>
+        </p:nvSpPr>
+        <p:spPr>
+          <a:xfrm>
+            <a:off x="7450518" y="3122079"/>
+            <a:ext cx="1838036" cy="523220"/>
+          </a:xfrm>
+          <a:prstGeom prst="rect">
+            <a:avLst/>
+          </a:prstGeom>
+          <a:solidFill>
+            <a:schemeClr val="lt2">
+              <a:alpha val="49803"/>
+            </a:schemeClr>
+          </a:solidFill>
+          <a:ln>
+            <a:noFill/>
+          </a:ln>
+        </p:spPr>
+        <p:txBody>
+          <a:bodyPr spcFirstLastPara="1" wrap="square" lIns="91425" tIns="45700" rIns="91425" bIns="45700" anchor="t" anchorCtr="0">
+            <a:spAutoFit/>
+          </a:bodyPr>
+          <a:lstStyle/>
+          <a:p>
+            <a:pPr marL="0" marR="0" lvl="0" indent="0" algn="ctr" rtl="0">
+              <a:spcBef>
+                <a:spcPts val="0"/>
+              </a:spcBef>
+              <a:spcAft>
+                <a:spcPts val="0"/>
+              </a:spcAft>
+              <a:buNone/>
+            </a:pPr>
+            <a:r>
+              <a:rPr lang="en-US" sz="2800" b="1" dirty="0">
+                <a:solidFill>
+                  <a:srgbClr val="002060"/>
+                </a:solidFill>
+                <a:latin typeface="Calibri"/>
+                <a:ea typeface="Calibri"/>
+                <a:cs typeface="Calibri"/>
+                <a:sym typeface="Calibri"/>
+              </a:rPr>
+              <a:t>Village</a:t>
+            </a:r>
+            <a:endParaRPr dirty="0"/>
+          </a:p>
+        </p:txBody>
+      </p:sp>
+      <p:sp>
+        <p:nvSpPr>
+          <p:cNvPr id="105" name="Google Shape;105;p2"/>
+          <p:cNvSpPr/>
+          <p:nvPr/>
+        </p:nvSpPr>
+        <p:spPr>
+          <a:xfrm>
+            <a:off x="2222096" y="1079619"/>
+            <a:ext cx="2728074" cy="729372"/>
+          </a:xfrm>
+          <a:prstGeom prst="roundRect">
+            <a:avLst>
+              <a:gd name="adj" fmla="val 16667"/>
+            </a:avLst>
+          </a:prstGeom>
+          <a:noFill/>
+          <a:ln w="9525" cap="flat" cmpd="sng">
+            <a:solidFill>
+              <a:schemeClr val="dk1"/>
+            </a:solidFill>
+            <a:prstDash val="solid"/>
+            <a:round/>
+            <a:headEnd type="none" w="sm" len="sm"/>
+            <a:tailEnd type="none" w="sm" len="sm"/>
+          </a:ln>
+        </p:spPr>
+        <p:txBody>
+          <a:bodyPr spcFirstLastPara="1" wrap="square" lIns="91425" tIns="45700" rIns="91425" bIns="45700" anchor="ctr" anchorCtr="0">
+            <a:normAutofit fontScale="85000" lnSpcReduction="10000"/>
+          </a:bodyPr>
+          <a:lstStyle/>
+          <a:p>
+            <a:pPr marL="0" marR="0" lvl="0" indent="0" algn="ctr" rtl="0">
+              <a:lnSpc>
+                <a:spcPct val="90000"/>
+              </a:lnSpc>
+              <a:spcBef>
+                <a:spcPts val="0"/>
+              </a:spcBef>
+              <a:spcAft>
+                <a:spcPts val="0"/>
+              </a:spcAft>
+              <a:buClr>
+                <a:schemeClr val="dk1"/>
+              </a:buClr>
+              <a:buSzPts val="3330"/>
+              <a:buFont typeface="Calibri"/>
+              <a:buNone/>
+            </a:pPr>
+            <a:r>
+              <a:rPr lang="en-US" sz="3330" b="1" u="none" dirty="0">
+                <a:solidFill>
+                  <a:schemeClr val="dk1"/>
+                </a:solidFill>
+                <a:latin typeface="Calibri"/>
+                <a:ea typeface="Calibri"/>
+                <a:cs typeface="Calibri"/>
+                <a:sym typeface="Calibri"/>
+              </a:rPr>
+              <a:t>Land use change</a:t>
+            </a:r>
+            <a:endParaRPr sz="3330" b="1" u="none" dirty="0">
+              <a:solidFill>
+                <a:schemeClr val="dk1"/>
+              </a:solidFill>
+              <a:latin typeface="Calibri"/>
+              <a:ea typeface="Calibri"/>
+              <a:cs typeface="Calibri"/>
+              <a:sym typeface="Calibri"/>
+            </a:endParaRPr>
+          </a:p>
+        </p:txBody>
+      </p:sp>
+      <p:sp>
+        <p:nvSpPr>
+          <p:cNvPr id="109" name="Google Shape;109;p2"/>
+          <p:cNvSpPr/>
+          <p:nvPr/>
+        </p:nvSpPr>
+        <p:spPr>
+          <a:xfrm>
+            <a:off x="2328883" y="5170630"/>
+            <a:ext cx="2351980" cy="954277"/>
+          </a:xfrm>
+          <a:prstGeom prst="roundRect">
+            <a:avLst>
+              <a:gd name="adj" fmla="val 16667"/>
+            </a:avLst>
+          </a:prstGeom>
+          <a:noFill/>
+          <a:ln w="38100" cap="flat" cmpd="sng">
+            <a:solidFill>
+              <a:srgbClr val="FF0000"/>
+            </a:solidFill>
+            <a:prstDash val="solid"/>
+            <a:round/>
+            <a:headEnd type="none" w="sm" len="sm"/>
+            <a:tailEnd type="none" w="sm" len="sm"/>
+          </a:ln>
+        </p:spPr>
+        <p:txBody>
+          <a:bodyPr spcFirstLastPara="1" wrap="square" lIns="91425" tIns="45700" rIns="91425" bIns="45700" anchor="ctr" anchorCtr="0">
+            <a:noAutofit/>
+          </a:bodyPr>
+          <a:lstStyle/>
+          <a:p>
+            <a:pPr marL="0" marR="0" lvl="0" indent="0" algn="ctr" rtl="0">
+              <a:lnSpc>
+                <a:spcPct val="80000"/>
+              </a:lnSpc>
+              <a:spcBef>
+                <a:spcPts val="0"/>
+              </a:spcBef>
+              <a:spcAft>
+                <a:spcPts val="0"/>
+              </a:spcAft>
+              <a:buClr>
+                <a:schemeClr val="dk1"/>
+              </a:buClr>
+              <a:buSzPts val="2960"/>
+              <a:buFont typeface="Calibri"/>
+              <a:buNone/>
+            </a:pPr>
+            <a:r>
+              <a:rPr lang="en-US" sz="3200" b="1" u="none" dirty="0">
+                <a:solidFill>
+                  <a:schemeClr val="dk1"/>
+                </a:solidFill>
+                <a:latin typeface="Calibri"/>
+                <a:ea typeface="Calibri"/>
+                <a:cs typeface="Calibri"/>
+                <a:sym typeface="Calibri"/>
+              </a:rPr>
+              <a:t>Host Microbiome</a:t>
+            </a:r>
+            <a:endParaRPr sz="3200" b="1" u="none" dirty="0">
+              <a:solidFill>
+                <a:schemeClr val="dk1"/>
+              </a:solidFill>
+              <a:latin typeface="Calibri"/>
+              <a:ea typeface="Calibri"/>
+              <a:cs typeface="Calibri"/>
+              <a:sym typeface="Calibri"/>
+            </a:endParaRPr>
+          </a:p>
+        </p:txBody>
+      </p:sp>
+      <p:sp>
+        <p:nvSpPr>
+          <p:cNvPr id="113" name="Google Shape;113;p2"/>
+          <p:cNvSpPr/>
+          <p:nvPr/>
+        </p:nvSpPr>
+        <p:spPr>
+          <a:xfrm>
+            <a:off x="3349045" y="4659037"/>
+            <a:ext cx="289577" cy="563617"/>
+          </a:xfrm>
+          <a:prstGeom prst="downArrow">
+            <a:avLst>
+              <a:gd name="adj1" fmla="val 50000"/>
+              <a:gd name="adj2" fmla="val 50000"/>
+            </a:avLst>
+          </a:prstGeom>
+          <a:solidFill>
+            <a:schemeClr val="accent1"/>
+          </a:solidFill>
+          <a:ln w="12700" cap="flat" cmpd="sng">
+            <a:solidFill>
+              <a:srgbClr val="31538F"/>
+            </a:solidFill>
+            <a:prstDash val="solid"/>
+            <a:miter lim="800000"/>
+            <a:headEnd type="none" w="sm" len="sm"/>
+            <a:tailEnd type="none" w="sm" len="sm"/>
+          </a:ln>
+        </p:spPr>
+        <p:txBody>
+          <a:bodyPr spcFirstLastPara="1" wrap="square" lIns="91425" tIns="45700" rIns="91425" bIns="45700" anchor="ctr" anchorCtr="0">
+            <a:noAutofit/>
+          </a:bodyPr>
+          <a:lstStyle/>
+          <a:p>
+            <a:pPr marL="0" marR="0" lvl="0" indent="0" algn="ctr" rtl="0">
+              <a:spcBef>
+                <a:spcPts val="0"/>
+              </a:spcBef>
+              <a:spcAft>
+                <a:spcPts val="0"/>
+              </a:spcAft>
+              <a:buNone/>
+            </a:pPr>
+            <a:endParaRPr sz="1800">
+              <a:solidFill>
+                <a:schemeClr val="lt1"/>
+              </a:solidFill>
+              <a:latin typeface="Calibri"/>
+              <a:ea typeface="Calibri"/>
+              <a:cs typeface="Calibri"/>
+              <a:sym typeface="Calibri"/>
+            </a:endParaRPr>
+          </a:p>
+        </p:txBody>
+      </p:sp>
+      <p:sp>
+        <p:nvSpPr>
+          <p:cNvPr id="14" name="TextBox 13">
+            <a:extLst>
+              <a:ext uri="{FF2B5EF4-FFF2-40B4-BE49-F238E27FC236}">
+                <a16:creationId xmlns:a16="http://schemas.microsoft.com/office/drawing/2014/main" id="{28327477-C188-7255-8EFC-FAAE2D3E9519}"/>
+              </a:ext>
+            </a:extLst>
+          </p:cNvPr>
+          <p:cNvSpPr txBox="1"/>
+          <p:nvPr/>
+        </p:nvSpPr>
+        <p:spPr>
+          <a:xfrm>
+            <a:off x="6330866" y="6537088"/>
+            <a:ext cx="5901178" cy="307777"/>
+          </a:xfrm>
+          <a:prstGeom prst="rect">
+            <a:avLst/>
+          </a:prstGeom>
+          <a:noFill/>
+        </p:spPr>
+        <p:txBody>
+          <a:bodyPr wrap="square" rtlCol="0">
+            <a:spAutoFit/>
+          </a:bodyPr>
+          <a:lstStyle/>
+          <a:p>
+            <a:r>
+              <a:rPr lang="en-US" dirty="0">
+                <a:latin typeface="Calibri" panose="020F0502020204030204" pitchFamily="34" charset="0"/>
+                <a:cs typeface="Calibri" panose="020F0502020204030204" pitchFamily="34" charset="0"/>
+              </a:rPr>
+              <a:t>Newbold et. al., 2015; Bernardo-</a:t>
+            </a:r>
+            <a:r>
+              <a:rPr lang="en-US" dirty="0" err="1">
+                <a:latin typeface="Calibri" panose="020F0502020204030204" pitchFamily="34" charset="0"/>
+                <a:cs typeface="Calibri" panose="020F0502020204030204" pitchFamily="34" charset="0"/>
+              </a:rPr>
+              <a:t>Carvo</a:t>
+            </a:r>
+            <a:r>
+              <a:rPr lang="en-US" dirty="0">
+                <a:latin typeface="Calibri" panose="020F0502020204030204" pitchFamily="34" charset="0"/>
+                <a:cs typeface="Calibri" panose="020F0502020204030204" pitchFamily="34" charset="0"/>
+              </a:rPr>
+              <a:t> et. al., 2020; </a:t>
+            </a:r>
+            <a:r>
+              <a:rPr lang="en-US" dirty="0" err="1">
+                <a:latin typeface="Calibri" panose="020F0502020204030204" pitchFamily="34" charset="0"/>
+                <a:cs typeface="Calibri" panose="020F0502020204030204" pitchFamily="34" charset="0"/>
+              </a:rPr>
+              <a:t>Fackelmann</a:t>
+            </a:r>
+            <a:r>
+              <a:rPr lang="en-US" dirty="0">
+                <a:latin typeface="Calibri" panose="020F0502020204030204" pitchFamily="34" charset="0"/>
+                <a:cs typeface="Calibri" panose="020F0502020204030204" pitchFamily="34" charset="0"/>
+              </a:rPr>
+              <a:t> et. al., 2021</a:t>
+            </a:r>
+          </a:p>
+        </p:txBody>
+      </p:sp>
+    </p:spTree>
+    <p:extLst>
+      <p:ext uri="{BB962C8B-B14F-4D97-AF65-F5344CB8AC3E}">
+        <p14:creationId xmlns:p14="http://schemas.microsoft.com/office/powerpoint/2010/main" val="116169187"/>
+      </p:ext>
+    </p:extLst>
+  </p:cSld>
+  <p:clrMapOvr>
+    <a:masterClrMapping/>
+  </p:clrMapOvr>
+</p:sld>
+</file>
+
+<file path=ppt/slides/slide30.xml><?xml version="1.0" encoding="utf-8"?>
 <p:sld xmlns:a="http://schemas.openxmlformats.org/drawingml/2006/main" xmlns:r="http://schemas.openxmlformats.org/officeDocument/2006/relationships" xmlns:p="http://schemas.openxmlformats.org/presentationml/2006/main" show="0">
   <p:cSld>
     <p:spTree>
@@ -29276,505 +33000,7 @@
 </p:sld>
 </file>
 
-<file path=ppt/slides/slide3.xml><?xml version="1.0" encoding="utf-8"?>
-<p:sld xmlns:a="http://schemas.openxmlformats.org/drawingml/2006/main" xmlns:r="http://schemas.openxmlformats.org/officeDocument/2006/relationships" xmlns:p="http://schemas.openxmlformats.org/presentationml/2006/main">
-  <p:cSld>
-    <p:spTree>
-      <p:nvGrpSpPr>
-        <p:cNvPr id="1" name="Shape 98"/>
-        <p:cNvGrpSpPr/>
-        <p:nvPr/>
-      </p:nvGrpSpPr>
-      <p:grpSpPr>
-        <a:xfrm>
-          <a:off x="0" y="0"/>
-          <a:ext cx="0" cy="0"/>
-          <a:chOff x="0" y="0"/>
-          <a:chExt cx="0" cy="0"/>
-        </a:xfrm>
-      </p:grpSpPr>
-      <p:pic>
-        <p:nvPicPr>
-          <p:cNvPr id="99" name="Google Shape;99;p2"/>
-          <p:cNvPicPr preferRelativeResize="0">
-            <a:picLocks noChangeAspect="1"/>
-          </p:cNvPicPr>
-          <p:nvPr/>
-        </p:nvPicPr>
-        <p:blipFill rotWithShape="1">
-          <a:blip r:embed="rId3">
-            <a:alphaModFix/>
-          </a:blip>
-          <a:srcRect/>
-          <a:stretch/>
-        </p:blipFill>
-        <p:spPr>
-          <a:xfrm>
-            <a:off x="6693219" y="318619"/>
-            <a:ext cx="5270710" cy="3989635"/>
-          </a:xfrm>
-          <a:prstGeom prst="rect">
-            <a:avLst/>
-          </a:prstGeom>
-          <a:noFill/>
-          <a:ln w="9525" cap="flat" cmpd="sng">
-            <a:solidFill>
-              <a:schemeClr val="dk1"/>
-            </a:solidFill>
-            <a:prstDash val="solid"/>
-            <a:round/>
-            <a:headEnd type="none" w="sm" len="sm"/>
-            <a:tailEnd type="none" w="sm" len="sm"/>
-          </a:ln>
-        </p:spPr>
-      </p:pic>
-      <p:sp>
-        <p:nvSpPr>
-          <p:cNvPr id="102" name="Google Shape;102;p2"/>
-          <p:cNvSpPr txBox="1"/>
-          <p:nvPr/>
-        </p:nvSpPr>
-        <p:spPr>
-          <a:xfrm>
-            <a:off x="8754653" y="1485120"/>
-            <a:ext cx="1838036" cy="523220"/>
-          </a:xfrm>
-          <a:prstGeom prst="rect">
-            <a:avLst/>
-          </a:prstGeom>
-          <a:solidFill>
-            <a:schemeClr val="lt2">
-              <a:alpha val="49803"/>
-            </a:schemeClr>
-          </a:solidFill>
-          <a:ln>
-            <a:noFill/>
-          </a:ln>
-        </p:spPr>
-        <p:txBody>
-          <a:bodyPr spcFirstLastPara="1" wrap="square" lIns="91425" tIns="45700" rIns="91425" bIns="45700" anchor="t" anchorCtr="0">
-            <a:spAutoFit/>
-          </a:bodyPr>
-          <a:lstStyle/>
-          <a:p>
-            <a:pPr marL="0" marR="0" lvl="0" indent="0" algn="ctr" rtl="0">
-              <a:spcBef>
-                <a:spcPts val="0"/>
-              </a:spcBef>
-              <a:spcAft>
-                <a:spcPts val="0"/>
-              </a:spcAft>
-              <a:buNone/>
-            </a:pPr>
-            <a:r>
-              <a:rPr lang="en-US" sz="2800" b="1">
-                <a:solidFill>
-                  <a:srgbClr val="002060"/>
-                </a:solidFill>
-                <a:latin typeface="Calibri"/>
-                <a:ea typeface="Calibri"/>
-                <a:cs typeface="Calibri"/>
-                <a:sym typeface="Calibri"/>
-              </a:rPr>
-              <a:t>Forest</a:t>
-            </a:r>
-            <a:endParaRPr/>
-          </a:p>
-        </p:txBody>
-      </p:sp>
-      <p:sp>
-        <p:nvSpPr>
-          <p:cNvPr id="103" name="Google Shape;103;p2"/>
-          <p:cNvSpPr txBox="1"/>
-          <p:nvPr/>
-        </p:nvSpPr>
-        <p:spPr>
-          <a:xfrm>
-            <a:off x="8084400" y="2245702"/>
-            <a:ext cx="1838036" cy="523220"/>
-          </a:xfrm>
-          <a:prstGeom prst="rect">
-            <a:avLst/>
-          </a:prstGeom>
-          <a:solidFill>
-            <a:schemeClr val="lt2">
-              <a:alpha val="49803"/>
-            </a:schemeClr>
-          </a:solidFill>
-          <a:ln>
-            <a:noFill/>
-          </a:ln>
-        </p:spPr>
-        <p:txBody>
-          <a:bodyPr spcFirstLastPara="1" wrap="square" lIns="91425" tIns="45700" rIns="91425" bIns="45700" anchor="t" anchorCtr="0">
-            <a:spAutoFit/>
-          </a:bodyPr>
-          <a:lstStyle/>
-          <a:p>
-            <a:pPr marL="0" marR="0" lvl="0" indent="0" algn="ctr" rtl="0">
-              <a:spcBef>
-                <a:spcPts val="0"/>
-              </a:spcBef>
-              <a:spcAft>
-                <a:spcPts val="0"/>
-              </a:spcAft>
-              <a:buNone/>
-            </a:pPr>
-            <a:r>
-              <a:rPr lang="en-US" sz="2800" b="1" dirty="0">
-                <a:solidFill>
-                  <a:srgbClr val="002060"/>
-                </a:solidFill>
-                <a:latin typeface="Calibri"/>
-                <a:ea typeface="Calibri"/>
-                <a:cs typeface="Calibri"/>
-                <a:sym typeface="Calibri"/>
-              </a:rPr>
-              <a:t>Agriculture</a:t>
-            </a:r>
-            <a:endParaRPr dirty="0"/>
-          </a:p>
-        </p:txBody>
-      </p:sp>
-      <p:sp>
-        <p:nvSpPr>
-          <p:cNvPr id="104" name="Google Shape;104;p2"/>
-          <p:cNvSpPr txBox="1"/>
-          <p:nvPr/>
-        </p:nvSpPr>
-        <p:spPr>
-          <a:xfrm>
-            <a:off x="7450518" y="3122079"/>
-            <a:ext cx="1838036" cy="523220"/>
-          </a:xfrm>
-          <a:prstGeom prst="rect">
-            <a:avLst/>
-          </a:prstGeom>
-          <a:solidFill>
-            <a:schemeClr val="lt2">
-              <a:alpha val="49803"/>
-            </a:schemeClr>
-          </a:solidFill>
-          <a:ln>
-            <a:noFill/>
-          </a:ln>
-        </p:spPr>
-        <p:txBody>
-          <a:bodyPr spcFirstLastPara="1" wrap="square" lIns="91425" tIns="45700" rIns="91425" bIns="45700" anchor="t" anchorCtr="0">
-            <a:spAutoFit/>
-          </a:bodyPr>
-          <a:lstStyle/>
-          <a:p>
-            <a:pPr marL="0" marR="0" lvl="0" indent="0" algn="ctr" rtl="0">
-              <a:spcBef>
-                <a:spcPts val="0"/>
-              </a:spcBef>
-              <a:spcAft>
-                <a:spcPts val="0"/>
-              </a:spcAft>
-              <a:buNone/>
-            </a:pPr>
-            <a:r>
-              <a:rPr lang="en-US" sz="2800" b="1" dirty="0">
-                <a:solidFill>
-                  <a:srgbClr val="002060"/>
-                </a:solidFill>
-                <a:latin typeface="Calibri"/>
-                <a:ea typeface="Calibri"/>
-                <a:cs typeface="Calibri"/>
-                <a:sym typeface="Calibri"/>
-              </a:rPr>
-              <a:t>Village</a:t>
-            </a:r>
-            <a:endParaRPr dirty="0"/>
-          </a:p>
-        </p:txBody>
-      </p:sp>
-      <p:sp>
-        <p:nvSpPr>
-          <p:cNvPr id="105" name="Google Shape;105;p2"/>
-          <p:cNvSpPr/>
-          <p:nvPr/>
-        </p:nvSpPr>
-        <p:spPr>
-          <a:xfrm>
-            <a:off x="2222096" y="1079619"/>
-            <a:ext cx="2728074" cy="729372"/>
-          </a:xfrm>
-          <a:prstGeom prst="roundRect">
-            <a:avLst>
-              <a:gd name="adj" fmla="val 16667"/>
-            </a:avLst>
-          </a:prstGeom>
-          <a:noFill/>
-          <a:ln w="9525" cap="flat" cmpd="sng">
-            <a:solidFill>
-              <a:schemeClr val="dk1"/>
-            </a:solidFill>
-            <a:prstDash val="solid"/>
-            <a:round/>
-            <a:headEnd type="none" w="sm" len="sm"/>
-            <a:tailEnd type="none" w="sm" len="sm"/>
-          </a:ln>
-        </p:spPr>
-        <p:txBody>
-          <a:bodyPr spcFirstLastPara="1" wrap="square" lIns="91425" tIns="45700" rIns="91425" bIns="45700" anchor="ctr" anchorCtr="0">
-            <a:normAutofit fontScale="85000" lnSpcReduction="10000"/>
-          </a:bodyPr>
-          <a:lstStyle/>
-          <a:p>
-            <a:pPr marL="0" marR="0" lvl="0" indent="0" algn="ctr" rtl="0">
-              <a:lnSpc>
-                <a:spcPct val="90000"/>
-              </a:lnSpc>
-              <a:spcBef>
-                <a:spcPts val="0"/>
-              </a:spcBef>
-              <a:spcAft>
-                <a:spcPts val="0"/>
-              </a:spcAft>
-              <a:buClr>
-                <a:schemeClr val="dk1"/>
-              </a:buClr>
-              <a:buSzPts val="3330"/>
-              <a:buFont typeface="Calibri"/>
-              <a:buNone/>
-            </a:pPr>
-            <a:r>
-              <a:rPr lang="en-US" sz="3330" b="1" u="none" dirty="0">
-                <a:solidFill>
-                  <a:schemeClr val="dk1"/>
-                </a:solidFill>
-                <a:latin typeface="Calibri"/>
-                <a:ea typeface="Calibri"/>
-                <a:cs typeface="Calibri"/>
-                <a:sym typeface="Calibri"/>
-              </a:rPr>
-              <a:t>Land use change</a:t>
-            </a:r>
-            <a:endParaRPr sz="3330" b="1" u="none" dirty="0">
-              <a:solidFill>
-                <a:schemeClr val="dk1"/>
-              </a:solidFill>
-              <a:latin typeface="Calibri"/>
-              <a:ea typeface="Calibri"/>
-              <a:cs typeface="Calibri"/>
-              <a:sym typeface="Calibri"/>
-            </a:endParaRPr>
-          </a:p>
-        </p:txBody>
-      </p:sp>
-      <p:sp>
-        <p:nvSpPr>
-          <p:cNvPr id="109" name="Google Shape;109;p2"/>
-          <p:cNvSpPr/>
-          <p:nvPr/>
-        </p:nvSpPr>
-        <p:spPr>
-          <a:xfrm>
-            <a:off x="2328883" y="5170630"/>
-            <a:ext cx="2351980" cy="954277"/>
-          </a:xfrm>
-          <a:prstGeom prst="roundRect">
-            <a:avLst>
-              <a:gd name="adj" fmla="val 16667"/>
-            </a:avLst>
-          </a:prstGeom>
-          <a:noFill/>
-          <a:ln w="38100" cap="flat" cmpd="sng">
-            <a:solidFill>
-              <a:srgbClr val="FF0000"/>
-            </a:solidFill>
-            <a:prstDash val="solid"/>
-            <a:round/>
-            <a:headEnd type="none" w="sm" len="sm"/>
-            <a:tailEnd type="none" w="sm" len="sm"/>
-          </a:ln>
-        </p:spPr>
-        <p:txBody>
-          <a:bodyPr spcFirstLastPara="1" wrap="square" lIns="91425" tIns="45700" rIns="91425" bIns="45700" anchor="ctr" anchorCtr="0">
-            <a:noAutofit/>
-          </a:bodyPr>
-          <a:lstStyle/>
-          <a:p>
-            <a:pPr marL="0" marR="0" lvl="0" indent="0" algn="ctr" rtl="0">
-              <a:lnSpc>
-                <a:spcPct val="80000"/>
-              </a:lnSpc>
-              <a:spcBef>
-                <a:spcPts val="0"/>
-              </a:spcBef>
-              <a:spcAft>
-                <a:spcPts val="0"/>
-              </a:spcAft>
-              <a:buClr>
-                <a:schemeClr val="dk1"/>
-              </a:buClr>
-              <a:buSzPts val="2960"/>
-              <a:buFont typeface="Calibri"/>
-              <a:buNone/>
-            </a:pPr>
-            <a:r>
-              <a:rPr lang="en-US" sz="3200" b="1" u="none" dirty="0">
-                <a:solidFill>
-                  <a:schemeClr val="dk1"/>
-                </a:solidFill>
-                <a:latin typeface="Calibri"/>
-                <a:ea typeface="Calibri"/>
-                <a:cs typeface="Calibri"/>
-                <a:sym typeface="Calibri"/>
-              </a:rPr>
-              <a:t>Host Microbiome</a:t>
-            </a:r>
-            <a:endParaRPr sz="3200" b="1" u="none" dirty="0">
-              <a:solidFill>
-                <a:schemeClr val="dk1"/>
-              </a:solidFill>
-              <a:latin typeface="Calibri"/>
-              <a:ea typeface="Calibri"/>
-              <a:cs typeface="Calibri"/>
-              <a:sym typeface="Calibri"/>
-            </a:endParaRPr>
-          </a:p>
-        </p:txBody>
-      </p:sp>
-      <p:sp>
-        <p:nvSpPr>
-          <p:cNvPr id="113" name="Google Shape;113;p2"/>
-          <p:cNvSpPr/>
-          <p:nvPr/>
-        </p:nvSpPr>
-        <p:spPr>
-          <a:xfrm>
-            <a:off x="3349045" y="4659037"/>
-            <a:ext cx="289577" cy="563617"/>
-          </a:xfrm>
-          <a:prstGeom prst="downArrow">
-            <a:avLst>
-              <a:gd name="adj1" fmla="val 50000"/>
-              <a:gd name="adj2" fmla="val 50000"/>
-            </a:avLst>
-          </a:prstGeom>
-          <a:solidFill>
-            <a:schemeClr val="accent1"/>
-          </a:solidFill>
-          <a:ln w="12700" cap="flat" cmpd="sng">
-            <a:solidFill>
-              <a:srgbClr val="31538F"/>
-            </a:solidFill>
-            <a:prstDash val="solid"/>
-            <a:miter lim="800000"/>
-            <a:headEnd type="none" w="sm" len="sm"/>
-            <a:tailEnd type="none" w="sm" len="sm"/>
-          </a:ln>
-        </p:spPr>
-        <p:txBody>
-          <a:bodyPr spcFirstLastPara="1" wrap="square" lIns="91425" tIns="45700" rIns="91425" bIns="45700" anchor="ctr" anchorCtr="0">
-            <a:noAutofit/>
-          </a:bodyPr>
-          <a:lstStyle/>
-          <a:p>
-            <a:pPr marL="0" marR="0" lvl="0" indent="0" algn="ctr" rtl="0">
-              <a:spcBef>
-                <a:spcPts val="0"/>
-              </a:spcBef>
-              <a:spcAft>
-                <a:spcPts val="0"/>
-              </a:spcAft>
-              <a:buNone/>
-            </a:pPr>
-            <a:endParaRPr sz="1800">
-              <a:solidFill>
-                <a:schemeClr val="lt1"/>
-              </a:solidFill>
-              <a:latin typeface="Calibri"/>
-              <a:ea typeface="Calibri"/>
-              <a:cs typeface="Calibri"/>
-              <a:sym typeface="Calibri"/>
-            </a:endParaRPr>
-          </a:p>
-        </p:txBody>
-      </p:sp>
-      <p:sp>
-        <p:nvSpPr>
-          <p:cNvPr id="14" name="TextBox 13">
-            <a:extLst>
-              <a:ext uri="{FF2B5EF4-FFF2-40B4-BE49-F238E27FC236}">
-                <a16:creationId xmlns:a16="http://schemas.microsoft.com/office/drawing/2014/main" id="{28327477-C188-7255-8EFC-FAAE2D3E9519}"/>
-              </a:ext>
-            </a:extLst>
-          </p:cNvPr>
-          <p:cNvSpPr txBox="1"/>
-          <p:nvPr/>
-        </p:nvSpPr>
-        <p:spPr>
-          <a:xfrm>
-            <a:off x="6330866" y="6537088"/>
-            <a:ext cx="5901178" cy="307777"/>
-          </a:xfrm>
-          <a:prstGeom prst="rect">
-            <a:avLst/>
-          </a:prstGeom>
-          <a:noFill/>
-        </p:spPr>
-        <p:txBody>
-          <a:bodyPr wrap="square" rtlCol="0">
-            <a:spAutoFit/>
-          </a:bodyPr>
-          <a:lstStyle/>
-          <a:p>
-            <a:r>
-              <a:rPr lang="en-US" dirty="0">
-                <a:latin typeface="Calibri" panose="020F0502020204030204" pitchFamily="34" charset="0"/>
-                <a:cs typeface="Calibri" panose="020F0502020204030204" pitchFamily="34" charset="0"/>
-              </a:rPr>
-              <a:t>Newbold et. al., 2015; Bernardo-</a:t>
-            </a:r>
-            <a:r>
-              <a:rPr lang="en-US" dirty="0" err="1">
-                <a:latin typeface="Calibri" panose="020F0502020204030204" pitchFamily="34" charset="0"/>
-                <a:cs typeface="Calibri" panose="020F0502020204030204" pitchFamily="34" charset="0"/>
-              </a:rPr>
-              <a:t>Carvo</a:t>
-            </a:r>
-            <a:r>
-              <a:rPr lang="en-US" dirty="0">
-                <a:latin typeface="Calibri" panose="020F0502020204030204" pitchFamily="34" charset="0"/>
-                <a:cs typeface="Calibri" panose="020F0502020204030204" pitchFamily="34" charset="0"/>
-              </a:rPr>
-              <a:t> et. al., 2020; </a:t>
-            </a:r>
-            <a:r>
-              <a:rPr lang="en-US" dirty="0" err="1">
-                <a:latin typeface="Calibri" panose="020F0502020204030204" pitchFamily="34" charset="0"/>
-                <a:cs typeface="Calibri" panose="020F0502020204030204" pitchFamily="34" charset="0"/>
-              </a:rPr>
-              <a:t>Fackelmann</a:t>
-            </a:r>
-            <a:r>
-              <a:rPr lang="en-US" dirty="0">
-                <a:latin typeface="Calibri" panose="020F0502020204030204" pitchFamily="34" charset="0"/>
-                <a:cs typeface="Calibri" panose="020F0502020204030204" pitchFamily="34" charset="0"/>
-              </a:rPr>
-              <a:t> et. al., 2021</a:t>
-            </a:r>
-          </a:p>
-        </p:txBody>
-      </p:sp>
-    </p:spTree>
-    <p:extLst>
-      <p:ext uri="{BB962C8B-B14F-4D97-AF65-F5344CB8AC3E}">
-        <p14:creationId xmlns:p14="http://schemas.microsoft.com/office/powerpoint/2010/main" val="116169187"/>
-      </p:ext>
-    </p:extLst>
-  </p:cSld>
-  <p:clrMapOvr>
-    <a:masterClrMapping/>
-  </p:clrMapOvr>
-</p:sld>
-</file>
-
-<file path=ppt/slides/slide30.xml><?xml version="1.0" encoding="utf-8"?>
+<file path=ppt/slides/slide31.xml><?xml version="1.0" encoding="utf-8"?>
 <p:sld xmlns:a="http://schemas.openxmlformats.org/drawingml/2006/main" xmlns:r="http://schemas.openxmlformats.org/officeDocument/2006/relationships" xmlns:p="http://schemas.openxmlformats.org/presentationml/2006/main" show="0">
   <p:cSld>
     <p:spTree>
@@ -29873,7 +33099,7 @@
 </p:sld>
 </file>
 
-<file path=ppt/slides/slide31.xml><?xml version="1.0" encoding="utf-8"?>
+<file path=ppt/slides/slide32.xml><?xml version="1.0" encoding="utf-8"?>
 <p:sld xmlns:a="http://schemas.openxmlformats.org/drawingml/2006/main" xmlns:r="http://schemas.openxmlformats.org/officeDocument/2006/relationships" xmlns:p="http://schemas.openxmlformats.org/presentationml/2006/main" show="0">
   <p:cSld>
     <p:spTree>
@@ -31048,7 +34274,7 @@
 </file>
 
 <file path=ppt/slides/slide4.xml><?xml version="1.0" encoding="utf-8"?>
-<p:sld xmlns:a="http://schemas.openxmlformats.org/drawingml/2006/main" xmlns:r="http://schemas.openxmlformats.org/officeDocument/2006/relationships" xmlns:p="http://schemas.openxmlformats.org/presentationml/2006/main">
+<p:sld xmlns:a="http://schemas.openxmlformats.org/drawingml/2006/main" xmlns:r="http://schemas.openxmlformats.org/officeDocument/2006/relationships" xmlns:p="http://schemas.openxmlformats.org/presentationml/2006/main" show="0">
   <p:cSld>
     <p:spTree>
       <p:nvGrpSpPr>
@@ -33286,72 +36512,6 @@
       </p:cxnSp>
       <p:sp>
         <p:nvSpPr>
-          <p:cNvPr id="14" name="TextBox 13">
-            <a:extLst>
-              <a:ext uri="{FF2B5EF4-FFF2-40B4-BE49-F238E27FC236}">
-                <a16:creationId xmlns:a16="http://schemas.microsoft.com/office/drawing/2014/main" id="{28327477-C188-7255-8EFC-FAAE2D3E9519}"/>
-              </a:ext>
-            </a:extLst>
-          </p:cNvPr>
-          <p:cNvSpPr txBox="1"/>
-          <p:nvPr/>
-        </p:nvSpPr>
-        <p:spPr>
-          <a:xfrm>
-            <a:off x="6330866" y="6537088"/>
-            <a:ext cx="5901178" cy="307777"/>
-          </a:xfrm>
-          <a:prstGeom prst="rect">
-            <a:avLst/>
-          </a:prstGeom>
-          <a:noFill/>
-        </p:spPr>
-        <p:txBody>
-          <a:bodyPr wrap="square" rtlCol="0">
-            <a:spAutoFit/>
-          </a:bodyPr>
-          <a:lstStyle/>
-          <a:p>
-            <a:r>
-              <a:rPr lang="en-US" dirty="0">
-                <a:latin typeface="Calibri" panose="020F0502020204030204" pitchFamily="34" charset="0"/>
-                <a:cs typeface="Calibri" panose="020F0502020204030204" pitchFamily="34" charset="0"/>
-              </a:rPr>
-              <a:t>Newbold et. al., 2015; Bernardo-</a:t>
-            </a:r>
-            <a:r>
-              <a:rPr lang="en-US" dirty="0" err="1">
-                <a:latin typeface="Calibri" panose="020F0502020204030204" pitchFamily="34" charset="0"/>
-                <a:cs typeface="Calibri" panose="020F0502020204030204" pitchFamily="34" charset="0"/>
-              </a:rPr>
-              <a:t>Carvo</a:t>
-            </a:r>
-            <a:r>
-              <a:rPr lang="en-US" dirty="0">
-                <a:latin typeface="Calibri" panose="020F0502020204030204" pitchFamily="34" charset="0"/>
-                <a:cs typeface="Calibri" panose="020F0502020204030204" pitchFamily="34" charset="0"/>
-              </a:rPr>
-              <a:t> et. al., 2020; </a:t>
-            </a:r>
-            <a:r>
-              <a:rPr lang="en-US" dirty="0" err="1">
-                <a:latin typeface="Calibri" panose="020F0502020204030204" pitchFamily="34" charset="0"/>
-                <a:cs typeface="Calibri" panose="020F0502020204030204" pitchFamily="34" charset="0"/>
-              </a:rPr>
-              <a:t>Fackelmann</a:t>
-            </a:r>
-            <a:r>
-              <a:rPr lang="en-US" dirty="0">
-                <a:latin typeface="Calibri" panose="020F0502020204030204" pitchFamily="34" charset="0"/>
-                <a:cs typeface="Calibri" panose="020F0502020204030204" pitchFamily="34" charset="0"/>
-              </a:rPr>
-              <a:t> et. al., 2021</a:t>
-            </a:r>
-          </a:p>
-        </p:txBody>
-      </p:sp>
-      <p:sp>
-        <p:nvSpPr>
           <p:cNvPr id="5" name="Google Shape;109;p2">
             <a:extLst>
               <a:ext uri="{FF2B5EF4-FFF2-40B4-BE49-F238E27FC236}">
@@ -33364,7 +36524,7 @@
         </p:nvSpPr>
         <p:spPr>
           <a:xfrm>
-            <a:off x="6330866" y="5028327"/>
+            <a:off x="6330866" y="4506643"/>
             <a:ext cx="1868993" cy="954277"/>
           </a:xfrm>
           <a:prstGeom prst="roundRect">
@@ -33495,61 +36655,6 @@
       </p:sp>
       <p:sp>
         <p:nvSpPr>
-          <p:cNvPr id="9" name="Oval 8">
-            <a:extLst>
-              <a:ext uri="{FF2B5EF4-FFF2-40B4-BE49-F238E27FC236}">
-                <a16:creationId xmlns:a16="http://schemas.microsoft.com/office/drawing/2014/main" id="{0EF57842-AADA-F5E0-5A75-216FFAD2A214}"/>
-              </a:ext>
-            </a:extLst>
-          </p:cNvPr>
-          <p:cNvSpPr/>
-          <p:nvPr/>
-        </p:nvSpPr>
-        <p:spPr>
-          <a:xfrm>
-            <a:off x="799671" y="653103"/>
-            <a:ext cx="5426110" cy="3925944"/>
-          </a:xfrm>
-          <a:prstGeom prst="ellipse">
-            <a:avLst/>
-          </a:prstGeom>
-          <a:noFill/>
-          <a:ln>
-            <a:solidFill>
-              <a:schemeClr val="tx2">
-                <a:lumMod val="90000"/>
-              </a:schemeClr>
-            </a:solidFill>
-            <a:prstDash val="sysDash"/>
-          </a:ln>
-        </p:spPr>
-        <p:style>
-          <a:lnRef idx="2">
-            <a:schemeClr val="accent1">
-              <a:shade val="15000"/>
-            </a:schemeClr>
-          </a:lnRef>
-          <a:fillRef idx="1">
-            <a:schemeClr val="accent1"/>
-          </a:fillRef>
-          <a:effectRef idx="0">
-            <a:schemeClr val="accent1"/>
-          </a:effectRef>
-          <a:fontRef idx="minor">
-            <a:schemeClr val="lt1"/>
-          </a:fontRef>
-        </p:style>
-        <p:txBody>
-          <a:bodyPr rtlCol="0" anchor="ctr"/>
-          <a:lstStyle/>
-          <a:p>
-            <a:pPr algn="ctr"/>
-            <a:endParaRPr lang="en-IL"/>
-          </a:p>
-        </p:txBody>
-      </p:sp>
-      <p:sp>
-        <p:nvSpPr>
           <p:cNvPr id="2" name="Google Shape;109;p2">
             <a:extLst>
               <a:ext uri="{FF2B5EF4-FFF2-40B4-BE49-F238E27FC236}">
@@ -33562,7 +36667,7 @@
         </p:nvSpPr>
         <p:spPr>
           <a:xfrm>
-            <a:off x="228071" y="200881"/>
+            <a:off x="6330865" y="5620555"/>
             <a:ext cx="1868993" cy="954277"/>
           </a:xfrm>
           <a:prstGeom prst="roundRect">
@@ -33644,6 +36749,129 @@
 </file>
 
 <file path=ppt/slides/slide7.xml><?xml version="1.0" encoding="utf-8"?>
+<p:sld xmlns:a="http://schemas.openxmlformats.org/drawingml/2006/main" xmlns:r="http://schemas.openxmlformats.org/officeDocument/2006/relationships" xmlns:p="http://schemas.openxmlformats.org/presentationml/2006/main">
+  <p:cSld>
+    <p:spTree>
+      <p:nvGrpSpPr>
+        <p:cNvPr id="1" name="Shape 357"/>
+        <p:cNvGrpSpPr/>
+        <p:nvPr/>
+      </p:nvGrpSpPr>
+      <p:grpSpPr>
+        <a:xfrm>
+          <a:off x="0" y="0"/>
+          <a:ext cx="0" cy="0"/>
+          <a:chOff x="0" y="0"/>
+          <a:chExt cx="0" cy="0"/>
+        </a:xfrm>
+      </p:grpSpPr>
+      <p:sp>
+        <p:nvSpPr>
+          <p:cNvPr id="4" name="TextBox 3">
+            <a:extLst>
+              <a:ext uri="{FF2B5EF4-FFF2-40B4-BE49-F238E27FC236}">
+                <a16:creationId xmlns:a16="http://schemas.microsoft.com/office/drawing/2014/main" id="{E77F5A8C-8820-3531-5296-58627EE20CD8}"/>
+              </a:ext>
+            </a:extLst>
+          </p:cNvPr>
+          <p:cNvSpPr txBox="1"/>
+          <p:nvPr/>
+        </p:nvSpPr>
+        <p:spPr>
+          <a:xfrm>
+            <a:off x="762503" y="597879"/>
+            <a:ext cx="10721591" cy="646331"/>
+          </a:xfrm>
+          <a:prstGeom prst="rect">
+            <a:avLst/>
+          </a:prstGeom>
+          <a:noFill/>
+        </p:spPr>
+        <p:txBody>
+          <a:bodyPr wrap="square" rtlCol="0">
+            <a:spAutoFit/>
+          </a:bodyPr>
+          <a:lstStyle/>
+          <a:p>
+            <a:r>
+              <a:rPr lang="en-US" sz="3600" b="1" dirty="0">
+                <a:latin typeface="Calibri" panose="020F0502020204030204" pitchFamily="34" charset="0"/>
+                <a:cs typeface="Calibri" panose="020F0502020204030204" pitchFamily="34" charset="0"/>
+              </a:rPr>
+              <a:t>Core and non-core microbiome</a:t>
+            </a:r>
+          </a:p>
+        </p:txBody>
+      </p:sp>
+      <p:sp>
+        <p:nvSpPr>
+          <p:cNvPr id="5" name="TextBox 4">
+            <a:extLst>
+              <a:ext uri="{FF2B5EF4-FFF2-40B4-BE49-F238E27FC236}">
+                <a16:creationId xmlns:a16="http://schemas.microsoft.com/office/drawing/2014/main" id="{BAEB5270-16A7-47B7-0F7B-8D5E544D64FB}"/>
+              </a:ext>
+            </a:extLst>
+          </p:cNvPr>
+          <p:cNvSpPr txBox="1"/>
+          <p:nvPr/>
+        </p:nvSpPr>
+        <p:spPr>
+          <a:xfrm>
+            <a:off x="762503" y="1714921"/>
+            <a:ext cx="10721591" cy="1569660"/>
+          </a:xfrm>
+          <a:prstGeom prst="rect">
+            <a:avLst/>
+          </a:prstGeom>
+          <a:noFill/>
+        </p:spPr>
+        <p:txBody>
+          <a:bodyPr wrap="square" rtlCol="0">
+            <a:spAutoFit/>
+          </a:bodyPr>
+          <a:lstStyle/>
+          <a:p>
+            <a:pPr marL="457200" indent="-457200">
+              <a:buFont typeface="Arial" panose="020B0604020202020204" pitchFamily="34" charset="0"/>
+              <a:buChar char="•"/>
+            </a:pPr>
+            <a:r>
+              <a:rPr lang="en-US" sz="3200" dirty="0">
+                <a:latin typeface="Calibri" panose="020F0502020204030204" pitchFamily="34" charset="0"/>
+                <a:cs typeface="Calibri" panose="020F0502020204030204" pitchFamily="34" charset="0"/>
+              </a:rPr>
+              <a:t>Functional roles may vary between microbial groups</a:t>
+            </a:r>
+          </a:p>
+          <a:p>
+            <a:pPr marL="457200" indent="-457200">
+              <a:buFont typeface="Arial" panose="020B0604020202020204" pitchFamily="34" charset="0"/>
+              <a:buChar char="•"/>
+            </a:pPr>
+            <a:r>
+              <a:rPr lang="en-US" sz="3200" dirty="0">
+                <a:latin typeface="Calibri" panose="020F0502020204030204" pitchFamily="34" charset="0"/>
+                <a:cs typeface="Calibri" panose="020F0502020204030204" pitchFamily="34" charset="0"/>
+              </a:rPr>
+              <a:t>Different processes at different scales may drive the distribution of different groups of microbes</a:t>
+            </a:r>
+          </a:p>
+        </p:txBody>
+      </p:sp>
+    </p:spTree>
+    <p:extLst>
+      <p:ext uri="{BB962C8B-B14F-4D97-AF65-F5344CB8AC3E}">
+        <p14:creationId xmlns:p14="http://schemas.microsoft.com/office/powerpoint/2010/main" val="3283968728"/>
+      </p:ext>
+    </p:extLst>
+  </p:cSld>
+  <p:clrMapOvr>
+    <a:masterClrMapping/>
+  </p:clrMapOvr>
+</p:sld>
+</file>
+
+<file path=ppt/slides/slide8.xml><?xml version="1.0" encoding="utf-8"?>
 <p:sld xmlns:a="http://schemas.openxmlformats.org/drawingml/2006/main" xmlns:r="http://schemas.openxmlformats.org/officeDocument/2006/relationships" xmlns:p="http://schemas.openxmlformats.org/presentationml/2006/main">
   <p:cSld>
     <p:spTree>
@@ -34254,112 +37482,6 @@
       <p:bldP spid="4" grpId="0"/>
     </p:bldLst>
   </p:timing>
-</p:sld>
-</file>
-
-<file path=ppt/slides/slide8.xml><?xml version="1.0" encoding="utf-8"?>
-<p:sld xmlns:a="http://schemas.openxmlformats.org/drawingml/2006/main" xmlns:r="http://schemas.openxmlformats.org/officeDocument/2006/relationships" xmlns:p="http://schemas.openxmlformats.org/presentationml/2006/main">
-  <p:cSld>
-    <p:spTree>
-      <p:nvGrpSpPr>
-        <p:cNvPr id="1" name="Shape 357"/>
-        <p:cNvGrpSpPr/>
-        <p:nvPr/>
-      </p:nvGrpSpPr>
-      <p:grpSpPr>
-        <a:xfrm>
-          <a:off x="0" y="0"/>
-          <a:ext cx="0" cy="0"/>
-          <a:chOff x="0" y="0"/>
-          <a:chExt cx="0" cy="0"/>
-        </a:xfrm>
-      </p:grpSpPr>
-      <p:sp>
-        <p:nvSpPr>
-          <p:cNvPr id="4" name="TextBox 3">
-            <a:extLst>
-              <a:ext uri="{FF2B5EF4-FFF2-40B4-BE49-F238E27FC236}">
-                <a16:creationId xmlns:a16="http://schemas.microsoft.com/office/drawing/2014/main" id="{E77F5A8C-8820-3531-5296-58627EE20CD8}"/>
-              </a:ext>
-            </a:extLst>
-          </p:cNvPr>
-          <p:cNvSpPr txBox="1"/>
-          <p:nvPr/>
-        </p:nvSpPr>
-        <p:spPr>
-          <a:xfrm>
-            <a:off x="762503" y="597879"/>
-            <a:ext cx="10721591" cy="646331"/>
-          </a:xfrm>
-          <a:prstGeom prst="rect">
-            <a:avLst/>
-          </a:prstGeom>
-          <a:noFill/>
-        </p:spPr>
-        <p:txBody>
-          <a:bodyPr wrap="square" rtlCol="0">
-            <a:spAutoFit/>
-          </a:bodyPr>
-          <a:lstStyle/>
-          <a:p>
-            <a:r>
-              <a:rPr lang="en-US" sz="3600" b="1" dirty="0">
-                <a:latin typeface="Calibri" panose="020F0502020204030204" pitchFamily="34" charset="0"/>
-                <a:cs typeface="Calibri" panose="020F0502020204030204" pitchFamily="34" charset="0"/>
-              </a:rPr>
-              <a:t>Core and non-core microbiome</a:t>
-            </a:r>
-          </a:p>
-        </p:txBody>
-      </p:sp>
-      <p:sp>
-        <p:nvSpPr>
-          <p:cNvPr id="5" name="TextBox 4">
-            <a:extLst>
-              <a:ext uri="{FF2B5EF4-FFF2-40B4-BE49-F238E27FC236}">
-                <a16:creationId xmlns:a16="http://schemas.microsoft.com/office/drawing/2014/main" id="{BAEB5270-16A7-47B7-0F7B-8D5E544D64FB}"/>
-              </a:ext>
-            </a:extLst>
-          </p:cNvPr>
-          <p:cNvSpPr txBox="1"/>
-          <p:nvPr/>
-        </p:nvSpPr>
-        <p:spPr>
-          <a:xfrm>
-            <a:off x="762503" y="1714921"/>
-            <a:ext cx="10721591" cy="1077218"/>
-          </a:xfrm>
-          <a:prstGeom prst="rect">
-            <a:avLst/>
-          </a:prstGeom>
-          <a:noFill/>
-        </p:spPr>
-        <p:txBody>
-          <a:bodyPr wrap="square" rtlCol="0">
-            <a:spAutoFit/>
-          </a:bodyPr>
-          <a:lstStyle/>
-          <a:p>
-            <a:r>
-              <a:rPr lang="en-US" sz="3200" dirty="0">
-                <a:latin typeface="Calibri" panose="020F0502020204030204" pitchFamily="34" charset="0"/>
-                <a:cs typeface="Calibri" panose="020F0502020204030204" pitchFamily="34" charset="0"/>
-              </a:rPr>
-              <a:t>Different processes at different scales may drive the distribution of different groups of microbes</a:t>
-            </a:r>
-          </a:p>
-        </p:txBody>
-      </p:sp>
-    </p:spTree>
-    <p:extLst>
-      <p:ext uri="{BB962C8B-B14F-4D97-AF65-F5344CB8AC3E}">
-        <p14:creationId xmlns:p14="http://schemas.microsoft.com/office/powerpoint/2010/main" val="3283968728"/>
-      </p:ext>
-    </p:extLst>
-  </p:cSld>
-  <p:clrMapOvr>
-    <a:masterClrMapping/>
-  </p:clrMapOvr>
 </p:sld>
 </file>
 

--- a/presentations/project story.pptx
+++ b/presentations/project story.pptx
@@ -5,7 +5,7 @@
     <p:sldMasterId id="2147483648" r:id="rId1"/>
   </p:sldMasterIdLst>
   <p:notesMasterIdLst>
-    <p:notesMasterId r:id="rId34"/>
+    <p:notesMasterId r:id="rId35"/>
   </p:notesMasterIdLst>
   <p:sldIdLst>
     <p:sldId id="256" r:id="rId2"/>
@@ -36,10 +36,11 @@
     <p:sldId id="373" r:id="rId27"/>
     <p:sldId id="370" r:id="rId28"/>
     <p:sldId id="320" r:id="rId29"/>
-    <p:sldId id="376" r:id="rId30"/>
-    <p:sldId id="374" r:id="rId31"/>
-    <p:sldId id="375" r:id="rId32"/>
-    <p:sldId id="364" r:id="rId33"/>
+    <p:sldId id="395" r:id="rId30"/>
+    <p:sldId id="376" r:id="rId31"/>
+    <p:sldId id="374" r:id="rId32"/>
+    <p:sldId id="375" r:id="rId33"/>
+    <p:sldId id="364" r:id="rId34"/>
   </p:sldIdLst>
   <p:sldSz cx="12192000" cy="6858000"/>
   <p:notesSz cx="6858000" cy="9144000"/>
@@ -288,7 +289,7 @@
       </p15:sldGuideLst>
     </p:ext>
     <p:ext uri="http://customooxmlschemas.google.com/">
-      <go:slidesCustomData xmlns="" xmlns:mc="http://schemas.openxmlformats.org/markup-compatibility/2006" xmlns:mv="urn:schemas-microsoft-com:mac:vml" xmlns:c="http://schemas.openxmlformats.org/drawingml/2006/chart" xmlns:dgm="http://schemas.openxmlformats.org/drawingml/2006/diagram" xmlns:o="urn:schemas-microsoft-com:office:office" xmlns:v="urn:schemas-microsoft-com:vml" xmlns:pvml="urn:schemas-microsoft-com:office:powerpoint" xmlns:com="http://schemas.openxmlformats.org/drawingml/2006/compatibility" xmlns:p14="http://schemas.microsoft.com/office/powerpoint/2010/main" xmlns:p15="http://schemas.microsoft.com/office/powerpoint/2012/main" xmlns:ahyp="http://schemas.microsoft.com/office/drawing/2018/hyperlinkcolor" xmlns:go="http://customooxmlschemas.google.com/" r:id="rId67" roundtripDataSignature="AMtx7miWcMCwqWalZ5+4w3F/JiR3qZOS7w=="/>
+      <go:slidesCustomData xmlns:go="http://customooxmlschemas.google.com/" xmlns:ahyp="http://schemas.microsoft.com/office/drawing/2018/hyperlinkcolor" xmlns:p15="http://schemas.microsoft.com/office/powerpoint/2012/main" xmlns:p14="http://schemas.microsoft.com/office/powerpoint/2010/main" xmlns:com="http://schemas.openxmlformats.org/drawingml/2006/compatibility" xmlns:pvml="urn:schemas-microsoft-com:office:powerpoint" xmlns:v="urn:schemas-microsoft-com:vml" xmlns:o="urn:schemas-microsoft-com:office:office" xmlns:dgm="http://schemas.openxmlformats.org/drawingml/2006/diagram" xmlns:c="http://schemas.openxmlformats.org/drawingml/2006/chart" xmlns:mv="urn:schemas-microsoft-com:mac:vml" xmlns:mc="http://schemas.openxmlformats.org/markup-compatibility/2006" xmlns="" r:id="rId67" roundtripDataSignature="AMtx7miWcMCwqWalZ5+4w3F/JiR3qZOS7w=="/>
     </p:ext>
   </p:extLst>
 </p:presentation>
@@ -3806,6 +3807,175 @@
 </file>
 
 <file path=ppt/notesSlides/notesSlide27.xml><?xml version="1.0" encoding="utf-8"?>
+<p:notes xmlns:a="http://schemas.openxmlformats.org/drawingml/2006/main" xmlns:r="http://schemas.openxmlformats.org/officeDocument/2006/relationships" xmlns:p="http://schemas.openxmlformats.org/presentationml/2006/main" showMasterSp="0" showMasterPhAnim="0">
+  <p:cSld>
+    <p:spTree>
+      <p:nvGrpSpPr>
+        <p:cNvPr id="1" name="Shape 353"/>
+        <p:cNvGrpSpPr/>
+        <p:nvPr/>
+      </p:nvGrpSpPr>
+      <p:grpSpPr>
+        <a:xfrm>
+          <a:off x="0" y="0"/>
+          <a:ext cx="0" cy="0"/>
+          <a:chOff x="0" y="0"/>
+          <a:chExt cx="0" cy="0"/>
+        </a:xfrm>
+      </p:grpSpPr>
+      <p:sp>
+        <p:nvSpPr>
+          <p:cNvPr id="354" name="Google Shape;354;p17:notes"/>
+          <p:cNvSpPr>
+            <a:spLocks noGrp="1" noRot="1" noChangeAspect="1"/>
+          </p:cNvSpPr>
+          <p:nvPr>
+            <p:ph type="sldImg" idx="2"/>
+          </p:nvPr>
+        </p:nvSpPr>
+        <p:spPr>
+          <a:xfrm>
+            <a:off x="685800" y="1143000"/>
+            <a:ext cx="5486400" cy="3086100"/>
+          </a:xfrm>
+          <a:custGeom>
+            <a:avLst/>
+            <a:gdLst/>
+            <a:ahLst/>
+            <a:cxnLst/>
+            <a:rect l="l" t="t" r="r" b="b"/>
+            <a:pathLst>
+              <a:path w="120000" h="120000" extrusionOk="0">
+                <a:moveTo>
+                  <a:pt x="0" y="0"/>
+                </a:moveTo>
+                <a:lnTo>
+                  <a:pt x="120000" y="0"/>
+                </a:lnTo>
+                <a:lnTo>
+                  <a:pt x="120000" y="120000"/>
+                </a:lnTo>
+                <a:lnTo>
+                  <a:pt x="0" y="120000"/>
+                </a:lnTo>
+                <a:close/>
+              </a:path>
+            </a:pathLst>
+          </a:custGeom>
+          <a:noFill/>
+          <a:ln w="12700" cap="flat" cmpd="sng">
+            <a:solidFill>
+              <a:srgbClr val="000000"/>
+            </a:solidFill>
+            <a:prstDash val="solid"/>
+            <a:round/>
+            <a:headEnd type="none" w="sm" len="sm"/>
+            <a:tailEnd type="none" w="sm" len="sm"/>
+          </a:ln>
+        </p:spPr>
+      </p:sp>
+      <p:sp>
+        <p:nvSpPr>
+          <p:cNvPr id="355" name="Google Shape;355;p17:notes"/>
+          <p:cNvSpPr txBox="1">
+            <a:spLocks noGrp="1"/>
+          </p:cNvSpPr>
+          <p:nvPr>
+            <p:ph type="body" idx="1"/>
+          </p:nvPr>
+        </p:nvSpPr>
+        <p:spPr>
+          <a:xfrm>
+            <a:off x="685800" y="4400550"/>
+            <a:ext cx="5486400" cy="3600450"/>
+          </a:xfrm>
+          <a:prstGeom prst="rect">
+            <a:avLst/>
+          </a:prstGeom>
+          <a:noFill/>
+          <a:ln>
+            <a:noFill/>
+          </a:ln>
+        </p:spPr>
+        <p:txBody>
+          <a:bodyPr spcFirstLastPara="1" wrap="square" lIns="91425" tIns="45700" rIns="91425" bIns="45700" anchor="t" anchorCtr="0">
+            <a:noAutofit/>
+          </a:bodyPr>
+          <a:lstStyle/>
+          <a:p>
+            <a:pPr marL="0" lvl="0" indent="0" algn="l" rtl="0">
+              <a:spcBef>
+                <a:spcPts val="0"/>
+              </a:spcBef>
+              <a:spcAft>
+                <a:spcPts val="0"/>
+              </a:spcAft>
+              <a:buNone/>
+            </a:pPr>
+            <a:endParaRPr dirty="0"/>
+          </a:p>
+        </p:txBody>
+      </p:sp>
+      <p:sp>
+        <p:nvSpPr>
+          <p:cNvPr id="356" name="Google Shape;356;p17:notes"/>
+          <p:cNvSpPr txBox="1">
+            <a:spLocks noGrp="1"/>
+          </p:cNvSpPr>
+          <p:nvPr>
+            <p:ph type="sldNum" idx="12"/>
+          </p:nvPr>
+        </p:nvSpPr>
+        <p:spPr>
+          <a:xfrm>
+            <a:off x="3884613" y="8685213"/>
+            <a:ext cx="2971800" cy="458787"/>
+          </a:xfrm>
+          <a:prstGeom prst="rect">
+            <a:avLst/>
+          </a:prstGeom>
+          <a:noFill/>
+          <a:ln>
+            <a:noFill/>
+          </a:ln>
+        </p:spPr>
+        <p:txBody>
+          <a:bodyPr spcFirstLastPara="1" wrap="square" lIns="91425" tIns="45700" rIns="91425" bIns="45700" anchor="b" anchorCtr="0">
+            <a:noAutofit/>
+          </a:bodyPr>
+          <a:lstStyle/>
+          <a:p>
+            <a:pPr marL="0" lvl="0" indent="0" algn="r" rtl="0">
+              <a:spcBef>
+                <a:spcPts val="0"/>
+              </a:spcBef>
+              <a:spcAft>
+                <a:spcPts val="0"/>
+              </a:spcAft>
+              <a:buNone/>
+            </a:pPr>
+            <a:fld id="{00000000-1234-1234-1234-123412341234}" type="slidenum">
+              <a:rPr lang="en-US"/>
+              <a:t>29</a:t>
+            </a:fld>
+            <a:endParaRPr/>
+          </a:p>
+        </p:txBody>
+      </p:sp>
+    </p:spTree>
+    <p:extLst>
+      <p:ext uri="{BB962C8B-B14F-4D97-AF65-F5344CB8AC3E}">
+        <p14:creationId xmlns:p14="http://schemas.microsoft.com/office/powerpoint/2010/main" val="2703674442"/>
+      </p:ext>
+    </p:extLst>
+  </p:cSld>
+  <p:clrMapOvr>
+    <a:masterClrMapping/>
+  </p:clrMapOvr>
+</p:notes>
+</file>
+
+<file path=ppt/notesSlides/notesSlide28.xml><?xml version="1.0" encoding="utf-8"?>
 <p:notes xmlns:a="http://schemas.openxmlformats.org/drawingml/2006/main" xmlns:r="http://schemas.openxmlformats.org/officeDocument/2006/relationships" xmlns:p="http://schemas.openxmlformats.org/presentationml/2006/main">
   <p:cSld>
     <p:spTree>
@@ -3876,7 +4046,7 @@
           <a:p>
             <a:fld id="{740EB326-2EE0-A545-B9C1-056C9CF3A65A}" type="slidenum">
               <a:rPr lang="en-IL" smtClean="0"/>
-              <a:t>29</a:t>
+              <a:t>30</a:t>
             </a:fld>
             <a:endParaRPr lang="en-IL"/>
           </a:p>
@@ -3895,7 +4065,7 @@
 </p:notes>
 </file>
 
-<file path=ppt/notesSlides/notesSlide28.xml><?xml version="1.0" encoding="utf-8"?>
+<file path=ppt/notesSlides/notesSlide29.xml><?xml version="1.0" encoding="utf-8"?>
 <p:notes xmlns:a="http://schemas.openxmlformats.org/drawingml/2006/main" xmlns:r="http://schemas.openxmlformats.org/officeDocument/2006/relationships" xmlns:p="http://schemas.openxmlformats.org/presentationml/2006/main" showMasterSp="0" showMasterPhAnim="0">
   <p:cSld>
     <p:spTree>
@@ -4050,7 +4220,7 @@
             </a:pPr>
             <a:fld id="{00000000-1234-1234-1234-123412341234}" type="slidenum">
               <a:rPr lang="en-US"/>
-              <a:t>32</a:t>
+              <a:t>33</a:t>
             </a:fld>
             <a:endParaRPr/>
           </a:p>
@@ -15796,7 +15966,7 @@
                 <a:latin typeface="Calibri" panose="020F0502020204030204" pitchFamily="34" charset="0"/>
                 <a:cs typeface="Calibri" panose="020F0502020204030204" pitchFamily="34" charset="0"/>
               </a:rPr>
-              <a:t> Neutral processes – </a:t>
+              <a:t> Neutral processes </a:t>
             </a:r>
           </a:p>
           <a:p>
@@ -15824,7 +15994,7 @@
                 <a:latin typeface="Calibri" panose="020F0502020204030204" pitchFamily="34" charset="0"/>
                 <a:cs typeface="Calibri" panose="020F0502020204030204" pitchFamily="34" charset="0"/>
               </a:rPr>
-              <a:t>Processes at the local scale (within land use) – </a:t>
+              <a:t>Processes at the local scale (within land use)  </a:t>
             </a:r>
           </a:p>
           <a:p>
@@ -15852,7 +16022,42 @@
                 <a:latin typeface="Calibri" panose="020F0502020204030204" pitchFamily="34" charset="0"/>
                 <a:cs typeface="Calibri" panose="020F0502020204030204" pitchFamily="34" charset="0"/>
               </a:rPr>
-              <a:t>Processes at the land use scale – </a:t>
+              <a:t>Processes at the land use scale </a:t>
+            </a:r>
+          </a:p>
+          <a:p>
+            <a:pPr marL="0" indent="0">
+              <a:buNone/>
+            </a:pPr>
+            <a:endParaRPr lang="en-US" dirty="0">
+              <a:latin typeface="Calibri" panose="020F0502020204030204" pitchFamily="34" charset="0"/>
+              <a:cs typeface="Calibri" panose="020F0502020204030204" pitchFamily="34" charset="0"/>
+            </a:endParaRPr>
+          </a:p>
+          <a:p>
+            <a:pPr marL="0" indent="0">
+              <a:buNone/>
+            </a:pPr>
+            <a:r>
+              <a:rPr lang="en-US" b="1" dirty="0">
+                <a:latin typeface="Calibri" panose="020F0502020204030204" pitchFamily="34" charset="0"/>
+                <a:cs typeface="Calibri" panose="020F0502020204030204" pitchFamily="34" charset="0"/>
+              </a:rPr>
+              <a:t>H4.</a:t>
+            </a:r>
+            <a:r>
+              <a:rPr lang="en-US" dirty="0">
+                <a:latin typeface="Calibri" panose="020F0502020204030204" pitchFamily="34" charset="0"/>
+                <a:cs typeface="Calibri" panose="020F0502020204030204" pitchFamily="34" charset="0"/>
+              </a:rPr>
+              <a:t> Interaction between microbial group and </a:t>
+            </a:r>
+            <a:r>
+              <a:rPr lang="en-US" b="1" dirty="0">
+                <a:latin typeface="Calibri" panose="020F0502020204030204" pitchFamily="34" charset="0"/>
+                <a:cs typeface="Calibri" panose="020F0502020204030204" pitchFamily="34" charset="0"/>
+              </a:rPr>
+              <a:t>H1-3</a:t>
             </a:r>
           </a:p>
         </p:txBody>
@@ -16324,6 +16529,24 @@
                 <a:cs typeface="Calibri" panose="020F0502020204030204" pitchFamily="34" charset="0"/>
               </a:rPr>
               <a:t>Rattus from 3 villages</a:t>
+            </a:r>
+          </a:p>
+          <a:p>
+            <a:r>
+              <a:rPr lang="en-US" dirty="0">
+                <a:latin typeface="Calibri" panose="020F0502020204030204" pitchFamily="34" charset="0"/>
+                <a:cs typeface="Calibri" panose="020F0502020204030204" pitchFamily="34" charset="0"/>
+              </a:rPr>
+              <a:t>Feces – gut microbiome</a:t>
+            </a:r>
+          </a:p>
+          <a:p>
+            <a:r>
+              <a:rPr lang="en-US" dirty="0">
+                <a:latin typeface="Calibri" panose="020F0502020204030204" pitchFamily="34" charset="0"/>
+                <a:cs typeface="Calibri" panose="020F0502020204030204" pitchFamily="34" charset="0"/>
+              </a:rPr>
+              <a:t>Bacteria ASVs</a:t>
             </a:r>
           </a:p>
           <a:p>
@@ -30709,7 +30932,7 @@
                 <a:cs typeface="Calibri" panose="020F0502020204030204" pitchFamily="34" charset="0"/>
                 <a:sym typeface="Wingdings" panose="05000000000000000000" pitchFamily="2" charset="2"/>
               </a:rPr>
-              <a:t>How does the composition of modules vary across land uses change gradient?</a:t>
+              <a:t>How does the composition of modules vary across land use change gradient?</a:t>
             </a:r>
           </a:p>
           <a:p>
@@ -30975,7 +31198,7 @@
 </file>
 
 <file path=ppt/slides/slide28.xml><?xml version="1.0" encoding="utf-8"?>
-<p:sld xmlns:a="http://schemas.openxmlformats.org/drawingml/2006/main" xmlns:r="http://schemas.openxmlformats.org/officeDocument/2006/relationships" xmlns:p="http://schemas.openxmlformats.org/presentationml/2006/main" show="0">
+<p:sld xmlns:a="http://schemas.openxmlformats.org/drawingml/2006/main" xmlns:r="http://schemas.openxmlformats.org/officeDocument/2006/relationships" xmlns:p="http://schemas.openxmlformats.org/presentationml/2006/main">
   <p:cSld>
     <p:spTree>
       <p:nvGrpSpPr>
@@ -31110,11 +31333,38 @@
                 <a:cs typeface="Calibri" panose="020F0502020204030204" pitchFamily="34" charset="0"/>
                 <a:sym typeface="Calibri"/>
               </a:rPr>
-              <a:t>A combination of neutral and selective processes shape the host microbiome</a:t>
+              <a:t>Core microbes are more consistence across land use</a:t>
             </a:r>
           </a:p>
           <a:p>
-            <a:pPr marL="457200" indent="-457200">
+            <a:pPr marL="457200" marR="0" lvl="0" indent="-457200" algn="l" rtl="0">
+              <a:lnSpc>
+                <a:spcPct val="90000"/>
+              </a:lnSpc>
+              <a:spcBef>
+                <a:spcPts val="1000"/>
+              </a:spcBef>
+              <a:spcAft>
+                <a:spcPts val="0"/>
+              </a:spcAft>
+              <a:buClr>
+                <a:schemeClr val="dk1"/>
+              </a:buClr>
+              <a:buSzPts val="3200"/>
+              <a:buFont typeface="Wingdings" pitchFamily="2" charset="2"/>
+              <a:buChar char="§"/>
+            </a:pPr>
+            <a:endParaRPr lang="en-US" sz="2800" dirty="0">
+              <a:solidFill>
+                <a:schemeClr val="dk1"/>
+              </a:solidFill>
+              <a:latin typeface="Calibri" panose="020F0502020204030204" pitchFamily="34" charset="0"/>
+              <a:cs typeface="Calibri" panose="020F0502020204030204" pitchFamily="34" charset="0"/>
+              <a:sym typeface="Calibri"/>
+            </a:endParaRPr>
+          </a:p>
+          <a:p>
+            <a:pPr marL="457200" lvl="1" indent="-457200">
               <a:lnSpc>
                 <a:spcPct val="90000"/>
               </a:lnSpc>
@@ -31137,70 +31387,112 @@
                 <a:cs typeface="Calibri" panose="020F0502020204030204" pitchFamily="34" charset="0"/>
                 <a:sym typeface="Calibri"/>
               </a:rPr>
-              <a:t>The system is mostly neutral (stochastic)</a:t>
+              <a:t>Non-core and Rare microbes are gradually changed along land use change gradient</a:t>
+            </a:r>
+            <a:br>
+              <a:rPr lang="en-US" sz="2800" dirty="0">
+                <a:solidFill>
+                  <a:schemeClr val="dk1"/>
+                </a:solidFill>
+                <a:latin typeface="Calibri" panose="020F0502020204030204" pitchFamily="34" charset="0"/>
+                <a:cs typeface="Calibri" panose="020F0502020204030204" pitchFamily="34" charset="0"/>
+                <a:sym typeface="Calibri"/>
+              </a:rPr>
+            </a:br>
+            <a:r>
+              <a:rPr lang="en-US" sz="2800" dirty="0">
+                <a:solidFill>
+                  <a:schemeClr val="dk1"/>
+                </a:solidFill>
+                <a:latin typeface="Calibri" panose="020F0502020204030204" pitchFamily="34" charset="0"/>
+                <a:cs typeface="Calibri" panose="020F0502020204030204" pitchFamily="34" charset="0"/>
+                <a:sym typeface="Calibri"/>
+              </a:rPr>
+              <a:t>     - </a:t>
+            </a:r>
+            <a:r>
+              <a:rPr lang="en-US" sz="2800" b="1" dirty="0">
+                <a:solidFill>
+                  <a:schemeClr val="dk1"/>
+                </a:solidFill>
+                <a:latin typeface="Calibri" panose="020F0502020204030204" pitchFamily="34" charset="0"/>
+                <a:cs typeface="Calibri" panose="020F0502020204030204" pitchFamily="34" charset="0"/>
+                <a:sym typeface="Calibri"/>
+              </a:rPr>
+              <a:t>Non-core</a:t>
+            </a:r>
+            <a:r>
+              <a:rPr lang="en-US" sz="2800" dirty="0">
+                <a:solidFill>
+                  <a:schemeClr val="dk1"/>
+                </a:solidFill>
+                <a:latin typeface="Calibri" panose="020F0502020204030204" pitchFamily="34" charset="0"/>
+                <a:cs typeface="Calibri" panose="020F0502020204030204" pitchFamily="34" charset="0"/>
+                <a:sym typeface="Calibri"/>
+              </a:rPr>
+              <a:t> – selective process (environmental filtering)</a:t>
+            </a:r>
+            <a:br>
+              <a:rPr lang="en-US" sz="2800" dirty="0">
+                <a:solidFill>
+                  <a:schemeClr val="dk1"/>
+                </a:solidFill>
+                <a:latin typeface="Calibri" panose="020F0502020204030204" pitchFamily="34" charset="0"/>
+                <a:cs typeface="Calibri" panose="020F0502020204030204" pitchFamily="34" charset="0"/>
+                <a:sym typeface="Calibri"/>
+              </a:rPr>
+            </a:br>
+            <a:r>
+              <a:rPr lang="en-US" sz="2800" dirty="0">
+                <a:solidFill>
+                  <a:schemeClr val="dk1"/>
+                </a:solidFill>
+                <a:latin typeface="Calibri" panose="020F0502020204030204" pitchFamily="34" charset="0"/>
+                <a:cs typeface="Calibri" panose="020F0502020204030204" pitchFamily="34" charset="0"/>
+                <a:sym typeface="Calibri"/>
+              </a:rPr>
+              <a:t>     - </a:t>
+            </a:r>
+            <a:r>
+              <a:rPr lang="en-US" sz="2800" b="1" dirty="0">
+                <a:solidFill>
+                  <a:schemeClr val="dk1"/>
+                </a:solidFill>
+                <a:latin typeface="Calibri" panose="020F0502020204030204" pitchFamily="34" charset="0"/>
+                <a:cs typeface="Calibri" panose="020F0502020204030204" pitchFamily="34" charset="0"/>
+                <a:sym typeface="Calibri"/>
+              </a:rPr>
+              <a:t>Rare</a:t>
+            </a:r>
+            <a:r>
+              <a:rPr lang="en-US" sz="2800" dirty="0">
+                <a:solidFill>
+                  <a:schemeClr val="dk1"/>
+                </a:solidFill>
+                <a:latin typeface="Calibri" panose="020F0502020204030204" pitchFamily="34" charset="0"/>
+                <a:cs typeface="Calibri" panose="020F0502020204030204" pitchFamily="34" charset="0"/>
+                <a:sym typeface="Calibri"/>
+              </a:rPr>
+              <a:t> – dispersal limitation</a:t>
             </a:r>
           </a:p>
           <a:p>
-            <a:pPr marL="457200" indent="-457200">
+            <a:pPr marR="0" lvl="0" algn="l" rtl="0">
               <a:lnSpc>
                 <a:spcPct val="90000"/>
               </a:lnSpc>
               <a:spcBef>
                 <a:spcPts val="1000"/>
               </a:spcBef>
+              <a:spcAft>
+                <a:spcPts val="0"/>
+              </a:spcAft>
               <a:buClr>
                 <a:schemeClr val="dk1"/>
               </a:buClr>
               <a:buSzPts val="3200"/>
-              <a:buFont typeface="Wingdings" pitchFamily="2" charset="2"/>
-              <a:buChar char="§"/>
             </a:pPr>
-            <a:r>
-              <a:rPr lang="en-US" sz="2800" dirty="0">
-                <a:solidFill>
-                  <a:schemeClr val="dk1"/>
-                </a:solidFill>
-                <a:latin typeface="Calibri" panose="020F0502020204030204" pitchFamily="34" charset="0"/>
-                <a:cs typeface="Calibri" panose="020F0502020204030204" pitchFamily="34" charset="0"/>
-                <a:sym typeface="Calibri"/>
-              </a:rPr>
-              <a:t>Land use change alters the environment heterogeneity  and induces gradual selective pressures</a:t>
-            </a:r>
-          </a:p>
-          <a:p>
-            <a:pPr marL="457200" indent="-457200">
-              <a:lnSpc>
-                <a:spcPct val="90000"/>
-              </a:lnSpc>
-              <a:spcBef>
-                <a:spcPts val="1000"/>
-              </a:spcBef>
-              <a:buClr>
-                <a:schemeClr val="dk1"/>
-              </a:buClr>
-              <a:buSzPts val="3200"/>
-              <a:buFont typeface="Wingdings" pitchFamily="2" charset="2"/>
-              <a:buChar char="§"/>
-            </a:pPr>
-            <a:r>
-              <a:rPr lang="en-US" sz="2800" dirty="0">
-                <a:solidFill>
-                  <a:schemeClr val="dk1"/>
-                </a:solidFill>
-                <a:latin typeface="Calibri" panose="020F0502020204030204" pitchFamily="34" charset="0"/>
-                <a:cs typeface="Calibri" panose="020F0502020204030204" pitchFamily="34" charset="0"/>
-                <a:sym typeface="Calibri"/>
-              </a:rPr>
-              <a:t>The selective impact within and across land use is </a:t>
-            </a:r>
-            <a:r>
-              <a:rPr lang="en-US" sz="2800" dirty="0">
-                <a:latin typeface="Calibri" panose="020F0502020204030204" pitchFamily="34" charset="0"/>
-                <a:cs typeface="Calibri" panose="020F0502020204030204" pitchFamily="34" charset="0"/>
-              </a:rPr>
-              <a:t>driven by rare microbes that clustered in small modules associated to specific land uses</a:t>
-            </a:r>
-            <a:endParaRPr lang="en-US" sz="3200" dirty="0">
+            <a:endParaRPr lang="en-US" sz="2800" dirty="0">
               <a:solidFill>
                 <a:schemeClr val="dk1"/>
               </a:solidFill>
@@ -31305,6 +31597,834 @@
 </file>
 
 <file path=ppt/slides/slide29.xml><?xml version="1.0" encoding="utf-8"?>
+<p:sld xmlns:a="http://schemas.openxmlformats.org/drawingml/2006/main" xmlns:r="http://schemas.openxmlformats.org/officeDocument/2006/relationships" xmlns:p="http://schemas.openxmlformats.org/presentationml/2006/main" show="0">
+  <p:cSld>
+    <p:spTree>
+      <p:nvGrpSpPr>
+        <p:cNvPr id="1" name="Shape 357"/>
+        <p:cNvGrpSpPr/>
+        <p:nvPr/>
+      </p:nvGrpSpPr>
+      <p:grpSpPr>
+        <a:xfrm>
+          <a:off x="0" y="0"/>
+          <a:ext cx="0" cy="0"/>
+          <a:chOff x="0" y="0"/>
+          <a:chExt cx="0" cy="0"/>
+        </a:xfrm>
+      </p:grpSpPr>
+      <p:sp>
+        <p:nvSpPr>
+          <p:cNvPr id="358" name="Google Shape;358;p17"/>
+          <p:cNvSpPr txBox="1">
+            <a:spLocks noGrp="1"/>
+          </p:cNvSpPr>
+          <p:nvPr>
+            <p:ph type="title"/>
+          </p:nvPr>
+        </p:nvSpPr>
+        <p:spPr>
+          <a:xfrm>
+            <a:off x="838200" y="372751"/>
+            <a:ext cx="10515600" cy="826089"/>
+          </a:xfrm>
+          <a:prstGeom prst="rect">
+            <a:avLst/>
+          </a:prstGeom>
+          <a:noFill/>
+          <a:ln>
+            <a:noFill/>
+          </a:ln>
+        </p:spPr>
+        <p:txBody>
+          <a:bodyPr spcFirstLastPara="1" wrap="square" lIns="91425" tIns="45700" rIns="91425" bIns="45700" anchor="ctr" anchorCtr="0">
+            <a:normAutofit/>
+          </a:bodyPr>
+          <a:lstStyle/>
+          <a:p>
+            <a:pPr marL="0" lvl="0" indent="0" algn="l" rtl="0">
+              <a:lnSpc>
+                <a:spcPct val="90000"/>
+              </a:lnSpc>
+              <a:spcBef>
+                <a:spcPts val="0"/>
+              </a:spcBef>
+              <a:spcAft>
+                <a:spcPts val="0"/>
+              </a:spcAft>
+              <a:buClr>
+                <a:schemeClr val="dk1"/>
+              </a:buClr>
+              <a:buSzPts val="4400"/>
+              <a:buFont typeface="Calibri"/>
+              <a:buNone/>
+            </a:pPr>
+            <a:r>
+              <a:rPr lang="en-US" b="1" dirty="0">
+                <a:latin typeface="Calibri" panose="020F0502020204030204" pitchFamily="34" charset="0"/>
+                <a:cs typeface="Calibri" panose="020F0502020204030204" pitchFamily="34" charset="0"/>
+                <a:sym typeface="Calibri"/>
+              </a:rPr>
+              <a:t>Summary</a:t>
+            </a:r>
+            <a:endParaRPr b="1" dirty="0">
+              <a:latin typeface="Calibri" panose="020F0502020204030204" pitchFamily="34" charset="0"/>
+              <a:cs typeface="Calibri" panose="020F0502020204030204" pitchFamily="34" charset="0"/>
+              <a:sym typeface="Calibri"/>
+            </a:endParaRPr>
+          </a:p>
+        </p:txBody>
+      </p:sp>
+      <p:sp>
+        <p:nvSpPr>
+          <p:cNvPr id="2" name="Google Shape;359;p17">
+            <a:extLst>
+              <a:ext uri="{FF2B5EF4-FFF2-40B4-BE49-F238E27FC236}">
+                <a16:creationId xmlns:a16="http://schemas.microsoft.com/office/drawing/2014/main" id="{08574919-E936-D618-36C2-830C1D987350}"/>
+              </a:ext>
+            </a:extLst>
+          </p:cNvPr>
+          <p:cNvSpPr txBox="1"/>
+          <p:nvPr/>
+        </p:nvSpPr>
+        <p:spPr>
+          <a:xfrm>
+            <a:off x="1074705" y="1254714"/>
+            <a:ext cx="9644095" cy="5096390"/>
+          </a:xfrm>
+          <a:prstGeom prst="rect">
+            <a:avLst/>
+          </a:prstGeom>
+          <a:noFill/>
+          <a:ln>
+            <a:noFill/>
+          </a:ln>
+        </p:spPr>
+        <p:txBody>
+          <a:bodyPr spcFirstLastPara="1" wrap="square" lIns="91425" tIns="45700" rIns="91425" bIns="45700" anchor="t" anchorCtr="0">
+            <a:normAutofit/>
+          </a:bodyPr>
+          <a:lstStyle/>
+          <a:p>
+            <a:pPr marL="457200" marR="0" lvl="0" indent="-457200" algn="l" rtl="0">
+              <a:lnSpc>
+                <a:spcPct val="90000"/>
+              </a:lnSpc>
+              <a:spcBef>
+                <a:spcPts val="1000"/>
+              </a:spcBef>
+              <a:spcAft>
+                <a:spcPts val="0"/>
+              </a:spcAft>
+              <a:buClr>
+                <a:schemeClr val="dk1"/>
+              </a:buClr>
+              <a:buSzPts val="3200"/>
+              <a:buFont typeface="Wingdings" pitchFamily="2" charset="2"/>
+              <a:buChar char="§"/>
+            </a:pPr>
+            <a:r>
+              <a:rPr lang="en-US" sz="2800" dirty="0">
+                <a:solidFill>
+                  <a:schemeClr val="dk1"/>
+                </a:solidFill>
+                <a:latin typeface="Calibri" panose="020F0502020204030204" pitchFamily="34" charset="0"/>
+                <a:cs typeface="Calibri" panose="020F0502020204030204" pitchFamily="34" charset="0"/>
+                <a:sym typeface="Calibri"/>
+              </a:rPr>
+              <a:t>A combination of neutral and selective processes shape the host microbiome</a:t>
+            </a:r>
+          </a:p>
+          <a:p>
+            <a:pPr marL="457200" indent="-457200">
+              <a:lnSpc>
+                <a:spcPct val="90000"/>
+              </a:lnSpc>
+              <a:spcBef>
+                <a:spcPts val="1000"/>
+              </a:spcBef>
+              <a:buClr>
+                <a:schemeClr val="dk1"/>
+              </a:buClr>
+              <a:buSzPts val="3200"/>
+              <a:buFont typeface="Wingdings" pitchFamily="2" charset="2"/>
+              <a:buChar char="§"/>
+            </a:pPr>
+            <a:r>
+              <a:rPr lang="en-US" sz="2800" dirty="0">
+                <a:solidFill>
+                  <a:schemeClr val="dk1"/>
+                </a:solidFill>
+                <a:latin typeface="Calibri" panose="020F0502020204030204" pitchFamily="34" charset="0"/>
+                <a:cs typeface="Calibri" panose="020F0502020204030204" pitchFamily="34" charset="0"/>
+                <a:sym typeface="Calibri"/>
+              </a:rPr>
+              <a:t>The system is mostly neutral (stochastic)</a:t>
+            </a:r>
+          </a:p>
+          <a:p>
+            <a:pPr marL="457200" indent="-457200">
+              <a:lnSpc>
+                <a:spcPct val="90000"/>
+              </a:lnSpc>
+              <a:spcBef>
+                <a:spcPts val="1000"/>
+              </a:spcBef>
+              <a:buClr>
+                <a:schemeClr val="dk1"/>
+              </a:buClr>
+              <a:buSzPts val="3200"/>
+              <a:buFont typeface="Wingdings" pitchFamily="2" charset="2"/>
+              <a:buChar char="§"/>
+            </a:pPr>
+            <a:r>
+              <a:rPr lang="en-US" sz="2800" dirty="0">
+                <a:solidFill>
+                  <a:schemeClr val="dk1"/>
+                </a:solidFill>
+                <a:latin typeface="Calibri" panose="020F0502020204030204" pitchFamily="34" charset="0"/>
+                <a:cs typeface="Calibri" panose="020F0502020204030204" pitchFamily="34" charset="0"/>
+                <a:sym typeface="Calibri"/>
+              </a:rPr>
+              <a:t>Land use change alters the environment heterogeneity  and induces gradual selective pressures</a:t>
+            </a:r>
+          </a:p>
+          <a:p>
+            <a:pPr marL="457200" indent="-457200">
+              <a:lnSpc>
+                <a:spcPct val="90000"/>
+              </a:lnSpc>
+              <a:spcBef>
+                <a:spcPts val="1000"/>
+              </a:spcBef>
+              <a:buClr>
+                <a:schemeClr val="dk1"/>
+              </a:buClr>
+              <a:buSzPts val="3200"/>
+              <a:buFont typeface="Wingdings" pitchFamily="2" charset="2"/>
+              <a:buChar char="§"/>
+            </a:pPr>
+            <a:r>
+              <a:rPr lang="en-US" sz="2800" dirty="0">
+                <a:solidFill>
+                  <a:schemeClr val="dk1"/>
+                </a:solidFill>
+                <a:latin typeface="Calibri" panose="020F0502020204030204" pitchFamily="34" charset="0"/>
+                <a:cs typeface="Calibri" panose="020F0502020204030204" pitchFamily="34" charset="0"/>
+                <a:sym typeface="Calibri"/>
+              </a:rPr>
+              <a:t>The selective impact within and across land use is </a:t>
+            </a:r>
+            <a:r>
+              <a:rPr lang="en-US" sz="2800" dirty="0">
+                <a:latin typeface="Calibri" panose="020F0502020204030204" pitchFamily="34" charset="0"/>
+                <a:cs typeface="Calibri" panose="020F0502020204030204" pitchFamily="34" charset="0"/>
+              </a:rPr>
+              <a:t>driven by rare microbes that clustered in small modules associated to specific land uses</a:t>
+            </a:r>
+            <a:endParaRPr lang="en-US" sz="3200" dirty="0">
+              <a:solidFill>
+                <a:schemeClr val="dk1"/>
+              </a:solidFill>
+              <a:latin typeface="Calibri" panose="020F0502020204030204" pitchFamily="34" charset="0"/>
+              <a:cs typeface="Calibri" panose="020F0502020204030204" pitchFamily="34" charset="0"/>
+              <a:sym typeface="Calibri"/>
+            </a:endParaRPr>
+          </a:p>
+          <a:p>
+            <a:pPr marR="0" lvl="0" algn="l" rtl="0">
+              <a:lnSpc>
+                <a:spcPct val="90000"/>
+              </a:lnSpc>
+              <a:spcBef>
+                <a:spcPts val="1000"/>
+              </a:spcBef>
+              <a:spcAft>
+                <a:spcPts val="0"/>
+              </a:spcAft>
+              <a:buClr>
+                <a:schemeClr val="dk1"/>
+              </a:buClr>
+              <a:buSzPts val="3200"/>
+            </a:pPr>
+            <a:endParaRPr lang="en-US" sz="2800" dirty="0">
+              <a:solidFill>
+                <a:schemeClr val="dk1"/>
+              </a:solidFill>
+              <a:latin typeface="Calibri" panose="020F0502020204030204" pitchFamily="34" charset="0"/>
+              <a:cs typeface="Calibri" panose="020F0502020204030204" pitchFamily="34" charset="0"/>
+              <a:sym typeface="Calibri"/>
+            </a:endParaRPr>
+          </a:p>
+          <a:p>
+            <a:pPr marL="228600" marR="0" lvl="0" indent="-228600" algn="l" rtl="0">
+              <a:lnSpc>
+                <a:spcPct val="90000"/>
+              </a:lnSpc>
+              <a:spcBef>
+                <a:spcPts val="1000"/>
+              </a:spcBef>
+              <a:spcAft>
+                <a:spcPts val="0"/>
+              </a:spcAft>
+              <a:buClr>
+                <a:schemeClr val="dk1"/>
+              </a:buClr>
+              <a:buSzPts val="3200"/>
+              <a:buFont typeface="Noto Sans Symbols"/>
+              <a:buChar char="▪"/>
+            </a:pPr>
+            <a:endParaRPr lang="en-US" sz="2800" dirty="0">
+              <a:solidFill>
+                <a:schemeClr val="dk1"/>
+              </a:solidFill>
+              <a:latin typeface="Calibri" panose="020F0502020204030204" pitchFamily="34" charset="0"/>
+              <a:cs typeface="Calibri" panose="020F0502020204030204" pitchFamily="34" charset="0"/>
+              <a:sym typeface="Calibri"/>
+            </a:endParaRPr>
+          </a:p>
+          <a:p>
+            <a:pPr marL="0" marR="0" lvl="0" indent="0" algn="l" rtl="0">
+              <a:lnSpc>
+                <a:spcPct val="90000"/>
+              </a:lnSpc>
+              <a:spcBef>
+                <a:spcPts val="1000"/>
+              </a:spcBef>
+              <a:spcAft>
+                <a:spcPts val="0"/>
+              </a:spcAft>
+              <a:buClr>
+                <a:schemeClr val="dk1"/>
+              </a:buClr>
+              <a:buSzPts val="3200"/>
+              <a:buFont typeface="Arial"/>
+              <a:buNone/>
+            </a:pPr>
+            <a:endParaRPr sz="3200" dirty="0">
+              <a:solidFill>
+                <a:schemeClr val="dk1"/>
+              </a:solidFill>
+              <a:latin typeface="Calibri" panose="020F0502020204030204" pitchFamily="34" charset="0"/>
+              <a:ea typeface="Gill Sans"/>
+              <a:cs typeface="Calibri" panose="020F0502020204030204" pitchFamily="34" charset="0"/>
+              <a:sym typeface="Gill Sans"/>
+            </a:endParaRPr>
+          </a:p>
+        </p:txBody>
+      </p:sp>
+    </p:spTree>
+    <p:extLst>
+      <p:ext uri="{BB962C8B-B14F-4D97-AF65-F5344CB8AC3E}">
+        <p14:creationId xmlns:p14="http://schemas.microsoft.com/office/powerpoint/2010/main" val="4033462942"/>
+      </p:ext>
+    </p:extLst>
+  </p:cSld>
+  <p:clrMapOvr>
+    <a:masterClrMapping/>
+  </p:clrMapOvr>
+</p:sld>
+</file>
+
+<file path=ppt/slides/slide3.xml><?xml version="1.0" encoding="utf-8"?>
+<p:sld xmlns:a="http://schemas.openxmlformats.org/drawingml/2006/main" xmlns:r="http://schemas.openxmlformats.org/officeDocument/2006/relationships" xmlns:p="http://schemas.openxmlformats.org/presentationml/2006/main" show="0">
+  <p:cSld>
+    <p:spTree>
+      <p:nvGrpSpPr>
+        <p:cNvPr id="1" name="Shape 98"/>
+        <p:cNvGrpSpPr/>
+        <p:nvPr/>
+      </p:nvGrpSpPr>
+      <p:grpSpPr>
+        <a:xfrm>
+          <a:off x="0" y="0"/>
+          <a:ext cx="0" cy="0"/>
+          <a:chOff x="0" y="0"/>
+          <a:chExt cx="0" cy="0"/>
+        </a:xfrm>
+      </p:grpSpPr>
+      <p:pic>
+        <p:nvPicPr>
+          <p:cNvPr id="99" name="Google Shape;99;p2"/>
+          <p:cNvPicPr preferRelativeResize="0">
+            <a:picLocks noChangeAspect="1"/>
+          </p:cNvPicPr>
+          <p:nvPr/>
+        </p:nvPicPr>
+        <p:blipFill rotWithShape="1">
+          <a:blip r:embed="rId3">
+            <a:alphaModFix/>
+          </a:blip>
+          <a:srcRect/>
+          <a:stretch/>
+        </p:blipFill>
+        <p:spPr>
+          <a:xfrm>
+            <a:off x="6693219" y="318619"/>
+            <a:ext cx="5270710" cy="3989635"/>
+          </a:xfrm>
+          <a:prstGeom prst="rect">
+            <a:avLst/>
+          </a:prstGeom>
+          <a:noFill/>
+          <a:ln w="9525" cap="flat" cmpd="sng">
+            <a:solidFill>
+              <a:schemeClr val="dk1"/>
+            </a:solidFill>
+            <a:prstDash val="solid"/>
+            <a:round/>
+            <a:headEnd type="none" w="sm" len="sm"/>
+            <a:tailEnd type="none" w="sm" len="sm"/>
+          </a:ln>
+        </p:spPr>
+      </p:pic>
+      <p:sp>
+        <p:nvSpPr>
+          <p:cNvPr id="102" name="Google Shape;102;p2"/>
+          <p:cNvSpPr txBox="1"/>
+          <p:nvPr/>
+        </p:nvSpPr>
+        <p:spPr>
+          <a:xfrm>
+            <a:off x="8754653" y="1485120"/>
+            <a:ext cx="1838036" cy="523220"/>
+          </a:xfrm>
+          <a:prstGeom prst="rect">
+            <a:avLst/>
+          </a:prstGeom>
+          <a:solidFill>
+            <a:schemeClr val="lt2">
+              <a:alpha val="49803"/>
+            </a:schemeClr>
+          </a:solidFill>
+          <a:ln>
+            <a:noFill/>
+          </a:ln>
+        </p:spPr>
+        <p:txBody>
+          <a:bodyPr spcFirstLastPara="1" wrap="square" lIns="91425" tIns="45700" rIns="91425" bIns="45700" anchor="t" anchorCtr="0">
+            <a:spAutoFit/>
+          </a:bodyPr>
+          <a:lstStyle/>
+          <a:p>
+            <a:pPr marL="0" marR="0" lvl="0" indent="0" algn="ctr" rtl="0">
+              <a:spcBef>
+                <a:spcPts val="0"/>
+              </a:spcBef>
+              <a:spcAft>
+                <a:spcPts val="0"/>
+              </a:spcAft>
+              <a:buNone/>
+            </a:pPr>
+            <a:r>
+              <a:rPr lang="en-US" sz="2800" b="1">
+                <a:solidFill>
+                  <a:srgbClr val="002060"/>
+                </a:solidFill>
+                <a:latin typeface="Calibri"/>
+                <a:ea typeface="Calibri"/>
+                <a:cs typeface="Calibri"/>
+                <a:sym typeface="Calibri"/>
+              </a:rPr>
+              <a:t>Forest</a:t>
+            </a:r>
+            <a:endParaRPr/>
+          </a:p>
+        </p:txBody>
+      </p:sp>
+      <p:sp>
+        <p:nvSpPr>
+          <p:cNvPr id="103" name="Google Shape;103;p2"/>
+          <p:cNvSpPr txBox="1"/>
+          <p:nvPr/>
+        </p:nvSpPr>
+        <p:spPr>
+          <a:xfrm>
+            <a:off x="8084400" y="2245702"/>
+            <a:ext cx="1838036" cy="523220"/>
+          </a:xfrm>
+          <a:prstGeom prst="rect">
+            <a:avLst/>
+          </a:prstGeom>
+          <a:solidFill>
+            <a:schemeClr val="lt2">
+              <a:alpha val="49803"/>
+            </a:schemeClr>
+          </a:solidFill>
+          <a:ln>
+            <a:noFill/>
+          </a:ln>
+        </p:spPr>
+        <p:txBody>
+          <a:bodyPr spcFirstLastPara="1" wrap="square" lIns="91425" tIns="45700" rIns="91425" bIns="45700" anchor="t" anchorCtr="0">
+            <a:spAutoFit/>
+          </a:bodyPr>
+          <a:lstStyle/>
+          <a:p>
+            <a:pPr marL="0" marR="0" lvl="0" indent="0" algn="ctr" rtl="0">
+              <a:spcBef>
+                <a:spcPts val="0"/>
+              </a:spcBef>
+              <a:spcAft>
+                <a:spcPts val="0"/>
+              </a:spcAft>
+              <a:buNone/>
+            </a:pPr>
+            <a:r>
+              <a:rPr lang="en-US" sz="2800" b="1" dirty="0">
+                <a:solidFill>
+                  <a:srgbClr val="002060"/>
+                </a:solidFill>
+                <a:latin typeface="Calibri"/>
+                <a:ea typeface="Calibri"/>
+                <a:cs typeface="Calibri"/>
+                <a:sym typeface="Calibri"/>
+              </a:rPr>
+              <a:t>Agriculture</a:t>
+            </a:r>
+            <a:endParaRPr dirty="0"/>
+          </a:p>
+        </p:txBody>
+      </p:sp>
+      <p:sp>
+        <p:nvSpPr>
+          <p:cNvPr id="104" name="Google Shape;104;p2"/>
+          <p:cNvSpPr txBox="1"/>
+          <p:nvPr/>
+        </p:nvSpPr>
+        <p:spPr>
+          <a:xfrm>
+            <a:off x="7450518" y="3122079"/>
+            <a:ext cx="1838036" cy="523220"/>
+          </a:xfrm>
+          <a:prstGeom prst="rect">
+            <a:avLst/>
+          </a:prstGeom>
+          <a:solidFill>
+            <a:schemeClr val="lt2">
+              <a:alpha val="49803"/>
+            </a:schemeClr>
+          </a:solidFill>
+          <a:ln>
+            <a:noFill/>
+          </a:ln>
+        </p:spPr>
+        <p:txBody>
+          <a:bodyPr spcFirstLastPara="1" wrap="square" lIns="91425" tIns="45700" rIns="91425" bIns="45700" anchor="t" anchorCtr="0">
+            <a:spAutoFit/>
+          </a:bodyPr>
+          <a:lstStyle/>
+          <a:p>
+            <a:pPr marL="0" marR="0" lvl="0" indent="0" algn="ctr" rtl="0">
+              <a:spcBef>
+                <a:spcPts val="0"/>
+              </a:spcBef>
+              <a:spcAft>
+                <a:spcPts val="0"/>
+              </a:spcAft>
+              <a:buNone/>
+            </a:pPr>
+            <a:r>
+              <a:rPr lang="en-US" sz="2800" b="1" dirty="0">
+                <a:solidFill>
+                  <a:srgbClr val="002060"/>
+                </a:solidFill>
+                <a:latin typeface="Calibri"/>
+                <a:ea typeface="Calibri"/>
+                <a:cs typeface="Calibri"/>
+                <a:sym typeface="Calibri"/>
+              </a:rPr>
+              <a:t>Village</a:t>
+            </a:r>
+            <a:endParaRPr dirty="0"/>
+          </a:p>
+        </p:txBody>
+      </p:sp>
+      <p:sp>
+        <p:nvSpPr>
+          <p:cNvPr id="105" name="Google Shape;105;p2"/>
+          <p:cNvSpPr/>
+          <p:nvPr/>
+        </p:nvSpPr>
+        <p:spPr>
+          <a:xfrm>
+            <a:off x="2222096" y="1079619"/>
+            <a:ext cx="2728074" cy="729372"/>
+          </a:xfrm>
+          <a:prstGeom prst="roundRect">
+            <a:avLst>
+              <a:gd name="adj" fmla="val 16667"/>
+            </a:avLst>
+          </a:prstGeom>
+          <a:noFill/>
+          <a:ln w="9525" cap="flat" cmpd="sng">
+            <a:solidFill>
+              <a:schemeClr val="dk1"/>
+            </a:solidFill>
+            <a:prstDash val="solid"/>
+            <a:round/>
+            <a:headEnd type="none" w="sm" len="sm"/>
+            <a:tailEnd type="none" w="sm" len="sm"/>
+          </a:ln>
+        </p:spPr>
+        <p:txBody>
+          <a:bodyPr spcFirstLastPara="1" wrap="square" lIns="91425" tIns="45700" rIns="91425" bIns="45700" anchor="ctr" anchorCtr="0">
+            <a:normAutofit fontScale="85000" lnSpcReduction="10000"/>
+          </a:bodyPr>
+          <a:lstStyle/>
+          <a:p>
+            <a:pPr marL="0" marR="0" lvl="0" indent="0" algn="ctr" rtl="0">
+              <a:lnSpc>
+                <a:spcPct val="90000"/>
+              </a:lnSpc>
+              <a:spcBef>
+                <a:spcPts val="0"/>
+              </a:spcBef>
+              <a:spcAft>
+                <a:spcPts val="0"/>
+              </a:spcAft>
+              <a:buClr>
+                <a:schemeClr val="dk1"/>
+              </a:buClr>
+              <a:buSzPts val="3330"/>
+              <a:buFont typeface="Calibri"/>
+              <a:buNone/>
+            </a:pPr>
+            <a:r>
+              <a:rPr lang="en-US" sz="3330" b="1" u="none" dirty="0">
+                <a:solidFill>
+                  <a:schemeClr val="dk1"/>
+                </a:solidFill>
+                <a:latin typeface="Calibri"/>
+                <a:ea typeface="Calibri"/>
+                <a:cs typeface="Calibri"/>
+                <a:sym typeface="Calibri"/>
+              </a:rPr>
+              <a:t>Land use change</a:t>
+            </a:r>
+            <a:endParaRPr sz="3330" b="1" u="none" dirty="0">
+              <a:solidFill>
+                <a:schemeClr val="dk1"/>
+              </a:solidFill>
+              <a:latin typeface="Calibri"/>
+              <a:ea typeface="Calibri"/>
+              <a:cs typeface="Calibri"/>
+              <a:sym typeface="Calibri"/>
+            </a:endParaRPr>
+          </a:p>
+        </p:txBody>
+      </p:sp>
+      <p:sp>
+        <p:nvSpPr>
+          <p:cNvPr id="109" name="Google Shape;109;p2"/>
+          <p:cNvSpPr/>
+          <p:nvPr/>
+        </p:nvSpPr>
+        <p:spPr>
+          <a:xfrm>
+            <a:off x="2328883" y="5170630"/>
+            <a:ext cx="2351980" cy="954277"/>
+          </a:xfrm>
+          <a:prstGeom prst="roundRect">
+            <a:avLst>
+              <a:gd name="adj" fmla="val 16667"/>
+            </a:avLst>
+          </a:prstGeom>
+          <a:noFill/>
+          <a:ln w="38100" cap="flat" cmpd="sng">
+            <a:solidFill>
+              <a:srgbClr val="FF0000"/>
+            </a:solidFill>
+            <a:prstDash val="solid"/>
+            <a:round/>
+            <a:headEnd type="none" w="sm" len="sm"/>
+            <a:tailEnd type="none" w="sm" len="sm"/>
+          </a:ln>
+        </p:spPr>
+        <p:txBody>
+          <a:bodyPr spcFirstLastPara="1" wrap="square" lIns="91425" tIns="45700" rIns="91425" bIns="45700" anchor="ctr" anchorCtr="0">
+            <a:noAutofit/>
+          </a:bodyPr>
+          <a:lstStyle/>
+          <a:p>
+            <a:pPr marL="0" marR="0" lvl="0" indent="0" algn="ctr" rtl="0">
+              <a:lnSpc>
+                <a:spcPct val="80000"/>
+              </a:lnSpc>
+              <a:spcBef>
+                <a:spcPts val="0"/>
+              </a:spcBef>
+              <a:spcAft>
+                <a:spcPts val="0"/>
+              </a:spcAft>
+              <a:buClr>
+                <a:schemeClr val="dk1"/>
+              </a:buClr>
+              <a:buSzPts val="2960"/>
+              <a:buFont typeface="Calibri"/>
+              <a:buNone/>
+            </a:pPr>
+            <a:r>
+              <a:rPr lang="en-US" sz="3200" b="1" u="none" dirty="0">
+                <a:solidFill>
+                  <a:schemeClr val="dk1"/>
+                </a:solidFill>
+                <a:latin typeface="Calibri"/>
+                <a:ea typeface="Calibri"/>
+                <a:cs typeface="Calibri"/>
+                <a:sym typeface="Calibri"/>
+              </a:rPr>
+              <a:t>Host Microbiome</a:t>
+            </a:r>
+            <a:endParaRPr sz="3200" b="1" u="none" dirty="0">
+              <a:solidFill>
+                <a:schemeClr val="dk1"/>
+              </a:solidFill>
+              <a:latin typeface="Calibri"/>
+              <a:ea typeface="Calibri"/>
+              <a:cs typeface="Calibri"/>
+              <a:sym typeface="Calibri"/>
+            </a:endParaRPr>
+          </a:p>
+        </p:txBody>
+      </p:sp>
+      <p:sp>
+        <p:nvSpPr>
+          <p:cNvPr id="113" name="Google Shape;113;p2"/>
+          <p:cNvSpPr/>
+          <p:nvPr/>
+        </p:nvSpPr>
+        <p:spPr>
+          <a:xfrm>
+            <a:off x="3349045" y="4659037"/>
+            <a:ext cx="289577" cy="563617"/>
+          </a:xfrm>
+          <a:prstGeom prst="downArrow">
+            <a:avLst>
+              <a:gd name="adj1" fmla="val 50000"/>
+              <a:gd name="adj2" fmla="val 50000"/>
+            </a:avLst>
+          </a:prstGeom>
+          <a:solidFill>
+            <a:schemeClr val="accent1"/>
+          </a:solidFill>
+          <a:ln w="12700" cap="flat" cmpd="sng">
+            <a:solidFill>
+              <a:srgbClr val="31538F"/>
+            </a:solidFill>
+            <a:prstDash val="solid"/>
+            <a:miter lim="800000"/>
+            <a:headEnd type="none" w="sm" len="sm"/>
+            <a:tailEnd type="none" w="sm" len="sm"/>
+          </a:ln>
+        </p:spPr>
+        <p:txBody>
+          <a:bodyPr spcFirstLastPara="1" wrap="square" lIns="91425" tIns="45700" rIns="91425" bIns="45700" anchor="ctr" anchorCtr="0">
+            <a:noAutofit/>
+          </a:bodyPr>
+          <a:lstStyle/>
+          <a:p>
+            <a:pPr marL="0" marR="0" lvl="0" indent="0" algn="ctr" rtl="0">
+              <a:spcBef>
+                <a:spcPts val="0"/>
+              </a:spcBef>
+              <a:spcAft>
+                <a:spcPts val="0"/>
+              </a:spcAft>
+              <a:buNone/>
+            </a:pPr>
+            <a:endParaRPr sz="1800">
+              <a:solidFill>
+                <a:schemeClr val="lt1"/>
+              </a:solidFill>
+              <a:latin typeface="Calibri"/>
+              <a:ea typeface="Calibri"/>
+              <a:cs typeface="Calibri"/>
+              <a:sym typeface="Calibri"/>
+            </a:endParaRPr>
+          </a:p>
+        </p:txBody>
+      </p:sp>
+      <p:sp>
+        <p:nvSpPr>
+          <p:cNvPr id="14" name="TextBox 13">
+            <a:extLst>
+              <a:ext uri="{FF2B5EF4-FFF2-40B4-BE49-F238E27FC236}">
+                <a16:creationId xmlns:a16="http://schemas.microsoft.com/office/drawing/2014/main" id="{28327477-C188-7255-8EFC-FAAE2D3E9519}"/>
+              </a:ext>
+            </a:extLst>
+          </p:cNvPr>
+          <p:cNvSpPr txBox="1"/>
+          <p:nvPr/>
+        </p:nvSpPr>
+        <p:spPr>
+          <a:xfrm>
+            <a:off x="6330866" y="6537088"/>
+            <a:ext cx="5901178" cy="307777"/>
+          </a:xfrm>
+          <a:prstGeom prst="rect">
+            <a:avLst/>
+          </a:prstGeom>
+          <a:noFill/>
+        </p:spPr>
+        <p:txBody>
+          <a:bodyPr wrap="square" rtlCol="0">
+            <a:spAutoFit/>
+          </a:bodyPr>
+          <a:lstStyle/>
+          <a:p>
+            <a:r>
+              <a:rPr lang="en-US" dirty="0">
+                <a:latin typeface="Calibri" panose="020F0502020204030204" pitchFamily="34" charset="0"/>
+                <a:cs typeface="Calibri" panose="020F0502020204030204" pitchFamily="34" charset="0"/>
+              </a:rPr>
+              <a:t>Newbold et. al., 2015; Bernardo-</a:t>
+            </a:r>
+            <a:r>
+              <a:rPr lang="en-US" dirty="0" err="1">
+                <a:latin typeface="Calibri" panose="020F0502020204030204" pitchFamily="34" charset="0"/>
+                <a:cs typeface="Calibri" panose="020F0502020204030204" pitchFamily="34" charset="0"/>
+              </a:rPr>
+              <a:t>Carvo</a:t>
+            </a:r>
+            <a:r>
+              <a:rPr lang="en-US" dirty="0">
+                <a:latin typeface="Calibri" panose="020F0502020204030204" pitchFamily="34" charset="0"/>
+                <a:cs typeface="Calibri" panose="020F0502020204030204" pitchFamily="34" charset="0"/>
+              </a:rPr>
+              <a:t> et. al., 2020; </a:t>
+            </a:r>
+            <a:r>
+              <a:rPr lang="en-US" dirty="0" err="1">
+                <a:latin typeface="Calibri" panose="020F0502020204030204" pitchFamily="34" charset="0"/>
+                <a:cs typeface="Calibri" panose="020F0502020204030204" pitchFamily="34" charset="0"/>
+              </a:rPr>
+              <a:t>Fackelmann</a:t>
+            </a:r>
+            <a:r>
+              <a:rPr lang="en-US" dirty="0">
+                <a:latin typeface="Calibri" panose="020F0502020204030204" pitchFamily="34" charset="0"/>
+                <a:cs typeface="Calibri" panose="020F0502020204030204" pitchFamily="34" charset="0"/>
+              </a:rPr>
+              <a:t> et. al., 2021</a:t>
+            </a:r>
+          </a:p>
+        </p:txBody>
+      </p:sp>
+    </p:spTree>
+    <p:extLst>
+      <p:ext uri="{BB962C8B-B14F-4D97-AF65-F5344CB8AC3E}">
+        <p14:creationId xmlns:p14="http://schemas.microsoft.com/office/powerpoint/2010/main" val="116169187"/>
+      </p:ext>
+    </p:extLst>
+  </p:cSld>
+  <p:clrMapOvr>
+    <a:masterClrMapping/>
+  </p:clrMapOvr>
+</p:sld>
+</file>
+
+<file path=ppt/slides/slide30.xml><?xml version="1.0" encoding="utf-8"?>
 <p:sld xmlns:a="http://schemas.openxmlformats.org/drawingml/2006/main" xmlns:r="http://schemas.openxmlformats.org/officeDocument/2006/relationships" xmlns:p="http://schemas.openxmlformats.org/presentationml/2006/main" show="0">
   <p:cSld>
     <p:spTree>
@@ -32092,505 +33212,7 @@
 </p:sld>
 </file>
 
-<file path=ppt/slides/slide3.xml><?xml version="1.0" encoding="utf-8"?>
-<p:sld xmlns:a="http://schemas.openxmlformats.org/drawingml/2006/main" xmlns:r="http://schemas.openxmlformats.org/officeDocument/2006/relationships" xmlns:p="http://schemas.openxmlformats.org/presentationml/2006/main" show="0">
-  <p:cSld>
-    <p:spTree>
-      <p:nvGrpSpPr>
-        <p:cNvPr id="1" name="Shape 98"/>
-        <p:cNvGrpSpPr/>
-        <p:nvPr/>
-      </p:nvGrpSpPr>
-      <p:grpSpPr>
-        <a:xfrm>
-          <a:off x="0" y="0"/>
-          <a:ext cx="0" cy="0"/>
-          <a:chOff x="0" y="0"/>
-          <a:chExt cx="0" cy="0"/>
-        </a:xfrm>
-      </p:grpSpPr>
-      <p:pic>
-        <p:nvPicPr>
-          <p:cNvPr id="99" name="Google Shape;99;p2"/>
-          <p:cNvPicPr preferRelativeResize="0">
-            <a:picLocks noChangeAspect="1"/>
-          </p:cNvPicPr>
-          <p:nvPr/>
-        </p:nvPicPr>
-        <p:blipFill rotWithShape="1">
-          <a:blip r:embed="rId3">
-            <a:alphaModFix/>
-          </a:blip>
-          <a:srcRect/>
-          <a:stretch/>
-        </p:blipFill>
-        <p:spPr>
-          <a:xfrm>
-            <a:off x="6693219" y="318619"/>
-            <a:ext cx="5270710" cy="3989635"/>
-          </a:xfrm>
-          <a:prstGeom prst="rect">
-            <a:avLst/>
-          </a:prstGeom>
-          <a:noFill/>
-          <a:ln w="9525" cap="flat" cmpd="sng">
-            <a:solidFill>
-              <a:schemeClr val="dk1"/>
-            </a:solidFill>
-            <a:prstDash val="solid"/>
-            <a:round/>
-            <a:headEnd type="none" w="sm" len="sm"/>
-            <a:tailEnd type="none" w="sm" len="sm"/>
-          </a:ln>
-        </p:spPr>
-      </p:pic>
-      <p:sp>
-        <p:nvSpPr>
-          <p:cNvPr id="102" name="Google Shape;102;p2"/>
-          <p:cNvSpPr txBox="1"/>
-          <p:nvPr/>
-        </p:nvSpPr>
-        <p:spPr>
-          <a:xfrm>
-            <a:off x="8754653" y="1485120"/>
-            <a:ext cx="1838036" cy="523220"/>
-          </a:xfrm>
-          <a:prstGeom prst="rect">
-            <a:avLst/>
-          </a:prstGeom>
-          <a:solidFill>
-            <a:schemeClr val="lt2">
-              <a:alpha val="49803"/>
-            </a:schemeClr>
-          </a:solidFill>
-          <a:ln>
-            <a:noFill/>
-          </a:ln>
-        </p:spPr>
-        <p:txBody>
-          <a:bodyPr spcFirstLastPara="1" wrap="square" lIns="91425" tIns="45700" rIns="91425" bIns="45700" anchor="t" anchorCtr="0">
-            <a:spAutoFit/>
-          </a:bodyPr>
-          <a:lstStyle/>
-          <a:p>
-            <a:pPr marL="0" marR="0" lvl="0" indent="0" algn="ctr" rtl="0">
-              <a:spcBef>
-                <a:spcPts val="0"/>
-              </a:spcBef>
-              <a:spcAft>
-                <a:spcPts val="0"/>
-              </a:spcAft>
-              <a:buNone/>
-            </a:pPr>
-            <a:r>
-              <a:rPr lang="en-US" sz="2800" b="1">
-                <a:solidFill>
-                  <a:srgbClr val="002060"/>
-                </a:solidFill>
-                <a:latin typeface="Calibri"/>
-                <a:ea typeface="Calibri"/>
-                <a:cs typeface="Calibri"/>
-                <a:sym typeface="Calibri"/>
-              </a:rPr>
-              <a:t>Forest</a:t>
-            </a:r>
-            <a:endParaRPr/>
-          </a:p>
-        </p:txBody>
-      </p:sp>
-      <p:sp>
-        <p:nvSpPr>
-          <p:cNvPr id="103" name="Google Shape;103;p2"/>
-          <p:cNvSpPr txBox="1"/>
-          <p:nvPr/>
-        </p:nvSpPr>
-        <p:spPr>
-          <a:xfrm>
-            <a:off x="8084400" y="2245702"/>
-            <a:ext cx="1838036" cy="523220"/>
-          </a:xfrm>
-          <a:prstGeom prst="rect">
-            <a:avLst/>
-          </a:prstGeom>
-          <a:solidFill>
-            <a:schemeClr val="lt2">
-              <a:alpha val="49803"/>
-            </a:schemeClr>
-          </a:solidFill>
-          <a:ln>
-            <a:noFill/>
-          </a:ln>
-        </p:spPr>
-        <p:txBody>
-          <a:bodyPr spcFirstLastPara="1" wrap="square" lIns="91425" tIns="45700" rIns="91425" bIns="45700" anchor="t" anchorCtr="0">
-            <a:spAutoFit/>
-          </a:bodyPr>
-          <a:lstStyle/>
-          <a:p>
-            <a:pPr marL="0" marR="0" lvl="0" indent="0" algn="ctr" rtl="0">
-              <a:spcBef>
-                <a:spcPts val="0"/>
-              </a:spcBef>
-              <a:spcAft>
-                <a:spcPts val="0"/>
-              </a:spcAft>
-              <a:buNone/>
-            </a:pPr>
-            <a:r>
-              <a:rPr lang="en-US" sz="2800" b="1" dirty="0">
-                <a:solidFill>
-                  <a:srgbClr val="002060"/>
-                </a:solidFill>
-                <a:latin typeface="Calibri"/>
-                <a:ea typeface="Calibri"/>
-                <a:cs typeface="Calibri"/>
-                <a:sym typeface="Calibri"/>
-              </a:rPr>
-              <a:t>Agriculture</a:t>
-            </a:r>
-            <a:endParaRPr dirty="0"/>
-          </a:p>
-        </p:txBody>
-      </p:sp>
-      <p:sp>
-        <p:nvSpPr>
-          <p:cNvPr id="104" name="Google Shape;104;p2"/>
-          <p:cNvSpPr txBox="1"/>
-          <p:nvPr/>
-        </p:nvSpPr>
-        <p:spPr>
-          <a:xfrm>
-            <a:off x="7450518" y="3122079"/>
-            <a:ext cx="1838036" cy="523220"/>
-          </a:xfrm>
-          <a:prstGeom prst="rect">
-            <a:avLst/>
-          </a:prstGeom>
-          <a:solidFill>
-            <a:schemeClr val="lt2">
-              <a:alpha val="49803"/>
-            </a:schemeClr>
-          </a:solidFill>
-          <a:ln>
-            <a:noFill/>
-          </a:ln>
-        </p:spPr>
-        <p:txBody>
-          <a:bodyPr spcFirstLastPara="1" wrap="square" lIns="91425" tIns="45700" rIns="91425" bIns="45700" anchor="t" anchorCtr="0">
-            <a:spAutoFit/>
-          </a:bodyPr>
-          <a:lstStyle/>
-          <a:p>
-            <a:pPr marL="0" marR="0" lvl="0" indent="0" algn="ctr" rtl="0">
-              <a:spcBef>
-                <a:spcPts val="0"/>
-              </a:spcBef>
-              <a:spcAft>
-                <a:spcPts val="0"/>
-              </a:spcAft>
-              <a:buNone/>
-            </a:pPr>
-            <a:r>
-              <a:rPr lang="en-US" sz="2800" b="1" dirty="0">
-                <a:solidFill>
-                  <a:srgbClr val="002060"/>
-                </a:solidFill>
-                <a:latin typeface="Calibri"/>
-                <a:ea typeface="Calibri"/>
-                <a:cs typeface="Calibri"/>
-                <a:sym typeface="Calibri"/>
-              </a:rPr>
-              <a:t>Village</a:t>
-            </a:r>
-            <a:endParaRPr dirty="0"/>
-          </a:p>
-        </p:txBody>
-      </p:sp>
-      <p:sp>
-        <p:nvSpPr>
-          <p:cNvPr id="105" name="Google Shape;105;p2"/>
-          <p:cNvSpPr/>
-          <p:nvPr/>
-        </p:nvSpPr>
-        <p:spPr>
-          <a:xfrm>
-            <a:off x="2222096" y="1079619"/>
-            <a:ext cx="2728074" cy="729372"/>
-          </a:xfrm>
-          <a:prstGeom prst="roundRect">
-            <a:avLst>
-              <a:gd name="adj" fmla="val 16667"/>
-            </a:avLst>
-          </a:prstGeom>
-          <a:noFill/>
-          <a:ln w="9525" cap="flat" cmpd="sng">
-            <a:solidFill>
-              <a:schemeClr val="dk1"/>
-            </a:solidFill>
-            <a:prstDash val="solid"/>
-            <a:round/>
-            <a:headEnd type="none" w="sm" len="sm"/>
-            <a:tailEnd type="none" w="sm" len="sm"/>
-          </a:ln>
-        </p:spPr>
-        <p:txBody>
-          <a:bodyPr spcFirstLastPara="1" wrap="square" lIns="91425" tIns="45700" rIns="91425" bIns="45700" anchor="ctr" anchorCtr="0">
-            <a:normAutofit fontScale="85000" lnSpcReduction="10000"/>
-          </a:bodyPr>
-          <a:lstStyle/>
-          <a:p>
-            <a:pPr marL="0" marR="0" lvl="0" indent="0" algn="ctr" rtl="0">
-              <a:lnSpc>
-                <a:spcPct val="90000"/>
-              </a:lnSpc>
-              <a:spcBef>
-                <a:spcPts val="0"/>
-              </a:spcBef>
-              <a:spcAft>
-                <a:spcPts val="0"/>
-              </a:spcAft>
-              <a:buClr>
-                <a:schemeClr val="dk1"/>
-              </a:buClr>
-              <a:buSzPts val="3330"/>
-              <a:buFont typeface="Calibri"/>
-              <a:buNone/>
-            </a:pPr>
-            <a:r>
-              <a:rPr lang="en-US" sz="3330" b="1" u="none" dirty="0">
-                <a:solidFill>
-                  <a:schemeClr val="dk1"/>
-                </a:solidFill>
-                <a:latin typeface="Calibri"/>
-                <a:ea typeface="Calibri"/>
-                <a:cs typeface="Calibri"/>
-                <a:sym typeface="Calibri"/>
-              </a:rPr>
-              <a:t>Land use change</a:t>
-            </a:r>
-            <a:endParaRPr sz="3330" b="1" u="none" dirty="0">
-              <a:solidFill>
-                <a:schemeClr val="dk1"/>
-              </a:solidFill>
-              <a:latin typeface="Calibri"/>
-              <a:ea typeface="Calibri"/>
-              <a:cs typeface="Calibri"/>
-              <a:sym typeface="Calibri"/>
-            </a:endParaRPr>
-          </a:p>
-        </p:txBody>
-      </p:sp>
-      <p:sp>
-        <p:nvSpPr>
-          <p:cNvPr id="109" name="Google Shape;109;p2"/>
-          <p:cNvSpPr/>
-          <p:nvPr/>
-        </p:nvSpPr>
-        <p:spPr>
-          <a:xfrm>
-            <a:off x="2328883" y="5170630"/>
-            <a:ext cx="2351980" cy="954277"/>
-          </a:xfrm>
-          <a:prstGeom prst="roundRect">
-            <a:avLst>
-              <a:gd name="adj" fmla="val 16667"/>
-            </a:avLst>
-          </a:prstGeom>
-          <a:noFill/>
-          <a:ln w="38100" cap="flat" cmpd="sng">
-            <a:solidFill>
-              <a:srgbClr val="FF0000"/>
-            </a:solidFill>
-            <a:prstDash val="solid"/>
-            <a:round/>
-            <a:headEnd type="none" w="sm" len="sm"/>
-            <a:tailEnd type="none" w="sm" len="sm"/>
-          </a:ln>
-        </p:spPr>
-        <p:txBody>
-          <a:bodyPr spcFirstLastPara="1" wrap="square" lIns="91425" tIns="45700" rIns="91425" bIns="45700" anchor="ctr" anchorCtr="0">
-            <a:noAutofit/>
-          </a:bodyPr>
-          <a:lstStyle/>
-          <a:p>
-            <a:pPr marL="0" marR="0" lvl="0" indent="0" algn="ctr" rtl="0">
-              <a:lnSpc>
-                <a:spcPct val="80000"/>
-              </a:lnSpc>
-              <a:spcBef>
-                <a:spcPts val="0"/>
-              </a:spcBef>
-              <a:spcAft>
-                <a:spcPts val="0"/>
-              </a:spcAft>
-              <a:buClr>
-                <a:schemeClr val="dk1"/>
-              </a:buClr>
-              <a:buSzPts val="2960"/>
-              <a:buFont typeface="Calibri"/>
-              <a:buNone/>
-            </a:pPr>
-            <a:r>
-              <a:rPr lang="en-US" sz="3200" b="1" u="none" dirty="0">
-                <a:solidFill>
-                  <a:schemeClr val="dk1"/>
-                </a:solidFill>
-                <a:latin typeface="Calibri"/>
-                <a:ea typeface="Calibri"/>
-                <a:cs typeface="Calibri"/>
-                <a:sym typeface="Calibri"/>
-              </a:rPr>
-              <a:t>Host Microbiome</a:t>
-            </a:r>
-            <a:endParaRPr sz="3200" b="1" u="none" dirty="0">
-              <a:solidFill>
-                <a:schemeClr val="dk1"/>
-              </a:solidFill>
-              <a:latin typeface="Calibri"/>
-              <a:ea typeface="Calibri"/>
-              <a:cs typeface="Calibri"/>
-              <a:sym typeface="Calibri"/>
-            </a:endParaRPr>
-          </a:p>
-        </p:txBody>
-      </p:sp>
-      <p:sp>
-        <p:nvSpPr>
-          <p:cNvPr id="113" name="Google Shape;113;p2"/>
-          <p:cNvSpPr/>
-          <p:nvPr/>
-        </p:nvSpPr>
-        <p:spPr>
-          <a:xfrm>
-            <a:off x="3349045" y="4659037"/>
-            <a:ext cx="289577" cy="563617"/>
-          </a:xfrm>
-          <a:prstGeom prst="downArrow">
-            <a:avLst>
-              <a:gd name="adj1" fmla="val 50000"/>
-              <a:gd name="adj2" fmla="val 50000"/>
-            </a:avLst>
-          </a:prstGeom>
-          <a:solidFill>
-            <a:schemeClr val="accent1"/>
-          </a:solidFill>
-          <a:ln w="12700" cap="flat" cmpd="sng">
-            <a:solidFill>
-              <a:srgbClr val="31538F"/>
-            </a:solidFill>
-            <a:prstDash val="solid"/>
-            <a:miter lim="800000"/>
-            <a:headEnd type="none" w="sm" len="sm"/>
-            <a:tailEnd type="none" w="sm" len="sm"/>
-          </a:ln>
-        </p:spPr>
-        <p:txBody>
-          <a:bodyPr spcFirstLastPara="1" wrap="square" lIns="91425" tIns="45700" rIns="91425" bIns="45700" anchor="ctr" anchorCtr="0">
-            <a:noAutofit/>
-          </a:bodyPr>
-          <a:lstStyle/>
-          <a:p>
-            <a:pPr marL="0" marR="0" lvl="0" indent="0" algn="ctr" rtl="0">
-              <a:spcBef>
-                <a:spcPts val="0"/>
-              </a:spcBef>
-              <a:spcAft>
-                <a:spcPts val="0"/>
-              </a:spcAft>
-              <a:buNone/>
-            </a:pPr>
-            <a:endParaRPr sz="1800">
-              <a:solidFill>
-                <a:schemeClr val="lt1"/>
-              </a:solidFill>
-              <a:latin typeface="Calibri"/>
-              <a:ea typeface="Calibri"/>
-              <a:cs typeface="Calibri"/>
-              <a:sym typeface="Calibri"/>
-            </a:endParaRPr>
-          </a:p>
-        </p:txBody>
-      </p:sp>
-      <p:sp>
-        <p:nvSpPr>
-          <p:cNvPr id="14" name="TextBox 13">
-            <a:extLst>
-              <a:ext uri="{FF2B5EF4-FFF2-40B4-BE49-F238E27FC236}">
-                <a16:creationId xmlns:a16="http://schemas.microsoft.com/office/drawing/2014/main" id="{28327477-C188-7255-8EFC-FAAE2D3E9519}"/>
-              </a:ext>
-            </a:extLst>
-          </p:cNvPr>
-          <p:cNvSpPr txBox="1"/>
-          <p:nvPr/>
-        </p:nvSpPr>
-        <p:spPr>
-          <a:xfrm>
-            <a:off x="6330866" y="6537088"/>
-            <a:ext cx="5901178" cy="307777"/>
-          </a:xfrm>
-          <a:prstGeom prst="rect">
-            <a:avLst/>
-          </a:prstGeom>
-          <a:noFill/>
-        </p:spPr>
-        <p:txBody>
-          <a:bodyPr wrap="square" rtlCol="0">
-            <a:spAutoFit/>
-          </a:bodyPr>
-          <a:lstStyle/>
-          <a:p>
-            <a:r>
-              <a:rPr lang="en-US" dirty="0">
-                <a:latin typeface="Calibri" panose="020F0502020204030204" pitchFamily="34" charset="0"/>
-                <a:cs typeface="Calibri" panose="020F0502020204030204" pitchFamily="34" charset="0"/>
-              </a:rPr>
-              <a:t>Newbold et. al., 2015; Bernardo-</a:t>
-            </a:r>
-            <a:r>
-              <a:rPr lang="en-US" dirty="0" err="1">
-                <a:latin typeface="Calibri" panose="020F0502020204030204" pitchFamily="34" charset="0"/>
-                <a:cs typeface="Calibri" panose="020F0502020204030204" pitchFamily="34" charset="0"/>
-              </a:rPr>
-              <a:t>Carvo</a:t>
-            </a:r>
-            <a:r>
-              <a:rPr lang="en-US" dirty="0">
-                <a:latin typeface="Calibri" panose="020F0502020204030204" pitchFamily="34" charset="0"/>
-                <a:cs typeface="Calibri" panose="020F0502020204030204" pitchFamily="34" charset="0"/>
-              </a:rPr>
-              <a:t> et. al., 2020; </a:t>
-            </a:r>
-            <a:r>
-              <a:rPr lang="en-US" dirty="0" err="1">
-                <a:latin typeface="Calibri" panose="020F0502020204030204" pitchFamily="34" charset="0"/>
-                <a:cs typeface="Calibri" panose="020F0502020204030204" pitchFamily="34" charset="0"/>
-              </a:rPr>
-              <a:t>Fackelmann</a:t>
-            </a:r>
-            <a:r>
-              <a:rPr lang="en-US" dirty="0">
-                <a:latin typeface="Calibri" panose="020F0502020204030204" pitchFamily="34" charset="0"/>
-                <a:cs typeface="Calibri" panose="020F0502020204030204" pitchFamily="34" charset="0"/>
-              </a:rPr>
-              <a:t> et. al., 2021</a:t>
-            </a:r>
-          </a:p>
-        </p:txBody>
-      </p:sp>
-    </p:spTree>
-    <p:extLst>
-      <p:ext uri="{BB962C8B-B14F-4D97-AF65-F5344CB8AC3E}">
-        <p14:creationId xmlns:p14="http://schemas.microsoft.com/office/powerpoint/2010/main" val="116169187"/>
-      </p:ext>
-    </p:extLst>
-  </p:cSld>
-  <p:clrMapOvr>
-    <a:masterClrMapping/>
-  </p:clrMapOvr>
-</p:sld>
-</file>
-
-<file path=ppt/slides/slide30.xml><?xml version="1.0" encoding="utf-8"?>
+<file path=ppt/slides/slide31.xml><?xml version="1.0" encoding="utf-8"?>
 <p:sld xmlns:a="http://schemas.openxmlformats.org/drawingml/2006/main" xmlns:r="http://schemas.openxmlformats.org/officeDocument/2006/relationships" xmlns:p="http://schemas.openxmlformats.org/presentationml/2006/main" show="0">
   <p:cSld>
     <p:spTree>
@@ -33000,7 +33622,7 @@
 </p:sld>
 </file>
 
-<file path=ppt/slides/slide31.xml><?xml version="1.0" encoding="utf-8"?>
+<file path=ppt/slides/slide32.xml><?xml version="1.0" encoding="utf-8"?>
 <p:sld xmlns:a="http://schemas.openxmlformats.org/drawingml/2006/main" xmlns:r="http://schemas.openxmlformats.org/officeDocument/2006/relationships" xmlns:p="http://schemas.openxmlformats.org/presentationml/2006/main" show="0">
   <p:cSld>
     <p:spTree>
@@ -33099,7 +33721,7 @@
 </p:sld>
 </file>
 
-<file path=ppt/slides/slide32.xml><?xml version="1.0" encoding="utf-8"?>
+<file path=ppt/slides/slide33.xml><?xml version="1.0" encoding="utf-8"?>
 <p:sld xmlns:a="http://schemas.openxmlformats.org/drawingml/2006/main" xmlns:r="http://schemas.openxmlformats.org/officeDocument/2006/relationships" xmlns:p="http://schemas.openxmlformats.org/presentationml/2006/main" show="0">
   <p:cSld>
     <p:spTree>

--- a/presentations/project story.pptx
+++ b/presentations/project story.pptx
@@ -5,7 +5,7 @@
     <p:sldMasterId id="2147483648" r:id="rId1"/>
   </p:sldMasterIdLst>
   <p:notesMasterIdLst>
-    <p:notesMasterId r:id="rId35"/>
+    <p:notesMasterId r:id="rId37"/>
   </p:notesMasterIdLst>
   <p:sldIdLst>
     <p:sldId id="256" r:id="rId2"/>
@@ -28,19 +28,21 @@
     <p:sldId id="381" r:id="rId19"/>
     <p:sldId id="382" r:id="rId20"/>
     <p:sldId id="368" r:id="rId21"/>
-    <p:sldId id="391" r:id="rId22"/>
-    <p:sldId id="392" r:id="rId23"/>
-    <p:sldId id="371" r:id="rId24"/>
-    <p:sldId id="348" r:id="rId25"/>
-    <p:sldId id="359" r:id="rId26"/>
-    <p:sldId id="373" r:id="rId27"/>
-    <p:sldId id="370" r:id="rId28"/>
-    <p:sldId id="320" r:id="rId29"/>
-    <p:sldId id="395" r:id="rId30"/>
-    <p:sldId id="376" r:id="rId31"/>
-    <p:sldId id="374" r:id="rId32"/>
-    <p:sldId id="375" r:id="rId33"/>
-    <p:sldId id="364" r:id="rId34"/>
+    <p:sldId id="396" r:id="rId22"/>
+    <p:sldId id="391" r:id="rId23"/>
+    <p:sldId id="392" r:id="rId24"/>
+    <p:sldId id="371" r:id="rId25"/>
+    <p:sldId id="348" r:id="rId26"/>
+    <p:sldId id="359" r:id="rId27"/>
+    <p:sldId id="373" r:id="rId28"/>
+    <p:sldId id="370" r:id="rId29"/>
+    <p:sldId id="397" r:id="rId30"/>
+    <p:sldId id="320" r:id="rId31"/>
+    <p:sldId id="395" r:id="rId32"/>
+    <p:sldId id="376" r:id="rId33"/>
+    <p:sldId id="374" r:id="rId34"/>
+    <p:sldId id="375" r:id="rId35"/>
+    <p:sldId id="364" r:id="rId36"/>
   </p:sldIdLst>
   <p:sldSz cx="12192000" cy="6858000"/>
   <p:notesSz cx="6858000" cy="9144000"/>
@@ -289,7 +291,7 @@
       </p15:sldGuideLst>
     </p:ext>
     <p:ext uri="http://customooxmlschemas.google.com/">
-      <go:slidesCustomData xmlns:go="http://customooxmlschemas.google.com/" xmlns:ahyp="http://schemas.microsoft.com/office/drawing/2018/hyperlinkcolor" xmlns:p15="http://schemas.microsoft.com/office/powerpoint/2012/main" xmlns:p14="http://schemas.microsoft.com/office/powerpoint/2010/main" xmlns:com="http://schemas.openxmlformats.org/drawingml/2006/compatibility" xmlns:pvml="urn:schemas-microsoft-com:office:powerpoint" xmlns:v="urn:schemas-microsoft-com:vml" xmlns:o="urn:schemas-microsoft-com:office:office" xmlns:dgm="http://schemas.openxmlformats.org/drawingml/2006/diagram" xmlns:c="http://schemas.openxmlformats.org/drawingml/2006/chart" xmlns:mv="urn:schemas-microsoft-com:mac:vml" xmlns:mc="http://schemas.openxmlformats.org/markup-compatibility/2006" xmlns="" r:id="rId67" roundtripDataSignature="AMtx7miWcMCwqWalZ5+4w3F/JiR3qZOS7w=="/>
+      <go:slidesCustomData xmlns="" xmlns:mc="http://schemas.openxmlformats.org/markup-compatibility/2006" xmlns:mv="urn:schemas-microsoft-com:mac:vml" xmlns:c="http://schemas.openxmlformats.org/drawingml/2006/chart" xmlns:dgm="http://schemas.openxmlformats.org/drawingml/2006/diagram" xmlns:o="urn:schemas-microsoft-com:office:office" xmlns:v="urn:schemas-microsoft-com:vml" xmlns:pvml="urn:schemas-microsoft-com:office:powerpoint" xmlns:com="http://schemas.openxmlformats.org/drawingml/2006/compatibility" xmlns:p14="http://schemas.microsoft.com/office/powerpoint/2010/main" xmlns:p15="http://schemas.microsoft.com/office/powerpoint/2012/main" xmlns:ahyp="http://schemas.microsoft.com/office/drawing/2018/hyperlinkcolor" xmlns:go="http://customooxmlschemas.google.com/" r:id="rId67" roundtripDataSignature="AMtx7miWcMCwqWalZ5+4w3F/JiR3qZOS7w=="/>
     </p:ext>
   </p:extLst>
 </p:presentation>
@@ -3181,7 +3183,7 @@
     </p:spTree>
     <p:extLst>
       <p:ext uri="{BB962C8B-B14F-4D97-AF65-F5344CB8AC3E}">
-        <p14:creationId xmlns:p14="http://schemas.microsoft.com/office/powerpoint/2010/main" val="2136968928"/>
+        <p14:creationId xmlns:p14="http://schemas.microsoft.com/office/powerpoint/2010/main" val="3251141807"/>
       </p:ext>
     </p:extLst>
   </p:cSld>
@@ -3271,7 +3273,7 @@
     </p:spTree>
     <p:extLst>
       <p:ext uri="{BB962C8B-B14F-4D97-AF65-F5344CB8AC3E}">
-        <p14:creationId xmlns:p14="http://schemas.microsoft.com/office/powerpoint/2010/main" val="1060269319"/>
+        <p14:creationId xmlns:p14="http://schemas.microsoft.com/office/powerpoint/2010/main" val="2136968928"/>
       </p:ext>
     </p:extLst>
   </p:cSld>
@@ -3361,6 +3363,96 @@
     </p:spTree>
     <p:extLst>
       <p:ext uri="{BB962C8B-B14F-4D97-AF65-F5344CB8AC3E}">
+        <p14:creationId xmlns:p14="http://schemas.microsoft.com/office/powerpoint/2010/main" val="1060269319"/>
+      </p:ext>
+    </p:extLst>
+  </p:cSld>
+  <p:clrMapOvr>
+    <a:masterClrMapping/>
+  </p:clrMapOvr>
+</p:notes>
+</file>
+
+<file path=ppt/notesSlides/notesSlide24.xml><?xml version="1.0" encoding="utf-8"?>
+<p:notes xmlns:a="http://schemas.openxmlformats.org/drawingml/2006/main" xmlns:r="http://schemas.openxmlformats.org/officeDocument/2006/relationships" xmlns:p="http://schemas.openxmlformats.org/presentationml/2006/main">
+  <p:cSld>
+    <p:spTree>
+      <p:nvGrpSpPr>
+        <p:cNvPr id="1" name=""/>
+        <p:cNvGrpSpPr/>
+        <p:nvPr/>
+      </p:nvGrpSpPr>
+      <p:grpSpPr>
+        <a:xfrm>
+          <a:off x="0" y="0"/>
+          <a:ext cx="0" cy="0"/>
+          <a:chOff x="0" y="0"/>
+          <a:chExt cx="0" cy="0"/>
+        </a:xfrm>
+      </p:grpSpPr>
+      <p:sp>
+        <p:nvSpPr>
+          <p:cNvPr id="2" name="Slide Image Placeholder 1"/>
+          <p:cNvSpPr>
+            <a:spLocks noGrp="1" noRot="1" noChangeAspect="1"/>
+          </p:cNvSpPr>
+          <p:nvPr>
+            <p:ph type="sldImg"/>
+          </p:nvPr>
+        </p:nvSpPr>
+        <p:spPr/>
+      </p:sp>
+      <p:sp>
+        <p:nvSpPr>
+          <p:cNvPr id="3" name="Notes Placeholder 2"/>
+          <p:cNvSpPr>
+            <a:spLocks noGrp="1"/>
+          </p:cNvSpPr>
+          <p:nvPr>
+            <p:ph type="body" idx="1"/>
+          </p:nvPr>
+        </p:nvSpPr>
+        <p:spPr/>
+        <p:txBody>
+          <a:bodyPr/>
+          <a:lstStyle/>
+          <a:p>
+            <a:endParaRPr lang="en-US" b="0" i="0" dirty="0">
+              <a:solidFill>
+                <a:srgbClr val="2E2F31"/>
+              </a:solidFill>
+              <a:effectLst/>
+              <a:latin typeface="Gotham A"/>
+            </a:endParaRPr>
+          </a:p>
+        </p:txBody>
+      </p:sp>
+      <p:sp>
+        <p:nvSpPr>
+          <p:cNvPr id="4" name="Slide Number Placeholder 3"/>
+          <p:cNvSpPr>
+            <a:spLocks noGrp="1"/>
+          </p:cNvSpPr>
+          <p:nvPr>
+            <p:ph type="sldNum" sz="quarter" idx="5"/>
+          </p:nvPr>
+        </p:nvSpPr>
+        <p:spPr/>
+        <p:txBody>
+          <a:bodyPr/>
+          <a:lstStyle/>
+          <a:p>
+            <a:fld id="{740EB326-2EE0-A545-B9C1-056C9CF3A65A}" type="slidenum">
+              <a:rPr lang="en-IL" smtClean="0"/>
+              <a:t>24</a:t>
+            </a:fld>
+            <a:endParaRPr lang="en-IL"/>
+          </a:p>
+        </p:txBody>
+      </p:sp>
+    </p:spTree>
+    <p:extLst>
+      <p:ext uri="{BB962C8B-B14F-4D97-AF65-F5344CB8AC3E}">
         <p14:creationId xmlns:p14="http://schemas.microsoft.com/office/powerpoint/2010/main" val="865306772"/>
       </p:ext>
     </p:extLst>
@@ -3371,7 +3463,7 @@
 </p:notes>
 </file>
 
-<file path=ppt/notesSlides/notesSlide24.xml><?xml version="1.0" encoding="utf-8"?>
+<file path=ppt/notesSlides/notesSlide25.xml><?xml version="1.0" encoding="utf-8"?>
 <p:notes xmlns:a="http://schemas.openxmlformats.org/drawingml/2006/main" xmlns:r="http://schemas.openxmlformats.org/officeDocument/2006/relationships" xmlns:p="http://schemas.openxmlformats.org/presentationml/2006/main" showMasterSp="0" showMasterPhAnim="0">
   <p:cSld>
     <p:spTree>
@@ -3528,7 +3620,7 @@
             </a:pPr>
             <a:fld id="{00000000-1234-1234-1234-123412341234}" type="slidenum">
               <a:rPr lang="en-US"/>
-              <a:t>24</a:t>
+              <a:t>25</a:t>
             </a:fld>
             <a:endParaRPr/>
           </a:p>
@@ -3547,7 +3639,7 @@
 </p:notes>
 </file>
 
-<file path=ppt/notesSlides/notesSlide25.xml><?xml version="1.0" encoding="utf-8"?>
+<file path=ppt/notesSlides/notesSlide26.xml><?xml version="1.0" encoding="utf-8"?>
 <p:notes xmlns:a="http://schemas.openxmlformats.org/drawingml/2006/main" xmlns:r="http://schemas.openxmlformats.org/officeDocument/2006/relationships" xmlns:p="http://schemas.openxmlformats.org/presentationml/2006/main">
   <p:cSld>
     <p:spTree>
@@ -3618,7 +3710,7 @@
           <a:p>
             <a:fld id="{740EB326-2EE0-A545-B9C1-056C9CF3A65A}" type="slidenum">
               <a:rPr lang="en-IL" smtClean="0"/>
-              <a:t>26</a:t>
+              <a:t>27</a:t>
             </a:fld>
             <a:endParaRPr lang="en-IL"/>
           </a:p>
@@ -3628,175 +3720,6 @@
     <p:extLst>
       <p:ext uri="{BB962C8B-B14F-4D97-AF65-F5344CB8AC3E}">
         <p14:creationId xmlns:p14="http://schemas.microsoft.com/office/powerpoint/2010/main" val="3608947690"/>
-      </p:ext>
-    </p:extLst>
-  </p:cSld>
-  <p:clrMapOvr>
-    <a:masterClrMapping/>
-  </p:clrMapOvr>
-</p:notes>
-</file>
-
-<file path=ppt/notesSlides/notesSlide26.xml><?xml version="1.0" encoding="utf-8"?>
-<p:notes xmlns:a="http://schemas.openxmlformats.org/drawingml/2006/main" xmlns:r="http://schemas.openxmlformats.org/officeDocument/2006/relationships" xmlns:p="http://schemas.openxmlformats.org/presentationml/2006/main" showMasterSp="0" showMasterPhAnim="0">
-  <p:cSld>
-    <p:spTree>
-      <p:nvGrpSpPr>
-        <p:cNvPr id="1" name="Shape 353"/>
-        <p:cNvGrpSpPr/>
-        <p:nvPr/>
-      </p:nvGrpSpPr>
-      <p:grpSpPr>
-        <a:xfrm>
-          <a:off x="0" y="0"/>
-          <a:ext cx="0" cy="0"/>
-          <a:chOff x="0" y="0"/>
-          <a:chExt cx="0" cy="0"/>
-        </a:xfrm>
-      </p:grpSpPr>
-      <p:sp>
-        <p:nvSpPr>
-          <p:cNvPr id="354" name="Google Shape;354;p17:notes"/>
-          <p:cNvSpPr>
-            <a:spLocks noGrp="1" noRot="1" noChangeAspect="1"/>
-          </p:cNvSpPr>
-          <p:nvPr>
-            <p:ph type="sldImg" idx="2"/>
-          </p:nvPr>
-        </p:nvSpPr>
-        <p:spPr>
-          <a:xfrm>
-            <a:off x="685800" y="1143000"/>
-            <a:ext cx="5486400" cy="3086100"/>
-          </a:xfrm>
-          <a:custGeom>
-            <a:avLst/>
-            <a:gdLst/>
-            <a:ahLst/>
-            <a:cxnLst/>
-            <a:rect l="l" t="t" r="r" b="b"/>
-            <a:pathLst>
-              <a:path w="120000" h="120000" extrusionOk="0">
-                <a:moveTo>
-                  <a:pt x="0" y="0"/>
-                </a:moveTo>
-                <a:lnTo>
-                  <a:pt x="120000" y="0"/>
-                </a:lnTo>
-                <a:lnTo>
-                  <a:pt x="120000" y="120000"/>
-                </a:lnTo>
-                <a:lnTo>
-                  <a:pt x="0" y="120000"/>
-                </a:lnTo>
-                <a:close/>
-              </a:path>
-            </a:pathLst>
-          </a:custGeom>
-          <a:noFill/>
-          <a:ln w="12700" cap="flat" cmpd="sng">
-            <a:solidFill>
-              <a:srgbClr val="000000"/>
-            </a:solidFill>
-            <a:prstDash val="solid"/>
-            <a:round/>
-            <a:headEnd type="none" w="sm" len="sm"/>
-            <a:tailEnd type="none" w="sm" len="sm"/>
-          </a:ln>
-        </p:spPr>
-      </p:sp>
-      <p:sp>
-        <p:nvSpPr>
-          <p:cNvPr id="355" name="Google Shape;355;p17:notes"/>
-          <p:cNvSpPr txBox="1">
-            <a:spLocks noGrp="1"/>
-          </p:cNvSpPr>
-          <p:nvPr>
-            <p:ph type="body" idx="1"/>
-          </p:nvPr>
-        </p:nvSpPr>
-        <p:spPr>
-          <a:xfrm>
-            <a:off x="685800" y="4400550"/>
-            <a:ext cx="5486400" cy="3600450"/>
-          </a:xfrm>
-          <a:prstGeom prst="rect">
-            <a:avLst/>
-          </a:prstGeom>
-          <a:noFill/>
-          <a:ln>
-            <a:noFill/>
-          </a:ln>
-        </p:spPr>
-        <p:txBody>
-          <a:bodyPr spcFirstLastPara="1" wrap="square" lIns="91425" tIns="45700" rIns="91425" bIns="45700" anchor="t" anchorCtr="0">
-            <a:noAutofit/>
-          </a:bodyPr>
-          <a:lstStyle/>
-          <a:p>
-            <a:pPr marL="0" lvl="0" indent="0" algn="l" rtl="0">
-              <a:spcBef>
-                <a:spcPts val="0"/>
-              </a:spcBef>
-              <a:spcAft>
-                <a:spcPts val="0"/>
-              </a:spcAft>
-              <a:buNone/>
-            </a:pPr>
-            <a:endParaRPr dirty="0"/>
-          </a:p>
-        </p:txBody>
-      </p:sp>
-      <p:sp>
-        <p:nvSpPr>
-          <p:cNvPr id="356" name="Google Shape;356;p17:notes"/>
-          <p:cNvSpPr txBox="1">
-            <a:spLocks noGrp="1"/>
-          </p:cNvSpPr>
-          <p:nvPr>
-            <p:ph type="sldNum" idx="12"/>
-          </p:nvPr>
-        </p:nvSpPr>
-        <p:spPr>
-          <a:xfrm>
-            <a:off x="3884613" y="8685213"/>
-            <a:ext cx="2971800" cy="458787"/>
-          </a:xfrm>
-          <a:prstGeom prst="rect">
-            <a:avLst/>
-          </a:prstGeom>
-          <a:noFill/>
-          <a:ln>
-            <a:noFill/>
-          </a:ln>
-        </p:spPr>
-        <p:txBody>
-          <a:bodyPr spcFirstLastPara="1" wrap="square" lIns="91425" tIns="45700" rIns="91425" bIns="45700" anchor="b" anchorCtr="0">
-            <a:noAutofit/>
-          </a:bodyPr>
-          <a:lstStyle/>
-          <a:p>
-            <a:pPr marL="0" lvl="0" indent="0" algn="r" rtl="0">
-              <a:spcBef>
-                <a:spcPts val="0"/>
-              </a:spcBef>
-              <a:spcAft>
-                <a:spcPts val="0"/>
-              </a:spcAft>
-              <a:buNone/>
-            </a:pPr>
-            <a:fld id="{00000000-1234-1234-1234-123412341234}" type="slidenum">
-              <a:rPr lang="en-US"/>
-              <a:t>28</a:t>
-            </a:fld>
-            <a:endParaRPr/>
-          </a:p>
-        </p:txBody>
-      </p:sp>
-    </p:spTree>
-    <p:extLst>
-      <p:ext uri="{BB962C8B-B14F-4D97-AF65-F5344CB8AC3E}">
-        <p14:creationId xmlns:p14="http://schemas.microsoft.com/office/powerpoint/2010/main" val="276428103"/>
       </p:ext>
     </p:extLst>
   </p:cSld>
@@ -3956,7 +3879,176 @@
             </a:pPr>
             <a:fld id="{00000000-1234-1234-1234-123412341234}" type="slidenum">
               <a:rPr lang="en-US"/>
-              <a:t>29</a:t>
+              <a:t>30</a:t>
+            </a:fld>
+            <a:endParaRPr/>
+          </a:p>
+        </p:txBody>
+      </p:sp>
+    </p:spTree>
+    <p:extLst>
+      <p:ext uri="{BB962C8B-B14F-4D97-AF65-F5344CB8AC3E}">
+        <p14:creationId xmlns:p14="http://schemas.microsoft.com/office/powerpoint/2010/main" val="276428103"/>
+      </p:ext>
+    </p:extLst>
+  </p:cSld>
+  <p:clrMapOvr>
+    <a:masterClrMapping/>
+  </p:clrMapOvr>
+</p:notes>
+</file>
+
+<file path=ppt/notesSlides/notesSlide28.xml><?xml version="1.0" encoding="utf-8"?>
+<p:notes xmlns:a="http://schemas.openxmlformats.org/drawingml/2006/main" xmlns:r="http://schemas.openxmlformats.org/officeDocument/2006/relationships" xmlns:p="http://schemas.openxmlformats.org/presentationml/2006/main" showMasterSp="0" showMasterPhAnim="0">
+  <p:cSld>
+    <p:spTree>
+      <p:nvGrpSpPr>
+        <p:cNvPr id="1" name="Shape 353"/>
+        <p:cNvGrpSpPr/>
+        <p:nvPr/>
+      </p:nvGrpSpPr>
+      <p:grpSpPr>
+        <a:xfrm>
+          <a:off x="0" y="0"/>
+          <a:ext cx="0" cy="0"/>
+          <a:chOff x="0" y="0"/>
+          <a:chExt cx="0" cy="0"/>
+        </a:xfrm>
+      </p:grpSpPr>
+      <p:sp>
+        <p:nvSpPr>
+          <p:cNvPr id="354" name="Google Shape;354;p17:notes"/>
+          <p:cNvSpPr>
+            <a:spLocks noGrp="1" noRot="1" noChangeAspect="1"/>
+          </p:cNvSpPr>
+          <p:nvPr>
+            <p:ph type="sldImg" idx="2"/>
+          </p:nvPr>
+        </p:nvSpPr>
+        <p:spPr>
+          <a:xfrm>
+            <a:off x="685800" y="1143000"/>
+            <a:ext cx="5486400" cy="3086100"/>
+          </a:xfrm>
+          <a:custGeom>
+            <a:avLst/>
+            <a:gdLst/>
+            <a:ahLst/>
+            <a:cxnLst/>
+            <a:rect l="l" t="t" r="r" b="b"/>
+            <a:pathLst>
+              <a:path w="120000" h="120000" extrusionOk="0">
+                <a:moveTo>
+                  <a:pt x="0" y="0"/>
+                </a:moveTo>
+                <a:lnTo>
+                  <a:pt x="120000" y="0"/>
+                </a:lnTo>
+                <a:lnTo>
+                  <a:pt x="120000" y="120000"/>
+                </a:lnTo>
+                <a:lnTo>
+                  <a:pt x="0" y="120000"/>
+                </a:lnTo>
+                <a:close/>
+              </a:path>
+            </a:pathLst>
+          </a:custGeom>
+          <a:noFill/>
+          <a:ln w="12700" cap="flat" cmpd="sng">
+            <a:solidFill>
+              <a:srgbClr val="000000"/>
+            </a:solidFill>
+            <a:prstDash val="solid"/>
+            <a:round/>
+            <a:headEnd type="none" w="sm" len="sm"/>
+            <a:tailEnd type="none" w="sm" len="sm"/>
+          </a:ln>
+        </p:spPr>
+      </p:sp>
+      <p:sp>
+        <p:nvSpPr>
+          <p:cNvPr id="355" name="Google Shape;355;p17:notes"/>
+          <p:cNvSpPr txBox="1">
+            <a:spLocks noGrp="1"/>
+          </p:cNvSpPr>
+          <p:nvPr>
+            <p:ph type="body" idx="1"/>
+          </p:nvPr>
+        </p:nvSpPr>
+        <p:spPr>
+          <a:xfrm>
+            <a:off x="685800" y="4400550"/>
+            <a:ext cx="5486400" cy="3600450"/>
+          </a:xfrm>
+          <a:prstGeom prst="rect">
+            <a:avLst/>
+          </a:prstGeom>
+          <a:noFill/>
+          <a:ln>
+            <a:noFill/>
+          </a:ln>
+        </p:spPr>
+        <p:txBody>
+          <a:bodyPr spcFirstLastPara="1" wrap="square" lIns="91425" tIns="45700" rIns="91425" bIns="45700" anchor="t" anchorCtr="0">
+            <a:noAutofit/>
+          </a:bodyPr>
+          <a:lstStyle/>
+          <a:p>
+            <a:pPr marL="0" lvl="0" indent="0" algn="l" rtl="0">
+              <a:spcBef>
+                <a:spcPts val="0"/>
+              </a:spcBef>
+              <a:spcAft>
+                <a:spcPts val="0"/>
+              </a:spcAft>
+              <a:buNone/>
+            </a:pPr>
+            <a:endParaRPr dirty="0"/>
+          </a:p>
+        </p:txBody>
+      </p:sp>
+      <p:sp>
+        <p:nvSpPr>
+          <p:cNvPr id="356" name="Google Shape;356;p17:notes"/>
+          <p:cNvSpPr txBox="1">
+            <a:spLocks noGrp="1"/>
+          </p:cNvSpPr>
+          <p:nvPr>
+            <p:ph type="sldNum" idx="12"/>
+          </p:nvPr>
+        </p:nvSpPr>
+        <p:spPr>
+          <a:xfrm>
+            <a:off x="3884613" y="8685213"/>
+            <a:ext cx="2971800" cy="458787"/>
+          </a:xfrm>
+          <a:prstGeom prst="rect">
+            <a:avLst/>
+          </a:prstGeom>
+          <a:noFill/>
+          <a:ln>
+            <a:noFill/>
+          </a:ln>
+        </p:spPr>
+        <p:txBody>
+          <a:bodyPr spcFirstLastPara="1" wrap="square" lIns="91425" tIns="45700" rIns="91425" bIns="45700" anchor="b" anchorCtr="0">
+            <a:noAutofit/>
+          </a:bodyPr>
+          <a:lstStyle/>
+          <a:p>
+            <a:pPr marL="0" lvl="0" indent="0" algn="r" rtl="0">
+              <a:spcBef>
+                <a:spcPts val="0"/>
+              </a:spcBef>
+              <a:spcAft>
+                <a:spcPts val="0"/>
+              </a:spcAft>
+              <a:buNone/>
+            </a:pPr>
+            <a:fld id="{00000000-1234-1234-1234-123412341234}" type="slidenum">
+              <a:rPr lang="en-US"/>
+              <a:t>31</a:t>
             </a:fld>
             <a:endParaRPr/>
           </a:p>
@@ -3975,7 +4067,7 @@
 </p:notes>
 </file>
 
-<file path=ppt/notesSlides/notesSlide28.xml><?xml version="1.0" encoding="utf-8"?>
+<file path=ppt/notesSlides/notesSlide29.xml><?xml version="1.0" encoding="utf-8"?>
 <p:notes xmlns:a="http://schemas.openxmlformats.org/drawingml/2006/main" xmlns:r="http://schemas.openxmlformats.org/officeDocument/2006/relationships" xmlns:p="http://schemas.openxmlformats.org/presentationml/2006/main">
   <p:cSld>
     <p:spTree>
@@ -4046,7 +4138,7 @@
           <a:p>
             <a:fld id="{740EB326-2EE0-A545-B9C1-056C9CF3A65A}" type="slidenum">
               <a:rPr lang="en-IL" smtClean="0"/>
-              <a:t>30</a:t>
+              <a:t>32</a:t>
             </a:fld>
             <a:endParaRPr lang="en-IL"/>
           </a:p>
@@ -4056,180 +4148,6 @@
     <p:extLst>
       <p:ext uri="{BB962C8B-B14F-4D97-AF65-F5344CB8AC3E}">
         <p14:creationId xmlns:p14="http://schemas.microsoft.com/office/powerpoint/2010/main" val="3660745919"/>
-      </p:ext>
-    </p:extLst>
-  </p:cSld>
-  <p:clrMapOvr>
-    <a:masterClrMapping/>
-  </p:clrMapOvr>
-</p:notes>
-</file>
-
-<file path=ppt/notesSlides/notesSlide29.xml><?xml version="1.0" encoding="utf-8"?>
-<p:notes xmlns:a="http://schemas.openxmlformats.org/drawingml/2006/main" xmlns:r="http://schemas.openxmlformats.org/officeDocument/2006/relationships" xmlns:p="http://schemas.openxmlformats.org/presentationml/2006/main" showMasterSp="0" showMasterPhAnim="0">
-  <p:cSld>
-    <p:spTree>
-      <p:nvGrpSpPr>
-        <p:cNvPr id="1" name="Shape 94"/>
-        <p:cNvGrpSpPr/>
-        <p:nvPr/>
-      </p:nvGrpSpPr>
-      <p:grpSpPr>
-        <a:xfrm>
-          <a:off x="0" y="0"/>
-          <a:ext cx="0" cy="0"/>
-          <a:chOff x="0" y="0"/>
-          <a:chExt cx="0" cy="0"/>
-        </a:xfrm>
-      </p:grpSpPr>
-      <p:sp>
-        <p:nvSpPr>
-          <p:cNvPr id="95" name="Google Shape;95;p2:notes"/>
-          <p:cNvSpPr>
-            <a:spLocks noGrp="1" noRot="1" noChangeAspect="1"/>
-          </p:cNvSpPr>
-          <p:nvPr>
-            <p:ph type="sldImg" idx="2"/>
-          </p:nvPr>
-        </p:nvSpPr>
-        <p:spPr>
-          <a:xfrm>
-            <a:off x="685800" y="1143000"/>
-            <a:ext cx="5486400" cy="3086100"/>
-          </a:xfrm>
-          <a:custGeom>
-            <a:avLst/>
-            <a:gdLst/>
-            <a:ahLst/>
-            <a:cxnLst/>
-            <a:rect l="l" t="t" r="r" b="b"/>
-            <a:pathLst>
-              <a:path w="120000" h="120000" extrusionOk="0">
-                <a:moveTo>
-                  <a:pt x="0" y="0"/>
-                </a:moveTo>
-                <a:lnTo>
-                  <a:pt x="120000" y="0"/>
-                </a:lnTo>
-                <a:lnTo>
-                  <a:pt x="120000" y="120000"/>
-                </a:lnTo>
-                <a:lnTo>
-                  <a:pt x="0" y="120000"/>
-                </a:lnTo>
-                <a:close/>
-              </a:path>
-            </a:pathLst>
-          </a:custGeom>
-          <a:noFill/>
-          <a:ln w="12700" cap="flat" cmpd="sng">
-            <a:solidFill>
-              <a:srgbClr val="000000"/>
-            </a:solidFill>
-            <a:prstDash val="solid"/>
-            <a:round/>
-            <a:headEnd type="none" w="sm" len="sm"/>
-            <a:tailEnd type="none" w="sm" len="sm"/>
-          </a:ln>
-        </p:spPr>
-      </p:sp>
-      <p:sp>
-        <p:nvSpPr>
-          <p:cNvPr id="96" name="Google Shape;96;p2:notes"/>
-          <p:cNvSpPr txBox="1">
-            <a:spLocks noGrp="1"/>
-          </p:cNvSpPr>
-          <p:nvPr>
-            <p:ph type="body" idx="1"/>
-          </p:nvPr>
-        </p:nvSpPr>
-        <p:spPr>
-          <a:xfrm>
-            <a:off x="685800" y="4400550"/>
-            <a:ext cx="5486400" cy="3600450"/>
-          </a:xfrm>
-          <a:prstGeom prst="rect">
-            <a:avLst/>
-          </a:prstGeom>
-          <a:noFill/>
-          <a:ln>
-            <a:noFill/>
-          </a:ln>
-        </p:spPr>
-        <p:txBody>
-          <a:bodyPr spcFirstLastPara="1" wrap="square" lIns="91425" tIns="45700" rIns="91425" bIns="45700" anchor="t" anchorCtr="0">
-            <a:noAutofit/>
-          </a:bodyPr>
-          <a:lstStyle/>
-          <a:p>
-            <a:pPr marL="0" lvl="0" indent="0" algn="l" rtl="0">
-              <a:spcBef>
-                <a:spcPts val="0"/>
-              </a:spcBef>
-              <a:spcAft>
-                <a:spcPts val="0"/>
-              </a:spcAft>
-              <a:buNone/>
-            </a:pPr>
-            <a:endParaRPr lang="en-US" sz="1800" dirty="0">
-              <a:latin typeface="Calibri"/>
-              <a:ea typeface="Calibri"/>
-              <a:cs typeface="Calibri"/>
-              <a:sym typeface="Calibri"/>
-            </a:endParaRPr>
-          </a:p>
-        </p:txBody>
-      </p:sp>
-      <p:sp>
-        <p:nvSpPr>
-          <p:cNvPr id="97" name="Google Shape;97;p2:notes"/>
-          <p:cNvSpPr txBox="1">
-            <a:spLocks noGrp="1"/>
-          </p:cNvSpPr>
-          <p:nvPr>
-            <p:ph type="sldNum" idx="12"/>
-          </p:nvPr>
-        </p:nvSpPr>
-        <p:spPr>
-          <a:xfrm>
-            <a:off x="3884613" y="8685213"/>
-            <a:ext cx="2971800" cy="458787"/>
-          </a:xfrm>
-          <a:prstGeom prst="rect">
-            <a:avLst/>
-          </a:prstGeom>
-          <a:noFill/>
-          <a:ln>
-            <a:noFill/>
-          </a:ln>
-        </p:spPr>
-        <p:txBody>
-          <a:bodyPr spcFirstLastPara="1" wrap="square" lIns="91425" tIns="45700" rIns="91425" bIns="45700" anchor="b" anchorCtr="0">
-            <a:noAutofit/>
-          </a:bodyPr>
-          <a:lstStyle/>
-          <a:p>
-            <a:pPr marL="0" lvl="0" indent="0" algn="r" rtl="0">
-              <a:spcBef>
-                <a:spcPts val="0"/>
-              </a:spcBef>
-              <a:spcAft>
-                <a:spcPts val="0"/>
-              </a:spcAft>
-              <a:buNone/>
-            </a:pPr>
-            <a:fld id="{00000000-1234-1234-1234-123412341234}" type="slidenum">
-              <a:rPr lang="en-US"/>
-              <a:t>33</a:t>
-            </a:fld>
-            <a:endParaRPr/>
-          </a:p>
-        </p:txBody>
-      </p:sp>
-    </p:spTree>
-    <p:extLst>
-      <p:ext uri="{BB962C8B-B14F-4D97-AF65-F5344CB8AC3E}">
-        <p14:creationId xmlns:p14="http://schemas.microsoft.com/office/powerpoint/2010/main" val="1094825401"/>
       </p:ext>
     </p:extLst>
   </p:cSld>
@@ -4435,6 +4353,180 @@
     <p:extLst>
       <p:ext uri="{BB962C8B-B14F-4D97-AF65-F5344CB8AC3E}">
         <p14:creationId xmlns:p14="http://schemas.microsoft.com/office/powerpoint/2010/main" val="2899363021"/>
+      </p:ext>
+    </p:extLst>
+  </p:cSld>
+  <p:clrMapOvr>
+    <a:masterClrMapping/>
+  </p:clrMapOvr>
+</p:notes>
+</file>
+
+<file path=ppt/notesSlides/notesSlide30.xml><?xml version="1.0" encoding="utf-8"?>
+<p:notes xmlns:a="http://schemas.openxmlformats.org/drawingml/2006/main" xmlns:r="http://schemas.openxmlformats.org/officeDocument/2006/relationships" xmlns:p="http://schemas.openxmlformats.org/presentationml/2006/main" showMasterSp="0" showMasterPhAnim="0">
+  <p:cSld>
+    <p:spTree>
+      <p:nvGrpSpPr>
+        <p:cNvPr id="1" name="Shape 94"/>
+        <p:cNvGrpSpPr/>
+        <p:nvPr/>
+      </p:nvGrpSpPr>
+      <p:grpSpPr>
+        <a:xfrm>
+          <a:off x="0" y="0"/>
+          <a:ext cx="0" cy="0"/>
+          <a:chOff x="0" y="0"/>
+          <a:chExt cx="0" cy="0"/>
+        </a:xfrm>
+      </p:grpSpPr>
+      <p:sp>
+        <p:nvSpPr>
+          <p:cNvPr id="95" name="Google Shape;95;p2:notes"/>
+          <p:cNvSpPr>
+            <a:spLocks noGrp="1" noRot="1" noChangeAspect="1"/>
+          </p:cNvSpPr>
+          <p:nvPr>
+            <p:ph type="sldImg" idx="2"/>
+          </p:nvPr>
+        </p:nvSpPr>
+        <p:spPr>
+          <a:xfrm>
+            <a:off x="685800" y="1143000"/>
+            <a:ext cx="5486400" cy="3086100"/>
+          </a:xfrm>
+          <a:custGeom>
+            <a:avLst/>
+            <a:gdLst/>
+            <a:ahLst/>
+            <a:cxnLst/>
+            <a:rect l="l" t="t" r="r" b="b"/>
+            <a:pathLst>
+              <a:path w="120000" h="120000" extrusionOk="0">
+                <a:moveTo>
+                  <a:pt x="0" y="0"/>
+                </a:moveTo>
+                <a:lnTo>
+                  <a:pt x="120000" y="0"/>
+                </a:lnTo>
+                <a:lnTo>
+                  <a:pt x="120000" y="120000"/>
+                </a:lnTo>
+                <a:lnTo>
+                  <a:pt x="0" y="120000"/>
+                </a:lnTo>
+                <a:close/>
+              </a:path>
+            </a:pathLst>
+          </a:custGeom>
+          <a:noFill/>
+          <a:ln w="12700" cap="flat" cmpd="sng">
+            <a:solidFill>
+              <a:srgbClr val="000000"/>
+            </a:solidFill>
+            <a:prstDash val="solid"/>
+            <a:round/>
+            <a:headEnd type="none" w="sm" len="sm"/>
+            <a:tailEnd type="none" w="sm" len="sm"/>
+          </a:ln>
+        </p:spPr>
+      </p:sp>
+      <p:sp>
+        <p:nvSpPr>
+          <p:cNvPr id="96" name="Google Shape;96;p2:notes"/>
+          <p:cNvSpPr txBox="1">
+            <a:spLocks noGrp="1"/>
+          </p:cNvSpPr>
+          <p:nvPr>
+            <p:ph type="body" idx="1"/>
+          </p:nvPr>
+        </p:nvSpPr>
+        <p:spPr>
+          <a:xfrm>
+            <a:off x="685800" y="4400550"/>
+            <a:ext cx="5486400" cy="3600450"/>
+          </a:xfrm>
+          <a:prstGeom prst="rect">
+            <a:avLst/>
+          </a:prstGeom>
+          <a:noFill/>
+          <a:ln>
+            <a:noFill/>
+          </a:ln>
+        </p:spPr>
+        <p:txBody>
+          <a:bodyPr spcFirstLastPara="1" wrap="square" lIns="91425" tIns="45700" rIns="91425" bIns="45700" anchor="t" anchorCtr="0">
+            <a:noAutofit/>
+          </a:bodyPr>
+          <a:lstStyle/>
+          <a:p>
+            <a:pPr marL="0" lvl="0" indent="0" algn="l" rtl="0">
+              <a:spcBef>
+                <a:spcPts val="0"/>
+              </a:spcBef>
+              <a:spcAft>
+                <a:spcPts val="0"/>
+              </a:spcAft>
+              <a:buNone/>
+            </a:pPr>
+            <a:endParaRPr lang="en-US" sz="1800" dirty="0">
+              <a:latin typeface="Calibri"/>
+              <a:ea typeface="Calibri"/>
+              <a:cs typeface="Calibri"/>
+              <a:sym typeface="Calibri"/>
+            </a:endParaRPr>
+          </a:p>
+        </p:txBody>
+      </p:sp>
+      <p:sp>
+        <p:nvSpPr>
+          <p:cNvPr id="97" name="Google Shape;97;p2:notes"/>
+          <p:cNvSpPr txBox="1">
+            <a:spLocks noGrp="1"/>
+          </p:cNvSpPr>
+          <p:nvPr>
+            <p:ph type="sldNum" idx="12"/>
+          </p:nvPr>
+        </p:nvSpPr>
+        <p:spPr>
+          <a:xfrm>
+            <a:off x="3884613" y="8685213"/>
+            <a:ext cx="2971800" cy="458787"/>
+          </a:xfrm>
+          <a:prstGeom prst="rect">
+            <a:avLst/>
+          </a:prstGeom>
+          <a:noFill/>
+          <a:ln>
+            <a:noFill/>
+          </a:ln>
+        </p:spPr>
+        <p:txBody>
+          <a:bodyPr spcFirstLastPara="1" wrap="square" lIns="91425" tIns="45700" rIns="91425" bIns="45700" anchor="b" anchorCtr="0">
+            <a:noAutofit/>
+          </a:bodyPr>
+          <a:lstStyle/>
+          <a:p>
+            <a:pPr marL="0" lvl="0" indent="0" algn="r" rtl="0">
+              <a:spcBef>
+                <a:spcPts val="0"/>
+              </a:spcBef>
+              <a:spcAft>
+                <a:spcPts val="0"/>
+              </a:spcAft>
+              <a:buNone/>
+            </a:pPr>
+            <a:fld id="{00000000-1234-1234-1234-123412341234}" type="slidenum">
+              <a:rPr lang="en-US"/>
+              <a:t>35</a:t>
+            </a:fld>
+            <a:endParaRPr/>
+          </a:p>
+        </p:txBody>
+      </p:sp>
+    </p:spTree>
+    <p:extLst>
+      <p:ext uri="{BB962C8B-B14F-4D97-AF65-F5344CB8AC3E}">
+        <p14:creationId xmlns:p14="http://schemas.microsoft.com/office/powerpoint/2010/main" val="1094825401"/>
       </p:ext>
     </p:extLst>
   </p:cSld>
@@ -14878,8 +14970,8 @@
         </p:nvSpPr>
         <p:spPr>
           <a:xfrm>
-            <a:off x="1049590" y="1143001"/>
-            <a:ext cx="10092819" cy="2518028"/>
+            <a:off x="819150" y="513567"/>
+            <a:ext cx="10553699" cy="3310300"/>
           </a:xfrm>
           <a:prstGeom prst="rect">
             <a:avLst/>
@@ -14921,9 +15013,9 @@
                 <a:latin typeface="Calibri" panose="020F0502020204030204" pitchFamily="34" charset="0"/>
                 <a:cs typeface="Calibri" panose="020F0502020204030204" pitchFamily="34" charset="0"/>
               </a:rPr>
-              <a:t>Land use and microbe prevalence jointly determine host-microbe network structure</a:t>
+              <a:t>Distinct drivers of host-microbe network structures for core and rare microbes along a land use change gradient</a:t>
             </a:r>
-            <a:endParaRPr sz="16600" b="1" dirty="0">
+            <a:endParaRPr lang="en-US" sz="16600" b="1" dirty="0">
               <a:solidFill>
                 <a:srgbClr val="002060"/>
               </a:solidFill>
@@ -15027,7 +15119,7 @@
                 <a:latin typeface="Calibri" panose="020F0502020204030204" pitchFamily="34" charset="0"/>
                 <a:cs typeface="Calibri" panose="020F0502020204030204" pitchFamily="34" charset="0"/>
               </a:rPr>
-              <a:t>July 15, 2024</a:t>
+              <a:t>September, 2024</a:t>
             </a:r>
             <a:endParaRPr dirty="0">
               <a:latin typeface="Calibri" panose="020F0502020204030204" pitchFamily="34" charset="0"/>
@@ -16564,7 +16656,7 @@
                 <a:latin typeface="Calibri" panose="020F0502020204030204" pitchFamily="34" charset="0"/>
                 <a:cs typeface="Calibri" panose="020F0502020204030204" pitchFamily="34" charset="0"/>
               </a:rPr>
-              <a:t>Prevalence &gt; 1% per village</a:t>
+              <a:t>Prevalence &gt; 1% </a:t>
             </a:r>
           </a:p>
           <a:p>
@@ -17197,8 +17289,8 @@
         </p:nvSpPr>
         <p:spPr>
           <a:xfrm>
-            <a:off x="744584" y="315757"/>
-            <a:ext cx="10515600" cy="1108596"/>
+            <a:off x="443958" y="203022"/>
+            <a:ext cx="12533005" cy="1108596"/>
           </a:xfrm>
           <a:prstGeom prst="rect">
             <a:avLst/>
@@ -17218,14 +17310,14 @@
               <a:buSzPts val="4400"/>
             </a:pPr>
             <a:r>
-              <a:rPr lang="en-US" sz="3200" dirty="0">
+              <a:rPr lang="en-US" sz="2800" dirty="0">
                 <a:latin typeface="Calibri" panose="020F0502020204030204" pitchFamily="34" charset="0"/>
                 <a:cs typeface="Calibri" panose="020F0502020204030204" pitchFamily="34" charset="0"/>
                 <a:sym typeface="Calibri"/>
               </a:rPr>
               <a:t>The groups represent different microbial genera (and potentially functions)</a:t>
             </a:r>
-            <a:endParaRPr sz="3200" dirty="0">
+            <a:endParaRPr sz="2800" dirty="0">
               <a:latin typeface="Calibri" panose="020F0502020204030204" pitchFamily="34" charset="0"/>
               <a:cs typeface="Calibri" panose="020F0502020204030204" pitchFamily="34" charset="0"/>
               <a:sym typeface="Calibri"/>
@@ -17235,10 +17327,10 @@
       </p:sp>
       <p:pic>
         <p:nvPicPr>
-          <p:cNvPr id="3" name="Picture 2" descr="A diagram of different colored dots&#10;&#10;Description automatically generated">
+          <p:cNvPr id="4" name="Picture 3" descr="A diagram of different colored circles&#10;&#10;Description automatically generated with medium confidence">
             <a:extLst>
               <a:ext uri="{FF2B5EF4-FFF2-40B4-BE49-F238E27FC236}">
-                <a16:creationId xmlns:a16="http://schemas.microsoft.com/office/drawing/2014/main" id="{BDBD69A3-4875-2CFD-579D-1E9F1D517D6E}"/>
+                <a16:creationId xmlns:a16="http://schemas.microsoft.com/office/drawing/2014/main" id="{A67E149B-39AE-DF6E-CD15-05988C12332E}"/>
               </a:ext>
             </a:extLst>
           </p:cNvPr>
@@ -17255,8 +17347,8 @@
         </p:blipFill>
         <p:spPr>
           <a:xfrm>
-            <a:off x="2578408" y="1424353"/>
-            <a:ext cx="7560379" cy="5400270"/>
+            <a:off x="2209800" y="1103264"/>
+            <a:ext cx="7772400" cy="5551714"/>
           </a:xfrm>
           <a:prstGeom prst="rect">
             <a:avLst/>
@@ -20072,7 +20164,7 @@
         <p:spPr>
           <a:xfrm>
             <a:off x="762503" y="597879"/>
-            <a:ext cx="10721591" cy="1815882"/>
+            <a:ext cx="10721591" cy="1384995"/>
           </a:xfrm>
           <a:prstGeom prst="rect">
             <a:avLst/>
@@ -20084,19 +20176,6 @@
             <a:spAutoFit/>
           </a:bodyPr>
           <a:lstStyle/>
-          <a:p>
-            <a:pPr marL="285750" indent="-285750">
-              <a:buFont typeface="Arial" panose="020B0604020202020204" pitchFamily="34" charset="0"/>
-              <a:buChar char="•"/>
-            </a:pPr>
-            <a:r>
-              <a:rPr lang="en-US" sz="2800" dirty="0">
-                <a:latin typeface="Calibri" panose="020F0502020204030204" pitchFamily="34" charset="0"/>
-                <a:cs typeface="Calibri" panose="020F0502020204030204" pitchFamily="34" charset="0"/>
-              </a:rPr>
-              <a:t>3 networks</a:t>
-            </a:r>
-          </a:p>
           <a:p>
             <a:pPr marL="285750" indent="-285750">
               <a:buFont typeface="Arial" panose="020B0604020202020204" pitchFamily="34" charset="0"/>
@@ -20475,35 +20554,6 @@
           </a:p>
         </p:txBody>
       </p:sp>
-      <p:pic>
-        <p:nvPicPr>
-          <p:cNvPr id="8" name="Picture 7">
-            <a:extLst>
-              <a:ext uri="{FF2B5EF4-FFF2-40B4-BE49-F238E27FC236}">
-                <a16:creationId xmlns:a16="http://schemas.microsoft.com/office/drawing/2014/main" id="{A5C84D97-86A4-AF2E-C1D2-3EBD74415F94}"/>
-              </a:ext>
-            </a:extLst>
-          </p:cNvPr>
-          <p:cNvPicPr>
-            <a:picLocks noChangeAspect="1"/>
-          </p:cNvPicPr>
-          <p:nvPr/>
-        </p:nvPicPr>
-        <p:blipFill rotWithShape="1">
-          <a:blip r:embed="rId3"/>
-          <a:srcRect r="11560"/>
-          <a:stretch/>
-        </p:blipFill>
-        <p:spPr>
-          <a:xfrm>
-            <a:off x="3535936" y="724173"/>
-            <a:ext cx="4318945" cy="3013802"/>
-          </a:xfrm>
-          <a:prstGeom prst="rect">
-            <a:avLst/>
-          </a:prstGeom>
-        </p:spPr>
-      </p:pic>
       <p:sp>
         <p:nvSpPr>
           <p:cNvPr id="9" name="TextBox 8">
@@ -20632,10 +20682,10 @@
       </p:sp>
       <p:pic>
         <p:nvPicPr>
-          <p:cNvPr id="13" name="Picture 12">
+          <p:cNvPr id="4" name="Picture 3" descr="A chart of different colors&#10;&#10;Description automatically generated with medium confidence">
             <a:extLst>
               <a:ext uri="{FF2B5EF4-FFF2-40B4-BE49-F238E27FC236}">
-                <a16:creationId xmlns:a16="http://schemas.microsoft.com/office/drawing/2014/main" id="{4A01F9CE-A7CB-8CDD-DBD5-2B8F75572411}"/>
+                <a16:creationId xmlns:a16="http://schemas.microsoft.com/office/drawing/2014/main" id="{A6F74829-F546-76DC-89F8-3CF59266CFA2}"/>
               </a:ext>
             </a:extLst>
           </p:cNvPr>
@@ -20644,15 +20694,16 @@
           </p:cNvPicPr>
           <p:nvPr/>
         </p:nvPicPr>
-        <p:blipFill rotWithShape="1">
-          <a:blip r:embed="rId4"/>
-          <a:srcRect r="12207"/>
-          <a:stretch/>
+        <p:blipFill>
+          <a:blip r:embed="rId3"/>
+          <a:stretch>
+            <a:fillRect/>
+          </a:stretch>
         </p:blipFill>
         <p:spPr>
           <a:xfrm>
-            <a:off x="813628" y="3796070"/>
-            <a:ext cx="4287377" cy="3013802"/>
+            <a:off x="7285055" y="3816872"/>
+            <a:ext cx="4160018" cy="2971441"/>
           </a:xfrm>
           <a:prstGeom prst="rect">
             <a:avLst/>
@@ -20661,10 +20712,10 @@
       </p:pic>
       <p:pic>
         <p:nvPicPr>
-          <p:cNvPr id="15" name="Picture 14">
+          <p:cNvPr id="6" name="Picture 5" descr="A graph with text and numbers&#10;&#10;Description automatically generated with medium confidence">
             <a:extLst>
               <a:ext uri="{FF2B5EF4-FFF2-40B4-BE49-F238E27FC236}">
-                <a16:creationId xmlns:a16="http://schemas.microsoft.com/office/drawing/2014/main" id="{E9D0E94A-8A51-C819-E4F9-144166CB14C1}"/>
+                <a16:creationId xmlns:a16="http://schemas.microsoft.com/office/drawing/2014/main" id="{BEAF87FD-45E2-1987-0DAA-CC7B511C794A}"/>
               </a:ext>
             </a:extLst>
           </p:cNvPr>
@@ -20673,15 +20724,46 @@
           </p:cNvPicPr>
           <p:nvPr/>
         </p:nvPicPr>
-        <p:blipFill rotWithShape="1">
-          <a:blip r:embed="rId5"/>
-          <a:srcRect r="11560"/>
-          <a:stretch/>
+        <p:blipFill>
+          <a:blip r:embed="rId4"/>
+          <a:stretch>
+            <a:fillRect/>
+          </a:stretch>
         </p:blipFill>
         <p:spPr>
           <a:xfrm>
-            <a:off x="7149572" y="3796070"/>
-            <a:ext cx="4318945" cy="3013802"/>
+            <a:off x="1446963" y="3709210"/>
+            <a:ext cx="4160018" cy="2971441"/>
+          </a:xfrm>
+          <a:prstGeom prst="rect">
+            <a:avLst/>
+          </a:prstGeom>
+        </p:spPr>
+      </p:pic>
+      <p:pic>
+        <p:nvPicPr>
+          <p:cNvPr id="12" name="Picture 11" descr="A barcode with text&#10;&#10;Description automatically generated with medium confidence">
+            <a:extLst>
+              <a:ext uri="{FF2B5EF4-FFF2-40B4-BE49-F238E27FC236}">
+                <a16:creationId xmlns:a16="http://schemas.microsoft.com/office/drawing/2014/main" id="{14F123A9-D917-3B4D-2135-7CF6297CAE9F}"/>
+              </a:ext>
+            </a:extLst>
+          </p:cNvPr>
+          <p:cNvPicPr>
+            <a:picLocks noChangeAspect="1"/>
+          </p:cNvPicPr>
+          <p:nvPr/>
+        </p:nvPicPr>
+        <p:blipFill>
+          <a:blip r:embed="rId5"/>
+          <a:stretch>
+            <a:fillRect/>
+          </a:stretch>
+        </p:blipFill>
+        <p:spPr>
+          <a:xfrm>
+            <a:off x="4290645" y="737769"/>
+            <a:ext cx="4160018" cy="2971441"/>
           </a:xfrm>
           <a:prstGeom prst="rect">
             <a:avLst/>
@@ -20702,7 +20784,7 @@
 </file>
 
 <file path=ppt/slides/slide17.xml><?xml version="1.0" encoding="utf-8"?>
-<p:sld xmlns:a="http://schemas.openxmlformats.org/drawingml/2006/main" xmlns:r="http://schemas.openxmlformats.org/officeDocument/2006/relationships" xmlns:p="http://schemas.openxmlformats.org/presentationml/2006/main">
+<p:sld xmlns:a="http://schemas.openxmlformats.org/drawingml/2006/main" xmlns:r="http://schemas.openxmlformats.org/officeDocument/2006/relationships" xmlns:p="http://schemas.openxmlformats.org/presentationml/2006/main" show="0">
   <p:cSld>
     <p:spTree>
       <p:nvGrpSpPr>
@@ -20768,96 +20850,6 @@
           </a:p>
         </p:txBody>
       </p:sp>
-      <p:pic>
-        <p:nvPicPr>
-          <p:cNvPr id="5" name="Picture 4" descr="A graph of different colored lines&#10;&#10;Description automatically generated with medium confidence">
-            <a:extLst>
-              <a:ext uri="{FF2B5EF4-FFF2-40B4-BE49-F238E27FC236}">
-                <a16:creationId xmlns:a16="http://schemas.microsoft.com/office/drawing/2014/main" id="{0C11D039-913D-0C2F-71F4-297DB4D9F605}"/>
-              </a:ext>
-            </a:extLst>
-          </p:cNvPr>
-          <p:cNvPicPr>
-            <a:picLocks noChangeAspect="1"/>
-          </p:cNvPicPr>
-          <p:nvPr/>
-        </p:nvPicPr>
-        <p:blipFill>
-          <a:blip r:embed="rId3"/>
-          <a:stretch>
-            <a:fillRect/>
-          </a:stretch>
-        </p:blipFill>
-        <p:spPr>
-          <a:xfrm>
-            <a:off x="1113527" y="1140554"/>
-            <a:ext cx="4335138" cy="3096527"/>
-          </a:xfrm>
-          <a:prstGeom prst="rect">
-            <a:avLst/>
-          </a:prstGeom>
-        </p:spPr>
-      </p:pic>
-      <p:pic>
-        <p:nvPicPr>
-          <p:cNvPr id="7" name="Picture 6" descr="A graph with different colored squares&#10;&#10;Description automatically generated">
-            <a:extLst>
-              <a:ext uri="{FF2B5EF4-FFF2-40B4-BE49-F238E27FC236}">
-                <a16:creationId xmlns:a16="http://schemas.microsoft.com/office/drawing/2014/main" id="{A74F6B6C-BE35-FFBA-AA51-3D59F35264C7}"/>
-              </a:ext>
-            </a:extLst>
-          </p:cNvPr>
-          <p:cNvPicPr>
-            <a:picLocks noChangeAspect="1"/>
-          </p:cNvPicPr>
-          <p:nvPr/>
-        </p:nvPicPr>
-        <p:blipFill>
-          <a:blip r:embed="rId4"/>
-          <a:stretch>
-            <a:fillRect/>
-          </a:stretch>
-        </p:blipFill>
-        <p:spPr>
-          <a:xfrm>
-            <a:off x="6824897" y="1257821"/>
-            <a:ext cx="4335138" cy="3096527"/>
-          </a:xfrm>
-          <a:prstGeom prst="rect">
-            <a:avLst/>
-          </a:prstGeom>
-        </p:spPr>
-      </p:pic>
-      <p:pic>
-        <p:nvPicPr>
-          <p:cNvPr id="9" name="Picture 8">
-            <a:extLst>
-              <a:ext uri="{FF2B5EF4-FFF2-40B4-BE49-F238E27FC236}">
-                <a16:creationId xmlns:a16="http://schemas.microsoft.com/office/drawing/2014/main" id="{48B0602F-FDFA-F6EB-5480-1BDAB884DEA9}"/>
-              </a:ext>
-            </a:extLst>
-          </p:cNvPr>
-          <p:cNvPicPr>
-            <a:picLocks noChangeAspect="1"/>
-          </p:cNvPicPr>
-          <p:nvPr/>
-        </p:nvPicPr>
-        <p:blipFill>
-          <a:blip r:embed="rId5"/>
-          <a:stretch>
-            <a:fillRect/>
-          </a:stretch>
-        </p:blipFill>
-        <p:spPr>
-          <a:xfrm>
-            <a:off x="4443884" y="4237081"/>
-            <a:ext cx="4087167" cy="2522366"/>
-          </a:xfrm>
-          <a:prstGeom prst="rect">
-            <a:avLst/>
-          </a:prstGeom>
-        </p:spPr>
-      </p:pic>
     </p:spTree>
     <p:extLst>
       <p:ext uri="{BB962C8B-B14F-4D97-AF65-F5344CB8AC3E}">
@@ -22458,6 +22450,276 @@
                 <a:cs typeface="Calibri" panose="020F0502020204030204" pitchFamily="34" charset="0"/>
                 <a:sym typeface="Wingdings" panose="05000000000000000000" pitchFamily="2" charset="2"/>
               </a:rPr>
+              <a:t>Distinct processes for prevalence groups</a:t>
+            </a:r>
+            <a:endParaRPr lang="en-US" sz="3200" dirty="0">
+              <a:latin typeface="Calibri" panose="020F0502020204030204" pitchFamily="34" charset="0"/>
+              <a:cs typeface="Calibri" panose="020F0502020204030204" pitchFamily="34" charset="0"/>
+            </a:endParaRPr>
+          </a:p>
+        </p:txBody>
+      </p:sp>
+      <p:pic>
+        <p:nvPicPr>
+          <p:cNvPr id="6" name="Picture 5" descr="A graph of a graph with different colored squares&#10;&#10;Description automatically generated with medium confidence">
+            <a:extLst>
+              <a:ext uri="{FF2B5EF4-FFF2-40B4-BE49-F238E27FC236}">
+                <a16:creationId xmlns:a16="http://schemas.microsoft.com/office/drawing/2014/main" id="{7A6D35CD-43F7-44A9-1936-CF6C37CEACBA}"/>
+              </a:ext>
+            </a:extLst>
+          </p:cNvPr>
+          <p:cNvPicPr>
+            <a:picLocks noChangeAspect="1"/>
+          </p:cNvPicPr>
+          <p:nvPr/>
+        </p:nvPicPr>
+        <p:blipFill>
+          <a:blip r:embed="rId3"/>
+          <a:stretch>
+            <a:fillRect/>
+          </a:stretch>
+        </p:blipFill>
+        <p:spPr>
+          <a:xfrm>
+            <a:off x="2723103" y="1137977"/>
+            <a:ext cx="7772400" cy="5551714"/>
+          </a:xfrm>
+          <a:prstGeom prst="rect">
+            <a:avLst/>
+          </a:prstGeom>
+        </p:spPr>
+      </p:pic>
+    </p:spTree>
+    <p:extLst>
+      <p:ext uri="{BB962C8B-B14F-4D97-AF65-F5344CB8AC3E}">
+        <p14:creationId xmlns:p14="http://schemas.microsoft.com/office/powerpoint/2010/main" val="3438632227"/>
+      </p:ext>
+    </p:extLst>
+  </p:cSld>
+  <p:clrMapOvr>
+    <a:masterClrMapping/>
+  </p:clrMapOvr>
+</p:sld>
+</file>
+
+<file path=ppt/slides/slide21.xml><?xml version="1.0" encoding="utf-8"?>
+<p:sld xmlns:a="http://schemas.openxmlformats.org/drawingml/2006/main" xmlns:r="http://schemas.openxmlformats.org/officeDocument/2006/relationships" xmlns:p="http://schemas.openxmlformats.org/presentationml/2006/main">
+  <p:cSld>
+    <p:spTree>
+      <p:nvGrpSpPr>
+        <p:cNvPr id="1" name=""/>
+        <p:cNvGrpSpPr/>
+        <p:nvPr/>
+      </p:nvGrpSpPr>
+      <p:grpSpPr>
+        <a:xfrm>
+          <a:off x="0" y="0"/>
+          <a:ext cx="0" cy="0"/>
+          <a:chOff x="0" y="0"/>
+          <a:chExt cx="0" cy="0"/>
+        </a:xfrm>
+      </p:grpSpPr>
+      <p:sp>
+        <p:nvSpPr>
+          <p:cNvPr id="10" name="Content Placeholder 2">
+            <a:extLst>
+              <a:ext uri="{FF2B5EF4-FFF2-40B4-BE49-F238E27FC236}">
+                <a16:creationId xmlns:a16="http://schemas.microsoft.com/office/drawing/2014/main" id="{6191D3B6-9391-DC61-9862-02F5953A2361}"/>
+              </a:ext>
+            </a:extLst>
+          </p:cNvPr>
+          <p:cNvSpPr txBox="1">
+            <a:spLocks/>
+          </p:cNvSpPr>
+          <p:nvPr/>
+        </p:nvSpPr>
+        <p:spPr>
+          <a:xfrm>
+            <a:off x="770700" y="350693"/>
+            <a:ext cx="10085148" cy="734530"/>
+          </a:xfrm>
+          <a:prstGeom prst="rect">
+            <a:avLst/>
+          </a:prstGeom>
+        </p:spPr>
+        <p:txBody>
+          <a:bodyPr vert="horz" lIns="91440" tIns="45720" rIns="91440" bIns="45720" rtlCol="0">
+            <a:normAutofit/>
+          </a:bodyPr>
+          <a:lstStyle>
+            <a:lvl1pPr marL="228600" indent="-228600" algn="l" defTabSz="914400" rtl="0" eaLnBrk="1" latinLnBrk="0" hangingPunct="1">
+              <a:lnSpc>
+                <a:spcPct val="90000"/>
+              </a:lnSpc>
+              <a:spcBef>
+                <a:spcPts val="1000"/>
+              </a:spcBef>
+              <a:buFont typeface="Arial" panose="020B0604020202020204" pitchFamily="34" charset="0"/>
+              <a:buChar char="•"/>
+              <a:defRPr sz="2800" kern="1200">
+                <a:solidFill>
+                  <a:schemeClr val="tx1"/>
+                </a:solidFill>
+                <a:latin typeface="+mn-lt"/>
+                <a:ea typeface="+mn-ea"/>
+                <a:cs typeface="+mn-cs"/>
+              </a:defRPr>
+            </a:lvl1pPr>
+            <a:lvl2pPr marL="685800" indent="-228600" algn="l" defTabSz="914400" rtl="0" eaLnBrk="1" latinLnBrk="0" hangingPunct="1">
+              <a:lnSpc>
+                <a:spcPct val="90000"/>
+              </a:lnSpc>
+              <a:spcBef>
+                <a:spcPts val="500"/>
+              </a:spcBef>
+              <a:buFont typeface="Arial" panose="020B0604020202020204" pitchFamily="34" charset="0"/>
+              <a:buChar char="•"/>
+              <a:defRPr sz="2400" kern="1200">
+                <a:solidFill>
+                  <a:schemeClr val="tx1"/>
+                </a:solidFill>
+                <a:latin typeface="+mn-lt"/>
+                <a:ea typeface="+mn-ea"/>
+                <a:cs typeface="+mn-cs"/>
+              </a:defRPr>
+            </a:lvl2pPr>
+            <a:lvl3pPr marL="1143000" indent="-228600" algn="l" defTabSz="914400" rtl="0" eaLnBrk="1" latinLnBrk="0" hangingPunct="1">
+              <a:lnSpc>
+                <a:spcPct val="90000"/>
+              </a:lnSpc>
+              <a:spcBef>
+                <a:spcPts val="500"/>
+              </a:spcBef>
+              <a:buFont typeface="Arial" panose="020B0604020202020204" pitchFamily="34" charset="0"/>
+              <a:buChar char="•"/>
+              <a:defRPr sz="2000" kern="1200">
+                <a:solidFill>
+                  <a:schemeClr val="tx1"/>
+                </a:solidFill>
+                <a:latin typeface="+mn-lt"/>
+                <a:ea typeface="+mn-ea"/>
+                <a:cs typeface="+mn-cs"/>
+              </a:defRPr>
+            </a:lvl3pPr>
+            <a:lvl4pPr marL="1600200" indent="-228600" algn="l" defTabSz="914400" rtl="0" eaLnBrk="1" latinLnBrk="0" hangingPunct="1">
+              <a:lnSpc>
+                <a:spcPct val="90000"/>
+              </a:lnSpc>
+              <a:spcBef>
+                <a:spcPts val="500"/>
+              </a:spcBef>
+              <a:buFont typeface="Arial" panose="020B0604020202020204" pitchFamily="34" charset="0"/>
+              <a:buChar char="•"/>
+              <a:defRPr sz="1800" kern="1200">
+                <a:solidFill>
+                  <a:schemeClr val="tx1"/>
+                </a:solidFill>
+                <a:latin typeface="+mn-lt"/>
+                <a:ea typeface="+mn-ea"/>
+                <a:cs typeface="+mn-cs"/>
+              </a:defRPr>
+            </a:lvl4pPr>
+            <a:lvl5pPr marL="2057400" indent="-228600" algn="l" defTabSz="914400" rtl="0" eaLnBrk="1" latinLnBrk="0" hangingPunct="1">
+              <a:lnSpc>
+                <a:spcPct val="90000"/>
+              </a:lnSpc>
+              <a:spcBef>
+                <a:spcPts val="500"/>
+              </a:spcBef>
+              <a:buFont typeface="Arial" panose="020B0604020202020204" pitchFamily="34" charset="0"/>
+              <a:buChar char="•"/>
+              <a:defRPr sz="1800" kern="1200">
+                <a:solidFill>
+                  <a:schemeClr val="tx1"/>
+                </a:solidFill>
+                <a:latin typeface="+mn-lt"/>
+                <a:ea typeface="+mn-ea"/>
+                <a:cs typeface="+mn-cs"/>
+              </a:defRPr>
+            </a:lvl5pPr>
+            <a:lvl6pPr marL="2514600" indent="-228600" algn="l" defTabSz="914400" rtl="0" eaLnBrk="1" latinLnBrk="0" hangingPunct="1">
+              <a:lnSpc>
+                <a:spcPct val="90000"/>
+              </a:lnSpc>
+              <a:spcBef>
+                <a:spcPts val="500"/>
+              </a:spcBef>
+              <a:buFont typeface="Arial" panose="020B0604020202020204" pitchFamily="34" charset="0"/>
+              <a:buChar char="•"/>
+              <a:defRPr sz="1800" kern="1200">
+                <a:solidFill>
+                  <a:schemeClr val="tx1"/>
+                </a:solidFill>
+                <a:latin typeface="+mn-lt"/>
+                <a:ea typeface="+mn-ea"/>
+                <a:cs typeface="+mn-cs"/>
+              </a:defRPr>
+            </a:lvl6pPr>
+            <a:lvl7pPr marL="2971800" indent="-228600" algn="l" defTabSz="914400" rtl="0" eaLnBrk="1" latinLnBrk="0" hangingPunct="1">
+              <a:lnSpc>
+                <a:spcPct val="90000"/>
+              </a:lnSpc>
+              <a:spcBef>
+                <a:spcPts val="500"/>
+              </a:spcBef>
+              <a:buFont typeface="Arial" panose="020B0604020202020204" pitchFamily="34" charset="0"/>
+              <a:buChar char="•"/>
+              <a:defRPr sz="1800" kern="1200">
+                <a:solidFill>
+                  <a:schemeClr val="tx1"/>
+                </a:solidFill>
+                <a:latin typeface="+mn-lt"/>
+                <a:ea typeface="+mn-ea"/>
+                <a:cs typeface="+mn-cs"/>
+              </a:defRPr>
+            </a:lvl7pPr>
+            <a:lvl8pPr marL="3429000" indent="-228600" algn="l" defTabSz="914400" rtl="0" eaLnBrk="1" latinLnBrk="0" hangingPunct="1">
+              <a:lnSpc>
+                <a:spcPct val="90000"/>
+              </a:lnSpc>
+              <a:spcBef>
+                <a:spcPts val="500"/>
+              </a:spcBef>
+              <a:buFont typeface="Arial" panose="020B0604020202020204" pitchFamily="34" charset="0"/>
+              <a:buChar char="•"/>
+              <a:defRPr sz="1800" kern="1200">
+                <a:solidFill>
+                  <a:schemeClr val="tx1"/>
+                </a:solidFill>
+                <a:latin typeface="+mn-lt"/>
+                <a:ea typeface="+mn-ea"/>
+                <a:cs typeface="+mn-cs"/>
+              </a:defRPr>
+            </a:lvl8pPr>
+            <a:lvl9pPr marL="3886200" indent="-228600" algn="l" defTabSz="914400" rtl="0" eaLnBrk="1" latinLnBrk="0" hangingPunct="1">
+              <a:lnSpc>
+                <a:spcPct val="90000"/>
+              </a:lnSpc>
+              <a:spcBef>
+                <a:spcPts val="500"/>
+              </a:spcBef>
+              <a:buFont typeface="Arial" panose="020B0604020202020204" pitchFamily="34" charset="0"/>
+              <a:buChar char="•"/>
+              <a:defRPr sz="1800" kern="1200">
+                <a:solidFill>
+                  <a:schemeClr val="tx1"/>
+                </a:solidFill>
+                <a:latin typeface="+mn-lt"/>
+                <a:ea typeface="+mn-ea"/>
+                <a:cs typeface="+mn-cs"/>
+              </a:defRPr>
+            </a:lvl9pPr>
+          </a:lstStyle>
+          <a:p>
+            <a:pPr marL="0" indent="0">
+              <a:buNone/>
+            </a:pPr>
+            <a:r>
+              <a:rPr lang="en-US" sz="3600" b="1" dirty="0">
+                <a:latin typeface="Calibri" panose="020F0502020204030204" pitchFamily="34" charset="0"/>
+                <a:cs typeface="Calibri" panose="020F0502020204030204" pitchFamily="34" charset="0"/>
+                <a:sym typeface="Wingdings" panose="05000000000000000000" pitchFamily="2" charset="2"/>
+              </a:rPr>
               <a:t>Network’s modules are indicative of the processes</a:t>
             </a:r>
             <a:endParaRPr lang="en-US" sz="3200" dirty="0">
@@ -22537,10 +22799,10 @@
       </p:sp>
       <p:pic>
         <p:nvPicPr>
-          <p:cNvPr id="3" name="Picture 2" descr="A graph of different colored bars&#10;&#10;Description automatically generated">
+          <p:cNvPr id="6" name="Picture 5" descr="A graph of different types of process&#10;&#10;Description automatically generated">
             <a:extLst>
               <a:ext uri="{FF2B5EF4-FFF2-40B4-BE49-F238E27FC236}">
-                <a16:creationId xmlns:a16="http://schemas.microsoft.com/office/drawing/2014/main" id="{54866D33-E6B3-D523-C935-E4BE03A3655C}"/>
+                <a16:creationId xmlns:a16="http://schemas.microsoft.com/office/drawing/2014/main" id="{ACE8DB95-60C6-AF9C-66E2-087C0867BCD1}"/>
               </a:ext>
             </a:extLst>
           </p:cNvPr>
@@ -22557,8 +22819,8 @@
         </p:blipFill>
         <p:spPr>
           <a:xfrm>
-            <a:off x="4721050" y="1527350"/>
-            <a:ext cx="7333954" cy="5238538"/>
+            <a:off x="4574342" y="1416816"/>
+            <a:ext cx="7617658" cy="5441184"/>
           </a:xfrm>
           <a:prstGeom prst="rect">
             <a:avLst/>
@@ -22620,7 +22882,7 @@
     </p:spTree>
     <p:extLst>
       <p:ext uri="{BB962C8B-B14F-4D97-AF65-F5344CB8AC3E}">
-        <p14:creationId xmlns:p14="http://schemas.microsoft.com/office/powerpoint/2010/main" val="3438632227"/>
+        <p14:creationId xmlns:p14="http://schemas.microsoft.com/office/powerpoint/2010/main" val="865013551"/>
       </p:ext>
     </p:extLst>
   </p:cSld>
@@ -22630,7 +22892,7 @@
 </p:sld>
 </file>
 
-<file path=ppt/slides/slide21.xml><?xml version="1.0" encoding="utf-8"?>
+<file path=ppt/slides/slide22.xml><?xml version="1.0" encoding="utf-8"?>
 <p:sld xmlns:a="http://schemas.openxmlformats.org/drawingml/2006/main" xmlns:r="http://schemas.openxmlformats.org/officeDocument/2006/relationships" xmlns:p="http://schemas.openxmlformats.org/presentationml/2006/main">
   <p:cSld>
     <p:spTree>
@@ -22927,10 +23189,10 @@
       </p:sp>
       <p:pic>
         <p:nvPicPr>
-          <p:cNvPr id="3" name="Picture 2" descr="A graph of different colored bars&#10;&#10;Description automatically generated">
+          <p:cNvPr id="5" name="Picture 4" descr="A graph of different types of process&#10;&#10;Description automatically generated">
             <a:extLst>
               <a:ext uri="{FF2B5EF4-FFF2-40B4-BE49-F238E27FC236}">
-                <a16:creationId xmlns:a16="http://schemas.microsoft.com/office/drawing/2014/main" id="{54866D33-E6B3-D523-C935-E4BE03A3655C}"/>
+                <a16:creationId xmlns:a16="http://schemas.microsoft.com/office/drawing/2014/main" id="{E3F96A41-1E0D-D40E-D32A-5D2F3FF6CC8D}"/>
               </a:ext>
             </a:extLst>
           </p:cNvPr>
@@ -22947,8 +23209,8 @@
         </p:blipFill>
         <p:spPr>
           <a:xfrm>
-            <a:off x="4721050" y="1527350"/>
-            <a:ext cx="7333954" cy="5238538"/>
+            <a:off x="4574342" y="1416816"/>
+            <a:ext cx="7617658" cy="5441184"/>
           </a:xfrm>
           <a:prstGeom prst="rect">
             <a:avLst/>
@@ -23020,7 +23282,7 @@
 </p:sld>
 </file>
 
-<file path=ppt/slides/slide22.xml><?xml version="1.0" encoding="utf-8"?>
+<file path=ppt/slides/slide23.xml><?xml version="1.0" encoding="utf-8"?>
 <p:sld xmlns:a="http://schemas.openxmlformats.org/drawingml/2006/main" xmlns:r="http://schemas.openxmlformats.org/officeDocument/2006/relationships" xmlns:p="http://schemas.openxmlformats.org/presentationml/2006/main">
   <p:cSld>
     <p:spTree>
@@ -23304,10 +23566,10 @@
       </p:sp>
       <p:pic>
         <p:nvPicPr>
-          <p:cNvPr id="3" name="Picture 2" descr="A graph of different colored bars&#10;&#10;Description automatically generated">
+          <p:cNvPr id="5" name="Picture 4" descr="A graph of different types of process&#10;&#10;Description automatically generated">
             <a:extLst>
               <a:ext uri="{FF2B5EF4-FFF2-40B4-BE49-F238E27FC236}">
-                <a16:creationId xmlns:a16="http://schemas.microsoft.com/office/drawing/2014/main" id="{54866D33-E6B3-D523-C935-E4BE03A3655C}"/>
+                <a16:creationId xmlns:a16="http://schemas.microsoft.com/office/drawing/2014/main" id="{05785ED8-192F-4617-7FE1-E3FD7E5E0D87}"/>
               </a:ext>
             </a:extLst>
           </p:cNvPr>
@@ -23324,8 +23586,8 @@
         </p:blipFill>
         <p:spPr>
           <a:xfrm>
-            <a:off x="4721050" y="1527350"/>
-            <a:ext cx="7333954" cy="5238538"/>
+            <a:off x="4574342" y="1416816"/>
+            <a:ext cx="7617658" cy="5441184"/>
           </a:xfrm>
           <a:prstGeom prst="rect">
             <a:avLst/>
@@ -23397,7 +23659,7 @@
 </p:sld>
 </file>
 
-<file path=ppt/slides/slide23.xml><?xml version="1.0" encoding="utf-8"?>
+<file path=ppt/slides/slide24.xml><?xml version="1.0" encoding="utf-8"?>
 <p:sld xmlns:a="http://schemas.openxmlformats.org/drawingml/2006/main" xmlns:r="http://schemas.openxmlformats.org/officeDocument/2006/relationships" xmlns:p="http://schemas.openxmlformats.org/presentationml/2006/main">
   <p:cSld>
     <p:spTree>
@@ -23692,8 +23954,8 @@
 </p:sld>
 </file>
 
-<file path=ppt/slides/slide24.xml><?xml version="1.0" encoding="utf-8"?>
-<p:sld xmlns:a="http://schemas.openxmlformats.org/drawingml/2006/main" xmlns:r="http://schemas.openxmlformats.org/officeDocument/2006/relationships" xmlns:p="http://schemas.openxmlformats.org/presentationml/2006/main">
+<file path=ppt/slides/slide25.xml><?xml version="1.0" encoding="utf-8"?>
+<p:sld xmlns:a="http://schemas.openxmlformats.org/drawingml/2006/main" xmlns:r="http://schemas.openxmlformats.org/officeDocument/2006/relationships" xmlns:p="http://schemas.openxmlformats.org/presentationml/2006/main" show="0">
   <p:cSld>
     <p:spTree>
       <p:nvGrpSpPr>
@@ -30222,8 +30484,8 @@
 </p:sld>
 </file>
 
-<file path=ppt/slides/slide25.xml><?xml version="1.0" encoding="utf-8"?>
-<p:sld xmlns:a="http://schemas.openxmlformats.org/drawingml/2006/main" xmlns:r="http://schemas.openxmlformats.org/officeDocument/2006/relationships" xmlns:p="http://schemas.openxmlformats.org/presentationml/2006/main">
+<file path=ppt/slides/slide26.xml><?xml version="1.0" encoding="utf-8"?>
+<p:sld xmlns:a="http://schemas.openxmlformats.org/drawingml/2006/main" xmlns:r="http://schemas.openxmlformats.org/officeDocument/2006/relationships" xmlns:p="http://schemas.openxmlformats.org/presentationml/2006/main" show="0">
   <p:cSld>
     <p:spTree>
       <p:nvGrpSpPr>
@@ -30282,7 +30544,7 @@
 </p:sld>
 </file>
 
-<file path=ppt/slides/slide26.xml><?xml version="1.0" encoding="utf-8"?>
+<file path=ppt/slides/slide27.xml><?xml version="1.0" encoding="utf-8"?>
 <p:sld xmlns:a="http://schemas.openxmlformats.org/drawingml/2006/main" xmlns:r="http://schemas.openxmlformats.org/officeDocument/2006/relationships" xmlns:p="http://schemas.openxmlformats.org/presentationml/2006/main">
   <p:cSld>
     <p:spTree>
@@ -30301,220 +30563,6 @@
       </p:grpSpPr>
       <p:sp>
         <p:nvSpPr>
-          <p:cNvPr id="4" name="Content Placeholder 2">
-            <a:extLst>
-              <a:ext uri="{FF2B5EF4-FFF2-40B4-BE49-F238E27FC236}">
-                <a16:creationId xmlns:a16="http://schemas.microsoft.com/office/drawing/2014/main" id="{F91CB556-AFEC-C446-C2EE-AAD665379542}"/>
-              </a:ext>
-            </a:extLst>
-          </p:cNvPr>
-          <p:cNvSpPr txBox="1">
-            <a:spLocks/>
-          </p:cNvSpPr>
-          <p:nvPr/>
-        </p:nvSpPr>
-        <p:spPr>
-          <a:xfrm>
-            <a:off x="849552" y="835777"/>
-            <a:ext cx="9907348" cy="1274378"/>
-          </a:xfrm>
-          <a:prstGeom prst="rect">
-            <a:avLst/>
-          </a:prstGeom>
-        </p:spPr>
-        <p:txBody>
-          <a:bodyPr vert="horz" lIns="91440" tIns="45720" rIns="91440" bIns="45720" rtlCol="0">
-            <a:noAutofit/>
-          </a:bodyPr>
-          <a:lstStyle>
-            <a:lvl1pPr marL="228600" indent="-228600" algn="l" defTabSz="914400" rtl="0" eaLnBrk="1" latinLnBrk="0" hangingPunct="1">
-              <a:lnSpc>
-                <a:spcPct val="90000"/>
-              </a:lnSpc>
-              <a:spcBef>
-                <a:spcPts val="1000"/>
-              </a:spcBef>
-              <a:buFont typeface="Arial" panose="020B0604020202020204" pitchFamily="34" charset="0"/>
-              <a:buChar char="•"/>
-              <a:defRPr sz="2800" kern="1200">
-                <a:solidFill>
-                  <a:schemeClr val="tx1"/>
-                </a:solidFill>
-                <a:latin typeface="+mn-lt"/>
-                <a:ea typeface="+mn-ea"/>
-                <a:cs typeface="+mn-cs"/>
-              </a:defRPr>
-            </a:lvl1pPr>
-            <a:lvl2pPr marL="685800" indent="-228600" algn="l" defTabSz="914400" rtl="0" eaLnBrk="1" latinLnBrk="0" hangingPunct="1">
-              <a:lnSpc>
-                <a:spcPct val="90000"/>
-              </a:lnSpc>
-              <a:spcBef>
-                <a:spcPts val="500"/>
-              </a:spcBef>
-              <a:buFont typeface="Arial" panose="020B0604020202020204" pitchFamily="34" charset="0"/>
-              <a:buChar char="•"/>
-              <a:defRPr sz="2400" kern="1200">
-                <a:solidFill>
-                  <a:schemeClr val="tx1"/>
-                </a:solidFill>
-                <a:latin typeface="+mn-lt"/>
-                <a:ea typeface="+mn-ea"/>
-                <a:cs typeface="+mn-cs"/>
-              </a:defRPr>
-            </a:lvl2pPr>
-            <a:lvl3pPr marL="1143000" indent="-228600" algn="l" defTabSz="914400" rtl="0" eaLnBrk="1" latinLnBrk="0" hangingPunct="1">
-              <a:lnSpc>
-                <a:spcPct val="90000"/>
-              </a:lnSpc>
-              <a:spcBef>
-                <a:spcPts val="500"/>
-              </a:spcBef>
-              <a:buFont typeface="Arial" panose="020B0604020202020204" pitchFamily="34" charset="0"/>
-              <a:buChar char="•"/>
-              <a:defRPr sz="2000" kern="1200">
-                <a:solidFill>
-                  <a:schemeClr val="tx1"/>
-                </a:solidFill>
-                <a:latin typeface="+mn-lt"/>
-                <a:ea typeface="+mn-ea"/>
-                <a:cs typeface="+mn-cs"/>
-              </a:defRPr>
-            </a:lvl3pPr>
-            <a:lvl4pPr marL="1600200" indent="-228600" algn="l" defTabSz="914400" rtl="0" eaLnBrk="1" latinLnBrk="0" hangingPunct="1">
-              <a:lnSpc>
-                <a:spcPct val="90000"/>
-              </a:lnSpc>
-              <a:spcBef>
-                <a:spcPts val="500"/>
-              </a:spcBef>
-              <a:buFont typeface="Arial" panose="020B0604020202020204" pitchFamily="34" charset="0"/>
-              <a:buChar char="•"/>
-              <a:defRPr sz="1800" kern="1200">
-                <a:solidFill>
-                  <a:schemeClr val="tx1"/>
-                </a:solidFill>
-                <a:latin typeface="+mn-lt"/>
-                <a:ea typeface="+mn-ea"/>
-                <a:cs typeface="+mn-cs"/>
-              </a:defRPr>
-            </a:lvl4pPr>
-            <a:lvl5pPr marL="2057400" indent="-228600" algn="l" defTabSz="914400" rtl="0" eaLnBrk="1" latinLnBrk="0" hangingPunct="1">
-              <a:lnSpc>
-                <a:spcPct val="90000"/>
-              </a:lnSpc>
-              <a:spcBef>
-                <a:spcPts val="500"/>
-              </a:spcBef>
-              <a:buFont typeface="Arial" panose="020B0604020202020204" pitchFamily="34" charset="0"/>
-              <a:buChar char="•"/>
-              <a:defRPr sz="1800" kern="1200">
-                <a:solidFill>
-                  <a:schemeClr val="tx1"/>
-                </a:solidFill>
-                <a:latin typeface="+mn-lt"/>
-                <a:ea typeface="+mn-ea"/>
-                <a:cs typeface="+mn-cs"/>
-              </a:defRPr>
-            </a:lvl5pPr>
-            <a:lvl6pPr marL="2514600" indent="-228600" algn="l" defTabSz="914400" rtl="0" eaLnBrk="1" latinLnBrk="0" hangingPunct="1">
-              <a:lnSpc>
-                <a:spcPct val="90000"/>
-              </a:lnSpc>
-              <a:spcBef>
-                <a:spcPts val="500"/>
-              </a:spcBef>
-              <a:buFont typeface="Arial" panose="020B0604020202020204" pitchFamily="34" charset="0"/>
-              <a:buChar char="•"/>
-              <a:defRPr sz="1800" kern="1200">
-                <a:solidFill>
-                  <a:schemeClr val="tx1"/>
-                </a:solidFill>
-                <a:latin typeface="+mn-lt"/>
-                <a:ea typeface="+mn-ea"/>
-                <a:cs typeface="+mn-cs"/>
-              </a:defRPr>
-            </a:lvl6pPr>
-            <a:lvl7pPr marL="2971800" indent="-228600" algn="l" defTabSz="914400" rtl="0" eaLnBrk="1" latinLnBrk="0" hangingPunct="1">
-              <a:lnSpc>
-                <a:spcPct val="90000"/>
-              </a:lnSpc>
-              <a:spcBef>
-                <a:spcPts val="500"/>
-              </a:spcBef>
-              <a:buFont typeface="Arial" panose="020B0604020202020204" pitchFamily="34" charset="0"/>
-              <a:buChar char="•"/>
-              <a:defRPr sz="1800" kern="1200">
-                <a:solidFill>
-                  <a:schemeClr val="tx1"/>
-                </a:solidFill>
-                <a:latin typeface="+mn-lt"/>
-                <a:ea typeface="+mn-ea"/>
-                <a:cs typeface="+mn-cs"/>
-              </a:defRPr>
-            </a:lvl7pPr>
-            <a:lvl8pPr marL="3429000" indent="-228600" algn="l" defTabSz="914400" rtl="0" eaLnBrk="1" latinLnBrk="0" hangingPunct="1">
-              <a:lnSpc>
-                <a:spcPct val="90000"/>
-              </a:lnSpc>
-              <a:spcBef>
-                <a:spcPts val="500"/>
-              </a:spcBef>
-              <a:buFont typeface="Arial" panose="020B0604020202020204" pitchFamily="34" charset="0"/>
-              <a:buChar char="•"/>
-              <a:defRPr sz="1800" kern="1200">
-                <a:solidFill>
-                  <a:schemeClr val="tx1"/>
-                </a:solidFill>
-                <a:latin typeface="+mn-lt"/>
-                <a:ea typeface="+mn-ea"/>
-                <a:cs typeface="+mn-cs"/>
-              </a:defRPr>
-            </a:lvl8pPr>
-            <a:lvl9pPr marL="3886200" indent="-228600" algn="l" defTabSz="914400" rtl="0" eaLnBrk="1" latinLnBrk="0" hangingPunct="1">
-              <a:lnSpc>
-                <a:spcPct val="90000"/>
-              </a:lnSpc>
-              <a:spcBef>
-                <a:spcPts val="500"/>
-              </a:spcBef>
-              <a:buFont typeface="Arial" panose="020B0604020202020204" pitchFamily="34" charset="0"/>
-              <a:buChar char="•"/>
-              <a:defRPr sz="1800" kern="1200">
-                <a:solidFill>
-                  <a:schemeClr val="tx1"/>
-                </a:solidFill>
-                <a:latin typeface="+mn-lt"/>
-                <a:ea typeface="+mn-ea"/>
-                <a:cs typeface="+mn-cs"/>
-              </a:defRPr>
-            </a:lvl9pPr>
-          </a:lstStyle>
-          <a:p>
-            <a:r>
-              <a:rPr lang="en-US" dirty="0"/>
-              <a:t>The landscape is continuous</a:t>
-            </a:r>
-          </a:p>
-          <a:p>
-            <a:r>
-              <a:rPr lang="en-US" dirty="0"/>
-              <a:t>Land use change alters the environment heterogeneity</a:t>
-            </a:r>
-          </a:p>
-          <a:p>
-            <a:pPr marL="0" indent="0">
-              <a:buNone/>
-            </a:pPr>
-            <a:endParaRPr lang="en-US" dirty="0">
-              <a:latin typeface="Calibri" panose="020F0502020204030204" pitchFamily="34" charset="0"/>
-              <a:cs typeface="Calibri" panose="020F0502020204030204" pitchFamily="34" charset="0"/>
-            </a:endParaRPr>
-          </a:p>
-        </p:txBody>
-      </p:sp>
-      <p:sp>
-        <p:nvSpPr>
           <p:cNvPr id="5" name="Content Placeholder 2">
             <a:extLst>
               <a:ext uri="{FF2B5EF4-FFF2-40B4-BE49-F238E27FC236}">
@@ -30529,7 +30577,7 @@
         </p:nvSpPr>
         <p:spPr>
           <a:xfrm>
-            <a:off x="5256428" y="6172892"/>
+            <a:off x="4693720" y="2193744"/>
             <a:ext cx="2434725" cy="1067661"/>
           </a:xfrm>
           <a:prstGeom prst="rect">
@@ -30739,7 +30787,7 @@
         </p:nvSpPr>
         <p:spPr>
           <a:xfrm>
-            <a:off x="1573452" y="5179477"/>
+            <a:off x="1141374" y="949120"/>
             <a:ext cx="10085148" cy="1067661"/>
           </a:xfrm>
           <a:prstGeom prst="rect">
@@ -30947,35 +30995,6 @@
           </a:p>
         </p:txBody>
       </p:sp>
-      <p:pic>
-        <p:nvPicPr>
-          <p:cNvPr id="2" name="Picture 1">
-            <a:extLst>
-              <a:ext uri="{FF2B5EF4-FFF2-40B4-BE49-F238E27FC236}">
-                <a16:creationId xmlns:a16="http://schemas.microsoft.com/office/drawing/2014/main" id="{A8146B14-C00D-4E4D-8C66-2AD162496A31}"/>
-              </a:ext>
-            </a:extLst>
-          </p:cNvPr>
-          <p:cNvPicPr>
-            <a:picLocks noChangeAspect="1"/>
-          </p:cNvPicPr>
-          <p:nvPr/>
-        </p:nvPicPr>
-        <p:blipFill rotWithShape="1">
-          <a:blip r:embed="rId3"/>
-          <a:srcRect r="12207"/>
-          <a:stretch/>
-        </p:blipFill>
-        <p:spPr>
-          <a:xfrm>
-            <a:off x="3403776" y="2013444"/>
-            <a:ext cx="4287377" cy="3013802"/>
-          </a:xfrm>
-          <a:prstGeom prst="rect">
-            <a:avLst/>
-          </a:prstGeom>
-        </p:spPr>
-      </p:pic>
     </p:spTree>
     <p:extLst>
       <p:ext uri="{BB962C8B-B14F-4D97-AF65-F5344CB8AC3E}">
@@ -31098,8 +31117,107 @@
 </p:sld>
 </file>
 
-<file path=ppt/slides/slide27.xml><?xml version="1.0" encoding="utf-8"?>
+<file path=ppt/slides/slide28.xml><?xml version="1.0" encoding="utf-8"?>
 <p:sld xmlns:a="http://schemas.openxmlformats.org/drawingml/2006/main" xmlns:r="http://schemas.openxmlformats.org/officeDocument/2006/relationships" xmlns:p="http://schemas.openxmlformats.org/presentationml/2006/main">
+  <p:cSld>
+    <p:spTree>
+      <p:nvGrpSpPr>
+        <p:cNvPr id="1" name=""/>
+        <p:cNvGrpSpPr/>
+        <p:nvPr/>
+      </p:nvGrpSpPr>
+      <p:grpSpPr>
+        <a:xfrm>
+          <a:off x="0" y="0"/>
+          <a:ext cx="0" cy="0"/>
+          <a:chOff x="0" y="0"/>
+          <a:chExt cx="0" cy="0"/>
+        </a:xfrm>
+      </p:grpSpPr>
+      <p:sp>
+        <p:nvSpPr>
+          <p:cNvPr id="2" name="Title 1">
+            <a:extLst>
+              <a:ext uri="{FF2B5EF4-FFF2-40B4-BE49-F238E27FC236}">
+                <a16:creationId xmlns:a16="http://schemas.microsoft.com/office/drawing/2014/main" id="{F593ABCB-66ED-1BBE-3E13-ACEAE150DA9C}"/>
+              </a:ext>
+            </a:extLst>
+          </p:cNvPr>
+          <p:cNvSpPr>
+            <a:spLocks noGrp="1"/>
+          </p:cNvSpPr>
+          <p:nvPr>
+            <p:ph type="title"/>
+          </p:nvPr>
+        </p:nvSpPr>
+        <p:spPr>
+          <a:xfrm>
+            <a:off x="687474" y="282960"/>
+            <a:ext cx="10515600" cy="1023326"/>
+          </a:xfrm>
+        </p:spPr>
+        <p:txBody>
+          <a:bodyPr>
+            <a:normAutofit/>
+          </a:bodyPr>
+          <a:lstStyle/>
+          <a:p>
+            <a:r>
+              <a:rPr lang="en-US" sz="3200" dirty="0">
+                <a:latin typeface="Calibri" panose="020F0502020204030204" pitchFamily="34" charset="0"/>
+                <a:cs typeface="Calibri" panose="020F0502020204030204" pitchFamily="34" charset="0"/>
+              </a:rPr>
+              <a:t>Environmental gradients explain modules variation for Non-core and Rare groups</a:t>
+            </a:r>
+            <a:endParaRPr lang="en-IL" sz="3200" dirty="0"/>
+          </a:p>
+        </p:txBody>
+      </p:sp>
+      <p:pic>
+        <p:nvPicPr>
+          <p:cNvPr id="6" name="Picture 5">
+            <a:extLst>
+              <a:ext uri="{FF2B5EF4-FFF2-40B4-BE49-F238E27FC236}">
+                <a16:creationId xmlns:a16="http://schemas.microsoft.com/office/drawing/2014/main" id="{3C1419D7-4A3B-A898-1438-A446213786EC}"/>
+              </a:ext>
+            </a:extLst>
+          </p:cNvPr>
+          <p:cNvPicPr>
+            <a:picLocks noChangeAspect="1"/>
+          </p:cNvPicPr>
+          <p:nvPr/>
+        </p:nvPicPr>
+        <p:blipFill>
+          <a:blip r:embed="rId2"/>
+          <a:stretch>
+            <a:fillRect/>
+          </a:stretch>
+        </p:blipFill>
+        <p:spPr>
+          <a:xfrm>
+            <a:off x="1375786" y="1284312"/>
+            <a:ext cx="8913726" cy="5573688"/>
+          </a:xfrm>
+          <a:prstGeom prst="rect">
+            <a:avLst/>
+          </a:prstGeom>
+        </p:spPr>
+      </p:pic>
+    </p:spTree>
+    <p:extLst>
+      <p:ext uri="{BB962C8B-B14F-4D97-AF65-F5344CB8AC3E}">
+        <p14:creationId xmlns:p14="http://schemas.microsoft.com/office/powerpoint/2010/main" val="3707267351"/>
+      </p:ext>
+    </p:extLst>
+  </p:cSld>
+  <p:clrMapOvr>
+    <a:masterClrMapping/>
+  </p:clrMapOvr>
+</p:sld>
+</file>
+
+<file path=ppt/slides/slide29.xml><?xml version="1.0" encoding="utf-8"?>
+<p:sld xmlns:a="http://schemas.openxmlformats.org/drawingml/2006/main" xmlns:r="http://schemas.openxmlformats.org/officeDocument/2006/relationships" xmlns:p="http://schemas.openxmlformats.org/presentationml/2006/main" show="0">
   <p:cSld>
     <p:spTree>
       <p:nvGrpSpPr>
@@ -31187,7 +31305,7 @@
     </p:spTree>
     <p:extLst>
       <p:ext uri="{BB962C8B-B14F-4D97-AF65-F5344CB8AC3E}">
-        <p14:creationId xmlns:p14="http://schemas.microsoft.com/office/powerpoint/2010/main" val="3707267351"/>
+        <p14:creationId xmlns:p14="http://schemas.microsoft.com/office/powerpoint/2010/main" val="4252656234"/>
       </p:ext>
     </p:extLst>
   </p:cSld>
@@ -31197,7 +31315,505 @@
 </p:sld>
 </file>
 
-<file path=ppt/slides/slide28.xml><?xml version="1.0" encoding="utf-8"?>
+<file path=ppt/slides/slide3.xml><?xml version="1.0" encoding="utf-8"?>
+<p:sld xmlns:a="http://schemas.openxmlformats.org/drawingml/2006/main" xmlns:r="http://schemas.openxmlformats.org/officeDocument/2006/relationships" xmlns:p="http://schemas.openxmlformats.org/presentationml/2006/main" show="0">
+  <p:cSld>
+    <p:spTree>
+      <p:nvGrpSpPr>
+        <p:cNvPr id="1" name="Shape 98"/>
+        <p:cNvGrpSpPr/>
+        <p:nvPr/>
+      </p:nvGrpSpPr>
+      <p:grpSpPr>
+        <a:xfrm>
+          <a:off x="0" y="0"/>
+          <a:ext cx="0" cy="0"/>
+          <a:chOff x="0" y="0"/>
+          <a:chExt cx="0" cy="0"/>
+        </a:xfrm>
+      </p:grpSpPr>
+      <p:pic>
+        <p:nvPicPr>
+          <p:cNvPr id="99" name="Google Shape;99;p2"/>
+          <p:cNvPicPr preferRelativeResize="0">
+            <a:picLocks noChangeAspect="1"/>
+          </p:cNvPicPr>
+          <p:nvPr/>
+        </p:nvPicPr>
+        <p:blipFill rotWithShape="1">
+          <a:blip r:embed="rId3">
+            <a:alphaModFix/>
+          </a:blip>
+          <a:srcRect/>
+          <a:stretch/>
+        </p:blipFill>
+        <p:spPr>
+          <a:xfrm>
+            <a:off x="6693219" y="318619"/>
+            <a:ext cx="5270710" cy="3989635"/>
+          </a:xfrm>
+          <a:prstGeom prst="rect">
+            <a:avLst/>
+          </a:prstGeom>
+          <a:noFill/>
+          <a:ln w="9525" cap="flat" cmpd="sng">
+            <a:solidFill>
+              <a:schemeClr val="dk1"/>
+            </a:solidFill>
+            <a:prstDash val="solid"/>
+            <a:round/>
+            <a:headEnd type="none" w="sm" len="sm"/>
+            <a:tailEnd type="none" w="sm" len="sm"/>
+          </a:ln>
+        </p:spPr>
+      </p:pic>
+      <p:sp>
+        <p:nvSpPr>
+          <p:cNvPr id="102" name="Google Shape;102;p2"/>
+          <p:cNvSpPr txBox="1"/>
+          <p:nvPr/>
+        </p:nvSpPr>
+        <p:spPr>
+          <a:xfrm>
+            <a:off x="8754653" y="1485120"/>
+            <a:ext cx="1838036" cy="523220"/>
+          </a:xfrm>
+          <a:prstGeom prst="rect">
+            <a:avLst/>
+          </a:prstGeom>
+          <a:solidFill>
+            <a:schemeClr val="lt2">
+              <a:alpha val="49803"/>
+            </a:schemeClr>
+          </a:solidFill>
+          <a:ln>
+            <a:noFill/>
+          </a:ln>
+        </p:spPr>
+        <p:txBody>
+          <a:bodyPr spcFirstLastPara="1" wrap="square" lIns="91425" tIns="45700" rIns="91425" bIns="45700" anchor="t" anchorCtr="0">
+            <a:spAutoFit/>
+          </a:bodyPr>
+          <a:lstStyle/>
+          <a:p>
+            <a:pPr marL="0" marR="0" lvl="0" indent="0" algn="ctr" rtl="0">
+              <a:spcBef>
+                <a:spcPts val="0"/>
+              </a:spcBef>
+              <a:spcAft>
+                <a:spcPts val="0"/>
+              </a:spcAft>
+              <a:buNone/>
+            </a:pPr>
+            <a:r>
+              <a:rPr lang="en-US" sz="2800" b="1">
+                <a:solidFill>
+                  <a:srgbClr val="002060"/>
+                </a:solidFill>
+                <a:latin typeface="Calibri"/>
+                <a:ea typeface="Calibri"/>
+                <a:cs typeface="Calibri"/>
+                <a:sym typeface="Calibri"/>
+              </a:rPr>
+              <a:t>Forest</a:t>
+            </a:r>
+            <a:endParaRPr/>
+          </a:p>
+        </p:txBody>
+      </p:sp>
+      <p:sp>
+        <p:nvSpPr>
+          <p:cNvPr id="103" name="Google Shape;103;p2"/>
+          <p:cNvSpPr txBox="1"/>
+          <p:nvPr/>
+        </p:nvSpPr>
+        <p:spPr>
+          <a:xfrm>
+            <a:off x="8084400" y="2245702"/>
+            <a:ext cx="1838036" cy="523220"/>
+          </a:xfrm>
+          <a:prstGeom prst="rect">
+            <a:avLst/>
+          </a:prstGeom>
+          <a:solidFill>
+            <a:schemeClr val="lt2">
+              <a:alpha val="49803"/>
+            </a:schemeClr>
+          </a:solidFill>
+          <a:ln>
+            <a:noFill/>
+          </a:ln>
+        </p:spPr>
+        <p:txBody>
+          <a:bodyPr spcFirstLastPara="1" wrap="square" lIns="91425" tIns="45700" rIns="91425" bIns="45700" anchor="t" anchorCtr="0">
+            <a:spAutoFit/>
+          </a:bodyPr>
+          <a:lstStyle/>
+          <a:p>
+            <a:pPr marL="0" marR="0" lvl="0" indent="0" algn="ctr" rtl="0">
+              <a:spcBef>
+                <a:spcPts val="0"/>
+              </a:spcBef>
+              <a:spcAft>
+                <a:spcPts val="0"/>
+              </a:spcAft>
+              <a:buNone/>
+            </a:pPr>
+            <a:r>
+              <a:rPr lang="en-US" sz="2800" b="1" dirty="0">
+                <a:solidFill>
+                  <a:srgbClr val="002060"/>
+                </a:solidFill>
+                <a:latin typeface="Calibri"/>
+                <a:ea typeface="Calibri"/>
+                <a:cs typeface="Calibri"/>
+                <a:sym typeface="Calibri"/>
+              </a:rPr>
+              <a:t>Agriculture</a:t>
+            </a:r>
+            <a:endParaRPr dirty="0"/>
+          </a:p>
+        </p:txBody>
+      </p:sp>
+      <p:sp>
+        <p:nvSpPr>
+          <p:cNvPr id="104" name="Google Shape;104;p2"/>
+          <p:cNvSpPr txBox="1"/>
+          <p:nvPr/>
+        </p:nvSpPr>
+        <p:spPr>
+          <a:xfrm>
+            <a:off x="7450518" y="3122079"/>
+            <a:ext cx="1838036" cy="523220"/>
+          </a:xfrm>
+          <a:prstGeom prst="rect">
+            <a:avLst/>
+          </a:prstGeom>
+          <a:solidFill>
+            <a:schemeClr val="lt2">
+              <a:alpha val="49803"/>
+            </a:schemeClr>
+          </a:solidFill>
+          <a:ln>
+            <a:noFill/>
+          </a:ln>
+        </p:spPr>
+        <p:txBody>
+          <a:bodyPr spcFirstLastPara="1" wrap="square" lIns="91425" tIns="45700" rIns="91425" bIns="45700" anchor="t" anchorCtr="0">
+            <a:spAutoFit/>
+          </a:bodyPr>
+          <a:lstStyle/>
+          <a:p>
+            <a:pPr marL="0" marR="0" lvl="0" indent="0" algn="ctr" rtl="0">
+              <a:spcBef>
+                <a:spcPts val="0"/>
+              </a:spcBef>
+              <a:spcAft>
+                <a:spcPts val="0"/>
+              </a:spcAft>
+              <a:buNone/>
+            </a:pPr>
+            <a:r>
+              <a:rPr lang="en-US" sz="2800" b="1" dirty="0">
+                <a:solidFill>
+                  <a:srgbClr val="002060"/>
+                </a:solidFill>
+                <a:latin typeface="Calibri"/>
+                <a:ea typeface="Calibri"/>
+                <a:cs typeface="Calibri"/>
+                <a:sym typeface="Calibri"/>
+              </a:rPr>
+              <a:t>Village</a:t>
+            </a:r>
+            <a:endParaRPr dirty="0"/>
+          </a:p>
+        </p:txBody>
+      </p:sp>
+      <p:sp>
+        <p:nvSpPr>
+          <p:cNvPr id="105" name="Google Shape;105;p2"/>
+          <p:cNvSpPr/>
+          <p:nvPr/>
+        </p:nvSpPr>
+        <p:spPr>
+          <a:xfrm>
+            <a:off x="2222096" y="1079619"/>
+            <a:ext cx="2728074" cy="729372"/>
+          </a:xfrm>
+          <a:prstGeom prst="roundRect">
+            <a:avLst>
+              <a:gd name="adj" fmla="val 16667"/>
+            </a:avLst>
+          </a:prstGeom>
+          <a:noFill/>
+          <a:ln w="9525" cap="flat" cmpd="sng">
+            <a:solidFill>
+              <a:schemeClr val="dk1"/>
+            </a:solidFill>
+            <a:prstDash val="solid"/>
+            <a:round/>
+            <a:headEnd type="none" w="sm" len="sm"/>
+            <a:tailEnd type="none" w="sm" len="sm"/>
+          </a:ln>
+        </p:spPr>
+        <p:txBody>
+          <a:bodyPr spcFirstLastPara="1" wrap="square" lIns="91425" tIns="45700" rIns="91425" bIns="45700" anchor="ctr" anchorCtr="0">
+            <a:normAutofit fontScale="85000" lnSpcReduction="10000"/>
+          </a:bodyPr>
+          <a:lstStyle/>
+          <a:p>
+            <a:pPr marL="0" marR="0" lvl="0" indent="0" algn="ctr" rtl="0">
+              <a:lnSpc>
+                <a:spcPct val="90000"/>
+              </a:lnSpc>
+              <a:spcBef>
+                <a:spcPts val="0"/>
+              </a:spcBef>
+              <a:spcAft>
+                <a:spcPts val="0"/>
+              </a:spcAft>
+              <a:buClr>
+                <a:schemeClr val="dk1"/>
+              </a:buClr>
+              <a:buSzPts val="3330"/>
+              <a:buFont typeface="Calibri"/>
+              <a:buNone/>
+            </a:pPr>
+            <a:r>
+              <a:rPr lang="en-US" sz="3330" b="1" u="none" dirty="0">
+                <a:solidFill>
+                  <a:schemeClr val="dk1"/>
+                </a:solidFill>
+                <a:latin typeface="Calibri"/>
+                <a:ea typeface="Calibri"/>
+                <a:cs typeface="Calibri"/>
+                <a:sym typeface="Calibri"/>
+              </a:rPr>
+              <a:t>Land use change</a:t>
+            </a:r>
+            <a:endParaRPr sz="3330" b="1" u="none" dirty="0">
+              <a:solidFill>
+                <a:schemeClr val="dk1"/>
+              </a:solidFill>
+              <a:latin typeface="Calibri"/>
+              <a:ea typeface="Calibri"/>
+              <a:cs typeface="Calibri"/>
+              <a:sym typeface="Calibri"/>
+            </a:endParaRPr>
+          </a:p>
+        </p:txBody>
+      </p:sp>
+      <p:sp>
+        <p:nvSpPr>
+          <p:cNvPr id="109" name="Google Shape;109;p2"/>
+          <p:cNvSpPr/>
+          <p:nvPr/>
+        </p:nvSpPr>
+        <p:spPr>
+          <a:xfrm>
+            <a:off x="2328883" y="5170630"/>
+            <a:ext cx="2351980" cy="954277"/>
+          </a:xfrm>
+          <a:prstGeom prst="roundRect">
+            <a:avLst>
+              <a:gd name="adj" fmla="val 16667"/>
+            </a:avLst>
+          </a:prstGeom>
+          <a:noFill/>
+          <a:ln w="38100" cap="flat" cmpd="sng">
+            <a:solidFill>
+              <a:srgbClr val="FF0000"/>
+            </a:solidFill>
+            <a:prstDash val="solid"/>
+            <a:round/>
+            <a:headEnd type="none" w="sm" len="sm"/>
+            <a:tailEnd type="none" w="sm" len="sm"/>
+          </a:ln>
+        </p:spPr>
+        <p:txBody>
+          <a:bodyPr spcFirstLastPara="1" wrap="square" lIns="91425" tIns="45700" rIns="91425" bIns="45700" anchor="ctr" anchorCtr="0">
+            <a:noAutofit/>
+          </a:bodyPr>
+          <a:lstStyle/>
+          <a:p>
+            <a:pPr marL="0" marR="0" lvl="0" indent="0" algn="ctr" rtl="0">
+              <a:lnSpc>
+                <a:spcPct val="80000"/>
+              </a:lnSpc>
+              <a:spcBef>
+                <a:spcPts val="0"/>
+              </a:spcBef>
+              <a:spcAft>
+                <a:spcPts val="0"/>
+              </a:spcAft>
+              <a:buClr>
+                <a:schemeClr val="dk1"/>
+              </a:buClr>
+              <a:buSzPts val="2960"/>
+              <a:buFont typeface="Calibri"/>
+              <a:buNone/>
+            </a:pPr>
+            <a:r>
+              <a:rPr lang="en-US" sz="3200" b="1" u="none" dirty="0">
+                <a:solidFill>
+                  <a:schemeClr val="dk1"/>
+                </a:solidFill>
+                <a:latin typeface="Calibri"/>
+                <a:ea typeface="Calibri"/>
+                <a:cs typeface="Calibri"/>
+                <a:sym typeface="Calibri"/>
+              </a:rPr>
+              <a:t>Host Microbiome</a:t>
+            </a:r>
+            <a:endParaRPr sz="3200" b="1" u="none" dirty="0">
+              <a:solidFill>
+                <a:schemeClr val="dk1"/>
+              </a:solidFill>
+              <a:latin typeface="Calibri"/>
+              <a:ea typeface="Calibri"/>
+              <a:cs typeface="Calibri"/>
+              <a:sym typeface="Calibri"/>
+            </a:endParaRPr>
+          </a:p>
+        </p:txBody>
+      </p:sp>
+      <p:sp>
+        <p:nvSpPr>
+          <p:cNvPr id="113" name="Google Shape;113;p2"/>
+          <p:cNvSpPr/>
+          <p:nvPr/>
+        </p:nvSpPr>
+        <p:spPr>
+          <a:xfrm>
+            <a:off x="3349045" y="4659037"/>
+            <a:ext cx="289577" cy="563617"/>
+          </a:xfrm>
+          <a:prstGeom prst="downArrow">
+            <a:avLst>
+              <a:gd name="adj1" fmla="val 50000"/>
+              <a:gd name="adj2" fmla="val 50000"/>
+            </a:avLst>
+          </a:prstGeom>
+          <a:solidFill>
+            <a:schemeClr val="accent1"/>
+          </a:solidFill>
+          <a:ln w="12700" cap="flat" cmpd="sng">
+            <a:solidFill>
+              <a:srgbClr val="31538F"/>
+            </a:solidFill>
+            <a:prstDash val="solid"/>
+            <a:miter lim="800000"/>
+            <a:headEnd type="none" w="sm" len="sm"/>
+            <a:tailEnd type="none" w="sm" len="sm"/>
+          </a:ln>
+        </p:spPr>
+        <p:txBody>
+          <a:bodyPr spcFirstLastPara="1" wrap="square" lIns="91425" tIns="45700" rIns="91425" bIns="45700" anchor="ctr" anchorCtr="0">
+            <a:noAutofit/>
+          </a:bodyPr>
+          <a:lstStyle/>
+          <a:p>
+            <a:pPr marL="0" marR="0" lvl="0" indent="0" algn="ctr" rtl="0">
+              <a:spcBef>
+                <a:spcPts val="0"/>
+              </a:spcBef>
+              <a:spcAft>
+                <a:spcPts val="0"/>
+              </a:spcAft>
+              <a:buNone/>
+            </a:pPr>
+            <a:endParaRPr sz="1800">
+              <a:solidFill>
+                <a:schemeClr val="lt1"/>
+              </a:solidFill>
+              <a:latin typeface="Calibri"/>
+              <a:ea typeface="Calibri"/>
+              <a:cs typeface="Calibri"/>
+              <a:sym typeface="Calibri"/>
+            </a:endParaRPr>
+          </a:p>
+        </p:txBody>
+      </p:sp>
+      <p:sp>
+        <p:nvSpPr>
+          <p:cNvPr id="14" name="TextBox 13">
+            <a:extLst>
+              <a:ext uri="{FF2B5EF4-FFF2-40B4-BE49-F238E27FC236}">
+                <a16:creationId xmlns:a16="http://schemas.microsoft.com/office/drawing/2014/main" id="{28327477-C188-7255-8EFC-FAAE2D3E9519}"/>
+              </a:ext>
+            </a:extLst>
+          </p:cNvPr>
+          <p:cNvSpPr txBox="1"/>
+          <p:nvPr/>
+        </p:nvSpPr>
+        <p:spPr>
+          <a:xfrm>
+            <a:off x="6330866" y="6537088"/>
+            <a:ext cx="5901178" cy="307777"/>
+          </a:xfrm>
+          <a:prstGeom prst="rect">
+            <a:avLst/>
+          </a:prstGeom>
+          <a:noFill/>
+        </p:spPr>
+        <p:txBody>
+          <a:bodyPr wrap="square" rtlCol="0">
+            <a:spAutoFit/>
+          </a:bodyPr>
+          <a:lstStyle/>
+          <a:p>
+            <a:r>
+              <a:rPr lang="en-US" dirty="0">
+                <a:latin typeface="Calibri" panose="020F0502020204030204" pitchFamily="34" charset="0"/>
+                <a:cs typeface="Calibri" panose="020F0502020204030204" pitchFamily="34" charset="0"/>
+              </a:rPr>
+              <a:t>Newbold et. al., 2015; Bernardo-</a:t>
+            </a:r>
+            <a:r>
+              <a:rPr lang="en-US" dirty="0" err="1">
+                <a:latin typeface="Calibri" panose="020F0502020204030204" pitchFamily="34" charset="0"/>
+                <a:cs typeface="Calibri" panose="020F0502020204030204" pitchFamily="34" charset="0"/>
+              </a:rPr>
+              <a:t>Carvo</a:t>
+            </a:r>
+            <a:r>
+              <a:rPr lang="en-US" dirty="0">
+                <a:latin typeface="Calibri" panose="020F0502020204030204" pitchFamily="34" charset="0"/>
+                <a:cs typeface="Calibri" panose="020F0502020204030204" pitchFamily="34" charset="0"/>
+              </a:rPr>
+              <a:t> et. al., 2020; </a:t>
+            </a:r>
+            <a:r>
+              <a:rPr lang="en-US" dirty="0" err="1">
+                <a:latin typeface="Calibri" panose="020F0502020204030204" pitchFamily="34" charset="0"/>
+                <a:cs typeface="Calibri" panose="020F0502020204030204" pitchFamily="34" charset="0"/>
+              </a:rPr>
+              <a:t>Fackelmann</a:t>
+            </a:r>
+            <a:r>
+              <a:rPr lang="en-US" dirty="0">
+                <a:latin typeface="Calibri" panose="020F0502020204030204" pitchFamily="34" charset="0"/>
+                <a:cs typeface="Calibri" panose="020F0502020204030204" pitchFamily="34" charset="0"/>
+              </a:rPr>
+              <a:t> et. al., 2021</a:t>
+            </a:r>
+          </a:p>
+        </p:txBody>
+      </p:sp>
+    </p:spTree>
+    <p:extLst>
+      <p:ext uri="{BB962C8B-B14F-4D97-AF65-F5344CB8AC3E}">
+        <p14:creationId xmlns:p14="http://schemas.microsoft.com/office/powerpoint/2010/main" val="116169187"/>
+      </p:ext>
+    </p:extLst>
+  </p:cSld>
+  <p:clrMapOvr>
+    <a:masterClrMapping/>
+  </p:clrMapOvr>
+</p:sld>
+</file>
+
+<file path=ppt/slides/slide30.xml><?xml version="1.0" encoding="utf-8"?>
 <p:sld xmlns:a="http://schemas.openxmlformats.org/drawingml/2006/main" xmlns:r="http://schemas.openxmlformats.org/officeDocument/2006/relationships" xmlns:p="http://schemas.openxmlformats.org/presentationml/2006/main">
   <p:cSld>
     <p:spTree>
@@ -31596,7 +32212,7 @@
 </p:sld>
 </file>
 
-<file path=ppt/slides/slide29.xml><?xml version="1.0" encoding="utf-8"?>
+<file path=ppt/slides/slide31.xml><?xml version="1.0" encoding="utf-8"?>
 <p:sld xmlns:a="http://schemas.openxmlformats.org/drawingml/2006/main" xmlns:r="http://schemas.openxmlformats.org/officeDocument/2006/relationships" xmlns:p="http://schemas.openxmlformats.org/presentationml/2006/main" show="0">
   <p:cSld>
     <p:spTree>
@@ -31926,505 +32542,7 @@
 </p:sld>
 </file>
 
-<file path=ppt/slides/slide3.xml><?xml version="1.0" encoding="utf-8"?>
-<p:sld xmlns:a="http://schemas.openxmlformats.org/drawingml/2006/main" xmlns:r="http://schemas.openxmlformats.org/officeDocument/2006/relationships" xmlns:p="http://schemas.openxmlformats.org/presentationml/2006/main" show="0">
-  <p:cSld>
-    <p:spTree>
-      <p:nvGrpSpPr>
-        <p:cNvPr id="1" name="Shape 98"/>
-        <p:cNvGrpSpPr/>
-        <p:nvPr/>
-      </p:nvGrpSpPr>
-      <p:grpSpPr>
-        <a:xfrm>
-          <a:off x="0" y="0"/>
-          <a:ext cx="0" cy="0"/>
-          <a:chOff x="0" y="0"/>
-          <a:chExt cx="0" cy="0"/>
-        </a:xfrm>
-      </p:grpSpPr>
-      <p:pic>
-        <p:nvPicPr>
-          <p:cNvPr id="99" name="Google Shape;99;p2"/>
-          <p:cNvPicPr preferRelativeResize="0">
-            <a:picLocks noChangeAspect="1"/>
-          </p:cNvPicPr>
-          <p:nvPr/>
-        </p:nvPicPr>
-        <p:blipFill rotWithShape="1">
-          <a:blip r:embed="rId3">
-            <a:alphaModFix/>
-          </a:blip>
-          <a:srcRect/>
-          <a:stretch/>
-        </p:blipFill>
-        <p:spPr>
-          <a:xfrm>
-            <a:off x="6693219" y="318619"/>
-            <a:ext cx="5270710" cy="3989635"/>
-          </a:xfrm>
-          <a:prstGeom prst="rect">
-            <a:avLst/>
-          </a:prstGeom>
-          <a:noFill/>
-          <a:ln w="9525" cap="flat" cmpd="sng">
-            <a:solidFill>
-              <a:schemeClr val="dk1"/>
-            </a:solidFill>
-            <a:prstDash val="solid"/>
-            <a:round/>
-            <a:headEnd type="none" w="sm" len="sm"/>
-            <a:tailEnd type="none" w="sm" len="sm"/>
-          </a:ln>
-        </p:spPr>
-      </p:pic>
-      <p:sp>
-        <p:nvSpPr>
-          <p:cNvPr id="102" name="Google Shape;102;p2"/>
-          <p:cNvSpPr txBox="1"/>
-          <p:nvPr/>
-        </p:nvSpPr>
-        <p:spPr>
-          <a:xfrm>
-            <a:off x="8754653" y="1485120"/>
-            <a:ext cx="1838036" cy="523220"/>
-          </a:xfrm>
-          <a:prstGeom prst="rect">
-            <a:avLst/>
-          </a:prstGeom>
-          <a:solidFill>
-            <a:schemeClr val="lt2">
-              <a:alpha val="49803"/>
-            </a:schemeClr>
-          </a:solidFill>
-          <a:ln>
-            <a:noFill/>
-          </a:ln>
-        </p:spPr>
-        <p:txBody>
-          <a:bodyPr spcFirstLastPara="1" wrap="square" lIns="91425" tIns="45700" rIns="91425" bIns="45700" anchor="t" anchorCtr="0">
-            <a:spAutoFit/>
-          </a:bodyPr>
-          <a:lstStyle/>
-          <a:p>
-            <a:pPr marL="0" marR="0" lvl="0" indent="0" algn="ctr" rtl="0">
-              <a:spcBef>
-                <a:spcPts val="0"/>
-              </a:spcBef>
-              <a:spcAft>
-                <a:spcPts val="0"/>
-              </a:spcAft>
-              <a:buNone/>
-            </a:pPr>
-            <a:r>
-              <a:rPr lang="en-US" sz="2800" b="1">
-                <a:solidFill>
-                  <a:srgbClr val="002060"/>
-                </a:solidFill>
-                <a:latin typeface="Calibri"/>
-                <a:ea typeface="Calibri"/>
-                <a:cs typeface="Calibri"/>
-                <a:sym typeface="Calibri"/>
-              </a:rPr>
-              <a:t>Forest</a:t>
-            </a:r>
-            <a:endParaRPr/>
-          </a:p>
-        </p:txBody>
-      </p:sp>
-      <p:sp>
-        <p:nvSpPr>
-          <p:cNvPr id="103" name="Google Shape;103;p2"/>
-          <p:cNvSpPr txBox="1"/>
-          <p:nvPr/>
-        </p:nvSpPr>
-        <p:spPr>
-          <a:xfrm>
-            <a:off x="8084400" y="2245702"/>
-            <a:ext cx="1838036" cy="523220"/>
-          </a:xfrm>
-          <a:prstGeom prst="rect">
-            <a:avLst/>
-          </a:prstGeom>
-          <a:solidFill>
-            <a:schemeClr val="lt2">
-              <a:alpha val="49803"/>
-            </a:schemeClr>
-          </a:solidFill>
-          <a:ln>
-            <a:noFill/>
-          </a:ln>
-        </p:spPr>
-        <p:txBody>
-          <a:bodyPr spcFirstLastPara="1" wrap="square" lIns="91425" tIns="45700" rIns="91425" bIns="45700" anchor="t" anchorCtr="0">
-            <a:spAutoFit/>
-          </a:bodyPr>
-          <a:lstStyle/>
-          <a:p>
-            <a:pPr marL="0" marR="0" lvl="0" indent="0" algn="ctr" rtl="0">
-              <a:spcBef>
-                <a:spcPts val="0"/>
-              </a:spcBef>
-              <a:spcAft>
-                <a:spcPts val="0"/>
-              </a:spcAft>
-              <a:buNone/>
-            </a:pPr>
-            <a:r>
-              <a:rPr lang="en-US" sz="2800" b="1" dirty="0">
-                <a:solidFill>
-                  <a:srgbClr val="002060"/>
-                </a:solidFill>
-                <a:latin typeface="Calibri"/>
-                <a:ea typeface="Calibri"/>
-                <a:cs typeface="Calibri"/>
-                <a:sym typeface="Calibri"/>
-              </a:rPr>
-              <a:t>Agriculture</a:t>
-            </a:r>
-            <a:endParaRPr dirty="0"/>
-          </a:p>
-        </p:txBody>
-      </p:sp>
-      <p:sp>
-        <p:nvSpPr>
-          <p:cNvPr id="104" name="Google Shape;104;p2"/>
-          <p:cNvSpPr txBox="1"/>
-          <p:nvPr/>
-        </p:nvSpPr>
-        <p:spPr>
-          <a:xfrm>
-            <a:off x="7450518" y="3122079"/>
-            <a:ext cx="1838036" cy="523220"/>
-          </a:xfrm>
-          <a:prstGeom prst="rect">
-            <a:avLst/>
-          </a:prstGeom>
-          <a:solidFill>
-            <a:schemeClr val="lt2">
-              <a:alpha val="49803"/>
-            </a:schemeClr>
-          </a:solidFill>
-          <a:ln>
-            <a:noFill/>
-          </a:ln>
-        </p:spPr>
-        <p:txBody>
-          <a:bodyPr spcFirstLastPara="1" wrap="square" lIns="91425" tIns="45700" rIns="91425" bIns="45700" anchor="t" anchorCtr="0">
-            <a:spAutoFit/>
-          </a:bodyPr>
-          <a:lstStyle/>
-          <a:p>
-            <a:pPr marL="0" marR="0" lvl="0" indent="0" algn="ctr" rtl="0">
-              <a:spcBef>
-                <a:spcPts val="0"/>
-              </a:spcBef>
-              <a:spcAft>
-                <a:spcPts val="0"/>
-              </a:spcAft>
-              <a:buNone/>
-            </a:pPr>
-            <a:r>
-              <a:rPr lang="en-US" sz="2800" b="1" dirty="0">
-                <a:solidFill>
-                  <a:srgbClr val="002060"/>
-                </a:solidFill>
-                <a:latin typeface="Calibri"/>
-                <a:ea typeface="Calibri"/>
-                <a:cs typeface="Calibri"/>
-                <a:sym typeface="Calibri"/>
-              </a:rPr>
-              <a:t>Village</a:t>
-            </a:r>
-            <a:endParaRPr dirty="0"/>
-          </a:p>
-        </p:txBody>
-      </p:sp>
-      <p:sp>
-        <p:nvSpPr>
-          <p:cNvPr id="105" name="Google Shape;105;p2"/>
-          <p:cNvSpPr/>
-          <p:nvPr/>
-        </p:nvSpPr>
-        <p:spPr>
-          <a:xfrm>
-            <a:off x="2222096" y="1079619"/>
-            <a:ext cx="2728074" cy="729372"/>
-          </a:xfrm>
-          <a:prstGeom prst="roundRect">
-            <a:avLst>
-              <a:gd name="adj" fmla="val 16667"/>
-            </a:avLst>
-          </a:prstGeom>
-          <a:noFill/>
-          <a:ln w="9525" cap="flat" cmpd="sng">
-            <a:solidFill>
-              <a:schemeClr val="dk1"/>
-            </a:solidFill>
-            <a:prstDash val="solid"/>
-            <a:round/>
-            <a:headEnd type="none" w="sm" len="sm"/>
-            <a:tailEnd type="none" w="sm" len="sm"/>
-          </a:ln>
-        </p:spPr>
-        <p:txBody>
-          <a:bodyPr spcFirstLastPara="1" wrap="square" lIns="91425" tIns="45700" rIns="91425" bIns="45700" anchor="ctr" anchorCtr="0">
-            <a:normAutofit fontScale="85000" lnSpcReduction="10000"/>
-          </a:bodyPr>
-          <a:lstStyle/>
-          <a:p>
-            <a:pPr marL="0" marR="0" lvl="0" indent="0" algn="ctr" rtl="0">
-              <a:lnSpc>
-                <a:spcPct val="90000"/>
-              </a:lnSpc>
-              <a:spcBef>
-                <a:spcPts val="0"/>
-              </a:spcBef>
-              <a:spcAft>
-                <a:spcPts val="0"/>
-              </a:spcAft>
-              <a:buClr>
-                <a:schemeClr val="dk1"/>
-              </a:buClr>
-              <a:buSzPts val="3330"/>
-              <a:buFont typeface="Calibri"/>
-              <a:buNone/>
-            </a:pPr>
-            <a:r>
-              <a:rPr lang="en-US" sz="3330" b="1" u="none" dirty="0">
-                <a:solidFill>
-                  <a:schemeClr val="dk1"/>
-                </a:solidFill>
-                <a:latin typeface="Calibri"/>
-                <a:ea typeface="Calibri"/>
-                <a:cs typeface="Calibri"/>
-                <a:sym typeface="Calibri"/>
-              </a:rPr>
-              <a:t>Land use change</a:t>
-            </a:r>
-            <a:endParaRPr sz="3330" b="1" u="none" dirty="0">
-              <a:solidFill>
-                <a:schemeClr val="dk1"/>
-              </a:solidFill>
-              <a:latin typeface="Calibri"/>
-              <a:ea typeface="Calibri"/>
-              <a:cs typeface="Calibri"/>
-              <a:sym typeface="Calibri"/>
-            </a:endParaRPr>
-          </a:p>
-        </p:txBody>
-      </p:sp>
-      <p:sp>
-        <p:nvSpPr>
-          <p:cNvPr id="109" name="Google Shape;109;p2"/>
-          <p:cNvSpPr/>
-          <p:nvPr/>
-        </p:nvSpPr>
-        <p:spPr>
-          <a:xfrm>
-            <a:off x="2328883" y="5170630"/>
-            <a:ext cx="2351980" cy="954277"/>
-          </a:xfrm>
-          <a:prstGeom prst="roundRect">
-            <a:avLst>
-              <a:gd name="adj" fmla="val 16667"/>
-            </a:avLst>
-          </a:prstGeom>
-          <a:noFill/>
-          <a:ln w="38100" cap="flat" cmpd="sng">
-            <a:solidFill>
-              <a:srgbClr val="FF0000"/>
-            </a:solidFill>
-            <a:prstDash val="solid"/>
-            <a:round/>
-            <a:headEnd type="none" w="sm" len="sm"/>
-            <a:tailEnd type="none" w="sm" len="sm"/>
-          </a:ln>
-        </p:spPr>
-        <p:txBody>
-          <a:bodyPr spcFirstLastPara="1" wrap="square" lIns="91425" tIns="45700" rIns="91425" bIns="45700" anchor="ctr" anchorCtr="0">
-            <a:noAutofit/>
-          </a:bodyPr>
-          <a:lstStyle/>
-          <a:p>
-            <a:pPr marL="0" marR="0" lvl="0" indent="0" algn="ctr" rtl="0">
-              <a:lnSpc>
-                <a:spcPct val="80000"/>
-              </a:lnSpc>
-              <a:spcBef>
-                <a:spcPts val="0"/>
-              </a:spcBef>
-              <a:spcAft>
-                <a:spcPts val="0"/>
-              </a:spcAft>
-              <a:buClr>
-                <a:schemeClr val="dk1"/>
-              </a:buClr>
-              <a:buSzPts val="2960"/>
-              <a:buFont typeface="Calibri"/>
-              <a:buNone/>
-            </a:pPr>
-            <a:r>
-              <a:rPr lang="en-US" sz="3200" b="1" u="none" dirty="0">
-                <a:solidFill>
-                  <a:schemeClr val="dk1"/>
-                </a:solidFill>
-                <a:latin typeface="Calibri"/>
-                <a:ea typeface="Calibri"/>
-                <a:cs typeface="Calibri"/>
-                <a:sym typeface="Calibri"/>
-              </a:rPr>
-              <a:t>Host Microbiome</a:t>
-            </a:r>
-            <a:endParaRPr sz="3200" b="1" u="none" dirty="0">
-              <a:solidFill>
-                <a:schemeClr val="dk1"/>
-              </a:solidFill>
-              <a:latin typeface="Calibri"/>
-              <a:ea typeface="Calibri"/>
-              <a:cs typeface="Calibri"/>
-              <a:sym typeface="Calibri"/>
-            </a:endParaRPr>
-          </a:p>
-        </p:txBody>
-      </p:sp>
-      <p:sp>
-        <p:nvSpPr>
-          <p:cNvPr id="113" name="Google Shape;113;p2"/>
-          <p:cNvSpPr/>
-          <p:nvPr/>
-        </p:nvSpPr>
-        <p:spPr>
-          <a:xfrm>
-            <a:off x="3349045" y="4659037"/>
-            <a:ext cx="289577" cy="563617"/>
-          </a:xfrm>
-          <a:prstGeom prst="downArrow">
-            <a:avLst>
-              <a:gd name="adj1" fmla="val 50000"/>
-              <a:gd name="adj2" fmla="val 50000"/>
-            </a:avLst>
-          </a:prstGeom>
-          <a:solidFill>
-            <a:schemeClr val="accent1"/>
-          </a:solidFill>
-          <a:ln w="12700" cap="flat" cmpd="sng">
-            <a:solidFill>
-              <a:srgbClr val="31538F"/>
-            </a:solidFill>
-            <a:prstDash val="solid"/>
-            <a:miter lim="800000"/>
-            <a:headEnd type="none" w="sm" len="sm"/>
-            <a:tailEnd type="none" w="sm" len="sm"/>
-          </a:ln>
-        </p:spPr>
-        <p:txBody>
-          <a:bodyPr spcFirstLastPara="1" wrap="square" lIns="91425" tIns="45700" rIns="91425" bIns="45700" anchor="ctr" anchorCtr="0">
-            <a:noAutofit/>
-          </a:bodyPr>
-          <a:lstStyle/>
-          <a:p>
-            <a:pPr marL="0" marR="0" lvl="0" indent="0" algn="ctr" rtl="0">
-              <a:spcBef>
-                <a:spcPts val="0"/>
-              </a:spcBef>
-              <a:spcAft>
-                <a:spcPts val="0"/>
-              </a:spcAft>
-              <a:buNone/>
-            </a:pPr>
-            <a:endParaRPr sz="1800">
-              <a:solidFill>
-                <a:schemeClr val="lt1"/>
-              </a:solidFill>
-              <a:latin typeface="Calibri"/>
-              <a:ea typeface="Calibri"/>
-              <a:cs typeface="Calibri"/>
-              <a:sym typeface="Calibri"/>
-            </a:endParaRPr>
-          </a:p>
-        </p:txBody>
-      </p:sp>
-      <p:sp>
-        <p:nvSpPr>
-          <p:cNvPr id="14" name="TextBox 13">
-            <a:extLst>
-              <a:ext uri="{FF2B5EF4-FFF2-40B4-BE49-F238E27FC236}">
-                <a16:creationId xmlns:a16="http://schemas.microsoft.com/office/drawing/2014/main" id="{28327477-C188-7255-8EFC-FAAE2D3E9519}"/>
-              </a:ext>
-            </a:extLst>
-          </p:cNvPr>
-          <p:cNvSpPr txBox="1"/>
-          <p:nvPr/>
-        </p:nvSpPr>
-        <p:spPr>
-          <a:xfrm>
-            <a:off x="6330866" y="6537088"/>
-            <a:ext cx="5901178" cy="307777"/>
-          </a:xfrm>
-          <a:prstGeom prst="rect">
-            <a:avLst/>
-          </a:prstGeom>
-          <a:noFill/>
-        </p:spPr>
-        <p:txBody>
-          <a:bodyPr wrap="square" rtlCol="0">
-            <a:spAutoFit/>
-          </a:bodyPr>
-          <a:lstStyle/>
-          <a:p>
-            <a:r>
-              <a:rPr lang="en-US" dirty="0">
-                <a:latin typeface="Calibri" panose="020F0502020204030204" pitchFamily="34" charset="0"/>
-                <a:cs typeface="Calibri" panose="020F0502020204030204" pitchFamily="34" charset="0"/>
-              </a:rPr>
-              <a:t>Newbold et. al., 2015; Bernardo-</a:t>
-            </a:r>
-            <a:r>
-              <a:rPr lang="en-US" dirty="0" err="1">
-                <a:latin typeface="Calibri" panose="020F0502020204030204" pitchFamily="34" charset="0"/>
-                <a:cs typeface="Calibri" panose="020F0502020204030204" pitchFamily="34" charset="0"/>
-              </a:rPr>
-              <a:t>Carvo</a:t>
-            </a:r>
-            <a:r>
-              <a:rPr lang="en-US" dirty="0">
-                <a:latin typeface="Calibri" panose="020F0502020204030204" pitchFamily="34" charset="0"/>
-                <a:cs typeface="Calibri" panose="020F0502020204030204" pitchFamily="34" charset="0"/>
-              </a:rPr>
-              <a:t> et. al., 2020; </a:t>
-            </a:r>
-            <a:r>
-              <a:rPr lang="en-US" dirty="0" err="1">
-                <a:latin typeface="Calibri" panose="020F0502020204030204" pitchFamily="34" charset="0"/>
-                <a:cs typeface="Calibri" panose="020F0502020204030204" pitchFamily="34" charset="0"/>
-              </a:rPr>
-              <a:t>Fackelmann</a:t>
-            </a:r>
-            <a:r>
-              <a:rPr lang="en-US" dirty="0">
-                <a:latin typeface="Calibri" panose="020F0502020204030204" pitchFamily="34" charset="0"/>
-                <a:cs typeface="Calibri" panose="020F0502020204030204" pitchFamily="34" charset="0"/>
-              </a:rPr>
-              <a:t> et. al., 2021</a:t>
-            </a:r>
-          </a:p>
-        </p:txBody>
-      </p:sp>
-    </p:spTree>
-    <p:extLst>
-      <p:ext uri="{BB962C8B-B14F-4D97-AF65-F5344CB8AC3E}">
-        <p14:creationId xmlns:p14="http://schemas.microsoft.com/office/powerpoint/2010/main" val="116169187"/>
-      </p:ext>
-    </p:extLst>
-  </p:cSld>
-  <p:clrMapOvr>
-    <a:masterClrMapping/>
-  </p:clrMapOvr>
-</p:sld>
-</file>
-
-<file path=ppt/slides/slide30.xml><?xml version="1.0" encoding="utf-8"?>
+<file path=ppt/slides/slide32.xml><?xml version="1.0" encoding="utf-8"?>
 <p:sld xmlns:a="http://schemas.openxmlformats.org/drawingml/2006/main" xmlns:r="http://schemas.openxmlformats.org/officeDocument/2006/relationships" xmlns:p="http://schemas.openxmlformats.org/presentationml/2006/main" show="0">
   <p:cSld>
     <p:spTree>
@@ -33212,7 +33330,7 @@
 </p:sld>
 </file>
 
-<file path=ppt/slides/slide31.xml><?xml version="1.0" encoding="utf-8"?>
+<file path=ppt/slides/slide33.xml><?xml version="1.0" encoding="utf-8"?>
 <p:sld xmlns:a="http://schemas.openxmlformats.org/drawingml/2006/main" xmlns:r="http://schemas.openxmlformats.org/officeDocument/2006/relationships" xmlns:p="http://schemas.openxmlformats.org/presentationml/2006/main" show="0">
   <p:cSld>
     <p:spTree>
@@ -33622,7 +33740,7 @@
 </p:sld>
 </file>
 
-<file path=ppt/slides/slide32.xml><?xml version="1.0" encoding="utf-8"?>
+<file path=ppt/slides/slide34.xml><?xml version="1.0" encoding="utf-8"?>
 <p:sld xmlns:a="http://schemas.openxmlformats.org/drawingml/2006/main" xmlns:r="http://schemas.openxmlformats.org/officeDocument/2006/relationships" xmlns:p="http://schemas.openxmlformats.org/presentationml/2006/main" show="0">
   <p:cSld>
     <p:spTree>
@@ -33721,7 +33839,7 @@
 </p:sld>
 </file>
 
-<file path=ppt/slides/slide33.xml><?xml version="1.0" encoding="utf-8"?>
+<file path=ppt/slides/slide35.xml><?xml version="1.0" encoding="utf-8"?>
 <p:sld xmlns:a="http://schemas.openxmlformats.org/drawingml/2006/main" xmlns:r="http://schemas.openxmlformats.org/officeDocument/2006/relationships" xmlns:p="http://schemas.openxmlformats.org/presentationml/2006/main" show="0">
   <p:cSld>
     <p:spTree>
